--- a/oonishi/感情衛星「ひまわり」の発表シナリオ.pptx
+++ b/oonishi/感情衛星「ひまわり」の発表シナリオ.pptx
@@ -6071,7 +6071,7 @@
         </p:nvSpPr>
         <p:spPr>
           <a:xfrm>
-            <a:off x="1401559" y="1701173"/>
+            <a:off x="256651" y="1178710"/>
             <a:ext cx="7766936" cy="1646302"/>
           </a:xfrm>
         </p:spPr>
@@ -6081,13 +6081,72 @@
           <a:p>
             <a:pPr algn="ctr"/>
             <a:r>
-              <a:rPr lang="ja-JP" altLang="en-US" dirty="0" smtClean="0">
+              <a:rPr lang="en-US" altLang="ja-JP" sz="4800" dirty="0" smtClean="0">
+                <a:latin typeface="Meiryo UI" panose="020B0604030504040204" pitchFamily="50" charset="-128"/>
+                <a:ea typeface="Meiryo UI" panose="020B0604030504040204" pitchFamily="50" charset="-128"/>
+              </a:rPr>
+              <a:t/>
+            </a:r>
+            <a:br>
+              <a:rPr lang="en-US" altLang="ja-JP" sz="4800" dirty="0" smtClean="0">
+                <a:latin typeface="Meiryo UI" panose="020B0604030504040204" pitchFamily="50" charset="-128"/>
+                <a:ea typeface="Meiryo UI" panose="020B0604030504040204" pitchFamily="50" charset="-128"/>
+              </a:rPr>
+            </a:br>
+            <a:r>
+              <a:rPr lang="en-US" altLang="ja-JP" sz="4800" dirty="0">
+                <a:latin typeface="Meiryo UI" panose="020B0604030504040204" pitchFamily="50" charset="-128"/>
+                <a:ea typeface="Meiryo UI" panose="020B0604030504040204" pitchFamily="50" charset="-128"/>
+              </a:rPr>
+              <a:t/>
+            </a:r>
+            <a:br>
+              <a:rPr lang="en-US" altLang="ja-JP" sz="4800" dirty="0">
+                <a:latin typeface="Meiryo UI" panose="020B0604030504040204" pitchFamily="50" charset="-128"/>
+                <a:ea typeface="Meiryo UI" panose="020B0604030504040204" pitchFamily="50" charset="-128"/>
+              </a:rPr>
+            </a:br>
+            <a:r>
+              <a:rPr lang="en-US" altLang="ja-JP" sz="4800" dirty="0" smtClean="0">
+                <a:latin typeface="Meiryo UI" panose="020B0604030504040204" pitchFamily="50" charset="-128"/>
+                <a:ea typeface="Meiryo UI" panose="020B0604030504040204" pitchFamily="50" charset="-128"/>
+              </a:rPr>
+              <a:t/>
+            </a:r>
+            <a:br>
+              <a:rPr lang="en-US" altLang="ja-JP" sz="4800" dirty="0" smtClean="0">
+                <a:latin typeface="Meiryo UI" panose="020B0604030504040204" pitchFamily="50" charset="-128"/>
+                <a:ea typeface="Meiryo UI" panose="020B0604030504040204" pitchFamily="50" charset="-128"/>
+              </a:rPr>
+            </a:br>
+            <a:r>
+              <a:rPr lang="ja-JP" altLang="en-US" sz="4800" dirty="0" smtClean="0">
+                <a:latin typeface="Meiryo UI" panose="020B0604030504040204" pitchFamily="50" charset="-128"/>
+                <a:ea typeface="Meiryo UI" panose="020B0604030504040204" pitchFamily="50" charset="-128"/>
+              </a:rPr>
+              <a:t>顔色モニター</a:t>
+            </a:r>
+            <a:r>
+              <a:rPr lang="en-US" altLang="ja-JP" sz="4800" dirty="0" smtClean="0">
+                <a:latin typeface="Meiryo UI" panose="020B0604030504040204" pitchFamily="50" charset="-128"/>
+                <a:ea typeface="Meiryo UI" panose="020B0604030504040204" pitchFamily="50" charset="-128"/>
+              </a:rPr>
+              <a:t/>
+            </a:r>
+            <a:br>
+              <a:rPr lang="en-US" altLang="ja-JP" sz="4800" dirty="0" smtClean="0">
+                <a:latin typeface="Meiryo UI" panose="020B0604030504040204" pitchFamily="50" charset="-128"/>
+                <a:ea typeface="Meiryo UI" panose="020B0604030504040204" pitchFamily="50" charset="-128"/>
+              </a:rPr>
+            </a:br>
+            <a:r>
+              <a:rPr lang="ja-JP" altLang="en-US" sz="4800" dirty="0" smtClean="0">
                 <a:latin typeface="Meiryo UI" panose="020B0604030504040204" pitchFamily="50" charset="-128"/>
                 <a:ea typeface="Meiryo UI" panose="020B0604030504040204" pitchFamily="50" charset="-128"/>
               </a:rPr>
               <a:t>感情衛星「ひまわり」</a:t>
             </a:r>
-            <a:endParaRPr kumimoji="1" lang="ja-JP" altLang="en-US" dirty="0">
+            <a:endParaRPr kumimoji="1" lang="ja-JP" altLang="en-US" sz="4800" dirty="0">
               <a:latin typeface="Meiryo UI" panose="020B0604030504040204" pitchFamily="50" charset="-128"/>
               <a:ea typeface="Meiryo UI" panose="020B0604030504040204" pitchFamily="50" charset="-128"/>
             </a:endParaRPr>
@@ -6102,8 +6161,8 @@
         </p:nvSpPr>
         <p:spPr>
           <a:xfrm>
-            <a:off x="4138559" y="4976991"/>
-            <a:ext cx="1146468" cy="646331"/>
+            <a:off x="5809385" y="3003342"/>
+            <a:ext cx="3314270" cy="2031325"/>
           </a:xfrm>
           <a:prstGeom prst="rect">
             <a:avLst/>
@@ -6111,7 +6170,7 @@
           <a:noFill/>
         </p:spPr>
         <p:txBody>
-          <a:bodyPr wrap="none" rtlCol="0">
+          <a:bodyPr wrap="square" rtlCol="0">
             <a:spAutoFit/>
           </a:bodyPr>
           <a:lstStyle/>
@@ -6141,12 +6200,83 @@
                 <a:latin typeface="Meiryo UI" panose="020B0604030504040204" pitchFamily="50" charset="-128"/>
                 <a:ea typeface="Meiryo UI" panose="020B0604030504040204" pitchFamily="50" charset="-128"/>
               </a:rPr>
-              <a:t>・</a:t>
-            </a:r>
-            <a:endParaRPr kumimoji="1" lang="ja-JP" altLang="en-US" dirty="0">
-              <a:latin typeface="Meiryo UI" panose="020B0604030504040204" pitchFamily="50" charset="-128"/>
-              <a:ea typeface="Meiryo UI" panose="020B0604030504040204" pitchFamily="50" charset="-128"/>
-            </a:endParaRPr>
+              <a:t> </a:t>
+            </a:r>
+            <a:r>
+              <a:rPr lang="ja-JP" altLang="ja-JP" dirty="0" smtClean="0"/>
+              <a:t>•</a:t>
+            </a:r>
+            <a:r>
+              <a:rPr lang="ja-JP" altLang="ja-JP" dirty="0"/>
+              <a:t>大西昌樹</a:t>
+            </a:r>
+          </a:p>
+          <a:p>
+            <a:r>
+              <a:rPr lang="ja-JP" altLang="en-US" dirty="0" smtClean="0"/>
+              <a:t>　</a:t>
+            </a:r>
+            <a:r>
+              <a:rPr lang="ja-JP" altLang="ja-JP" dirty="0" smtClean="0"/>
+              <a:t>•</a:t>
+            </a:r>
+            <a:r>
+              <a:rPr lang="ja-JP" altLang="ja-JP" dirty="0"/>
+              <a:t>八十岡恒人</a:t>
+            </a:r>
+          </a:p>
+          <a:p>
+            <a:r>
+              <a:rPr lang="ja-JP" altLang="en-US" dirty="0" smtClean="0"/>
+              <a:t>　</a:t>
+            </a:r>
+            <a:r>
+              <a:rPr lang="ja-JP" altLang="ja-JP" dirty="0" smtClean="0"/>
+              <a:t>•</a:t>
+            </a:r>
+            <a:r>
+              <a:rPr lang="ja-JP" altLang="ja-JP" dirty="0"/>
+              <a:t>矢頭岳人</a:t>
+            </a:r>
+          </a:p>
+          <a:p>
+            <a:r>
+              <a:rPr lang="ja-JP" altLang="en-US" dirty="0" smtClean="0"/>
+              <a:t>　</a:t>
+            </a:r>
+            <a:r>
+              <a:rPr lang="ja-JP" altLang="ja-JP" dirty="0" smtClean="0"/>
+              <a:t>•</a:t>
+            </a:r>
+            <a:r>
+              <a:rPr lang="ja-JP" altLang="ja-JP" dirty="0"/>
+              <a:t>安野光晴</a:t>
+            </a:r>
+          </a:p>
+          <a:p>
+            <a:r>
+              <a:rPr lang="ja-JP" altLang="en-US" dirty="0" smtClean="0"/>
+              <a:t>　</a:t>
+            </a:r>
+            <a:r>
+              <a:rPr lang="ja-JP" altLang="ja-JP" dirty="0" smtClean="0"/>
+              <a:t>•</a:t>
+            </a:r>
+            <a:r>
+              <a:rPr lang="ja-JP" altLang="ja-JP" dirty="0"/>
+              <a:t>萩原健太郎</a:t>
+            </a:r>
+          </a:p>
+          <a:p>
+            <a:r>
+              <a:rPr lang="ja-JP" altLang="en-US" dirty="0" smtClean="0"/>
+              <a:t>　</a:t>
+            </a:r>
+            <a:r>
+              <a:rPr lang="ja-JP" altLang="ja-JP" dirty="0" smtClean="0"/>
+              <a:t>•島田光</a:t>
+            </a:r>
+            <a:endParaRPr lang="ja-JP" altLang="ja-JP" dirty="0"/>
           </a:p>
         </p:txBody>
       </p:sp>
@@ -6187,7 +6317,7 @@
               <a:t> スマート</a:t>
             </a:r>
             <a:r>
-              <a:rPr kumimoji="1" lang="en-US" altLang="ja-JP" dirty="0" err="1" smtClean="0">
+              <a:rPr kumimoji="1" lang="en-US" altLang="ja-JP" dirty="0" smtClean="0">
                 <a:latin typeface="Meiryo UI" panose="020B0604030504040204" pitchFamily="50" charset="-128"/>
                 <a:ea typeface="Meiryo UI" panose="020B0604030504040204" pitchFamily="50" charset="-128"/>
               </a:rPr>
@@ -6215,8 +6345,8 @@
         </p:nvSpPr>
         <p:spPr>
           <a:xfrm>
-            <a:off x="3852092" y="3898381"/>
-            <a:ext cx="2032929" cy="369332"/>
+            <a:off x="2219915" y="3187647"/>
+            <a:ext cx="2651688" cy="461665"/>
           </a:xfrm>
           <a:prstGeom prst="rect">
             <a:avLst/>
@@ -6230,54 +6360,198 @@
           <a:lstStyle/>
           <a:p>
             <a:r>
-              <a:rPr kumimoji="1" lang="en-US" altLang="ja-JP" dirty="0" smtClean="0">
+              <a:rPr kumimoji="1" lang="en-US" altLang="ja-JP" sz="2400" dirty="0" smtClean="0">
                 <a:latin typeface="Meiryo UI" panose="020B0604030504040204" pitchFamily="50" charset="-128"/>
                 <a:ea typeface="Meiryo UI" panose="020B0604030504040204" pitchFamily="50" charset="-128"/>
               </a:rPr>
               <a:t>2018</a:t>
             </a:r>
             <a:r>
-              <a:rPr kumimoji="1" lang="ja-JP" altLang="en-US" dirty="0" smtClean="0">
+              <a:rPr kumimoji="1" lang="ja-JP" altLang="en-US" sz="2400" dirty="0" smtClean="0">
                 <a:latin typeface="Meiryo UI" panose="020B0604030504040204" pitchFamily="50" charset="-128"/>
                 <a:ea typeface="Meiryo UI" panose="020B0604030504040204" pitchFamily="50" charset="-128"/>
               </a:rPr>
               <a:t>年 </a:t>
             </a:r>
             <a:r>
-              <a:rPr kumimoji="1" lang="en-US" altLang="ja-JP" dirty="0" smtClean="0">
+              <a:rPr kumimoji="1" lang="en-US" altLang="ja-JP" sz="2400" dirty="0" smtClean="0">
                 <a:latin typeface="Meiryo UI" panose="020B0604030504040204" pitchFamily="50" charset="-128"/>
                 <a:ea typeface="Meiryo UI" panose="020B0604030504040204" pitchFamily="50" charset="-128"/>
               </a:rPr>
               <a:t>9</a:t>
             </a:r>
             <a:r>
-              <a:rPr kumimoji="1" lang="ja-JP" altLang="en-US" dirty="0" smtClean="0">
+              <a:rPr kumimoji="1" lang="ja-JP" altLang="en-US" sz="2400" dirty="0" smtClean="0">
                 <a:latin typeface="Meiryo UI" panose="020B0604030504040204" pitchFamily="50" charset="-128"/>
                 <a:ea typeface="Meiryo UI" panose="020B0604030504040204" pitchFamily="50" charset="-128"/>
               </a:rPr>
               <a:t>月 </a:t>
             </a:r>
             <a:r>
-              <a:rPr kumimoji="1" lang="en-US" altLang="ja-JP" dirty="0" smtClean="0">
+              <a:rPr kumimoji="1" lang="en-US" altLang="ja-JP" sz="2400" dirty="0" smtClean="0">
                 <a:latin typeface="Meiryo UI" panose="020B0604030504040204" pitchFamily="50" charset="-128"/>
                 <a:ea typeface="Meiryo UI" panose="020B0604030504040204" pitchFamily="50" charset="-128"/>
               </a:rPr>
               <a:t>29</a:t>
             </a:r>
             <a:r>
-              <a:rPr kumimoji="1" lang="ja-JP" altLang="en-US" dirty="0" smtClean="0">
+              <a:rPr kumimoji="1" lang="ja-JP" altLang="en-US" sz="2400" dirty="0" smtClean="0">
                 <a:latin typeface="Meiryo UI" panose="020B0604030504040204" pitchFamily="50" charset="-128"/>
                 <a:ea typeface="Meiryo UI" panose="020B0604030504040204" pitchFamily="50" charset="-128"/>
               </a:rPr>
               <a:t>日</a:t>
             </a:r>
-            <a:endParaRPr kumimoji="1" lang="ja-JP" altLang="en-US" dirty="0">
+            <a:endParaRPr kumimoji="1" lang="ja-JP" altLang="en-US" sz="2400" dirty="0">
               <a:latin typeface="Meiryo UI" panose="020B0604030504040204" pitchFamily="50" charset="-128"/>
               <a:ea typeface="Meiryo UI" panose="020B0604030504040204" pitchFamily="50" charset="-128"/>
             </a:endParaRPr>
           </a:p>
         </p:txBody>
       </p:sp>
+      <p:pic>
+        <p:nvPicPr>
+          <p:cNvPr id="8" name="図 7"/>
+          <p:cNvPicPr>
+            <a:picLocks noChangeAspect="1"/>
+          </p:cNvPicPr>
+          <p:nvPr/>
+        </p:nvPicPr>
+        <p:blipFill>
+          <a:blip r:embed="rId2">
+            <a:extLst>
+              <a:ext uri="{28A0092B-C50C-407E-A947-70E740481C1C}">
+                <a14:useLocalDpi xmlns:a14="http://schemas.microsoft.com/office/drawing/2010/main" val="0"/>
+              </a:ext>
+            </a:extLst>
+          </a:blip>
+          <a:stretch>
+            <a:fillRect/>
+          </a:stretch>
+        </p:blipFill>
+        <p:spPr>
+          <a:xfrm>
+            <a:off x="7466520" y="727362"/>
+            <a:ext cx="1887220" cy="1796962"/>
+          </a:xfrm>
+          <a:prstGeom prst="rect">
+            <a:avLst/>
+          </a:prstGeom>
+        </p:spPr>
+      </p:pic>
+      <p:pic>
+        <p:nvPicPr>
+          <p:cNvPr id="9" name="図 8"/>
+          <p:cNvPicPr>
+            <a:picLocks noChangeAspect="1"/>
+          </p:cNvPicPr>
+          <p:nvPr/>
+        </p:nvPicPr>
+        <p:blipFill>
+          <a:blip r:embed="rId3">
+            <a:extLst>
+              <a:ext uri="{28A0092B-C50C-407E-A947-70E740481C1C}">
+                <a14:useLocalDpi xmlns:a14="http://schemas.microsoft.com/office/drawing/2010/main" val="0"/>
+              </a:ext>
+            </a:extLst>
+          </a:blip>
+          <a:stretch>
+            <a:fillRect/>
+          </a:stretch>
+        </p:blipFill>
+        <p:spPr>
+          <a:xfrm>
+            <a:off x="6597137" y="5120254"/>
+            <a:ext cx="1738766" cy="1738766"/>
+          </a:xfrm>
+          <a:prstGeom prst="rect">
+            <a:avLst/>
+          </a:prstGeom>
+        </p:spPr>
+      </p:pic>
+      <p:pic>
+        <p:nvPicPr>
+          <p:cNvPr id="10" name="図 9"/>
+          <p:cNvPicPr>
+            <a:picLocks noChangeAspect="1"/>
+          </p:cNvPicPr>
+          <p:nvPr/>
+        </p:nvPicPr>
+        <p:blipFill>
+          <a:blip r:embed="rId4"/>
+          <a:stretch>
+            <a:fillRect/>
+          </a:stretch>
+        </p:blipFill>
+        <p:spPr>
+          <a:xfrm>
+            <a:off x="878177" y="5031821"/>
+            <a:ext cx="1772112" cy="1606915"/>
+          </a:xfrm>
+          <a:prstGeom prst="rect">
+            <a:avLst/>
+          </a:prstGeom>
+        </p:spPr>
+      </p:pic>
+      <p:pic>
+        <p:nvPicPr>
+          <p:cNvPr id="7" name="図 6"/>
+          <p:cNvPicPr>
+            <a:picLocks noChangeAspect="1"/>
+          </p:cNvPicPr>
+          <p:nvPr/>
+        </p:nvPicPr>
+        <p:blipFill>
+          <a:blip r:embed="rId5">
+            <a:extLst>
+              <a:ext uri="{28A0092B-C50C-407E-A947-70E740481C1C}">
+                <a14:useLocalDpi xmlns:a14="http://schemas.microsoft.com/office/drawing/2010/main" val="0"/>
+              </a:ext>
+            </a:extLst>
+          </a:blip>
+          <a:stretch>
+            <a:fillRect/>
+          </a:stretch>
+        </p:blipFill>
+        <p:spPr>
+          <a:xfrm>
+            <a:off x="6148084" y="274011"/>
+            <a:ext cx="1503680" cy="1524000"/>
+          </a:xfrm>
+          <a:prstGeom prst="rect">
+            <a:avLst/>
+          </a:prstGeom>
+        </p:spPr>
+      </p:pic>
+      <p:pic>
+        <p:nvPicPr>
+          <p:cNvPr id="11" name="図 10"/>
+          <p:cNvPicPr>
+            <a:picLocks noChangeAspect="1"/>
+          </p:cNvPicPr>
+          <p:nvPr/>
+        </p:nvPicPr>
+        <p:blipFill>
+          <a:blip r:embed="rId6">
+            <a:extLst>
+              <a:ext uri="{28A0092B-C50C-407E-A947-70E740481C1C}">
+                <a14:useLocalDpi xmlns:a14="http://schemas.microsoft.com/office/drawing/2010/main" val="0"/>
+              </a:ext>
+            </a:extLst>
+          </a:blip>
+          <a:stretch>
+            <a:fillRect/>
+          </a:stretch>
+        </p:blipFill>
+        <p:spPr>
+          <a:xfrm>
+            <a:off x="3294315" y="5120254"/>
+            <a:ext cx="2610723" cy="1518482"/>
+          </a:xfrm>
+          <a:prstGeom prst="rect">
+            <a:avLst/>
+          </a:prstGeom>
+        </p:spPr>
+      </p:pic>
     </p:spTree>
     <p:extLst>
       <p:ext uri="{BB962C8B-B14F-4D97-AF65-F5344CB8AC3E}">

--- a/oonishi/感情衛星「ひまわり」の発表シナリオ.pptx
+++ b/oonishi/感情衛星「ひまわり」の発表シナリオ.pptx
@@ -8,8 +8,9 @@
     <p:sldId id="256" r:id="rId2"/>
     <p:sldId id="257" r:id="rId3"/>
     <p:sldId id="258" r:id="rId4"/>
-    <p:sldId id="259" r:id="rId5"/>
+    <p:sldId id="262" r:id="rId5"/>
     <p:sldId id="260" r:id="rId6"/>
+    <p:sldId id="263" r:id="rId7"/>
   </p:sldIdLst>
   <p:sldSz cx="12192000" cy="6858000"/>
   <p:notesSz cx="6858000" cy="9144000"/>
@@ -108,6 +109,11 @@
       </a:defRPr>
     </a:lvl9pPr>
   </p:defaultTextStyle>
+  <p:extLst>
+    <p:ext uri="{EFAFB233-063F-42B5-8137-9DF3F51BA10A}">
+      <p15:sldGuideLst xmlns:p15="http://schemas.microsoft.com/office/powerpoint/2012/main"/>
+    </p:ext>
+  </p:extLst>
 </p:presentation>
 </file>
 
@@ -6161,8 +6167,8 @@
         </p:nvSpPr>
         <p:spPr>
           <a:xfrm>
-            <a:off x="5809385" y="3003342"/>
-            <a:ext cx="3314270" cy="2031325"/>
+            <a:off x="7119439" y="2912754"/>
+            <a:ext cx="2437799" cy="2031325"/>
           </a:xfrm>
           <a:prstGeom prst="rect">
             <a:avLst/>
@@ -6289,7 +6295,7 @@
         <p:spPr>
           <a:xfrm>
             <a:off x="1005255" y="250020"/>
-            <a:ext cx="3290068" cy="369332"/>
+            <a:ext cx="3637471" cy="400110"/>
           </a:xfrm>
           <a:prstGeom prst="rect">
             <a:avLst/>
@@ -6303,34 +6309,34 @@
           <a:lstStyle/>
           <a:p>
             <a:r>
-              <a:rPr kumimoji="1" lang="en-US" altLang="ja-JP" dirty="0" smtClean="0">
+              <a:rPr kumimoji="1" lang="en-US" altLang="ja-JP" sz="2000" dirty="0" smtClean="0">
                 <a:latin typeface="Meiryo UI" panose="020B0604030504040204" pitchFamily="50" charset="-128"/>
                 <a:ea typeface="Meiryo UI" panose="020B0604030504040204" pitchFamily="50" charset="-128"/>
               </a:rPr>
               <a:t>K1</a:t>
             </a:r>
             <a:r>
-              <a:rPr kumimoji="1" lang="ja-JP" altLang="en-US" dirty="0" smtClean="0">
+              <a:rPr kumimoji="1" lang="ja-JP" altLang="en-US" sz="2000" dirty="0" smtClean="0">
                 <a:latin typeface="Meiryo UI" panose="020B0604030504040204" pitchFamily="50" charset="-128"/>
                 <a:ea typeface="Meiryo UI" panose="020B0604030504040204" pitchFamily="50" charset="-128"/>
               </a:rPr>
               <a:t> スマート</a:t>
             </a:r>
             <a:r>
-              <a:rPr kumimoji="1" lang="en-US" altLang="ja-JP" dirty="0" smtClean="0">
+              <a:rPr kumimoji="1" lang="en-US" altLang="ja-JP" sz="2000" dirty="0" smtClean="0">
                 <a:latin typeface="Meiryo UI" panose="020B0604030504040204" pitchFamily="50" charset="-128"/>
                 <a:ea typeface="Meiryo UI" panose="020B0604030504040204" pitchFamily="50" charset="-128"/>
               </a:rPr>
               <a:t>IoT</a:t>
             </a:r>
             <a:r>
-              <a:rPr kumimoji="1" lang="ja-JP" altLang="en-US" dirty="0" smtClean="0">
+              <a:rPr kumimoji="1" lang="ja-JP" altLang="en-US" sz="2000" dirty="0" smtClean="0">
                 <a:latin typeface="Meiryo UI" panose="020B0604030504040204" pitchFamily="50" charset="-128"/>
                 <a:ea typeface="Meiryo UI" panose="020B0604030504040204" pitchFamily="50" charset="-128"/>
               </a:rPr>
               <a:t>システム開発実習</a:t>
             </a:r>
-            <a:endParaRPr kumimoji="1" lang="ja-JP" altLang="en-US" dirty="0">
+            <a:endParaRPr kumimoji="1" lang="ja-JP" altLang="en-US" sz="2000" dirty="0">
               <a:latin typeface="Meiryo UI" panose="020B0604030504040204" pitchFamily="50" charset="-128"/>
               <a:ea typeface="Meiryo UI" panose="020B0604030504040204" pitchFamily="50" charset="-128"/>
             </a:endParaRPr>
@@ -6345,8 +6351,8 @@
         </p:nvSpPr>
         <p:spPr>
           <a:xfrm>
-            <a:off x="2219915" y="3187647"/>
-            <a:ext cx="2651688" cy="461665"/>
+            <a:off x="3204653" y="3528306"/>
+            <a:ext cx="2238113" cy="400110"/>
           </a:xfrm>
           <a:prstGeom prst="rect">
             <a:avLst/>
@@ -6360,48 +6366,48 @@
           <a:lstStyle/>
           <a:p>
             <a:r>
-              <a:rPr kumimoji="1" lang="en-US" altLang="ja-JP" sz="2400" dirty="0" smtClean="0">
+              <a:rPr kumimoji="1" lang="en-US" altLang="ja-JP" sz="2000" dirty="0" smtClean="0">
                 <a:latin typeface="Meiryo UI" panose="020B0604030504040204" pitchFamily="50" charset="-128"/>
                 <a:ea typeface="Meiryo UI" panose="020B0604030504040204" pitchFamily="50" charset="-128"/>
               </a:rPr>
               <a:t>2018</a:t>
             </a:r>
             <a:r>
-              <a:rPr kumimoji="1" lang="ja-JP" altLang="en-US" sz="2400" dirty="0" smtClean="0">
+              <a:rPr kumimoji="1" lang="ja-JP" altLang="en-US" sz="2000" dirty="0" smtClean="0">
                 <a:latin typeface="Meiryo UI" panose="020B0604030504040204" pitchFamily="50" charset="-128"/>
                 <a:ea typeface="Meiryo UI" panose="020B0604030504040204" pitchFamily="50" charset="-128"/>
               </a:rPr>
               <a:t>年 </a:t>
             </a:r>
             <a:r>
-              <a:rPr kumimoji="1" lang="en-US" altLang="ja-JP" sz="2400" dirty="0" smtClean="0">
+              <a:rPr kumimoji="1" lang="en-US" altLang="ja-JP" sz="2000" dirty="0" smtClean="0">
                 <a:latin typeface="Meiryo UI" panose="020B0604030504040204" pitchFamily="50" charset="-128"/>
                 <a:ea typeface="Meiryo UI" panose="020B0604030504040204" pitchFamily="50" charset="-128"/>
               </a:rPr>
               <a:t>9</a:t>
             </a:r>
             <a:r>
-              <a:rPr kumimoji="1" lang="ja-JP" altLang="en-US" sz="2400" dirty="0" smtClean="0">
+              <a:rPr kumimoji="1" lang="ja-JP" altLang="en-US" sz="2000" dirty="0" smtClean="0">
                 <a:latin typeface="Meiryo UI" panose="020B0604030504040204" pitchFamily="50" charset="-128"/>
                 <a:ea typeface="Meiryo UI" panose="020B0604030504040204" pitchFamily="50" charset="-128"/>
               </a:rPr>
               <a:t>月 </a:t>
             </a:r>
             <a:r>
-              <a:rPr kumimoji="1" lang="en-US" altLang="ja-JP" sz="2400" dirty="0" smtClean="0">
+              <a:rPr kumimoji="1" lang="en-US" altLang="ja-JP" sz="2000" dirty="0" smtClean="0">
                 <a:latin typeface="Meiryo UI" panose="020B0604030504040204" pitchFamily="50" charset="-128"/>
                 <a:ea typeface="Meiryo UI" panose="020B0604030504040204" pitchFamily="50" charset="-128"/>
               </a:rPr>
               <a:t>29</a:t>
             </a:r>
             <a:r>
-              <a:rPr kumimoji="1" lang="ja-JP" altLang="en-US" sz="2400" dirty="0" smtClean="0">
+              <a:rPr kumimoji="1" lang="ja-JP" altLang="en-US" sz="2000" dirty="0" smtClean="0">
                 <a:latin typeface="Meiryo UI" panose="020B0604030504040204" pitchFamily="50" charset="-128"/>
                 <a:ea typeface="Meiryo UI" panose="020B0604030504040204" pitchFamily="50" charset="-128"/>
               </a:rPr>
               <a:t>日</a:t>
             </a:r>
-            <a:endParaRPr kumimoji="1" lang="ja-JP" altLang="en-US" sz="2400" dirty="0">
+            <a:endParaRPr kumimoji="1" lang="ja-JP" altLang="en-US" sz="2000" dirty="0">
               <a:latin typeface="Meiryo UI" panose="020B0604030504040204" pitchFamily="50" charset="-128"/>
               <a:ea typeface="Meiryo UI" panose="020B0604030504040204" pitchFamily="50" charset="-128"/>
             </a:endParaRPr>
@@ -6590,8 +6596,8 @@
         </p:nvSpPr>
         <p:spPr>
           <a:xfrm>
-            <a:off x="307730" y="386862"/>
-            <a:ext cx="2954655" cy="369332"/>
+            <a:off x="38706" y="36438"/>
+            <a:ext cx="3153427" cy="461665"/>
           </a:xfrm>
           <a:prstGeom prst="rect">
             <a:avLst/>
@@ -6605,10 +6611,1521 @@
           <a:lstStyle/>
           <a:p>
             <a:r>
-              <a:rPr kumimoji="1" lang="ja-JP" altLang="en-US" dirty="0" smtClean="0"/>
+              <a:rPr kumimoji="1" lang="ja-JP" altLang="en-US" sz="2400" dirty="0" smtClean="0">
+                <a:latin typeface="Meiryo UI" panose="020B0604030504040204" pitchFamily="50" charset="-128"/>
+                <a:ea typeface="Meiryo UI" panose="020B0604030504040204" pitchFamily="50" charset="-128"/>
+              </a:rPr>
               <a:t>開発サービスのコンセプト</a:t>
             </a:r>
-            <a:endParaRPr kumimoji="1" lang="ja-JP" altLang="en-US" dirty="0"/>
+            <a:endParaRPr kumimoji="1" lang="ja-JP" altLang="en-US" sz="2400" dirty="0">
+              <a:latin typeface="Meiryo UI" panose="020B0604030504040204" pitchFamily="50" charset="-128"/>
+              <a:ea typeface="Meiryo UI" panose="020B0604030504040204" pitchFamily="50" charset="-128"/>
+            </a:endParaRPr>
+          </a:p>
+        </p:txBody>
+      </p:sp>
+      <p:sp>
+        <p:nvSpPr>
+          <p:cNvPr id="25" name="テキスト ボックス 24"/>
+          <p:cNvSpPr txBox="1"/>
+          <p:nvPr/>
+        </p:nvSpPr>
+        <p:spPr>
+          <a:xfrm>
+            <a:off x="631705" y="516894"/>
+            <a:ext cx="8533105" cy="1938992"/>
+          </a:xfrm>
+          <a:prstGeom prst="rect">
+            <a:avLst/>
+          </a:prstGeom>
+          <a:noFill/>
+        </p:spPr>
+        <p:txBody>
+          <a:bodyPr wrap="none" rtlCol="0">
+            <a:spAutoFit/>
+          </a:bodyPr>
+          <a:lstStyle/>
+          <a:p>
+            <a:r>
+              <a:rPr kumimoji="1" lang="ja-JP" altLang="en-US" dirty="0" smtClean="0">
+                <a:latin typeface="Meiryo UI" panose="020B0604030504040204" pitchFamily="50" charset="-128"/>
+                <a:ea typeface="Meiryo UI" panose="020B0604030504040204" pitchFamily="50" charset="-128"/>
+              </a:rPr>
+              <a:t>スマート</a:t>
+            </a:r>
+            <a:r>
+              <a:rPr kumimoji="1" lang="en-US" altLang="ja-JP" dirty="0" smtClean="0">
+                <a:latin typeface="Meiryo UI" panose="020B0604030504040204" pitchFamily="50" charset="-128"/>
+                <a:ea typeface="Meiryo UI" panose="020B0604030504040204" pitchFamily="50" charset="-128"/>
+              </a:rPr>
+              <a:t>SE</a:t>
+            </a:r>
+            <a:r>
+              <a:rPr kumimoji="1" lang="ja-JP" altLang="en-US" dirty="0" smtClean="0">
+                <a:latin typeface="Meiryo UI" panose="020B0604030504040204" pitchFamily="50" charset="-128"/>
+                <a:ea typeface="Meiryo UI" panose="020B0604030504040204" pitchFamily="50" charset="-128"/>
+              </a:rPr>
+              <a:t>では、ソリューション開発の考え方～デバイスレイヤ～</a:t>
+            </a:r>
+            <a:r>
+              <a:rPr kumimoji="1" lang="en-US" altLang="ja-JP" dirty="0" smtClean="0">
+                <a:latin typeface="Meiryo UI" panose="020B0604030504040204" pitchFamily="50" charset="-128"/>
+                <a:ea typeface="Meiryo UI" panose="020B0604030504040204" pitchFamily="50" charset="-128"/>
+              </a:rPr>
+              <a:t>NW</a:t>
+            </a:r>
+            <a:r>
+              <a:rPr kumimoji="1" lang="ja-JP" altLang="en-US" dirty="0" smtClean="0">
+                <a:latin typeface="Meiryo UI" panose="020B0604030504040204" pitchFamily="50" charset="-128"/>
+                <a:ea typeface="Meiryo UI" panose="020B0604030504040204" pitchFamily="50" charset="-128"/>
+              </a:rPr>
+              <a:t>レイヤ～上位レイヤまで、</a:t>
+            </a:r>
+            <a:endParaRPr kumimoji="1" lang="en-US" altLang="ja-JP" dirty="0" smtClean="0">
+              <a:latin typeface="Meiryo UI" panose="020B0604030504040204" pitchFamily="50" charset="-128"/>
+              <a:ea typeface="Meiryo UI" panose="020B0604030504040204" pitchFamily="50" charset="-128"/>
+            </a:endParaRPr>
+          </a:p>
+          <a:p>
+            <a:r>
+              <a:rPr kumimoji="1" lang="ja-JP" altLang="en-US" dirty="0" smtClean="0">
+                <a:latin typeface="Meiryo UI" panose="020B0604030504040204" pitchFamily="50" charset="-128"/>
+                <a:ea typeface="Meiryo UI" panose="020B0604030504040204" pitchFamily="50" charset="-128"/>
+              </a:rPr>
+              <a:t>総合的に学んできました。</a:t>
+            </a:r>
+            <a:endParaRPr kumimoji="1" lang="en-US" altLang="ja-JP" dirty="0" smtClean="0">
+              <a:latin typeface="Meiryo UI" panose="020B0604030504040204" pitchFamily="50" charset="-128"/>
+              <a:ea typeface="Meiryo UI" panose="020B0604030504040204" pitchFamily="50" charset="-128"/>
+            </a:endParaRPr>
+          </a:p>
+          <a:p>
+            <a:endParaRPr kumimoji="1" lang="en-US" altLang="ja-JP" sz="900" dirty="0" smtClean="0">
+              <a:latin typeface="Meiryo UI" panose="020B0604030504040204" pitchFamily="50" charset="-128"/>
+              <a:ea typeface="Meiryo UI" panose="020B0604030504040204" pitchFamily="50" charset="-128"/>
+            </a:endParaRPr>
+          </a:p>
+          <a:p>
+            <a:r>
+              <a:rPr kumimoji="1" lang="ja-JP" altLang="en-US" dirty="0" smtClean="0">
+                <a:solidFill>
+                  <a:srgbClr val="006600"/>
+                </a:solidFill>
+                <a:latin typeface="Meiryo UI" panose="020B0604030504040204" pitchFamily="50" charset="-128"/>
+                <a:ea typeface="Meiryo UI" panose="020B0604030504040204" pitchFamily="50" charset="-128"/>
+              </a:rPr>
+              <a:t>今回開発では、</a:t>
+            </a:r>
+            <a:endParaRPr kumimoji="1" lang="en-US" altLang="ja-JP" dirty="0" smtClean="0">
+              <a:solidFill>
+                <a:srgbClr val="006600"/>
+              </a:solidFill>
+              <a:latin typeface="Meiryo UI" panose="020B0604030504040204" pitchFamily="50" charset="-128"/>
+              <a:ea typeface="Meiryo UI" panose="020B0604030504040204" pitchFamily="50" charset="-128"/>
+            </a:endParaRPr>
+          </a:p>
+          <a:p>
+            <a:r>
+              <a:rPr kumimoji="1" lang="ja-JP" altLang="en-US" dirty="0">
+                <a:solidFill>
+                  <a:srgbClr val="006600"/>
+                </a:solidFill>
+                <a:latin typeface="Meiryo UI" panose="020B0604030504040204" pitchFamily="50" charset="-128"/>
+                <a:ea typeface="Meiryo UI" panose="020B0604030504040204" pitchFamily="50" charset="-128"/>
+              </a:rPr>
+              <a:t>　</a:t>
+            </a:r>
+            <a:r>
+              <a:rPr kumimoji="1" lang="ja-JP" altLang="en-US" dirty="0" smtClean="0">
+                <a:solidFill>
+                  <a:srgbClr val="006600"/>
+                </a:solidFill>
+                <a:latin typeface="Meiryo UI" panose="020B0604030504040204" pitchFamily="50" charset="-128"/>
+                <a:ea typeface="Meiryo UI" panose="020B0604030504040204" pitchFamily="50" charset="-128"/>
+              </a:rPr>
+              <a:t>①奥様の</a:t>
+            </a:r>
+            <a:r>
+              <a:rPr kumimoji="1" lang="ja-JP" altLang="en-US" b="1" u="sng" dirty="0" smtClean="0">
+                <a:solidFill>
+                  <a:srgbClr val="C00000"/>
+                </a:solidFill>
+                <a:latin typeface="Meiryo UI" panose="020B0604030504040204" pitchFamily="50" charset="-128"/>
+                <a:ea typeface="Meiryo UI" panose="020B0604030504040204" pitchFamily="50" charset="-128"/>
+              </a:rPr>
+              <a:t>バイタルデータ（心拍）を取得</a:t>
+            </a:r>
+            <a:r>
+              <a:rPr kumimoji="1" lang="ja-JP" altLang="en-US" dirty="0" smtClean="0">
+                <a:solidFill>
+                  <a:srgbClr val="006600"/>
+                </a:solidFill>
+                <a:latin typeface="Meiryo UI" panose="020B0604030504040204" pitchFamily="50" charset="-128"/>
+                <a:ea typeface="Meiryo UI" panose="020B0604030504040204" pitchFamily="50" charset="-128"/>
+              </a:rPr>
+              <a:t>し、</a:t>
+            </a:r>
+            <a:endParaRPr kumimoji="1" lang="en-US" altLang="ja-JP" dirty="0" smtClean="0">
+              <a:solidFill>
+                <a:srgbClr val="006600"/>
+              </a:solidFill>
+              <a:latin typeface="Meiryo UI" panose="020B0604030504040204" pitchFamily="50" charset="-128"/>
+              <a:ea typeface="Meiryo UI" panose="020B0604030504040204" pitchFamily="50" charset="-128"/>
+            </a:endParaRPr>
+          </a:p>
+          <a:p>
+            <a:r>
+              <a:rPr kumimoji="1" lang="ja-JP" altLang="en-US" dirty="0">
+                <a:solidFill>
+                  <a:srgbClr val="006600"/>
+                </a:solidFill>
+                <a:latin typeface="Meiryo UI" panose="020B0604030504040204" pitchFamily="50" charset="-128"/>
+                <a:ea typeface="Meiryo UI" panose="020B0604030504040204" pitchFamily="50" charset="-128"/>
+              </a:rPr>
+              <a:t>　</a:t>
+            </a:r>
+            <a:r>
+              <a:rPr kumimoji="1" lang="ja-JP" altLang="en-US" dirty="0" smtClean="0">
+                <a:solidFill>
+                  <a:srgbClr val="006600"/>
+                </a:solidFill>
+                <a:latin typeface="Meiryo UI" panose="020B0604030504040204" pitchFamily="50" charset="-128"/>
+                <a:ea typeface="Meiryo UI" panose="020B0604030504040204" pitchFamily="50" charset="-128"/>
+              </a:rPr>
+              <a:t>②</a:t>
+            </a:r>
+            <a:r>
+              <a:rPr kumimoji="1" lang="en-US" altLang="ja-JP" b="1" u="sng" dirty="0" smtClean="0">
+                <a:solidFill>
+                  <a:srgbClr val="C00000"/>
+                </a:solidFill>
+                <a:latin typeface="Meiryo UI" panose="020B0604030504040204" pitchFamily="50" charset="-128"/>
+                <a:ea typeface="Meiryo UI" panose="020B0604030504040204" pitchFamily="50" charset="-128"/>
+              </a:rPr>
+              <a:t>LINE</a:t>
+            </a:r>
+            <a:r>
+              <a:rPr kumimoji="1" lang="ja-JP" altLang="en-US" dirty="0" smtClean="0">
+                <a:solidFill>
+                  <a:srgbClr val="006600"/>
+                </a:solidFill>
+                <a:latin typeface="Meiryo UI" panose="020B0604030504040204" pitchFamily="50" charset="-128"/>
+                <a:ea typeface="Meiryo UI" panose="020B0604030504040204" pitchFamily="50" charset="-128"/>
+              </a:rPr>
+              <a:t>で、奥様のバイタルデータを確認をでき、</a:t>
+            </a:r>
+            <a:endParaRPr kumimoji="1" lang="en-US" altLang="ja-JP" dirty="0" smtClean="0">
+              <a:solidFill>
+                <a:srgbClr val="006600"/>
+              </a:solidFill>
+              <a:latin typeface="Meiryo UI" panose="020B0604030504040204" pitchFamily="50" charset="-128"/>
+              <a:ea typeface="Meiryo UI" panose="020B0604030504040204" pitchFamily="50" charset="-128"/>
+            </a:endParaRPr>
+          </a:p>
+          <a:p>
+            <a:r>
+              <a:rPr kumimoji="1" lang="ja-JP" altLang="en-US" dirty="0">
+                <a:solidFill>
+                  <a:srgbClr val="006600"/>
+                </a:solidFill>
+                <a:latin typeface="Meiryo UI" panose="020B0604030504040204" pitchFamily="50" charset="-128"/>
+                <a:ea typeface="Meiryo UI" panose="020B0604030504040204" pitchFamily="50" charset="-128"/>
+              </a:rPr>
+              <a:t>　</a:t>
+            </a:r>
+            <a:r>
+              <a:rPr kumimoji="1" lang="ja-JP" altLang="en-US" dirty="0" smtClean="0">
+                <a:solidFill>
+                  <a:srgbClr val="006600"/>
+                </a:solidFill>
+                <a:latin typeface="Meiryo UI" panose="020B0604030504040204" pitchFamily="50" charset="-128"/>
+                <a:ea typeface="Meiryo UI" panose="020B0604030504040204" pitchFamily="50" charset="-128"/>
+              </a:rPr>
+              <a:t>③クラウドから、ご主人の動きを</a:t>
+            </a:r>
+            <a:r>
+              <a:rPr kumimoji="1" lang="ja-JP" altLang="en-US" b="1" u="sng" dirty="0" smtClean="0">
+                <a:solidFill>
+                  <a:srgbClr val="C00000"/>
+                </a:solidFill>
+                <a:latin typeface="Meiryo UI" panose="020B0604030504040204" pitchFamily="50" charset="-128"/>
+                <a:ea typeface="Meiryo UI" panose="020B0604030504040204" pitchFamily="50" charset="-128"/>
+              </a:rPr>
+              <a:t>リコメンドする</a:t>
+            </a:r>
+            <a:r>
+              <a:rPr kumimoji="1" lang="ja-JP" altLang="en-US" dirty="0" smtClean="0">
+                <a:solidFill>
+                  <a:srgbClr val="006600"/>
+                </a:solidFill>
+                <a:latin typeface="Meiryo UI" panose="020B0604030504040204" pitchFamily="50" charset="-128"/>
+                <a:ea typeface="Meiryo UI" panose="020B0604030504040204" pitchFamily="50" charset="-128"/>
+              </a:rPr>
+              <a:t>ソリューションを試作開発をした。</a:t>
+            </a:r>
+            <a:endParaRPr kumimoji="1" lang="en-US" altLang="ja-JP" dirty="0">
+              <a:solidFill>
+                <a:srgbClr val="006600"/>
+              </a:solidFill>
+              <a:latin typeface="Meiryo UI" panose="020B0604030504040204" pitchFamily="50" charset="-128"/>
+              <a:ea typeface="Meiryo UI" panose="020B0604030504040204" pitchFamily="50" charset="-128"/>
+            </a:endParaRPr>
+          </a:p>
+        </p:txBody>
+      </p:sp>
+      <p:grpSp>
+        <p:nvGrpSpPr>
+          <p:cNvPr id="62" name="グループ化 61"/>
+          <p:cNvGrpSpPr/>
+          <p:nvPr/>
+        </p:nvGrpSpPr>
+        <p:grpSpPr>
+          <a:xfrm>
+            <a:off x="366456" y="2652397"/>
+            <a:ext cx="9949229" cy="2721186"/>
+            <a:chOff x="198815" y="3338198"/>
+            <a:chExt cx="9949229" cy="2721186"/>
+          </a:xfrm>
+        </p:grpSpPr>
+        <p:grpSp>
+          <p:nvGrpSpPr>
+            <p:cNvPr id="40" name="グループ化 39"/>
+            <p:cNvGrpSpPr/>
+            <p:nvPr/>
+          </p:nvGrpSpPr>
+          <p:grpSpPr>
+            <a:xfrm>
+              <a:off x="198815" y="3721223"/>
+              <a:ext cx="4070883" cy="2338161"/>
+              <a:chOff x="562880" y="2919094"/>
+              <a:chExt cx="8788973" cy="3698671"/>
+            </a:xfrm>
+          </p:grpSpPr>
+          <p:pic>
+            <p:nvPicPr>
+              <p:cNvPr id="26" name="図 25"/>
+              <p:cNvPicPr>
+                <a:picLocks noChangeAspect="1"/>
+              </p:cNvPicPr>
+              <p:nvPr/>
+            </p:nvPicPr>
+            <p:blipFill>
+              <a:blip r:embed="rId2"/>
+              <a:stretch>
+                <a:fillRect/>
+              </a:stretch>
+            </p:blipFill>
+            <p:spPr>
+              <a:xfrm>
+                <a:off x="5669324" y="5483476"/>
+                <a:ext cx="856034" cy="925559"/>
+              </a:xfrm>
+              <a:prstGeom prst="rect">
+                <a:avLst/>
+              </a:prstGeom>
+            </p:spPr>
+          </p:pic>
+          <p:pic>
+            <p:nvPicPr>
+              <p:cNvPr id="27" name="図 26"/>
+              <p:cNvPicPr>
+                <a:picLocks noChangeAspect="1"/>
+              </p:cNvPicPr>
+              <p:nvPr/>
+            </p:nvPicPr>
+            <p:blipFill>
+              <a:blip r:embed="rId3"/>
+              <a:stretch>
+                <a:fillRect/>
+              </a:stretch>
+            </p:blipFill>
+            <p:spPr>
+              <a:xfrm>
+                <a:off x="2459915" y="5750482"/>
+                <a:ext cx="969505" cy="526905"/>
+              </a:xfrm>
+              <a:prstGeom prst="rect">
+                <a:avLst/>
+              </a:prstGeom>
+            </p:spPr>
+          </p:pic>
+          <p:pic>
+            <p:nvPicPr>
+              <p:cNvPr id="28" name="図 27"/>
+              <p:cNvPicPr>
+                <a:picLocks noChangeAspect="1"/>
+              </p:cNvPicPr>
+              <p:nvPr/>
+            </p:nvPicPr>
+            <p:blipFill>
+              <a:blip r:embed="rId4"/>
+              <a:stretch>
+                <a:fillRect/>
+              </a:stretch>
+            </p:blipFill>
+            <p:spPr>
+              <a:xfrm>
+                <a:off x="7654151" y="5650882"/>
+                <a:ext cx="773089" cy="716396"/>
+              </a:xfrm>
+              <a:prstGeom prst="rect">
+                <a:avLst/>
+              </a:prstGeom>
+            </p:spPr>
+          </p:pic>
+          <p:pic>
+            <p:nvPicPr>
+              <p:cNvPr id="30" name="図 29"/>
+              <p:cNvPicPr>
+                <a:picLocks noChangeAspect="1"/>
+              </p:cNvPicPr>
+              <p:nvPr/>
+            </p:nvPicPr>
+            <p:blipFill>
+              <a:blip r:embed="rId5"/>
+              <a:stretch>
+                <a:fillRect/>
+              </a:stretch>
+            </p:blipFill>
+            <p:spPr>
+              <a:xfrm>
+                <a:off x="6611205" y="5750481"/>
+                <a:ext cx="1103200" cy="715140"/>
+              </a:xfrm>
+              <a:prstGeom prst="rect">
+                <a:avLst/>
+              </a:prstGeom>
+            </p:spPr>
+          </p:pic>
+          <p:pic>
+            <p:nvPicPr>
+              <p:cNvPr id="31" name="図 30"/>
+              <p:cNvPicPr>
+                <a:picLocks noChangeAspect="1"/>
+              </p:cNvPicPr>
+              <p:nvPr/>
+            </p:nvPicPr>
+            <p:blipFill>
+              <a:blip r:embed="rId6"/>
+              <a:stretch>
+                <a:fillRect/>
+              </a:stretch>
+            </p:blipFill>
+            <p:spPr>
+              <a:xfrm>
+                <a:off x="3725151" y="5541446"/>
+                <a:ext cx="1052178" cy="935269"/>
+              </a:xfrm>
+              <a:prstGeom prst="rect">
+                <a:avLst/>
+              </a:prstGeom>
+            </p:spPr>
+          </p:pic>
+          <p:pic>
+            <p:nvPicPr>
+              <p:cNvPr id="32" name="図 31"/>
+              <p:cNvPicPr>
+                <a:picLocks noChangeAspect="1"/>
+              </p:cNvPicPr>
+              <p:nvPr/>
+            </p:nvPicPr>
+            <p:blipFill>
+              <a:blip r:embed="rId7"/>
+              <a:stretch>
+                <a:fillRect/>
+              </a:stretch>
+            </p:blipFill>
+            <p:spPr>
+              <a:xfrm>
+                <a:off x="8529545" y="5614663"/>
+                <a:ext cx="822308" cy="786241"/>
+              </a:xfrm>
+              <a:prstGeom prst="rect">
+                <a:avLst/>
+              </a:prstGeom>
+            </p:spPr>
+          </p:pic>
+          <p:pic>
+            <p:nvPicPr>
+              <p:cNvPr id="33" name="図 32"/>
+              <p:cNvPicPr>
+                <a:picLocks noChangeAspect="1"/>
+              </p:cNvPicPr>
+              <p:nvPr/>
+            </p:nvPicPr>
+            <p:blipFill>
+              <a:blip r:embed="rId8"/>
+              <a:stretch>
+                <a:fillRect/>
+              </a:stretch>
+            </p:blipFill>
+            <p:spPr>
+              <a:xfrm>
+                <a:off x="4756537" y="5595352"/>
+                <a:ext cx="889617" cy="910968"/>
+              </a:xfrm>
+              <a:prstGeom prst="rect">
+                <a:avLst/>
+              </a:prstGeom>
+            </p:spPr>
+          </p:pic>
+          <p:sp>
+            <p:nvSpPr>
+              <p:cNvPr id="34" name="テキスト ボックス 33"/>
+              <p:cNvSpPr txBox="1"/>
+              <p:nvPr/>
+            </p:nvSpPr>
+            <p:spPr>
+              <a:xfrm>
+                <a:off x="562880" y="5595352"/>
+                <a:ext cx="2329851" cy="1022413"/>
+              </a:xfrm>
+              <a:prstGeom prst="rect">
+                <a:avLst/>
+              </a:prstGeom>
+              <a:noFill/>
+            </p:spPr>
+            <p:txBody>
+              <a:bodyPr wrap="none" rtlCol="0">
+                <a:spAutoFit/>
+              </a:bodyPr>
+              <a:lstStyle/>
+              <a:p>
+                <a:r>
+                  <a:rPr kumimoji="1" lang="ja-JP" altLang="en-US" sz="1200" dirty="0" smtClean="0">
+                    <a:latin typeface="Meiryo UI" panose="020B0604030504040204" pitchFamily="50" charset="-128"/>
+                    <a:ea typeface="Meiryo UI" panose="020B0604030504040204" pitchFamily="50" charset="-128"/>
+                  </a:rPr>
+                  <a:t>デバイスの</a:t>
+                </a:r>
+                <a:endParaRPr kumimoji="1" lang="en-US" altLang="ja-JP" sz="1200" dirty="0" smtClean="0">
+                  <a:latin typeface="Meiryo UI" panose="020B0604030504040204" pitchFamily="50" charset="-128"/>
+                  <a:ea typeface="Meiryo UI" panose="020B0604030504040204" pitchFamily="50" charset="-128"/>
+                </a:endParaRPr>
+              </a:p>
+              <a:p>
+                <a:r>
+                  <a:rPr kumimoji="1" lang="ja-JP" altLang="en-US" sz="1200" dirty="0">
+                    <a:latin typeface="Meiryo UI" panose="020B0604030504040204" pitchFamily="50" charset="-128"/>
+                    <a:ea typeface="Meiryo UI" panose="020B0604030504040204" pitchFamily="50" charset="-128"/>
+                  </a:rPr>
+                  <a:t>センサ</a:t>
+                </a:r>
+                <a:r>
+                  <a:rPr kumimoji="1" lang="ja-JP" altLang="en-US" sz="1200" dirty="0" smtClean="0">
+                    <a:latin typeface="Meiryo UI" panose="020B0604030504040204" pitchFamily="50" charset="-128"/>
+                    <a:ea typeface="Meiryo UI" panose="020B0604030504040204" pitchFamily="50" charset="-128"/>
+                  </a:rPr>
+                  <a:t>ーから</a:t>
+                </a:r>
+                <a:endParaRPr kumimoji="1" lang="en-US" altLang="ja-JP" sz="1200" dirty="0" smtClean="0">
+                  <a:latin typeface="Meiryo UI" panose="020B0604030504040204" pitchFamily="50" charset="-128"/>
+                  <a:ea typeface="Meiryo UI" panose="020B0604030504040204" pitchFamily="50" charset="-128"/>
+                </a:endParaRPr>
+              </a:p>
+              <a:p>
+                <a:r>
+                  <a:rPr kumimoji="1" lang="ja-JP" altLang="en-US" sz="1200" dirty="0" smtClean="0">
+                    <a:latin typeface="Meiryo UI" panose="020B0604030504040204" pitchFamily="50" charset="-128"/>
+                    <a:ea typeface="Meiryo UI" panose="020B0604030504040204" pitchFamily="50" charset="-128"/>
+                  </a:rPr>
+                  <a:t>取得したデータ</a:t>
+                </a:r>
+                <a:endParaRPr kumimoji="1" lang="ja-JP" altLang="en-US" sz="1200" dirty="0">
+                  <a:latin typeface="Meiryo UI" panose="020B0604030504040204" pitchFamily="50" charset="-128"/>
+                  <a:ea typeface="Meiryo UI" panose="020B0604030504040204" pitchFamily="50" charset="-128"/>
+                </a:endParaRPr>
+              </a:p>
+            </p:txBody>
+          </p:sp>
+          <p:sp>
+            <p:nvSpPr>
+              <p:cNvPr id="36" name="円柱 35"/>
+              <p:cNvSpPr/>
+              <p:nvPr/>
+            </p:nvSpPr>
+            <p:spPr>
+              <a:xfrm>
+                <a:off x="4379364" y="2919094"/>
+                <a:ext cx="1845578" cy="1299218"/>
+              </a:xfrm>
+              <a:prstGeom prst="can">
+                <a:avLst/>
+              </a:prstGeom>
+            </p:spPr>
+            <p:style>
+              <a:lnRef idx="2">
+                <a:schemeClr val="accent1">
+                  <a:shade val="50000"/>
+                </a:schemeClr>
+              </a:lnRef>
+              <a:fillRef idx="1">
+                <a:schemeClr val="accent1"/>
+              </a:fillRef>
+              <a:effectRef idx="0">
+                <a:schemeClr val="accent1"/>
+              </a:effectRef>
+              <a:fontRef idx="minor">
+                <a:schemeClr val="lt1"/>
+              </a:fontRef>
+            </p:style>
+            <p:txBody>
+              <a:bodyPr rtlCol="0" anchor="ctr"/>
+              <a:lstStyle/>
+              <a:p>
+                <a:pPr algn="ctr"/>
+                <a:r>
+                  <a:rPr kumimoji="1" lang="ja-JP" altLang="en-US" sz="1000" dirty="0" smtClean="0">
+                    <a:latin typeface="Meiryo UI" panose="020B0604030504040204" pitchFamily="50" charset="-128"/>
+                    <a:ea typeface="Meiryo UI" panose="020B0604030504040204" pitchFamily="50" charset="-128"/>
+                  </a:rPr>
+                  <a:t>クラウド</a:t>
+                </a:r>
+                <a:r>
+                  <a:rPr kumimoji="1" lang="en-US" altLang="ja-JP" sz="1000" dirty="0" smtClean="0">
+                    <a:latin typeface="Meiryo UI" panose="020B0604030504040204" pitchFamily="50" charset="-128"/>
+                    <a:ea typeface="Meiryo UI" panose="020B0604030504040204" pitchFamily="50" charset="-128"/>
+                  </a:rPr>
+                  <a:t>/</a:t>
+                </a:r>
+              </a:p>
+              <a:p>
+                <a:pPr algn="ctr"/>
+                <a:r>
+                  <a:rPr kumimoji="1" lang="ja-JP" altLang="en-US" sz="1000" dirty="0" smtClean="0">
+                    <a:latin typeface="Meiryo UI" panose="020B0604030504040204" pitchFamily="50" charset="-128"/>
+                    <a:ea typeface="Meiryo UI" panose="020B0604030504040204" pitchFamily="50" charset="-128"/>
+                  </a:rPr>
+                  <a:t>ビッグデータ・</a:t>
+                </a:r>
+                <a:r>
+                  <a:rPr kumimoji="1" lang="en-US" altLang="ja-JP" sz="1000" dirty="0" smtClean="0">
+                    <a:latin typeface="Meiryo UI" panose="020B0604030504040204" pitchFamily="50" charset="-128"/>
+                    <a:ea typeface="Meiryo UI" panose="020B0604030504040204" pitchFamily="50" charset="-128"/>
+                  </a:rPr>
+                  <a:t>AI</a:t>
+                </a:r>
+                <a:endParaRPr kumimoji="1" lang="ja-JP" altLang="en-US" sz="1000" dirty="0">
+                  <a:latin typeface="Meiryo UI" panose="020B0604030504040204" pitchFamily="50" charset="-128"/>
+                  <a:ea typeface="Meiryo UI" panose="020B0604030504040204" pitchFamily="50" charset="-128"/>
+                </a:endParaRPr>
+              </a:p>
+            </p:txBody>
+          </p:sp>
+          <p:sp>
+            <p:nvSpPr>
+              <p:cNvPr id="37" name="雲 36"/>
+              <p:cNvSpPr/>
+              <p:nvPr/>
+            </p:nvSpPr>
+            <p:spPr>
+              <a:xfrm>
+                <a:off x="2459915" y="4416576"/>
+                <a:ext cx="5794090" cy="958362"/>
+              </a:xfrm>
+              <a:prstGeom prst="cloud">
+                <a:avLst/>
+              </a:prstGeom>
+            </p:spPr>
+            <p:style>
+              <a:lnRef idx="2">
+                <a:schemeClr val="accent1">
+                  <a:shade val="50000"/>
+                </a:schemeClr>
+              </a:lnRef>
+              <a:fillRef idx="1">
+                <a:schemeClr val="accent1"/>
+              </a:fillRef>
+              <a:effectRef idx="0">
+                <a:schemeClr val="accent1"/>
+              </a:effectRef>
+              <a:fontRef idx="minor">
+                <a:schemeClr val="lt1"/>
+              </a:fontRef>
+            </p:style>
+            <p:txBody>
+              <a:bodyPr rtlCol="0" anchor="ctr"/>
+              <a:lstStyle/>
+              <a:p>
+                <a:pPr algn="ctr"/>
+                <a:r>
+                  <a:rPr kumimoji="1" lang="ja-JP" altLang="en-US" sz="1200" dirty="0" smtClean="0">
+                    <a:latin typeface="Meiryo UI" panose="020B0604030504040204" pitchFamily="50" charset="-128"/>
+                    <a:ea typeface="Meiryo UI" panose="020B0604030504040204" pitchFamily="50" charset="-128"/>
+                  </a:rPr>
+                  <a:t>セルラー、</a:t>
+                </a:r>
+                <a:r>
+                  <a:rPr kumimoji="1" lang="en-US" altLang="ja-JP" sz="1200" dirty="0" smtClean="0">
+                    <a:latin typeface="Meiryo UI" panose="020B0604030504040204" pitchFamily="50" charset="-128"/>
+                    <a:ea typeface="Meiryo UI" panose="020B0604030504040204" pitchFamily="50" charset="-128"/>
+                  </a:rPr>
+                  <a:t>LPWA</a:t>
+                </a:r>
+                <a:r>
+                  <a:rPr kumimoji="1" lang="ja-JP" altLang="en-US" sz="1200" dirty="0" err="1" smtClean="0">
+                    <a:latin typeface="Meiryo UI" panose="020B0604030504040204" pitchFamily="50" charset="-128"/>
+                    <a:ea typeface="Meiryo UI" panose="020B0604030504040204" pitchFamily="50" charset="-128"/>
+                  </a:rPr>
+                  <a:t>、</a:t>
+                </a:r>
+                <a:r>
+                  <a:rPr kumimoji="1" lang="ja-JP" altLang="en-US" sz="1200" dirty="0" smtClean="0">
+                    <a:latin typeface="Meiryo UI" panose="020B0604030504040204" pitchFamily="50" charset="-128"/>
+                    <a:ea typeface="Meiryo UI" panose="020B0604030504040204" pitchFamily="50" charset="-128"/>
+                  </a:rPr>
+                  <a:t>他</a:t>
+                </a:r>
+                <a:endParaRPr kumimoji="1" lang="ja-JP" altLang="en-US" sz="1200" dirty="0">
+                  <a:latin typeface="Meiryo UI" panose="020B0604030504040204" pitchFamily="50" charset="-128"/>
+                  <a:ea typeface="Meiryo UI" panose="020B0604030504040204" pitchFamily="50" charset="-128"/>
+                </a:endParaRPr>
+              </a:p>
+            </p:txBody>
+          </p:sp>
+          <p:sp>
+            <p:nvSpPr>
+              <p:cNvPr id="38" name="テキスト ボックス 37"/>
+              <p:cNvSpPr txBox="1"/>
+              <p:nvPr/>
+            </p:nvSpPr>
+            <p:spPr>
+              <a:xfrm>
+                <a:off x="562880" y="4598968"/>
+                <a:ext cx="1845329" cy="438177"/>
+              </a:xfrm>
+              <a:prstGeom prst="rect">
+                <a:avLst/>
+              </a:prstGeom>
+              <a:noFill/>
+            </p:spPr>
+            <p:txBody>
+              <a:bodyPr wrap="none" rtlCol="0">
+                <a:spAutoFit/>
+              </a:bodyPr>
+              <a:lstStyle/>
+              <a:p>
+                <a:r>
+                  <a:rPr kumimoji="1" lang="ja-JP" altLang="en-US" sz="1200" dirty="0" smtClean="0">
+                    <a:latin typeface="Meiryo UI" panose="020B0604030504040204" pitchFamily="50" charset="-128"/>
+                    <a:ea typeface="Meiryo UI" panose="020B0604030504040204" pitchFamily="50" charset="-128"/>
+                  </a:rPr>
+                  <a:t>ネットワーク</a:t>
+                </a:r>
+                <a:endParaRPr kumimoji="1" lang="ja-JP" altLang="en-US" sz="1200" dirty="0">
+                  <a:latin typeface="Meiryo UI" panose="020B0604030504040204" pitchFamily="50" charset="-128"/>
+                  <a:ea typeface="Meiryo UI" panose="020B0604030504040204" pitchFamily="50" charset="-128"/>
+                </a:endParaRPr>
+              </a:p>
+            </p:txBody>
+          </p:sp>
+          <p:sp>
+            <p:nvSpPr>
+              <p:cNvPr id="39" name="テキスト ボックス 38"/>
+              <p:cNvSpPr txBox="1"/>
+              <p:nvPr/>
+            </p:nvSpPr>
+            <p:spPr>
+              <a:xfrm>
+                <a:off x="562880" y="3328122"/>
+                <a:ext cx="2433676" cy="730295"/>
+              </a:xfrm>
+              <a:prstGeom prst="rect">
+                <a:avLst/>
+              </a:prstGeom>
+              <a:noFill/>
+            </p:spPr>
+            <p:txBody>
+              <a:bodyPr wrap="none" rtlCol="0">
+                <a:spAutoFit/>
+              </a:bodyPr>
+              <a:lstStyle/>
+              <a:p>
+                <a:r>
+                  <a:rPr kumimoji="1" lang="ja-JP" altLang="en-US" sz="1200" dirty="0" smtClean="0">
+                    <a:latin typeface="Meiryo UI" panose="020B0604030504040204" pitchFamily="50" charset="-128"/>
+                    <a:ea typeface="Meiryo UI" panose="020B0604030504040204" pitchFamily="50" charset="-128"/>
+                  </a:rPr>
+                  <a:t>クラウド、</a:t>
+                </a:r>
+                <a:endParaRPr kumimoji="1" lang="en-US" altLang="ja-JP" sz="1200" dirty="0" smtClean="0">
+                  <a:latin typeface="Meiryo UI" panose="020B0604030504040204" pitchFamily="50" charset="-128"/>
+                  <a:ea typeface="Meiryo UI" panose="020B0604030504040204" pitchFamily="50" charset="-128"/>
+                </a:endParaRPr>
+              </a:p>
+              <a:p>
+                <a:r>
+                  <a:rPr kumimoji="1" lang="ja-JP" altLang="en-US" sz="1200" dirty="0" smtClean="0">
+                    <a:latin typeface="Meiryo UI" panose="020B0604030504040204" pitchFamily="50" charset="-128"/>
+                    <a:ea typeface="Meiryo UI" panose="020B0604030504040204" pitchFamily="50" charset="-128"/>
+                  </a:rPr>
+                  <a:t>ビッグデータ、</a:t>
+                </a:r>
+                <a:r>
+                  <a:rPr kumimoji="1" lang="en-US" altLang="ja-JP" sz="1200" dirty="0" smtClean="0">
+                    <a:latin typeface="Meiryo UI" panose="020B0604030504040204" pitchFamily="50" charset="-128"/>
+                    <a:ea typeface="Meiryo UI" panose="020B0604030504040204" pitchFamily="50" charset="-128"/>
+                  </a:rPr>
+                  <a:t>AI</a:t>
+                </a:r>
+                <a:endParaRPr kumimoji="1" lang="ja-JP" altLang="en-US" sz="1200" dirty="0">
+                  <a:latin typeface="Meiryo UI" panose="020B0604030504040204" pitchFamily="50" charset="-128"/>
+                  <a:ea typeface="Meiryo UI" panose="020B0604030504040204" pitchFamily="50" charset="-128"/>
+                </a:endParaRPr>
+              </a:p>
+            </p:txBody>
+          </p:sp>
+        </p:grpSp>
+        <p:sp>
+          <p:nvSpPr>
+            <p:cNvPr id="41" name="右矢印 40"/>
+            <p:cNvSpPr/>
+            <p:nvPr/>
+          </p:nvSpPr>
+          <p:spPr>
+            <a:xfrm>
+              <a:off x="4094044" y="3969982"/>
+              <a:ext cx="355270" cy="1193422"/>
+            </a:xfrm>
+            <a:prstGeom prst="rightArrow">
+              <a:avLst/>
+            </a:prstGeom>
+          </p:spPr>
+          <p:style>
+            <a:lnRef idx="2">
+              <a:schemeClr val="accent1">
+                <a:shade val="50000"/>
+              </a:schemeClr>
+            </a:lnRef>
+            <a:fillRef idx="1">
+              <a:schemeClr val="accent1"/>
+            </a:fillRef>
+            <a:effectRef idx="0">
+              <a:schemeClr val="accent1"/>
+            </a:effectRef>
+            <a:fontRef idx="minor">
+              <a:schemeClr val="lt1"/>
+            </a:fontRef>
+          </p:style>
+          <p:txBody>
+            <a:bodyPr rtlCol="0" anchor="ctr"/>
+            <a:lstStyle/>
+            <a:p>
+              <a:pPr algn="ctr"/>
+              <a:endParaRPr kumimoji="1" lang="ja-JP" altLang="en-US">
+                <a:latin typeface="Meiryo UI" panose="020B0604030504040204" pitchFamily="50" charset="-128"/>
+                <a:ea typeface="Meiryo UI" panose="020B0604030504040204" pitchFamily="50" charset="-128"/>
+              </a:endParaRPr>
+            </a:p>
+          </p:txBody>
+        </p:sp>
+        <p:pic>
+          <p:nvPicPr>
+            <p:cNvPr id="44" name="図 43"/>
+            <p:cNvPicPr>
+              <a:picLocks noChangeAspect="1"/>
+            </p:cNvPicPr>
+            <p:nvPr/>
+          </p:nvPicPr>
+          <p:blipFill>
+            <a:blip r:embed="rId3"/>
+            <a:stretch>
+              <a:fillRect/>
+            </a:stretch>
+          </p:blipFill>
+          <p:spPr>
+            <a:xfrm>
+              <a:off x="6240948" y="5459361"/>
+              <a:ext cx="517893" cy="333090"/>
+            </a:xfrm>
+            <a:prstGeom prst="rect">
+              <a:avLst/>
+            </a:prstGeom>
+          </p:spPr>
+        </p:pic>
+        <p:sp>
+          <p:nvSpPr>
+            <p:cNvPr id="50" name="テキスト ボックス 49"/>
+            <p:cNvSpPr txBox="1"/>
+            <p:nvPr/>
+          </p:nvSpPr>
+          <p:spPr>
+            <a:xfrm>
+              <a:off x="4958424" y="5302741"/>
+              <a:ext cx="1079142" cy="646331"/>
+            </a:xfrm>
+            <a:prstGeom prst="rect">
+              <a:avLst/>
+            </a:prstGeom>
+            <a:noFill/>
+          </p:spPr>
+          <p:txBody>
+            <a:bodyPr wrap="none" rtlCol="0">
+              <a:spAutoFit/>
+            </a:bodyPr>
+            <a:lstStyle/>
+            <a:p>
+              <a:r>
+                <a:rPr kumimoji="1" lang="ja-JP" altLang="en-US" sz="1200" dirty="0" smtClean="0">
+                  <a:latin typeface="Meiryo UI" panose="020B0604030504040204" pitchFamily="50" charset="-128"/>
+                  <a:ea typeface="Meiryo UI" panose="020B0604030504040204" pitchFamily="50" charset="-128"/>
+                </a:rPr>
+                <a:t>デバイスの</a:t>
+              </a:r>
+              <a:endParaRPr kumimoji="1" lang="en-US" altLang="ja-JP" sz="1200" dirty="0" smtClean="0">
+                <a:latin typeface="Meiryo UI" panose="020B0604030504040204" pitchFamily="50" charset="-128"/>
+                <a:ea typeface="Meiryo UI" panose="020B0604030504040204" pitchFamily="50" charset="-128"/>
+              </a:endParaRPr>
+            </a:p>
+            <a:p>
+              <a:r>
+                <a:rPr kumimoji="1" lang="ja-JP" altLang="en-US" sz="1200" dirty="0">
+                  <a:latin typeface="Meiryo UI" panose="020B0604030504040204" pitchFamily="50" charset="-128"/>
+                  <a:ea typeface="Meiryo UI" panose="020B0604030504040204" pitchFamily="50" charset="-128"/>
+                </a:rPr>
+                <a:t>センサ</a:t>
+              </a:r>
+              <a:r>
+                <a:rPr kumimoji="1" lang="ja-JP" altLang="en-US" sz="1200" dirty="0" smtClean="0">
+                  <a:latin typeface="Meiryo UI" panose="020B0604030504040204" pitchFamily="50" charset="-128"/>
+                  <a:ea typeface="Meiryo UI" panose="020B0604030504040204" pitchFamily="50" charset="-128"/>
+                </a:rPr>
+                <a:t>ーから</a:t>
+              </a:r>
+              <a:endParaRPr kumimoji="1" lang="en-US" altLang="ja-JP" sz="1200" dirty="0" smtClean="0">
+                <a:latin typeface="Meiryo UI" panose="020B0604030504040204" pitchFamily="50" charset="-128"/>
+                <a:ea typeface="Meiryo UI" panose="020B0604030504040204" pitchFamily="50" charset="-128"/>
+              </a:endParaRPr>
+            </a:p>
+            <a:p>
+              <a:r>
+                <a:rPr kumimoji="1" lang="ja-JP" altLang="en-US" sz="1200" dirty="0" smtClean="0">
+                  <a:latin typeface="Meiryo UI" panose="020B0604030504040204" pitchFamily="50" charset="-128"/>
+                  <a:ea typeface="Meiryo UI" panose="020B0604030504040204" pitchFamily="50" charset="-128"/>
+                </a:rPr>
+                <a:t>取得したデータ</a:t>
+              </a:r>
+              <a:endParaRPr kumimoji="1" lang="ja-JP" altLang="en-US" sz="1200" dirty="0">
+                <a:latin typeface="Meiryo UI" panose="020B0604030504040204" pitchFamily="50" charset="-128"/>
+                <a:ea typeface="Meiryo UI" panose="020B0604030504040204" pitchFamily="50" charset="-128"/>
+              </a:endParaRPr>
+            </a:p>
+          </p:txBody>
+        </p:sp>
+        <p:sp>
+          <p:nvSpPr>
+            <p:cNvPr id="51" name="円柱 50"/>
+            <p:cNvSpPr/>
+            <p:nvPr/>
+          </p:nvSpPr>
+          <p:spPr>
+            <a:xfrm>
+              <a:off x="7031539" y="3702702"/>
+              <a:ext cx="722330" cy="680419"/>
+            </a:xfrm>
+            <a:prstGeom prst="can">
+              <a:avLst/>
+            </a:prstGeom>
+          </p:spPr>
+          <p:style>
+            <a:lnRef idx="2">
+              <a:schemeClr val="accent1">
+                <a:shade val="50000"/>
+              </a:schemeClr>
+            </a:lnRef>
+            <a:fillRef idx="1">
+              <a:schemeClr val="accent1"/>
+            </a:fillRef>
+            <a:effectRef idx="0">
+              <a:schemeClr val="accent1"/>
+            </a:effectRef>
+            <a:fontRef idx="minor">
+              <a:schemeClr val="lt1"/>
+            </a:fontRef>
+          </p:style>
+          <p:txBody>
+            <a:bodyPr rtlCol="0" anchor="ctr"/>
+            <a:lstStyle/>
+            <a:p>
+              <a:pPr algn="ctr"/>
+              <a:r>
+                <a:rPr kumimoji="1" lang="ja-JP" altLang="en-US" sz="1000" dirty="0" smtClean="0">
+                  <a:latin typeface="Meiryo UI" panose="020B0604030504040204" pitchFamily="50" charset="-128"/>
+                  <a:ea typeface="Meiryo UI" panose="020B0604030504040204" pitchFamily="50" charset="-128"/>
+                </a:rPr>
+                <a:t>クラウド</a:t>
+              </a:r>
+              <a:endParaRPr kumimoji="1" lang="ja-JP" altLang="en-US" sz="1000" dirty="0">
+                <a:latin typeface="Meiryo UI" panose="020B0604030504040204" pitchFamily="50" charset="-128"/>
+                <a:ea typeface="Meiryo UI" panose="020B0604030504040204" pitchFamily="50" charset="-128"/>
+              </a:endParaRPr>
+            </a:p>
+          </p:txBody>
+        </p:sp>
+        <p:sp>
+          <p:nvSpPr>
+            <p:cNvPr id="52" name="雲 51"/>
+            <p:cNvSpPr/>
+            <p:nvPr/>
+          </p:nvSpPr>
+          <p:spPr>
+            <a:xfrm>
+              <a:off x="5734396" y="4557563"/>
+              <a:ext cx="3095106" cy="605841"/>
+            </a:xfrm>
+            <a:prstGeom prst="cloud">
+              <a:avLst/>
+            </a:prstGeom>
+          </p:spPr>
+          <p:style>
+            <a:lnRef idx="2">
+              <a:schemeClr val="accent1">
+                <a:shade val="50000"/>
+              </a:schemeClr>
+            </a:lnRef>
+            <a:fillRef idx="1">
+              <a:schemeClr val="accent1"/>
+            </a:fillRef>
+            <a:effectRef idx="0">
+              <a:schemeClr val="accent1"/>
+            </a:effectRef>
+            <a:fontRef idx="minor">
+              <a:schemeClr val="lt1"/>
+            </a:fontRef>
+          </p:style>
+          <p:txBody>
+            <a:bodyPr rtlCol="0" anchor="ctr"/>
+            <a:lstStyle/>
+            <a:p>
+              <a:pPr algn="ctr"/>
+              <a:r>
+                <a:rPr kumimoji="1" lang="ja-JP" altLang="en-US" sz="1200" dirty="0" smtClean="0">
+                  <a:latin typeface="Meiryo UI" panose="020B0604030504040204" pitchFamily="50" charset="-128"/>
+                  <a:ea typeface="Meiryo UI" panose="020B0604030504040204" pitchFamily="50" charset="-128"/>
+                </a:rPr>
+                <a:t>４</a:t>
+              </a:r>
+              <a:r>
+                <a:rPr kumimoji="1" lang="en-US" altLang="ja-JP" sz="1200" dirty="0" smtClean="0">
+                  <a:latin typeface="Meiryo UI" panose="020B0604030504040204" pitchFamily="50" charset="-128"/>
+                  <a:ea typeface="Meiryo UI" panose="020B0604030504040204" pitchFamily="50" charset="-128"/>
+                </a:rPr>
+                <a:t>G</a:t>
+              </a:r>
+              <a:r>
+                <a:rPr kumimoji="1" lang="ja-JP" altLang="en-US" sz="1200" dirty="0" smtClean="0">
+                  <a:latin typeface="Meiryo UI" panose="020B0604030504040204" pitchFamily="50" charset="-128"/>
+                  <a:ea typeface="Meiryo UI" panose="020B0604030504040204" pitchFamily="50" charset="-128"/>
+                </a:rPr>
+                <a:t>回線</a:t>
+              </a:r>
+              <a:endParaRPr kumimoji="1" lang="ja-JP" altLang="en-US" sz="1200" dirty="0">
+                <a:latin typeface="Meiryo UI" panose="020B0604030504040204" pitchFamily="50" charset="-128"/>
+                <a:ea typeface="Meiryo UI" panose="020B0604030504040204" pitchFamily="50" charset="-128"/>
+              </a:endParaRPr>
+            </a:p>
+          </p:txBody>
+        </p:sp>
+        <p:sp>
+          <p:nvSpPr>
+            <p:cNvPr id="53" name="テキスト ボックス 52"/>
+            <p:cNvSpPr txBox="1"/>
+            <p:nvPr/>
+          </p:nvSpPr>
+          <p:spPr>
+            <a:xfrm>
+              <a:off x="4958424" y="4672864"/>
+              <a:ext cx="854721" cy="276999"/>
+            </a:xfrm>
+            <a:prstGeom prst="rect">
+              <a:avLst/>
+            </a:prstGeom>
+            <a:noFill/>
+          </p:spPr>
+          <p:txBody>
+            <a:bodyPr wrap="none" rtlCol="0">
+              <a:spAutoFit/>
+            </a:bodyPr>
+            <a:lstStyle/>
+            <a:p>
+              <a:r>
+                <a:rPr kumimoji="1" lang="ja-JP" altLang="en-US" sz="1200" dirty="0" smtClean="0">
+                  <a:latin typeface="Meiryo UI" panose="020B0604030504040204" pitchFamily="50" charset="-128"/>
+                  <a:ea typeface="Meiryo UI" panose="020B0604030504040204" pitchFamily="50" charset="-128"/>
+                </a:rPr>
+                <a:t>ネットワーク</a:t>
+              </a:r>
+              <a:endParaRPr kumimoji="1" lang="ja-JP" altLang="en-US" sz="1200" dirty="0">
+                <a:latin typeface="Meiryo UI" panose="020B0604030504040204" pitchFamily="50" charset="-128"/>
+                <a:ea typeface="Meiryo UI" panose="020B0604030504040204" pitchFamily="50" charset="-128"/>
+              </a:endParaRPr>
+            </a:p>
+          </p:txBody>
+        </p:sp>
+        <p:sp>
+          <p:nvSpPr>
+            <p:cNvPr id="54" name="テキスト ボックス 53"/>
+            <p:cNvSpPr txBox="1"/>
+            <p:nvPr/>
+          </p:nvSpPr>
+          <p:spPr>
+            <a:xfrm>
+              <a:off x="4958424" y="3869482"/>
+              <a:ext cx="1127232" cy="461665"/>
+            </a:xfrm>
+            <a:prstGeom prst="rect">
+              <a:avLst/>
+            </a:prstGeom>
+            <a:noFill/>
+          </p:spPr>
+          <p:txBody>
+            <a:bodyPr wrap="none" rtlCol="0">
+              <a:spAutoFit/>
+            </a:bodyPr>
+            <a:lstStyle/>
+            <a:p>
+              <a:r>
+                <a:rPr kumimoji="1" lang="ja-JP" altLang="en-US" sz="1200" dirty="0" smtClean="0">
+                  <a:latin typeface="Meiryo UI" panose="020B0604030504040204" pitchFamily="50" charset="-128"/>
+                  <a:ea typeface="Meiryo UI" panose="020B0604030504040204" pitchFamily="50" charset="-128"/>
+                </a:rPr>
+                <a:t>クラウド、</a:t>
+              </a:r>
+              <a:endParaRPr kumimoji="1" lang="en-US" altLang="ja-JP" sz="1200" dirty="0" smtClean="0">
+                <a:latin typeface="Meiryo UI" panose="020B0604030504040204" pitchFamily="50" charset="-128"/>
+                <a:ea typeface="Meiryo UI" panose="020B0604030504040204" pitchFamily="50" charset="-128"/>
+              </a:endParaRPr>
+            </a:p>
+            <a:p>
+              <a:r>
+                <a:rPr kumimoji="1" lang="ja-JP" altLang="en-US" sz="1200" dirty="0" smtClean="0">
+                  <a:latin typeface="Meiryo UI" panose="020B0604030504040204" pitchFamily="50" charset="-128"/>
+                  <a:ea typeface="Meiryo UI" panose="020B0604030504040204" pitchFamily="50" charset="-128"/>
+                </a:rPr>
+                <a:t>ビッグデータ、</a:t>
+              </a:r>
+              <a:r>
+                <a:rPr kumimoji="1" lang="en-US" altLang="ja-JP" sz="1200" dirty="0" smtClean="0">
+                  <a:latin typeface="Meiryo UI" panose="020B0604030504040204" pitchFamily="50" charset="-128"/>
+                  <a:ea typeface="Meiryo UI" panose="020B0604030504040204" pitchFamily="50" charset="-128"/>
+                </a:rPr>
+                <a:t>AI</a:t>
+              </a:r>
+              <a:endParaRPr kumimoji="1" lang="ja-JP" altLang="en-US" sz="1200" dirty="0">
+                <a:latin typeface="Meiryo UI" panose="020B0604030504040204" pitchFamily="50" charset="-128"/>
+                <a:ea typeface="Meiryo UI" panose="020B0604030504040204" pitchFamily="50" charset="-128"/>
+              </a:endParaRPr>
+            </a:p>
+          </p:txBody>
+        </p:sp>
+        <p:sp>
+          <p:nvSpPr>
+            <p:cNvPr id="55" name="テキスト ボックス 54"/>
+            <p:cNvSpPr txBox="1"/>
+            <p:nvPr/>
+          </p:nvSpPr>
+          <p:spPr>
+            <a:xfrm>
+              <a:off x="1670399" y="3365669"/>
+              <a:ext cx="2077813" cy="369332"/>
+            </a:xfrm>
+            <a:prstGeom prst="rect">
+              <a:avLst/>
+            </a:prstGeom>
+            <a:noFill/>
+          </p:spPr>
+          <p:txBody>
+            <a:bodyPr wrap="none" rtlCol="0">
+              <a:spAutoFit/>
+            </a:bodyPr>
+            <a:lstStyle/>
+            <a:p>
+              <a:r>
+                <a:rPr kumimoji="1" lang="en-US" altLang="ja-JP" dirty="0" smtClean="0">
+                  <a:latin typeface="Meiryo UI" panose="020B0604030504040204" pitchFamily="50" charset="-128"/>
+                  <a:ea typeface="Meiryo UI" panose="020B0604030504040204" pitchFamily="50" charset="-128"/>
+                </a:rPr>
+                <a:t>【</a:t>
+              </a:r>
+              <a:r>
+                <a:rPr kumimoji="1" lang="ja-JP" altLang="en-US" dirty="0" smtClean="0">
+                  <a:latin typeface="Meiryo UI" panose="020B0604030504040204" pitchFamily="50" charset="-128"/>
+                  <a:ea typeface="Meiryo UI" panose="020B0604030504040204" pitchFamily="50" charset="-128"/>
+                </a:rPr>
+                <a:t>一般的なサービス</a:t>
+              </a:r>
+              <a:r>
+                <a:rPr kumimoji="1" lang="en-US" altLang="ja-JP" dirty="0" smtClean="0">
+                  <a:latin typeface="Meiryo UI" panose="020B0604030504040204" pitchFamily="50" charset="-128"/>
+                  <a:ea typeface="Meiryo UI" panose="020B0604030504040204" pitchFamily="50" charset="-128"/>
+                </a:rPr>
+                <a:t>】</a:t>
+              </a:r>
+              <a:endParaRPr kumimoji="1" lang="en-US" altLang="ja-JP" dirty="0">
+                <a:latin typeface="Meiryo UI" panose="020B0604030504040204" pitchFamily="50" charset="-128"/>
+                <a:ea typeface="Meiryo UI" panose="020B0604030504040204" pitchFamily="50" charset="-128"/>
+              </a:endParaRPr>
+            </a:p>
+          </p:txBody>
+        </p:sp>
+        <p:sp>
+          <p:nvSpPr>
+            <p:cNvPr id="56" name="テキスト ボックス 55"/>
+            <p:cNvSpPr txBox="1"/>
+            <p:nvPr/>
+          </p:nvSpPr>
+          <p:spPr>
+            <a:xfrm>
+              <a:off x="5130760" y="3338198"/>
+              <a:ext cx="1800493" cy="369332"/>
+            </a:xfrm>
+            <a:prstGeom prst="rect">
+              <a:avLst/>
+            </a:prstGeom>
+            <a:noFill/>
+          </p:spPr>
+          <p:txBody>
+            <a:bodyPr wrap="none" rtlCol="0">
+              <a:spAutoFit/>
+            </a:bodyPr>
+            <a:lstStyle/>
+            <a:p>
+              <a:r>
+                <a:rPr kumimoji="1" lang="en-US" altLang="ja-JP" dirty="0" smtClean="0">
+                  <a:latin typeface="Meiryo UI" panose="020B0604030504040204" pitchFamily="50" charset="-128"/>
+                  <a:ea typeface="Meiryo UI" panose="020B0604030504040204" pitchFamily="50" charset="-128"/>
+                </a:rPr>
+                <a:t>【</a:t>
+              </a:r>
+              <a:r>
+                <a:rPr kumimoji="1" lang="ja-JP" altLang="en-US" dirty="0" smtClean="0">
+                  <a:latin typeface="Meiryo UI" panose="020B0604030504040204" pitchFamily="50" charset="-128"/>
+                  <a:ea typeface="Meiryo UI" panose="020B0604030504040204" pitchFamily="50" charset="-128"/>
+                </a:rPr>
+                <a:t>今回開発内容</a:t>
+              </a:r>
+              <a:r>
+                <a:rPr kumimoji="1" lang="en-US" altLang="ja-JP" dirty="0" smtClean="0">
+                  <a:latin typeface="Meiryo UI" panose="020B0604030504040204" pitchFamily="50" charset="-128"/>
+                  <a:ea typeface="Meiryo UI" panose="020B0604030504040204" pitchFamily="50" charset="-128"/>
+                </a:rPr>
+                <a:t>】</a:t>
+              </a:r>
+              <a:endParaRPr kumimoji="1" lang="en-US" altLang="ja-JP" dirty="0">
+                <a:latin typeface="Meiryo UI" panose="020B0604030504040204" pitchFamily="50" charset="-128"/>
+                <a:ea typeface="Meiryo UI" panose="020B0604030504040204" pitchFamily="50" charset="-128"/>
+              </a:endParaRPr>
+            </a:p>
+          </p:txBody>
+        </p:sp>
+        <p:sp>
+          <p:nvSpPr>
+            <p:cNvPr id="57" name="テキスト ボックス 56"/>
+            <p:cNvSpPr txBox="1"/>
+            <p:nvPr/>
+          </p:nvSpPr>
+          <p:spPr>
+            <a:xfrm>
+              <a:off x="6742378" y="5413053"/>
+              <a:ext cx="2117887" cy="461665"/>
+            </a:xfrm>
+            <a:prstGeom prst="rect">
+              <a:avLst/>
+            </a:prstGeom>
+            <a:noFill/>
+          </p:spPr>
+          <p:txBody>
+            <a:bodyPr wrap="none" rtlCol="0">
+              <a:spAutoFit/>
+            </a:bodyPr>
+            <a:lstStyle/>
+            <a:p>
+              <a:r>
+                <a:rPr kumimoji="1" lang="ja-JP" altLang="en-US" sz="1200" dirty="0" smtClean="0">
+                  <a:latin typeface="Meiryo UI" panose="020B0604030504040204" pitchFamily="50" charset="-128"/>
+                  <a:ea typeface="Meiryo UI" panose="020B0604030504040204" pitchFamily="50" charset="-128"/>
+                </a:rPr>
+                <a:t>奥様につけた、</a:t>
+              </a:r>
+              <a:endParaRPr kumimoji="1" lang="en-US" altLang="ja-JP" sz="1200" dirty="0" smtClean="0">
+                <a:latin typeface="Meiryo UI" panose="020B0604030504040204" pitchFamily="50" charset="-128"/>
+                <a:ea typeface="Meiryo UI" panose="020B0604030504040204" pitchFamily="50" charset="-128"/>
+              </a:endParaRPr>
+            </a:p>
+            <a:p>
+              <a:r>
+                <a:rPr kumimoji="1" lang="ja-JP" altLang="en-US" sz="1200" dirty="0" smtClean="0">
+                  <a:solidFill>
+                    <a:srgbClr val="0000CC"/>
+                  </a:solidFill>
+                  <a:latin typeface="Meiryo UI" panose="020B0604030504040204" pitchFamily="50" charset="-128"/>
+                  <a:ea typeface="Meiryo UI" panose="020B0604030504040204" pitchFamily="50" charset="-128"/>
+                </a:rPr>
+                <a:t>バイタルデータ（心拍センサー）</a:t>
+              </a:r>
+              <a:endParaRPr kumimoji="1" lang="en-US" altLang="ja-JP" sz="1200" dirty="0" smtClean="0">
+                <a:solidFill>
+                  <a:srgbClr val="0000CC"/>
+                </a:solidFill>
+                <a:latin typeface="Meiryo UI" panose="020B0604030504040204" pitchFamily="50" charset="-128"/>
+                <a:ea typeface="Meiryo UI" panose="020B0604030504040204" pitchFamily="50" charset="-128"/>
+              </a:endParaRPr>
+            </a:p>
+          </p:txBody>
+        </p:sp>
+        <p:sp>
+          <p:nvSpPr>
+            <p:cNvPr id="58" name="テキスト ボックス 57"/>
+            <p:cNvSpPr txBox="1"/>
+            <p:nvPr/>
+          </p:nvSpPr>
+          <p:spPr>
+            <a:xfrm>
+              <a:off x="8783568" y="3677995"/>
+              <a:ext cx="1364476" cy="276999"/>
+            </a:xfrm>
+            <a:prstGeom prst="rect">
+              <a:avLst/>
+            </a:prstGeom>
+            <a:noFill/>
+          </p:spPr>
+          <p:txBody>
+            <a:bodyPr wrap="none" rtlCol="0">
+              <a:spAutoFit/>
+            </a:bodyPr>
+            <a:lstStyle/>
+            <a:p>
+              <a:r>
+                <a:rPr kumimoji="1" lang="ja-JP" altLang="en-US" sz="1200" b="1" dirty="0" smtClean="0">
+                  <a:latin typeface="Meiryo UI" panose="020B0604030504040204" pitchFamily="50" charset="-128"/>
+                  <a:ea typeface="Meiryo UI" panose="020B0604030504040204" pitchFamily="50" charset="-128"/>
+                </a:rPr>
+                <a:t>可視化、行動提案</a:t>
+              </a:r>
+              <a:endParaRPr kumimoji="1" lang="ja-JP" altLang="en-US" sz="1200" b="1" dirty="0">
+                <a:latin typeface="Meiryo UI" panose="020B0604030504040204" pitchFamily="50" charset="-128"/>
+                <a:ea typeface="Meiryo UI" panose="020B0604030504040204" pitchFamily="50" charset="-128"/>
+              </a:endParaRPr>
+            </a:p>
+          </p:txBody>
+        </p:sp>
+        <p:pic>
+          <p:nvPicPr>
+            <p:cNvPr id="59" name="図 58"/>
+            <p:cNvPicPr>
+              <a:picLocks noChangeAspect="1"/>
+            </p:cNvPicPr>
+            <p:nvPr/>
+          </p:nvPicPr>
+          <p:blipFill>
+            <a:blip r:embed="rId9">
+              <a:extLst>
+                <a:ext uri="{28A0092B-C50C-407E-A947-70E740481C1C}">
+                  <a14:useLocalDpi xmlns:a14="http://schemas.microsoft.com/office/drawing/2010/main" val="0"/>
+                </a:ext>
+              </a:extLst>
+            </a:blip>
+            <a:stretch>
+              <a:fillRect/>
+            </a:stretch>
+          </p:blipFill>
+          <p:spPr>
+            <a:xfrm>
+              <a:off x="9155582" y="3946977"/>
+              <a:ext cx="619492" cy="988965"/>
+            </a:xfrm>
+            <a:prstGeom prst="rect">
+              <a:avLst/>
+            </a:prstGeom>
+          </p:spPr>
+        </p:pic>
+        <p:cxnSp>
+          <p:nvCxnSpPr>
+            <p:cNvPr id="61" name="直線矢印コネクタ 60"/>
+            <p:cNvCxnSpPr/>
+            <p:nvPr/>
+          </p:nvCxnSpPr>
+          <p:spPr>
+            <a:xfrm>
+              <a:off x="7892647" y="4042911"/>
+              <a:ext cx="1145790" cy="288236"/>
+            </a:xfrm>
+            <a:prstGeom prst="straightConnector1">
+              <a:avLst/>
+            </a:prstGeom>
+            <a:ln w="38100">
+              <a:tailEnd type="triangle"/>
+            </a:ln>
+          </p:spPr>
+          <p:style>
+            <a:lnRef idx="1">
+              <a:schemeClr val="accent1"/>
+            </a:lnRef>
+            <a:fillRef idx="0">
+              <a:schemeClr val="accent1"/>
+            </a:fillRef>
+            <a:effectRef idx="0">
+              <a:schemeClr val="accent1"/>
+            </a:effectRef>
+            <a:fontRef idx="minor">
+              <a:schemeClr val="tx1"/>
+            </a:fontRef>
+          </p:style>
+        </p:cxnSp>
+        <p:sp>
+          <p:nvSpPr>
+            <p:cNvPr id="64" name="テキスト ボックス 63"/>
+            <p:cNvSpPr txBox="1"/>
+            <p:nvPr/>
+          </p:nvSpPr>
+          <p:spPr>
+            <a:xfrm>
+              <a:off x="8118947" y="3892936"/>
+              <a:ext cx="540533" cy="276999"/>
+            </a:xfrm>
+            <a:prstGeom prst="rect">
+              <a:avLst/>
+            </a:prstGeom>
+            <a:noFill/>
+          </p:spPr>
+          <p:txBody>
+            <a:bodyPr wrap="none" rtlCol="0">
+              <a:spAutoFit/>
+            </a:bodyPr>
+            <a:lstStyle/>
+            <a:p>
+              <a:r>
+                <a:rPr kumimoji="1" lang="en-US" altLang="ja-JP" sz="1200" dirty="0" smtClean="0">
+                  <a:solidFill>
+                    <a:srgbClr val="0000CC"/>
+                  </a:solidFill>
+                  <a:latin typeface="Meiryo UI" panose="020B0604030504040204" pitchFamily="50" charset="-128"/>
+                  <a:ea typeface="Meiryo UI" panose="020B0604030504040204" pitchFamily="50" charset="-128"/>
+                </a:rPr>
+                <a:t>LINE</a:t>
+              </a:r>
+              <a:endParaRPr kumimoji="1" lang="ja-JP" altLang="en-US" sz="1200" dirty="0">
+                <a:solidFill>
+                  <a:srgbClr val="0000CC"/>
+                </a:solidFill>
+                <a:latin typeface="Meiryo UI" panose="020B0604030504040204" pitchFamily="50" charset="-128"/>
+                <a:ea typeface="Meiryo UI" panose="020B0604030504040204" pitchFamily="50" charset="-128"/>
+              </a:endParaRPr>
+            </a:p>
+          </p:txBody>
+        </p:sp>
+        <p:sp>
+          <p:nvSpPr>
+            <p:cNvPr id="65" name="テキスト ボックス 64"/>
+            <p:cNvSpPr txBox="1"/>
+            <p:nvPr/>
+          </p:nvSpPr>
+          <p:spPr>
+            <a:xfrm>
+              <a:off x="7410201" y="4313104"/>
+              <a:ext cx="1548822" cy="276999"/>
+            </a:xfrm>
+            <a:prstGeom prst="rect">
+              <a:avLst/>
+            </a:prstGeom>
+            <a:noFill/>
+          </p:spPr>
+          <p:txBody>
+            <a:bodyPr wrap="none" rtlCol="0">
+              <a:spAutoFit/>
+            </a:bodyPr>
+            <a:lstStyle/>
+            <a:p>
+              <a:r>
+                <a:rPr kumimoji="1" lang="ja-JP" altLang="en-US" sz="1200" dirty="0" smtClean="0">
+                  <a:solidFill>
+                    <a:srgbClr val="0000CC"/>
+                  </a:solidFill>
+                  <a:latin typeface="Meiryo UI" panose="020B0604030504040204" pitchFamily="50" charset="-128"/>
+                  <a:ea typeface="Meiryo UI" panose="020B0604030504040204" pitchFamily="50" charset="-128"/>
+                </a:rPr>
+                <a:t>汎用的なインタフェース</a:t>
+              </a:r>
+              <a:endParaRPr kumimoji="1" lang="ja-JP" altLang="en-US" sz="1200" dirty="0">
+                <a:solidFill>
+                  <a:srgbClr val="0000CC"/>
+                </a:solidFill>
+                <a:latin typeface="Meiryo UI" panose="020B0604030504040204" pitchFamily="50" charset="-128"/>
+                <a:ea typeface="Meiryo UI" panose="020B0604030504040204" pitchFamily="50" charset="-128"/>
+              </a:endParaRPr>
+            </a:p>
+          </p:txBody>
+        </p:sp>
+      </p:grpSp>
+      <p:sp>
+        <p:nvSpPr>
+          <p:cNvPr id="63" name="テキスト ボックス 62"/>
+          <p:cNvSpPr txBox="1"/>
+          <p:nvPr/>
+        </p:nvSpPr>
+        <p:spPr>
+          <a:xfrm>
+            <a:off x="397498" y="5878897"/>
+            <a:ext cx="9684061" cy="923330"/>
+          </a:xfrm>
+          <a:prstGeom prst="rect">
+            <a:avLst/>
+          </a:prstGeom>
+          <a:noFill/>
+        </p:spPr>
+        <p:txBody>
+          <a:bodyPr wrap="none" rtlCol="0">
+            <a:spAutoFit/>
+          </a:bodyPr>
+          <a:lstStyle/>
+          <a:p>
+            <a:r>
+              <a:rPr kumimoji="1" lang="ja-JP" altLang="en-US" dirty="0" smtClean="0">
+                <a:latin typeface="Meiryo UI" panose="020B0604030504040204" pitchFamily="50" charset="-128"/>
+                <a:ea typeface="Meiryo UI" panose="020B0604030504040204" pitchFamily="50" charset="-128"/>
+              </a:rPr>
+              <a:t>商用ビジネスにおいては、</a:t>
+            </a:r>
+            <a:endParaRPr kumimoji="1" lang="en-US" altLang="ja-JP" dirty="0" smtClean="0">
+              <a:latin typeface="Meiryo UI" panose="020B0604030504040204" pitchFamily="50" charset="-128"/>
+              <a:ea typeface="Meiryo UI" panose="020B0604030504040204" pitchFamily="50" charset="-128"/>
+            </a:endParaRPr>
+          </a:p>
+          <a:p>
+            <a:r>
+              <a:rPr kumimoji="1" lang="ja-JP" altLang="en-US" dirty="0" smtClean="0">
+                <a:latin typeface="Meiryo UI" panose="020B0604030504040204" pitchFamily="50" charset="-128"/>
+                <a:ea typeface="Meiryo UI" panose="020B0604030504040204" pitchFamily="50" charset="-128"/>
+              </a:rPr>
+              <a:t>接続デバイスや可視化ツールも、自由に選択できるよう（パブサブモデル）でのインタフェース設計をして、</a:t>
+            </a:r>
+            <a:endParaRPr kumimoji="1" lang="en-US" altLang="ja-JP" dirty="0" smtClean="0">
+              <a:latin typeface="Meiryo UI" panose="020B0604030504040204" pitchFamily="50" charset="-128"/>
+              <a:ea typeface="Meiryo UI" panose="020B0604030504040204" pitchFamily="50" charset="-128"/>
+            </a:endParaRPr>
+          </a:p>
+          <a:p>
+            <a:r>
+              <a:rPr kumimoji="1" lang="ja-JP" altLang="en-US" u="sng" dirty="0" smtClean="0">
+                <a:solidFill>
+                  <a:srgbClr val="FF0000"/>
+                </a:solidFill>
+                <a:latin typeface="Meiryo UI" panose="020B0604030504040204" pitchFamily="50" charset="-128"/>
+                <a:ea typeface="Meiryo UI" panose="020B0604030504040204" pitchFamily="50" charset="-128"/>
+              </a:rPr>
+              <a:t>さまざまなシーンで使っていただけることをイメージ</a:t>
+            </a:r>
+            <a:r>
+              <a:rPr kumimoji="1" lang="ja-JP" altLang="en-US" dirty="0" smtClean="0">
+                <a:latin typeface="Meiryo UI" panose="020B0604030504040204" pitchFamily="50" charset="-128"/>
+                <a:ea typeface="Meiryo UI" panose="020B0604030504040204" pitchFamily="50" charset="-128"/>
+              </a:rPr>
+              <a:t>している。</a:t>
+            </a:r>
+            <a:endParaRPr kumimoji="1" lang="en-US" altLang="ja-JP" dirty="0" smtClean="0">
+              <a:latin typeface="Meiryo UI" panose="020B0604030504040204" pitchFamily="50" charset="-128"/>
+              <a:ea typeface="Meiryo UI" panose="020B0604030504040204" pitchFamily="50" charset="-128"/>
+            </a:endParaRPr>
           </a:p>
         </p:txBody>
       </p:sp>
@@ -6651,7 +8168,7 @@
         <p:spPr>
           <a:xfrm>
             <a:off x="307730" y="386862"/>
-            <a:ext cx="2031325" cy="369332"/>
+            <a:ext cx="2028119" cy="461665"/>
           </a:xfrm>
           <a:prstGeom prst="rect">
             <a:avLst/>
@@ -6665,10 +8182,16 @@
           <a:lstStyle/>
           <a:p>
             <a:r>
-              <a:rPr kumimoji="1" lang="ja-JP" altLang="en-US" dirty="0" smtClean="0"/>
+              <a:rPr kumimoji="1" lang="ja-JP" altLang="en-US" sz="2400" dirty="0" smtClean="0">
+                <a:latin typeface="Meiryo UI" panose="020B0604030504040204" pitchFamily="50" charset="-128"/>
+                <a:ea typeface="Meiryo UI" panose="020B0604030504040204" pitchFamily="50" charset="-128"/>
+              </a:rPr>
               <a:t>リーンキャンパス</a:t>
             </a:r>
-            <a:endParaRPr kumimoji="1" lang="ja-JP" altLang="en-US" dirty="0"/>
+            <a:endParaRPr kumimoji="1" lang="ja-JP" altLang="en-US" sz="2400" dirty="0">
+              <a:latin typeface="Meiryo UI" panose="020B0604030504040204" pitchFamily="50" charset="-128"/>
+              <a:ea typeface="Meiryo UI" panose="020B0604030504040204" pitchFamily="50" charset="-128"/>
+            </a:endParaRPr>
           </a:p>
         </p:txBody>
       </p:sp>
@@ -6710,8 +8233,8 @@
         </p:nvSpPr>
         <p:spPr>
           <a:xfrm>
-            <a:off x="307730" y="386862"/>
-            <a:ext cx="2031325" cy="369332"/>
+            <a:off x="171353" y="170404"/>
+            <a:ext cx="3187091" cy="461665"/>
           </a:xfrm>
           <a:prstGeom prst="rect">
             <a:avLst/>
@@ -6724,18 +8247,2069 @@
           </a:bodyPr>
           <a:lstStyle/>
           <a:p>
-            <a:r>
-              <a:rPr kumimoji="1" lang="ja-JP" altLang="en-US" dirty="0" smtClean="0"/>
-              <a:t>ユーザストーリー</a:t>
-            </a:r>
-            <a:endParaRPr kumimoji="1" lang="ja-JP" altLang="en-US" dirty="0"/>
+            <a:pPr marL="0" marR="0" lvl="0" indent="0" algn="l" defTabSz="457200" rtl="0" eaLnBrk="1" fontAlgn="auto" latinLnBrk="0" hangingPunct="1">
+              <a:lnSpc>
+                <a:spcPct val="100000"/>
+              </a:lnSpc>
+              <a:spcBef>
+                <a:spcPts val="0"/>
+              </a:spcBef>
+              <a:spcAft>
+                <a:spcPts val="0"/>
+              </a:spcAft>
+              <a:buClrTx/>
+              <a:buSzTx/>
+              <a:buFontTx/>
+              <a:buNone/>
+              <a:tabLst/>
+              <a:defRPr/>
+            </a:pPr>
+            <a:r>
+              <a:rPr kumimoji="1" lang="ja-JP" altLang="en-US" sz="2400" b="0" i="0" u="none" strike="noStrike" kern="1200" cap="none" spc="0" normalizeH="0" baseline="0" noProof="0" dirty="0">
+                <a:ln>
+                  <a:noFill/>
+                </a:ln>
+                <a:solidFill>
+                  <a:prstClr val="black"/>
+                </a:solidFill>
+                <a:effectLst/>
+                <a:uLnTx/>
+                <a:uFillTx/>
+                <a:latin typeface="Meiryo UI" panose="020B0604030504040204" pitchFamily="50" charset="-128"/>
+                <a:ea typeface="Meiryo UI" panose="020B0604030504040204" pitchFamily="50" charset="-128"/>
+              </a:rPr>
+              <a:t>ユーザストーリーマッピング</a:t>
+            </a:r>
+          </a:p>
+        </p:txBody>
+      </p:sp>
+      <p:sp>
+        <p:nvSpPr>
+          <p:cNvPr id="3" name="Rectangle 3"/>
+          <p:cNvSpPr/>
+          <p:nvPr/>
+        </p:nvSpPr>
+        <p:spPr>
+          <a:xfrm>
+            <a:off x="1310054" y="1361612"/>
+            <a:ext cx="1444083" cy="914400"/>
+          </a:xfrm>
+          <a:prstGeom prst="rect">
+            <a:avLst/>
+          </a:prstGeom>
+          <a:solidFill>
+            <a:srgbClr val="0070C0"/>
+          </a:solidFill>
+          <a:ln>
+            <a:solidFill>
+              <a:srgbClr val="0070C0"/>
+            </a:solidFill>
+          </a:ln>
+        </p:spPr>
+        <p:style>
+          <a:lnRef idx="2">
+            <a:schemeClr val="accent1">
+              <a:shade val="50000"/>
+            </a:schemeClr>
+          </a:lnRef>
+          <a:fillRef idx="1">
+            <a:schemeClr val="accent1"/>
+          </a:fillRef>
+          <a:effectRef idx="0">
+            <a:schemeClr val="accent1"/>
+          </a:effectRef>
+          <a:fontRef idx="minor">
+            <a:schemeClr val="lt1"/>
+          </a:fontRef>
+        </p:style>
+        <p:txBody>
+          <a:bodyPr rtlCol="0" anchor="ctr"/>
+          <a:lstStyle/>
+          <a:p>
+            <a:pPr marL="0" marR="0" lvl="0" indent="0" algn="ctr" defTabSz="457200" rtl="0" eaLnBrk="1" fontAlgn="auto" latinLnBrk="0" hangingPunct="1">
+              <a:lnSpc>
+                <a:spcPct val="100000"/>
+              </a:lnSpc>
+              <a:spcBef>
+                <a:spcPts val="0"/>
+              </a:spcBef>
+              <a:spcAft>
+                <a:spcPts val="0"/>
+              </a:spcAft>
+              <a:buClrTx/>
+              <a:buSzTx/>
+              <a:buFontTx/>
+              <a:buNone/>
+              <a:tabLst/>
+              <a:defRPr/>
+            </a:pPr>
+            <a:r>
+              <a:rPr kumimoji="1" lang="ja-JP" altLang="en-US" sz="1600" b="0" i="0" u="none" strike="noStrike" kern="1200" cap="none" spc="0" normalizeH="0" baseline="0" noProof="0" dirty="0" smtClean="0">
+                <a:ln>
+                  <a:noFill/>
+                </a:ln>
+                <a:solidFill>
+                  <a:prstClr val="white"/>
+                </a:solidFill>
+                <a:effectLst/>
+                <a:uLnTx/>
+                <a:uFillTx/>
+                <a:latin typeface="Meiryo UI" panose="020B0604030504040204" pitchFamily="50" charset="-128"/>
+                <a:ea typeface="Meiryo UI" panose="020B0604030504040204" pitchFamily="50" charset="-128"/>
+              </a:rPr>
+              <a:t>データの測定</a:t>
+            </a:r>
+            <a:endParaRPr kumimoji="1" lang="en-US" altLang="ja-JP" sz="1600" b="0" i="0" u="none" strike="noStrike" kern="1200" cap="none" spc="0" normalizeH="0" baseline="0" noProof="0" dirty="0">
+              <a:ln>
+                <a:noFill/>
+              </a:ln>
+              <a:solidFill>
+                <a:prstClr val="white"/>
+              </a:solidFill>
+              <a:effectLst/>
+              <a:uLnTx/>
+              <a:uFillTx/>
+              <a:latin typeface="Meiryo UI" panose="020B0604030504040204" pitchFamily="50" charset="-128"/>
+              <a:ea typeface="Meiryo UI" panose="020B0604030504040204" pitchFamily="50" charset="-128"/>
+            </a:endParaRPr>
+          </a:p>
+        </p:txBody>
+      </p:sp>
+      <p:sp>
+        <p:nvSpPr>
+          <p:cNvPr id="5" name="Rectangle 4"/>
+          <p:cNvSpPr/>
+          <p:nvPr/>
+        </p:nvSpPr>
+        <p:spPr>
+          <a:xfrm>
+            <a:off x="2971585" y="1361612"/>
+            <a:ext cx="1444083" cy="914400"/>
+          </a:xfrm>
+          <a:prstGeom prst="rect">
+            <a:avLst/>
+          </a:prstGeom>
+          <a:solidFill>
+            <a:srgbClr val="0070C0"/>
+          </a:solidFill>
+          <a:ln>
+            <a:solidFill>
+              <a:srgbClr val="0070C0"/>
+            </a:solidFill>
+          </a:ln>
+        </p:spPr>
+        <p:style>
+          <a:lnRef idx="2">
+            <a:schemeClr val="accent1">
+              <a:shade val="50000"/>
+            </a:schemeClr>
+          </a:lnRef>
+          <a:fillRef idx="1">
+            <a:schemeClr val="accent1"/>
+          </a:fillRef>
+          <a:effectRef idx="0">
+            <a:schemeClr val="accent1"/>
+          </a:effectRef>
+          <a:fontRef idx="minor">
+            <a:schemeClr val="lt1"/>
+          </a:fontRef>
+        </p:style>
+        <p:txBody>
+          <a:bodyPr rtlCol="0" anchor="ctr"/>
+          <a:lstStyle/>
+          <a:p>
+            <a:pPr marL="0" marR="0" lvl="0" indent="0" algn="ctr" defTabSz="457200" rtl="0" eaLnBrk="1" fontAlgn="auto" latinLnBrk="0" hangingPunct="1">
+              <a:lnSpc>
+                <a:spcPct val="100000"/>
+              </a:lnSpc>
+              <a:spcBef>
+                <a:spcPts val="0"/>
+              </a:spcBef>
+              <a:spcAft>
+                <a:spcPts val="0"/>
+              </a:spcAft>
+              <a:buClrTx/>
+              <a:buSzTx/>
+              <a:buFontTx/>
+              <a:buNone/>
+              <a:tabLst/>
+              <a:defRPr/>
+            </a:pPr>
+            <a:r>
+              <a:rPr kumimoji="1" lang="ja-JP" altLang="en-US" sz="1600" b="0" i="0" u="none" strike="noStrike" kern="1200" cap="none" spc="0" normalizeH="0" baseline="0" noProof="0" dirty="0" smtClean="0">
+                <a:ln>
+                  <a:noFill/>
+                </a:ln>
+                <a:solidFill>
+                  <a:prstClr val="white"/>
+                </a:solidFill>
+                <a:effectLst/>
+                <a:uLnTx/>
+                <a:uFillTx/>
+                <a:latin typeface="Meiryo UI" panose="020B0604030504040204" pitchFamily="50" charset="-128"/>
+                <a:ea typeface="Meiryo UI" panose="020B0604030504040204" pitchFamily="50" charset="-128"/>
+              </a:rPr>
+              <a:t>感情の把握</a:t>
+            </a:r>
+            <a:endParaRPr kumimoji="1" lang="ja-JP" altLang="en-US" sz="1600" b="0" i="0" u="none" strike="noStrike" kern="1200" cap="none" spc="0" normalizeH="0" baseline="0" noProof="0" dirty="0">
+              <a:ln>
+                <a:noFill/>
+              </a:ln>
+              <a:solidFill>
+                <a:prstClr val="white"/>
+              </a:solidFill>
+              <a:effectLst/>
+              <a:uLnTx/>
+              <a:uFillTx/>
+              <a:latin typeface="Meiryo UI" panose="020B0604030504040204" pitchFamily="50" charset="-128"/>
+              <a:ea typeface="Meiryo UI" panose="020B0604030504040204" pitchFamily="50" charset="-128"/>
+            </a:endParaRPr>
+          </a:p>
+        </p:txBody>
+      </p:sp>
+      <p:sp>
+        <p:nvSpPr>
+          <p:cNvPr id="6" name="Rectangle 5"/>
+          <p:cNvSpPr/>
+          <p:nvPr/>
+        </p:nvSpPr>
+        <p:spPr>
+          <a:xfrm>
+            <a:off x="4633116" y="1361612"/>
+            <a:ext cx="1444083" cy="914400"/>
+          </a:xfrm>
+          <a:prstGeom prst="rect">
+            <a:avLst/>
+          </a:prstGeom>
+          <a:solidFill>
+            <a:srgbClr val="0070C0"/>
+          </a:solidFill>
+          <a:ln>
+            <a:solidFill>
+              <a:srgbClr val="0070C0"/>
+            </a:solidFill>
+          </a:ln>
+        </p:spPr>
+        <p:style>
+          <a:lnRef idx="2">
+            <a:schemeClr val="accent1">
+              <a:shade val="50000"/>
+            </a:schemeClr>
+          </a:lnRef>
+          <a:fillRef idx="1">
+            <a:schemeClr val="accent1"/>
+          </a:fillRef>
+          <a:effectRef idx="0">
+            <a:schemeClr val="accent1"/>
+          </a:effectRef>
+          <a:fontRef idx="minor">
+            <a:schemeClr val="lt1"/>
+          </a:fontRef>
+        </p:style>
+        <p:txBody>
+          <a:bodyPr rtlCol="0" anchor="ctr"/>
+          <a:lstStyle/>
+          <a:p>
+            <a:pPr marL="0" marR="0" lvl="0" indent="0" algn="ctr" defTabSz="457200" rtl="0" eaLnBrk="1" fontAlgn="auto" latinLnBrk="0" hangingPunct="1">
+              <a:lnSpc>
+                <a:spcPct val="100000"/>
+              </a:lnSpc>
+              <a:spcBef>
+                <a:spcPts val="0"/>
+              </a:spcBef>
+              <a:spcAft>
+                <a:spcPts val="0"/>
+              </a:spcAft>
+              <a:buClrTx/>
+              <a:buSzTx/>
+              <a:buFontTx/>
+              <a:buNone/>
+              <a:tabLst/>
+              <a:defRPr/>
+            </a:pPr>
+            <a:r>
+              <a:rPr kumimoji="0" lang="ja-JP" altLang="en-US" sz="1600" b="0" i="0" u="none" strike="noStrike" kern="1200" cap="none" spc="0" normalizeH="0" baseline="0" noProof="0" dirty="0" smtClean="0">
+                <a:ln>
+                  <a:noFill/>
+                </a:ln>
+                <a:solidFill>
+                  <a:prstClr val="white"/>
+                </a:solidFill>
+                <a:effectLst/>
+                <a:uLnTx/>
+                <a:uFillTx/>
+                <a:latin typeface="Meiryo UI" panose="020B0604030504040204" pitchFamily="50" charset="-128"/>
+                <a:ea typeface="Meiryo UI" panose="020B0604030504040204" pitchFamily="50" charset="-128"/>
+              </a:rPr>
+              <a:t>行動の把握</a:t>
+            </a:r>
+            <a:endParaRPr kumimoji="1" lang="ja-JP" altLang="en-US" sz="1600" b="0" i="0" u="none" strike="noStrike" kern="1200" cap="none" spc="0" normalizeH="0" baseline="0" noProof="0" dirty="0">
+              <a:ln>
+                <a:noFill/>
+              </a:ln>
+              <a:solidFill>
+                <a:prstClr val="white"/>
+              </a:solidFill>
+              <a:effectLst/>
+              <a:uLnTx/>
+              <a:uFillTx/>
+              <a:latin typeface="Meiryo UI" panose="020B0604030504040204" pitchFamily="50" charset="-128"/>
+              <a:ea typeface="Meiryo UI" panose="020B0604030504040204" pitchFamily="50" charset="-128"/>
+            </a:endParaRPr>
+          </a:p>
+        </p:txBody>
+      </p:sp>
+      <p:sp>
+        <p:nvSpPr>
+          <p:cNvPr id="7" name="Rectangle 6"/>
+          <p:cNvSpPr/>
+          <p:nvPr/>
+        </p:nvSpPr>
+        <p:spPr>
+          <a:xfrm>
+            <a:off x="6294647" y="1361612"/>
+            <a:ext cx="1444083" cy="914400"/>
+          </a:xfrm>
+          <a:prstGeom prst="rect">
+            <a:avLst/>
+          </a:prstGeom>
+          <a:solidFill>
+            <a:srgbClr val="0070C0"/>
+          </a:solidFill>
+          <a:ln>
+            <a:solidFill>
+              <a:srgbClr val="0070C0"/>
+            </a:solidFill>
+          </a:ln>
+        </p:spPr>
+        <p:style>
+          <a:lnRef idx="2">
+            <a:schemeClr val="accent1">
+              <a:shade val="50000"/>
+            </a:schemeClr>
+          </a:lnRef>
+          <a:fillRef idx="1">
+            <a:schemeClr val="accent1"/>
+          </a:fillRef>
+          <a:effectRef idx="0">
+            <a:schemeClr val="accent1"/>
+          </a:effectRef>
+          <a:fontRef idx="minor">
+            <a:schemeClr val="lt1"/>
+          </a:fontRef>
+        </p:style>
+        <p:txBody>
+          <a:bodyPr rtlCol="0" anchor="ctr"/>
+          <a:lstStyle/>
+          <a:p>
+            <a:pPr marL="0" marR="0" lvl="0" indent="0" algn="ctr" defTabSz="457200" rtl="0" eaLnBrk="1" fontAlgn="auto" latinLnBrk="0" hangingPunct="1">
+              <a:lnSpc>
+                <a:spcPct val="100000"/>
+              </a:lnSpc>
+              <a:spcBef>
+                <a:spcPts val="0"/>
+              </a:spcBef>
+              <a:spcAft>
+                <a:spcPts val="0"/>
+              </a:spcAft>
+              <a:buClrTx/>
+              <a:buSzTx/>
+              <a:buFontTx/>
+              <a:buNone/>
+              <a:tabLst/>
+              <a:defRPr/>
+            </a:pPr>
+            <a:r>
+              <a:rPr kumimoji="1" lang="ja-JP" altLang="en-US" sz="1600" b="0" i="0" u="none" strike="noStrike" kern="1200" cap="none" spc="0" normalizeH="0" baseline="0" noProof="0" dirty="0" smtClean="0">
+                <a:ln>
+                  <a:noFill/>
+                </a:ln>
+                <a:solidFill>
+                  <a:prstClr val="white"/>
+                </a:solidFill>
+                <a:effectLst/>
+                <a:uLnTx/>
+                <a:uFillTx/>
+                <a:latin typeface="Meiryo UI" panose="020B0604030504040204" pitchFamily="50" charset="-128"/>
+                <a:ea typeface="Meiryo UI" panose="020B0604030504040204" pitchFamily="50" charset="-128"/>
+              </a:rPr>
+              <a:t>行動の実施</a:t>
+            </a:r>
+            <a:endParaRPr kumimoji="1" lang="ja-JP" altLang="en-US" sz="1600" b="0" i="0" u="none" strike="noStrike" kern="1200" cap="none" spc="0" normalizeH="0" baseline="0" noProof="0" dirty="0">
+              <a:ln>
+                <a:noFill/>
+              </a:ln>
+              <a:solidFill>
+                <a:prstClr val="white"/>
+              </a:solidFill>
+              <a:effectLst/>
+              <a:uLnTx/>
+              <a:uFillTx/>
+              <a:latin typeface="Meiryo UI" panose="020B0604030504040204" pitchFamily="50" charset="-128"/>
+              <a:ea typeface="Meiryo UI" panose="020B0604030504040204" pitchFamily="50" charset="-128"/>
+            </a:endParaRPr>
+          </a:p>
+        </p:txBody>
+      </p:sp>
+      <p:sp>
+        <p:nvSpPr>
+          <p:cNvPr id="8" name="Rectangle 7"/>
+          <p:cNvSpPr/>
+          <p:nvPr/>
+        </p:nvSpPr>
+        <p:spPr>
+          <a:xfrm>
+            <a:off x="7956178" y="1361612"/>
+            <a:ext cx="1444083" cy="914400"/>
+          </a:xfrm>
+          <a:prstGeom prst="rect">
+            <a:avLst/>
+          </a:prstGeom>
+          <a:solidFill>
+            <a:srgbClr val="0070C0"/>
+          </a:solidFill>
+          <a:ln>
+            <a:solidFill>
+              <a:srgbClr val="0070C0"/>
+            </a:solidFill>
+          </a:ln>
+        </p:spPr>
+        <p:style>
+          <a:lnRef idx="2">
+            <a:schemeClr val="accent1">
+              <a:shade val="50000"/>
+            </a:schemeClr>
+          </a:lnRef>
+          <a:fillRef idx="1">
+            <a:schemeClr val="accent1"/>
+          </a:fillRef>
+          <a:effectRef idx="0">
+            <a:schemeClr val="accent1"/>
+          </a:effectRef>
+          <a:fontRef idx="minor">
+            <a:schemeClr val="lt1"/>
+          </a:fontRef>
+        </p:style>
+        <p:txBody>
+          <a:bodyPr rtlCol="0" anchor="ctr"/>
+          <a:lstStyle/>
+          <a:p>
+            <a:pPr marL="0" marR="0" lvl="0" indent="0" algn="ctr" defTabSz="457200" rtl="0" eaLnBrk="1" fontAlgn="auto" latinLnBrk="0" hangingPunct="1">
+              <a:lnSpc>
+                <a:spcPct val="100000"/>
+              </a:lnSpc>
+              <a:spcBef>
+                <a:spcPts val="0"/>
+              </a:spcBef>
+              <a:spcAft>
+                <a:spcPts val="0"/>
+              </a:spcAft>
+              <a:buClrTx/>
+              <a:buSzTx/>
+              <a:buFontTx/>
+              <a:buNone/>
+              <a:tabLst/>
+              <a:defRPr/>
+            </a:pPr>
+            <a:r>
+              <a:rPr kumimoji="1" lang="ja-JP" altLang="en-US" sz="1600" b="0" i="0" u="none" strike="noStrike" kern="1200" cap="none" spc="0" normalizeH="0" baseline="0" noProof="0" dirty="0" smtClean="0">
+                <a:ln>
+                  <a:noFill/>
+                </a:ln>
+                <a:solidFill>
+                  <a:prstClr val="white"/>
+                </a:solidFill>
+                <a:effectLst/>
+                <a:uLnTx/>
+                <a:uFillTx/>
+                <a:latin typeface="Meiryo UI" panose="020B0604030504040204" pitchFamily="50" charset="-128"/>
+                <a:ea typeface="Meiryo UI" panose="020B0604030504040204" pitchFamily="50" charset="-128"/>
+              </a:rPr>
+              <a:t>結果の確認</a:t>
+            </a:r>
+            <a:endParaRPr kumimoji="1" lang="ja-JP" altLang="en-US" sz="1600" b="0" i="0" u="none" strike="noStrike" kern="1200" cap="none" spc="0" normalizeH="0" baseline="0" noProof="0" dirty="0">
+              <a:ln>
+                <a:noFill/>
+              </a:ln>
+              <a:solidFill>
+                <a:prstClr val="white"/>
+              </a:solidFill>
+              <a:effectLst/>
+              <a:uLnTx/>
+              <a:uFillTx/>
+              <a:latin typeface="Meiryo UI" panose="020B0604030504040204" pitchFamily="50" charset="-128"/>
+              <a:ea typeface="Meiryo UI" panose="020B0604030504040204" pitchFamily="50" charset="-128"/>
+            </a:endParaRPr>
+          </a:p>
+        </p:txBody>
+      </p:sp>
+      <p:cxnSp>
+        <p:nvCxnSpPr>
+          <p:cNvPr id="9" name="Straight Arrow Connector 9"/>
+          <p:cNvCxnSpPr/>
+          <p:nvPr/>
+        </p:nvCxnSpPr>
+        <p:spPr>
+          <a:xfrm flipV="1">
+            <a:off x="1310054" y="2426868"/>
+            <a:ext cx="8090207" cy="33453"/>
+          </a:xfrm>
+          <a:prstGeom prst="straightConnector1">
+            <a:avLst/>
+          </a:prstGeom>
+          <a:ln w="76200">
+            <a:solidFill>
+              <a:srgbClr val="FF0000"/>
+            </a:solidFill>
+            <a:tailEnd type="triangle"/>
+          </a:ln>
+        </p:spPr>
+        <p:style>
+          <a:lnRef idx="1">
+            <a:schemeClr val="accent1"/>
+          </a:lnRef>
+          <a:fillRef idx="0">
+            <a:schemeClr val="accent1"/>
+          </a:fillRef>
+          <a:effectRef idx="0">
+            <a:schemeClr val="accent1"/>
+          </a:effectRef>
+          <a:fontRef idx="minor">
+            <a:schemeClr val="tx1"/>
+          </a:fontRef>
+        </p:style>
+      </p:cxnSp>
+      <p:sp>
+        <p:nvSpPr>
+          <p:cNvPr id="10" name="Rectangle 21">
+            <a:extLst>
+              <a:ext uri="{FF2B5EF4-FFF2-40B4-BE49-F238E27FC236}">
+                <a16:creationId xmlns:a16="http://schemas.microsoft.com/office/drawing/2014/main" id="{22396479-3483-8D45-A8D7-B8AC50D383A4}"/>
+              </a:ext>
+            </a:extLst>
+          </p:cNvPr>
+          <p:cNvSpPr/>
+          <p:nvPr/>
+        </p:nvSpPr>
+        <p:spPr>
+          <a:xfrm>
+            <a:off x="1310053" y="4723387"/>
+            <a:ext cx="1444083" cy="914400"/>
+          </a:xfrm>
+          <a:prstGeom prst="rect">
+            <a:avLst/>
+          </a:prstGeom>
+        </p:spPr>
+        <p:style>
+          <a:lnRef idx="3">
+            <a:schemeClr val="lt1"/>
+          </a:lnRef>
+          <a:fillRef idx="1">
+            <a:schemeClr val="accent1"/>
+          </a:fillRef>
+          <a:effectRef idx="1">
+            <a:schemeClr val="accent1"/>
+          </a:effectRef>
+          <a:fontRef idx="minor">
+            <a:schemeClr val="lt1"/>
+          </a:fontRef>
+        </p:style>
+        <p:txBody>
+          <a:bodyPr rtlCol="0" anchor="ctr"/>
+          <a:lstStyle/>
+          <a:p>
+            <a:pPr marL="0" marR="0" lvl="0" indent="0" algn="ctr" defTabSz="457200" rtl="0" eaLnBrk="1" fontAlgn="auto" latinLnBrk="0" hangingPunct="1">
+              <a:lnSpc>
+                <a:spcPct val="100000"/>
+              </a:lnSpc>
+              <a:spcBef>
+                <a:spcPts val="0"/>
+              </a:spcBef>
+              <a:spcAft>
+                <a:spcPts val="0"/>
+              </a:spcAft>
+              <a:buClrTx/>
+              <a:buSzTx/>
+              <a:buFontTx/>
+              <a:buNone/>
+              <a:tabLst/>
+              <a:defRPr/>
+            </a:pPr>
+            <a:r>
+              <a:rPr kumimoji="0" lang="ja-JP" altLang="en-US" sz="1600" b="0" i="0" u="none" strike="noStrike" kern="1200" cap="none" spc="0" normalizeH="0" baseline="0" noProof="0" dirty="0" smtClean="0">
+                <a:ln>
+                  <a:noFill/>
+                </a:ln>
+                <a:solidFill>
+                  <a:prstClr val="white"/>
+                </a:solidFill>
+                <a:effectLst/>
+                <a:uLnTx/>
+                <a:uFillTx/>
+                <a:latin typeface="Meiryo UI" panose="020B0604030504040204" pitchFamily="50" charset="-128"/>
+                <a:ea typeface="Meiryo UI" panose="020B0604030504040204" pitchFamily="50" charset="-128"/>
+              </a:rPr>
+              <a:t>心拍測定</a:t>
+            </a:r>
+            <a:endParaRPr kumimoji="0" lang="en-US" altLang="ja-JP" sz="1600" b="0" i="0" u="none" strike="noStrike" kern="1200" cap="none" spc="0" normalizeH="0" baseline="0" noProof="0" dirty="0">
+              <a:ln>
+                <a:noFill/>
+              </a:ln>
+              <a:solidFill>
+                <a:prstClr val="white"/>
+              </a:solidFill>
+              <a:effectLst/>
+              <a:uLnTx/>
+              <a:uFillTx/>
+              <a:latin typeface="Meiryo UI" panose="020B0604030504040204" pitchFamily="50" charset="-128"/>
+              <a:ea typeface="Meiryo UI" panose="020B0604030504040204" pitchFamily="50" charset="-128"/>
+            </a:endParaRPr>
+          </a:p>
+        </p:txBody>
+      </p:sp>
+      <p:sp>
+        <p:nvSpPr>
+          <p:cNvPr id="11" name="Rectangle 21">
+            <a:extLst>
+              <a:ext uri="{FF2B5EF4-FFF2-40B4-BE49-F238E27FC236}">
+                <a16:creationId xmlns:a16="http://schemas.microsoft.com/office/drawing/2014/main" id="{22396479-3483-8D45-A8D7-B8AC50D383A4}"/>
+              </a:ext>
+            </a:extLst>
+          </p:cNvPr>
+          <p:cNvSpPr/>
+          <p:nvPr/>
+        </p:nvSpPr>
+        <p:spPr>
+          <a:xfrm>
+            <a:off x="4650912" y="4723387"/>
+            <a:ext cx="1444083" cy="914400"/>
+          </a:xfrm>
+          <a:prstGeom prst="rect">
+            <a:avLst/>
+          </a:prstGeom>
+        </p:spPr>
+        <p:style>
+          <a:lnRef idx="3">
+            <a:schemeClr val="lt1"/>
+          </a:lnRef>
+          <a:fillRef idx="1">
+            <a:schemeClr val="accent1"/>
+          </a:fillRef>
+          <a:effectRef idx="1">
+            <a:schemeClr val="accent1"/>
+          </a:effectRef>
+          <a:fontRef idx="minor">
+            <a:schemeClr val="lt1"/>
+          </a:fontRef>
+        </p:style>
+        <p:txBody>
+          <a:bodyPr rtlCol="0" anchor="ctr"/>
+          <a:lstStyle/>
+          <a:p>
+            <a:pPr marL="0" marR="0" lvl="0" indent="0" algn="ctr" defTabSz="457200" rtl="0" eaLnBrk="1" fontAlgn="auto" latinLnBrk="0" hangingPunct="1">
+              <a:lnSpc>
+                <a:spcPct val="100000"/>
+              </a:lnSpc>
+              <a:spcBef>
+                <a:spcPts val="0"/>
+              </a:spcBef>
+              <a:spcAft>
+                <a:spcPts val="0"/>
+              </a:spcAft>
+              <a:buClrTx/>
+              <a:buSzTx/>
+              <a:buFontTx/>
+              <a:buNone/>
+              <a:tabLst/>
+              <a:defRPr/>
+            </a:pPr>
+            <a:r>
+              <a:rPr kumimoji="0" lang="ja-JP" altLang="en-US" sz="1600" b="0" i="0" u="none" strike="noStrike" kern="1200" cap="none" spc="0" normalizeH="0" baseline="0" noProof="0" dirty="0">
+                <a:ln>
+                  <a:noFill/>
+                </a:ln>
+                <a:solidFill>
+                  <a:prstClr val="white"/>
+                </a:solidFill>
+                <a:effectLst/>
+                <a:uLnTx/>
+                <a:uFillTx/>
+                <a:latin typeface="Meiryo UI" panose="020B0604030504040204" pitchFamily="50" charset="-128"/>
+                <a:ea typeface="Meiryo UI" panose="020B0604030504040204" pitchFamily="50" charset="-128"/>
+              </a:rPr>
+              <a:t>状態メッセージ表示</a:t>
+            </a:r>
+            <a:endParaRPr kumimoji="0" lang="en-US" altLang="ja-JP" sz="1600" b="0" i="0" u="none" strike="noStrike" kern="1200" cap="none" spc="0" normalizeH="0" baseline="0" noProof="0" dirty="0">
+              <a:ln>
+                <a:noFill/>
+              </a:ln>
+              <a:solidFill>
+                <a:prstClr val="white"/>
+              </a:solidFill>
+              <a:effectLst/>
+              <a:uLnTx/>
+              <a:uFillTx/>
+              <a:latin typeface="Meiryo UI" panose="020B0604030504040204" pitchFamily="50" charset="-128"/>
+              <a:ea typeface="Meiryo UI" panose="020B0604030504040204" pitchFamily="50" charset="-128"/>
+            </a:endParaRPr>
+          </a:p>
+        </p:txBody>
+      </p:sp>
+      <p:sp>
+        <p:nvSpPr>
+          <p:cNvPr id="12" name="Rectangle 21">
+            <a:extLst>
+              <a:ext uri="{FF2B5EF4-FFF2-40B4-BE49-F238E27FC236}">
+                <a16:creationId xmlns:a16="http://schemas.microsoft.com/office/drawing/2014/main" id="{22396479-3483-8D45-A8D7-B8AC50D383A4}"/>
+              </a:ext>
+            </a:extLst>
+          </p:cNvPr>
+          <p:cNvSpPr/>
+          <p:nvPr/>
+        </p:nvSpPr>
+        <p:spPr>
+          <a:xfrm>
+            <a:off x="2971371" y="4723387"/>
+            <a:ext cx="1444083" cy="914400"/>
+          </a:xfrm>
+          <a:prstGeom prst="rect">
+            <a:avLst/>
+          </a:prstGeom>
+        </p:spPr>
+        <p:style>
+          <a:lnRef idx="3">
+            <a:schemeClr val="lt1"/>
+          </a:lnRef>
+          <a:fillRef idx="1">
+            <a:schemeClr val="accent1"/>
+          </a:fillRef>
+          <a:effectRef idx="1">
+            <a:schemeClr val="accent1"/>
+          </a:effectRef>
+          <a:fontRef idx="minor">
+            <a:schemeClr val="lt1"/>
+          </a:fontRef>
+        </p:style>
+        <p:txBody>
+          <a:bodyPr rtlCol="0" anchor="ctr"/>
+          <a:lstStyle/>
+          <a:p>
+            <a:pPr marL="0" marR="0" lvl="0" indent="0" algn="ctr" defTabSz="457200" rtl="0" eaLnBrk="1" fontAlgn="auto" latinLnBrk="0" hangingPunct="1">
+              <a:lnSpc>
+                <a:spcPct val="100000"/>
+              </a:lnSpc>
+              <a:spcBef>
+                <a:spcPts val="0"/>
+              </a:spcBef>
+              <a:spcAft>
+                <a:spcPts val="0"/>
+              </a:spcAft>
+              <a:buClrTx/>
+              <a:buSzTx/>
+              <a:buFontTx/>
+              <a:buNone/>
+              <a:tabLst/>
+              <a:defRPr/>
+            </a:pPr>
+            <a:r>
+              <a:rPr kumimoji="0" lang="en-US" altLang="ja-JP" sz="1600" b="0" i="0" u="none" strike="noStrike" kern="1200" cap="none" spc="0" normalizeH="0" baseline="0" noProof="0" dirty="0" smtClean="0">
+                <a:ln>
+                  <a:noFill/>
+                </a:ln>
+                <a:solidFill>
+                  <a:prstClr val="white"/>
+                </a:solidFill>
+                <a:effectLst/>
+                <a:uLnTx/>
+                <a:uFillTx/>
+                <a:latin typeface="Meiryo UI" panose="020B0604030504040204" pitchFamily="50" charset="-128"/>
+                <a:ea typeface="Meiryo UI" panose="020B0604030504040204" pitchFamily="50" charset="-128"/>
+              </a:rPr>
+              <a:t>LINE</a:t>
+            </a:r>
+            <a:r>
+              <a:rPr kumimoji="0" lang="ja-JP" altLang="en-US" sz="1600" b="0" i="0" u="none" strike="noStrike" kern="1200" cap="none" spc="0" normalizeH="0" baseline="0" noProof="0" dirty="0" smtClean="0">
+                <a:ln>
+                  <a:noFill/>
+                </a:ln>
+                <a:solidFill>
+                  <a:prstClr val="white"/>
+                </a:solidFill>
+                <a:effectLst/>
+                <a:uLnTx/>
+                <a:uFillTx/>
+                <a:latin typeface="Meiryo UI" panose="020B0604030504040204" pitchFamily="50" charset="-128"/>
+                <a:ea typeface="Meiryo UI" panose="020B0604030504040204" pitchFamily="50" charset="-128"/>
+              </a:rPr>
+              <a:t>で</a:t>
+            </a:r>
+            <a:endParaRPr kumimoji="0" lang="en-US" altLang="ja-JP" sz="1600" b="0" i="0" u="none" strike="noStrike" kern="1200" cap="none" spc="0" normalizeH="0" baseline="0" noProof="0" dirty="0" smtClean="0">
+              <a:ln>
+                <a:noFill/>
+              </a:ln>
+              <a:solidFill>
+                <a:prstClr val="white"/>
+              </a:solidFill>
+              <a:effectLst/>
+              <a:uLnTx/>
+              <a:uFillTx/>
+              <a:latin typeface="Meiryo UI" panose="020B0604030504040204" pitchFamily="50" charset="-128"/>
+              <a:ea typeface="Meiryo UI" panose="020B0604030504040204" pitchFamily="50" charset="-128"/>
+            </a:endParaRPr>
+          </a:p>
+          <a:p>
+            <a:pPr marL="0" marR="0" lvl="0" indent="0" algn="ctr" defTabSz="457200" rtl="0" eaLnBrk="1" fontAlgn="auto" latinLnBrk="0" hangingPunct="1">
+              <a:lnSpc>
+                <a:spcPct val="100000"/>
+              </a:lnSpc>
+              <a:spcBef>
+                <a:spcPts val="0"/>
+              </a:spcBef>
+              <a:spcAft>
+                <a:spcPts val="0"/>
+              </a:spcAft>
+              <a:buClrTx/>
+              <a:buSzTx/>
+              <a:buFontTx/>
+              <a:buNone/>
+              <a:tabLst/>
+              <a:defRPr/>
+            </a:pPr>
+            <a:r>
+              <a:rPr kumimoji="0" lang="ja-JP" altLang="en-US" sz="1600" b="0" i="0" u="none" strike="noStrike" kern="1200" cap="none" spc="0" normalizeH="0" baseline="0" noProof="0" dirty="0" smtClean="0">
+                <a:ln>
+                  <a:noFill/>
+                </a:ln>
+                <a:solidFill>
+                  <a:prstClr val="white"/>
+                </a:solidFill>
+                <a:effectLst/>
+                <a:uLnTx/>
+                <a:uFillTx/>
+                <a:latin typeface="Meiryo UI" panose="020B0604030504040204" pitchFamily="50" charset="-128"/>
+                <a:ea typeface="Meiryo UI" panose="020B0604030504040204" pitchFamily="50" charset="-128"/>
+              </a:rPr>
+              <a:t>レーダーチャート表示</a:t>
+            </a:r>
+            <a:endParaRPr kumimoji="0" lang="en-US" altLang="ja-JP" sz="1600" b="0" i="0" u="none" strike="noStrike" kern="1200" cap="none" spc="0" normalizeH="0" baseline="0" noProof="0" dirty="0">
+              <a:ln>
+                <a:noFill/>
+              </a:ln>
+              <a:solidFill>
+                <a:prstClr val="white"/>
+              </a:solidFill>
+              <a:effectLst/>
+              <a:uLnTx/>
+              <a:uFillTx/>
+              <a:latin typeface="Meiryo UI" panose="020B0604030504040204" pitchFamily="50" charset="-128"/>
+              <a:ea typeface="Meiryo UI" panose="020B0604030504040204" pitchFamily="50" charset="-128"/>
+            </a:endParaRPr>
+          </a:p>
+        </p:txBody>
+      </p:sp>
+      <p:cxnSp>
+        <p:nvCxnSpPr>
+          <p:cNvPr id="15" name="Straight Connector 19">
+            <a:extLst>
+              <a:ext uri="{FF2B5EF4-FFF2-40B4-BE49-F238E27FC236}">
+                <a16:creationId xmlns:a16="http://schemas.microsoft.com/office/drawing/2014/main" id="{5A2BE400-5EC2-834F-9205-749F613CCF5C}"/>
+              </a:ext>
+            </a:extLst>
+          </p:cNvPr>
+          <p:cNvCxnSpPr/>
+          <p:nvPr/>
+        </p:nvCxnSpPr>
+        <p:spPr>
+          <a:xfrm>
+            <a:off x="1296076" y="4579793"/>
+            <a:ext cx="8136000" cy="0"/>
+          </a:xfrm>
+          <a:prstGeom prst="line">
+            <a:avLst/>
+          </a:prstGeom>
+          <a:ln w="76200">
+            <a:solidFill>
+              <a:srgbClr val="FF0000"/>
+            </a:solidFill>
+          </a:ln>
+        </p:spPr>
+        <p:style>
+          <a:lnRef idx="1">
+            <a:schemeClr val="accent1"/>
+          </a:lnRef>
+          <a:fillRef idx="0">
+            <a:schemeClr val="accent1"/>
+          </a:fillRef>
+          <a:effectRef idx="0">
+            <a:schemeClr val="accent1"/>
+          </a:effectRef>
+          <a:fontRef idx="minor">
+            <a:schemeClr val="tx1"/>
+          </a:fontRef>
+        </p:style>
+      </p:cxnSp>
+      <p:sp>
+        <p:nvSpPr>
+          <p:cNvPr id="17" name="Rectangle 21">
+            <a:extLst>
+              <a:ext uri="{FF2B5EF4-FFF2-40B4-BE49-F238E27FC236}">
+                <a16:creationId xmlns:a16="http://schemas.microsoft.com/office/drawing/2014/main" id="{22396479-3483-8D45-A8D7-B8AC50D383A4}"/>
+              </a:ext>
+            </a:extLst>
+          </p:cNvPr>
+          <p:cNvSpPr/>
+          <p:nvPr/>
+        </p:nvSpPr>
+        <p:spPr>
+          <a:xfrm>
+            <a:off x="7977122" y="5731073"/>
+            <a:ext cx="1444083" cy="914400"/>
+          </a:xfrm>
+          <a:prstGeom prst="rect">
+            <a:avLst/>
+          </a:prstGeom>
+        </p:spPr>
+        <p:style>
+          <a:lnRef idx="3">
+            <a:schemeClr val="lt1"/>
+          </a:lnRef>
+          <a:fillRef idx="1">
+            <a:schemeClr val="accent1"/>
+          </a:fillRef>
+          <a:effectRef idx="1">
+            <a:schemeClr val="accent1"/>
+          </a:effectRef>
+          <a:fontRef idx="minor">
+            <a:schemeClr val="lt1"/>
+          </a:fontRef>
+        </p:style>
+        <p:txBody>
+          <a:bodyPr rtlCol="0" anchor="ctr"/>
+          <a:lstStyle/>
+          <a:p>
+            <a:pPr marL="0" marR="0" lvl="0" indent="0" algn="ctr" defTabSz="457200" rtl="0" eaLnBrk="1" fontAlgn="auto" latinLnBrk="0" hangingPunct="1">
+              <a:lnSpc>
+                <a:spcPct val="100000"/>
+              </a:lnSpc>
+              <a:spcBef>
+                <a:spcPts val="0"/>
+              </a:spcBef>
+              <a:spcAft>
+                <a:spcPts val="0"/>
+              </a:spcAft>
+              <a:buClrTx/>
+              <a:buSzTx/>
+              <a:buFontTx/>
+              <a:buNone/>
+              <a:tabLst/>
+              <a:defRPr/>
+            </a:pPr>
+            <a:r>
+              <a:rPr kumimoji="0" lang="en-US" altLang="ja-JP" sz="1600" b="0" i="0" u="none" strike="noStrike" kern="1200" cap="none" spc="0" normalizeH="0" baseline="0" noProof="0" dirty="0" smtClean="0">
+                <a:ln>
+                  <a:noFill/>
+                </a:ln>
+                <a:solidFill>
+                  <a:prstClr val="white"/>
+                </a:solidFill>
+                <a:effectLst/>
+                <a:uLnTx/>
+                <a:uFillTx/>
+                <a:latin typeface="Meiryo UI" panose="020B0604030504040204" pitchFamily="50" charset="-128"/>
+                <a:ea typeface="Meiryo UI" panose="020B0604030504040204" pitchFamily="50" charset="-128"/>
+              </a:rPr>
+              <a:t>LINE</a:t>
+            </a:r>
+            <a:r>
+              <a:rPr kumimoji="0" lang="ja-JP" altLang="en-US" sz="1600" b="0" i="0" u="none" strike="noStrike" kern="1200" cap="none" spc="0" normalizeH="0" baseline="0" noProof="0" dirty="0" smtClean="0">
+                <a:ln>
+                  <a:noFill/>
+                </a:ln>
+                <a:solidFill>
+                  <a:prstClr val="white"/>
+                </a:solidFill>
+                <a:effectLst/>
+                <a:uLnTx/>
+                <a:uFillTx/>
+                <a:latin typeface="Meiryo UI" panose="020B0604030504040204" pitchFamily="50" charset="-128"/>
+                <a:ea typeface="Meiryo UI" panose="020B0604030504040204" pitchFamily="50" charset="-128"/>
+              </a:rPr>
+              <a:t>で</a:t>
+            </a:r>
+            <a:endParaRPr kumimoji="0" lang="en-US" altLang="ja-JP" sz="1600" b="0" i="0" u="none" strike="noStrike" kern="1200" cap="none" spc="0" normalizeH="0" baseline="0" noProof="0" dirty="0" smtClean="0">
+              <a:ln>
+                <a:noFill/>
+              </a:ln>
+              <a:solidFill>
+                <a:prstClr val="white"/>
+              </a:solidFill>
+              <a:effectLst/>
+              <a:uLnTx/>
+              <a:uFillTx/>
+              <a:latin typeface="Meiryo UI" panose="020B0604030504040204" pitchFamily="50" charset="-128"/>
+              <a:ea typeface="Meiryo UI" panose="020B0604030504040204" pitchFamily="50" charset="-128"/>
+            </a:endParaRPr>
+          </a:p>
+          <a:p>
+            <a:pPr marL="0" marR="0" lvl="0" indent="0" algn="ctr" defTabSz="457200" rtl="0" eaLnBrk="1" fontAlgn="auto" latinLnBrk="0" hangingPunct="1">
+              <a:lnSpc>
+                <a:spcPct val="100000"/>
+              </a:lnSpc>
+              <a:spcBef>
+                <a:spcPts val="0"/>
+              </a:spcBef>
+              <a:spcAft>
+                <a:spcPts val="0"/>
+              </a:spcAft>
+              <a:buClrTx/>
+              <a:buSzTx/>
+              <a:buFontTx/>
+              <a:buNone/>
+              <a:tabLst/>
+              <a:defRPr/>
+            </a:pPr>
+            <a:r>
+              <a:rPr kumimoji="0" lang="ja-JP" altLang="en-US" sz="1600" b="0" i="0" u="none" strike="noStrike" kern="1200" cap="none" spc="0" normalizeH="0" baseline="0" noProof="0" dirty="0" smtClean="0">
+                <a:ln>
+                  <a:noFill/>
+                </a:ln>
+                <a:solidFill>
+                  <a:prstClr val="white"/>
+                </a:solidFill>
+                <a:effectLst/>
+                <a:uLnTx/>
+                <a:uFillTx/>
+                <a:latin typeface="Meiryo UI" panose="020B0604030504040204" pitchFamily="50" charset="-128"/>
+                <a:ea typeface="Meiryo UI" panose="020B0604030504040204" pitchFamily="50" charset="-128"/>
+              </a:rPr>
+              <a:t>時系列グラフの表示</a:t>
+            </a:r>
+            <a:endParaRPr kumimoji="0" lang="en-US" altLang="ja-JP" sz="1600" b="0" i="0" u="none" strike="noStrike" kern="1200" cap="none" spc="0" normalizeH="0" baseline="0" noProof="0" dirty="0">
+              <a:ln>
+                <a:noFill/>
+              </a:ln>
+              <a:solidFill>
+                <a:prstClr val="white"/>
+              </a:solidFill>
+              <a:effectLst/>
+              <a:uLnTx/>
+              <a:uFillTx/>
+              <a:latin typeface="Meiryo UI" panose="020B0604030504040204" pitchFamily="50" charset="-128"/>
+              <a:ea typeface="Meiryo UI" panose="020B0604030504040204" pitchFamily="50" charset="-128"/>
+            </a:endParaRPr>
+          </a:p>
+        </p:txBody>
+      </p:sp>
+      <p:sp>
+        <p:nvSpPr>
+          <p:cNvPr id="18" name="Rectangle 21">
+            <a:extLst>
+              <a:ext uri="{FF2B5EF4-FFF2-40B4-BE49-F238E27FC236}">
+                <a16:creationId xmlns:a16="http://schemas.microsoft.com/office/drawing/2014/main" id="{22396479-3483-8D45-A8D7-B8AC50D383A4}"/>
+              </a:ext>
+            </a:extLst>
+          </p:cNvPr>
+          <p:cNvSpPr/>
+          <p:nvPr/>
+        </p:nvSpPr>
+        <p:spPr>
+          <a:xfrm>
+            <a:off x="6294647" y="2583676"/>
+            <a:ext cx="1444083" cy="914400"/>
+          </a:xfrm>
+          <a:prstGeom prst="rect">
+            <a:avLst/>
+          </a:prstGeom>
+        </p:spPr>
+        <p:style>
+          <a:lnRef idx="3">
+            <a:schemeClr val="lt1"/>
+          </a:lnRef>
+          <a:fillRef idx="1">
+            <a:schemeClr val="accent1"/>
+          </a:fillRef>
+          <a:effectRef idx="1">
+            <a:schemeClr val="accent1"/>
+          </a:effectRef>
+          <a:fontRef idx="minor">
+            <a:schemeClr val="lt1"/>
+          </a:fontRef>
+        </p:style>
+        <p:txBody>
+          <a:bodyPr rtlCol="0" anchor="ctr"/>
+          <a:lstStyle/>
+          <a:p>
+            <a:pPr marL="0" marR="0" lvl="0" indent="0" algn="ctr" defTabSz="457200" rtl="0" eaLnBrk="1" fontAlgn="auto" latinLnBrk="0" hangingPunct="1">
+              <a:lnSpc>
+                <a:spcPct val="100000"/>
+              </a:lnSpc>
+              <a:spcBef>
+                <a:spcPts val="0"/>
+              </a:spcBef>
+              <a:spcAft>
+                <a:spcPts val="0"/>
+              </a:spcAft>
+              <a:buClrTx/>
+              <a:buSzTx/>
+              <a:buFontTx/>
+              <a:buNone/>
+              <a:tabLst/>
+              <a:defRPr/>
+            </a:pPr>
+            <a:r>
+              <a:rPr kumimoji="0" lang="ja-JP" altLang="en-US" sz="1600" b="0" i="0" u="none" strike="noStrike" kern="1200" cap="none" spc="0" normalizeH="0" baseline="0" noProof="0" dirty="0" smtClean="0">
+                <a:ln>
+                  <a:noFill/>
+                </a:ln>
+                <a:solidFill>
+                  <a:prstClr val="white"/>
+                </a:solidFill>
+                <a:effectLst/>
+                <a:uLnTx/>
+                <a:uFillTx/>
+                <a:latin typeface="Meiryo UI" panose="020B0604030504040204" pitchFamily="50" charset="-128"/>
+                <a:ea typeface="Meiryo UI" panose="020B0604030504040204" pitchFamily="50" charset="-128"/>
+              </a:rPr>
+              <a:t>家事を手伝う</a:t>
+            </a:r>
+            <a:endParaRPr kumimoji="0" lang="en-US" altLang="ja-JP" sz="1600" b="0" i="0" u="none" strike="noStrike" kern="1200" cap="none" spc="0" normalizeH="0" baseline="0" noProof="0" dirty="0">
+              <a:ln>
+                <a:noFill/>
+              </a:ln>
+              <a:solidFill>
+                <a:prstClr val="white"/>
+              </a:solidFill>
+              <a:effectLst/>
+              <a:uLnTx/>
+              <a:uFillTx/>
+              <a:latin typeface="Meiryo UI" panose="020B0604030504040204" pitchFamily="50" charset="-128"/>
+              <a:ea typeface="Meiryo UI" panose="020B0604030504040204" pitchFamily="50" charset="-128"/>
+            </a:endParaRPr>
+          </a:p>
+        </p:txBody>
+      </p:sp>
+      <p:sp>
+        <p:nvSpPr>
+          <p:cNvPr id="19" name="Rectangle 21">
+            <a:extLst>
+              <a:ext uri="{FF2B5EF4-FFF2-40B4-BE49-F238E27FC236}">
+                <a16:creationId xmlns:a16="http://schemas.microsoft.com/office/drawing/2014/main" id="{22396479-3483-8D45-A8D7-B8AC50D383A4}"/>
+              </a:ext>
+            </a:extLst>
+          </p:cNvPr>
+          <p:cNvSpPr/>
+          <p:nvPr/>
+        </p:nvSpPr>
+        <p:spPr>
+          <a:xfrm>
+            <a:off x="6294647" y="3559754"/>
+            <a:ext cx="1444083" cy="914400"/>
+          </a:xfrm>
+          <a:prstGeom prst="rect">
+            <a:avLst/>
+          </a:prstGeom>
+        </p:spPr>
+        <p:style>
+          <a:lnRef idx="3">
+            <a:schemeClr val="lt1"/>
+          </a:lnRef>
+          <a:fillRef idx="1">
+            <a:schemeClr val="accent1"/>
+          </a:fillRef>
+          <a:effectRef idx="1">
+            <a:schemeClr val="accent1"/>
+          </a:effectRef>
+          <a:fontRef idx="minor">
+            <a:schemeClr val="lt1"/>
+          </a:fontRef>
+        </p:style>
+        <p:txBody>
+          <a:bodyPr rtlCol="0" anchor="ctr"/>
+          <a:lstStyle/>
+          <a:p>
+            <a:pPr marL="0" marR="0" lvl="0" indent="0" algn="ctr" defTabSz="457200" rtl="0" eaLnBrk="1" fontAlgn="auto" latinLnBrk="0" hangingPunct="1">
+              <a:lnSpc>
+                <a:spcPct val="100000"/>
+              </a:lnSpc>
+              <a:spcBef>
+                <a:spcPts val="0"/>
+              </a:spcBef>
+              <a:spcAft>
+                <a:spcPts val="0"/>
+              </a:spcAft>
+              <a:buClrTx/>
+              <a:buSzTx/>
+              <a:buFontTx/>
+              <a:buNone/>
+              <a:tabLst/>
+              <a:defRPr/>
+            </a:pPr>
+            <a:r>
+              <a:rPr kumimoji="0" lang="ja-JP" altLang="en-US" sz="1600" b="0" i="0" u="none" strike="noStrike" kern="1200" cap="none" spc="0" normalizeH="0" baseline="0" noProof="0" dirty="0" smtClean="0">
+                <a:ln>
+                  <a:noFill/>
+                </a:ln>
+                <a:solidFill>
+                  <a:prstClr val="white"/>
+                </a:solidFill>
+                <a:effectLst/>
+                <a:uLnTx/>
+                <a:uFillTx/>
+                <a:latin typeface="Meiryo UI" panose="020B0604030504040204" pitchFamily="50" charset="-128"/>
+                <a:ea typeface="Meiryo UI" panose="020B0604030504040204" pitchFamily="50" charset="-128"/>
+              </a:rPr>
+              <a:t>奥さんの好きなものを買って帰る</a:t>
+            </a:r>
+            <a:endParaRPr kumimoji="0" lang="en-US" altLang="ja-JP" sz="1600" b="0" i="0" u="none" strike="noStrike" kern="1200" cap="none" spc="0" normalizeH="0" baseline="0" noProof="0" dirty="0">
+              <a:ln>
+                <a:noFill/>
+              </a:ln>
+              <a:solidFill>
+                <a:prstClr val="white"/>
+              </a:solidFill>
+              <a:effectLst/>
+              <a:uLnTx/>
+              <a:uFillTx/>
+              <a:latin typeface="Meiryo UI" panose="020B0604030504040204" pitchFamily="50" charset="-128"/>
+              <a:ea typeface="Meiryo UI" panose="020B0604030504040204" pitchFamily="50" charset="-128"/>
+            </a:endParaRPr>
+          </a:p>
+        </p:txBody>
+      </p:sp>
+      <p:sp>
+        <p:nvSpPr>
+          <p:cNvPr id="20" name="Rectangle 21">
+            <a:extLst>
+              <a:ext uri="{FF2B5EF4-FFF2-40B4-BE49-F238E27FC236}">
+                <a16:creationId xmlns:a16="http://schemas.microsoft.com/office/drawing/2014/main" id="{22396479-3483-8D45-A8D7-B8AC50D383A4}"/>
+              </a:ext>
+            </a:extLst>
+          </p:cNvPr>
+          <p:cNvSpPr/>
+          <p:nvPr/>
+        </p:nvSpPr>
+        <p:spPr>
+          <a:xfrm>
+            <a:off x="1310053" y="2603914"/>
+            <a:ext cx="1444083" cy="914400"/>
+          </a:xfrm>
+          <a:prstGeom prst="rect">
+            <a:avLst/>
+          </a:prstGeom>
+        </p:spPr>
+        <p:style>
+          <a:lnRef idx="3">
+            <a:schemeClr val="lt1"/>
+          </a:lnRef>
+          <a:fillRef idx="1">
+            <a:schemeClr val="accent1"/>
+          </a:fillRef>
+          <a:effectRef idx="1">
+            <a:schemeClr val="accent1"/>
+          </a:effectRef>
+          <a:fontRef idx="minor">
+            <a:schemeClr val="lt1"/>
+          </a:fontRef>
+        </p:style>
+        <p:txBody>
+          <a:bodyPr rtlCol="0" anchor="ctr"/>
+          <a:lstStyle/>
+          <a:p>
+            <a:pPr marL="0" marR="0" lvl="0" indent="0" algn="ctr" defTabSz="457200" rtl="0" eaLnBrk="1" fontAlgn="auto" latinLnBrk="0" hangingPunct="1">
+              <a:lnSpc>
+                <a:spcPct val="100000"/>
+              </a:lnSpc>
+              <a:spcBef>
+                <a:spcPts val="0"/>
+              </a:spcBef>
+              <a:spcAft>
+                <a:spcPts val="0"/>
+              </a:spcAft>
+              <a:buClrTx/>
+              <a:buSzTx/>
+              <a:buFontTx/>
+              <a:buNone/>
+              <a:tabLst/>
+              <a:defRPr/>
+            </a:pPr>
+            <a:r>
+              <a:rPr kumimoji="0" lang="ja-JP" altLang="en-US" sz="1600" b="0" i="0" u="none" strike="noStrike" kern="1200" cap="none" spc="0" normalizeH="0" baseline="0" noProof="0" dirty="0" smtClean="0">
+                <a:ln>
+                  <a:noFill/>
+                </a:ln>
+                <a:solidFill>
+                  <a:prstClr val="white"/>
+                </a:solidFill>
+                <a:effectLst/>
+                <a:uLnTx/>
+                <a:uFillTx/>
+                <a:latin typeface="Meiryo UI" panose="020B0604030504040204" pitchFamily="50" charset="-128"/>
+                <a:ea typeface="Meiryo UI" panose="020B0604030504040204" pitchFamily="50" charset="-128"/>
+              </a:rPr>
+              <a:t>スマートウォッチで測定</a:t>
+            </a:r>
+            <a:endParaRPr kumimoji="0" lang="en-US" altLang="ja-JP" sz="1600" b="0" i="0" u="none" strike="noStrike" kern="1200" cap="none" spc="0" normalizeH="0" baseline="0" noProof="0" dirty="0">
+              <a:ln>
+                <a:noFill/>
+              </a:ln>
+              <a:solidFill>
+                <a:prstClr val="white"/>
+              </a:solidFill>
+              <a:effectLst/>
+              <a:uLnTx/>
+              <a:uFillTx/>
+              <a:latin typeface="Meiryo UI" panose="020B0604030504040204" pitchFamily="50" charset="-128"/>
+              <a:ea typeface="Meiryo UI" panose="020B0604030504040204" pitchFamily="50" charset="-128"/>
+            </a:endParaRPr>
+          </a:p>
+        </p:txBody>
+      </p:sp>
+      <p:sp>
+        <p:nvSpPr>
+          <p:cNvPr id="21" name="Rectangle 21">
+            <a:extLst>
+              <a:ext uri="{FF2B5EF4-FFF2-40B4-BE49-F238E27FC236}">
+                <a16:creationId xmlns:a16="http://schemas.microsoft.com/office/drawing/2014/main" id="{22396479-3483-8D45-A8D7-B8AC50D383A4}"/>
+              </a:ext>
+            </a:extLst>
+          </p:cNvPr>
+          <p:cNvSpPr/>
+          <p:nvPr/>
+        </p:nvSpPr>
+        <p:spPr>
+          <a:xfrm>
+            <a:off x="2971371" y="2604305"/>
+            <a:ext cx="1444083" cy="914400"/>
+          </a:xfrm>
+          <a:prstGeom prst="rect">
+            <a:avLst/>
+          </a:prstGeom>
+        </p:spPr>
+        <p:style>
+          <a:lnRef idx="3">
+            <a:schemeClr val="lt1"/>
+          </a:lnRef>
+          <a:fillRef idx="1">
+            <a:schemeClr val="accent1"/>
+          </a:fillRef>
+          <a:effectRef idx="1">
+            <a:schemeClr val="accent1"/>
+          </a:effectRef>
+          <a:fontRef idx="minor">
+            <a:schemeClr val="lt1"/>
+          </a:fontRef>
+        </p:style>
+        <p:txBody>
+          <a:bodyPr rtlCol="0" anchor="ctr"/>
+          <a:lstStyle/>
+          <a:p>
+            <a:pPr marL="0" marR="0" lvl="0" indent="0" algn="ctr" defTabSz="457200" rtl="0" eaLnBrk="1" fontAlgn="auto" latinLnBrk="0" hangingPunct="1">
+              <a:lnSpc>
+                <a:spcPct val="100000"/>
+              </a:lnSpc>
+              <a:spcBef>
+                <a:spcPts val="0"/>
+              </a:spcBef>
+              <a:spcAft>
+                <a:spcPts val="0"/>
+              </a:spcAft>
+              <a:buClrTx/>
+              <a:buSzTx/>
+              <a:buFontTx/>
+              <a:buNone/>
+              <a:tabLst/>
+              <a:defRPr/>
+            </a:pPr>
+            <a:r>
+              <a:rPr kumimoji="0" lang="ja-JP" altLang="en-US" sz="1600" b="0" i="0" u="none" strike="noStrike" kern="1200" cap="none" spc="0" normalizeH="0" baseline="0" noProof="0" dirty="0" smtClean="0">
+                <a:ln>
+                  <a:noFill/>
+                </a:ln>
+                <a:solidFill>
+                  <a:prstClr val="white"/>
+                </a:solidFill>
+                <a:effectLst/>
+                <a:uLnTx/>
+                <a:uFillTx/>
+                <a:latin typeface="Meiryo UI" panose="020B0604030504040204" pitchFamily="50" charset="-128"/>
+                <a:ea typeface="Meiryo UI" panose="020B0604030504040204" pitchFamily="50" charset="-128"/>
+              </a:rPr>
+              <a:t>スマホで感情を確認する</a:t>
+            </a:r>
+            <a:endParaRPr kumimoji="0" lang="en-US" altLang="ja-JP" sz="1600" b="0" i="0" u="none" strike="noStrike" kern="1200" cap="none" spc="0" normalizeH="0" baseline="0" noProof="0" dirty="0">
+              <a:ln>
+                <a:noFill/>
+              </a:ln>
+              <a:solidFill>
+                <a:prstClr val="white"/>
+              </a:solidFill>
+              <a:effectLst/>
+              <a:uLnTx/>
+              <a:uFillTx/>
+              <a:latin typeface="Meiryo UI" panose="020B0604030504040204" pitchFamily="50" charset="-128"/>
+              <a:ea typeface="Meiryo UI" panose="020B0604030504040204" pitchFamily="50" charset="-128"/>
+            </a:endParaRPr>
+          </a:p>
+        </p:txBody>
+      </p:sp>
+      <p:sp>
+        <p:nvSpPr>
+          <p:cNvPr id="22" name="Rectangle 21">
+            <a:extLst>
+              <a:ext uri="{FF2B5EF4-FFF2-40B4-BE49-F238E27FC236}">
+                <a16:creationId xmlns:a16="http://schemas.microsoft.com/office/drawing/2014/main" id="{22396479-3483-8D45-A8D7-B8AC50D383A4}"/>
+              </a:ext>
+            </a:extLst>
+          </p:cNvPr>
+          <p:cNvSpPr/>
+          <p:nvPr/>
+        </p:nvSpPr>
+        <p:spPr>
+          <a:xfrm>
+            <a:off x="7956178" y="2604305"/>
+            <a:ext cx="1444083" cy="914400"/>
+          </a:xfrm>
+          <a:prstGeom prst="rect">
+            <a:avLst/>
+          </a:prstGeom>
+        </p:spPr>
+        <p:style>
+          <a:lnRef idx="3">
+            <a:schemeClr val="lt1"/>
+          </a:lnRef>
+          <a:fillRef idx="1">
+            <a:schemeClr val="accent1"/>
+          </a:fillRef>
+          <a:effectRef idx="1">
+            <a:schemeClr val="accent1"/>
+          </a:effectRef>
+          <a:fontRef idx="minor">
+            <a:schemeClr val="lt1"/>
+          </a:fontRef>
+        </p:style>
+        <p:txBody>
+          <a:bodyPr rtlCol="0" anchor="ctr"/>
+          <a:lstStyle/>
+          <a:p>
+            <a:pPr marL="0" marR="0" lvl="0" indent="0" algn="ctr" defTabSz="457200" rtl="0" eaLnBrk="1" fontAlgn="auto" latinLnBrk="0" hangingPunct="1">
+              <a:lnSpc>
+                <a:spcPct val="100000"/>
+              </a:lnSpc>
+              <a:spcBef>
+                <a:spcPts val="0"/>
+              </a:spcBef>
+              <a:spcAft>
+                <a:spcPts val="0"/>
+              </a:spcAft>
+              <a:buClrTx/>
+              <a:buSzTx/>
+              <a:buFontTx/>
+              <a:buNone/>
+              <a:tabLst/>
+              <a:defRPr/>
+            </a:pPr>
+            <a:r>
+              <a:rPr kumimoji="0" lang="ja-JP" altLang="en-US" sz="1600" b="0" i="0" u="none" strike="noStrike" kern="1200" cap="none" spc="0" normalizeH="0" baseline="0" noProof="0" dirty="0" smtClean="0">
+                <a:ln>
+                  <a:noFill/>
+                </a:ln>
+                <a:solidFill>
+                  <a:prstClr val="white"/>
+                </a:solidFill>
+                <a:effectLst/>
+                <a:uLnTx/>
+                <a:uFillTx/>
+                <a:latin typeface="Meiryo UI" panose="020B0604030504040204" pitchFamily="50" charset="-128"/>
+                <a:ea typeface="Meiryo UI" panose="020B0604030504040204" pitchFamily="50" charset="-128"/>
+              </a:rPr>
+              <a:t>スマホで感情を確認する</a:t>
+            </a:r>
+            <a:endParaRPr kumimoji="0" lang="en-US" altLang="ja-JP" sz="1600" b="0" i="0" u="none" strike="noStrike" kern="1200" cap="none" spc="0" normalizeH="0" baseline="0" noProof="0" dirty="0">
+              <a:ln>
+                <a:noFill/>
+              </a:ln>
+              <a:solidFill>
+                <a:prstClr val="white"/>
+              </a:solidFill>
+              <a:effectLst/>
+              <a:uLnTx/>
+              <a:uFillTx/>
+              <a:latin typeface="Meiryo UI" panose="020B0604030504040204" pitchFamily="50" charset="-128"/>
+              <a:ea typeface="Meiryo UI" panose="020B0604030504040204" pitchFamily="50" charset="-128"/>
+            </a:endParaRPr>
+          </a:p>
+        </p:txBody>
+      </p:sp>
+      <p:sp>
+        <p:nvSpPr>
+          <p:cNvPr id="25" name="Rectangle 21">
+            <a:extLst>
+              <a:ext uri="{FF2B5EF4-FFF2-40B4-BE49-F238E27FC236}">
+                <a16:creationId xmlns:a16="http://schemas.microsoft.com/office/drawing/2014/main" id="{22396479-3483-8D45-A8D7-B8AC50D383A4}"/>
+              </a:ext>
+            </a:extLst>
+          </p:cNvPr>
+          <p:cNvSpPr/>
+          <p:nvPr/>
+        </p:nvSpPr>
+        <p:spPr>
+          <a:xfrm>
+            <a:off x="1310053" y="5781380"/>
+            <a:ext cx="1444083" cy="914400"/>
+          </a:xfrm>
+          <a:prstGeom prst="rect">
+            <a:avLst/>
+          </a:prstGeom>
+        </p:spPr>
+        <p:style>
+          <a:lnRef idx="3">
+            <a:schemeClr val="lt1"/>
+          </a:lnRef>
+          <a:fillRef idx="1">
+            <a:schemeClr val="accent1"/>
+          </a:fillRef>
+          <a:effectRef idx="1">
+            <a:schemeClr val="accent1"/>
+          </a:effectRef>
+          <a:fontRef idx="minor">
+            <a:schemeClr val="lt1"/>
+          </a:fontRef>
+        </p:style>
+        <p:txBody>
+          <a:bodyPr rtlCol="0" anchor="ctr"/>
+          <a:lstStyle/>
+          <a:p>
+            <a:pPr marL="0" marR="0" lvl="0" indent="0" algn="ctr" defTabSz="457200" rtl="0" eaLnBrk="1" fontAlgn="auto" latinLnBrk="0" hangingPunct="1">
+              <a:lnSpc>
+                <a:spcPct val="100000"/>
+              </a:lnSpc>
+              <a:spcBef>
+                <a:spcPts val="0"/>
+              </a:spcBef>
+              <a:spcAft>
+                <a:spcPts val="0"/>
+              </a:spcAft>
+              <a:buClrTx/>
+              <a:buSzTx/>
+              <a:buFontTx/>
+              <a:buNone/>
+              <a:tabLst/>
+              <a:defRPr/>
+            </a:pPr>
+            <a:r>
+              <a:rPr kumimoji="0" lang="ja-JP" altLang="en-US" sz="1600" b="0" i="0" u="none" strike="noStrike" kern="1200" cap="none" spc="0" normalizeH="0" baseline="0" noProof="0" dirty="0" smtClean="0">
+                <a:ln>
+                  <a:noFill/>
+                </a:ln>
+                <a:solidFill>
+                  <a:prstClr val="white"/>
+                </a:solidFill>
+                <a:effectLst/>
+                <a:uLnTx/>
+                <a:uFillTx/>
+                <a:latin typeface="Meiryo UI" panose="020B0604030504040204" pitchFamily="50" charset="-128"/>
+                <a:ea typeface="Meiryo UI" panose="020B0604030504040204" pitchFamily="50" charset="-128"/>
+              </a:rPr>
+              <a:t>テストデータ</a:t>
+            </a:r>
+            <a:endParaRPr kumimoji="0" lang="en-US" altLang="ja-JP" sz="1600" b="0" i="0" u="none" strike="noStrike" kern="1200" cap="none" spc="0" normalizeH="0" baseline="0" noProof="0" dirty="0" smtClean="0">
+              <a:ln>
+                <a:noFill/>
+              </a:ln>
+              <a:solidFill>
+                <a:prstClr val="white"/>
+              </a:solidFill>
+              <a:effectLst/>
+              <a:uLnTx/>
+              <a:uFillTx/>
+              <a:latin typeface="Meiryo UI" panose="020B0604030504040204" pitchFamily="50" charset="-128"/>
+              <a:ea typeface="Meiryo UI" panose="020B0604030504040204" pitchFamily="50" charset="-128"/>
+            </a:endParaRPr>
+          </a:p>
+          <a:p>
+            <a:pPr marL="0" marR="0" lvl="0" indent="0" algn="ctr" defTabSz="457200" rtl="0" eaLnBrk="1" fontAlgn="auto" latinLnBrk="0" hangingPunct="1">
+              <a:lnSpc>
+                <a:spcPct val="100000"/>
+              </a:lnSpc>
+              <a:spcBef>
+                <a:spcPts val="0"/>
+              </a:spcBef>
+              <a:spcAft>
+                <a:spcPts val="0"/>
+              </a:spcAft>
+              <a:buClrTx/>
+              <a:buSzTx/>
+              <a:buFontTx/>
+              <a:buNone/>
+              <a:tabLst/>
+              <a:defRPr/>
+            </a:pPr>
+            <a:r>
+              <a:rPr kumimoji="0" lang="en-US" altLang="ja-JP" sz="1600" b="0" i="0" u="none" strike="noStrike" kern="1200" cap="none" spc="0" normalizeH="0" baseline="0" noProof="0" dirty="0" smtClean="0">
+                <a:ln>
+                  <a:noFill/>
+                </a:ln>
+                <a:solidFill>
+                  <a:prstClr val="white"/>
+                </a:solidFill>
+                <a:effectLst/>
+                <a:uLnTx/>
+                <a:uFillTx/>
+                <a:latin typeface="Meiryo UI" panose="020B0604030504040204" pitchFamily="50" charset="-128"/>
+                <a:ea typeface="Meiryo UI" panose="020B0604030504040204" pitchFamily="50" charset="-128"/>
+              </a:rPr>
+              <a:t>(AV</a:t>
+            </a:r>
+            <a:r>
+              <a:rPr kumimoji="0" lang="ja-JP" altLang="en-US" sz="1600" b="0" i="0" u="none" strike="noStrike" kern="1200" cap="none" spc="0" normalizeH="0" baseline="0" noProof="0" dirty="0" smtClean="0">
+                <a:ln>
+                  <a:noFill/>
+                </a:ln>
+                <a:solidFill>
+                  <a:prstClr val="white"/>
+                </a:solidFill>
+                <a:effectLst/>
+                <a:uLnTx/>
+                <a:uFillTx/>
+                <a:latin typeface="Meiryo UI" panose="020B0604030504040204" pitchFamily="50" charset="-128"/>
+                <a:ea typeface="Meiryo UI" panose="020B0604030504040204" pitchFamily="50" charset="-128"/>
+              </a:rPr>
+              <a:t>値</a:t>
+            </a:r>
+            <a:r>
+              <a:rPr kumimoji="0" lang="en-US" altLang="ja-JP" sz="1600" b="0" i="0" u="none" strike="noStrike" kern="1200" cap="none" spc="0" normalizeH="0" baseline="0" noProof="0" dirty="0" smtClean="0">
+                <a:ln>
+                  <a:noFill/>
+                </a:ln>
+                <a:solidFill>
+                  <a:prstClr val="white"/>
+                </a:solidFill>
+                <a:effectLst/>
+                <a:uLnTx/>
+                <a:uFillTx/>
+                <a:latin typeface="Meiryo UI" panose="020B0604030504040204" pitchFamily="50" charset="-128"/>
+                <a:ea typeface="Meiryo UI" panose="020B0604030504040204" pitchFamily="50" charset="-128"/>
+              </a:rPr>
+              <a:t>)</a:t>
+            </a:r>
+            <a:endParaRPr kumimoji="0" lang="en-US" altLang="ja-JP" sz="1600" b="0" i="0" u="none" strike="noStrike" kern="1200" cap="none" spc="0" normalizeH="0" baseline="0" noProof="0" dirty="0">
+              <a:ln>
+                <a:noFill/>
+              </a:ln>
+              <a:solidFill>
+                <a:prstClr val="white"/>
+              </a:solidFill>
+              <a:effectLst/>
+              <a:uLnTx/>
+              <a:uFillTx/>
+              <a:latin typeface="Meiryo UI" panose="020B0604030504040204" pitchFamily="50" charset="-128"/>
+              <a:ea typeface="Meiryo UI" panose="020B0604030504040204" pitchFamily="50" charset="-128"/>
+            </a:endParaRPr>
+          </a:p>
+        </p:txBody>
+      </p:sp>
+      <p:sp>
+        <p:nvSpPr>
+          <p:cNvPr id="26" name="Rectangle 21">
+            <a:extLst>
+              <a:ext uri="{FF2B5EF4-FFF2-40B4-BE49-F238E27FC236}">
+                <a16:creationId xmlns:a16="http://schemas.microsoft.com/office/drawing/2014/main" id="{22396479-3483-8D45-A8D7-B8AC50D383A4}"/>
+              </a:ext>
+            </a:extLst>
+          </p:cNvPr>
+          <p:cNvSpPr/>
+          <p:nvPr/>
+        </p:nvSpPr>
+        <p:spPr>
+          <a:xfrm>
+            <a:off x="4650912" y="5765186"/>
+            <a:ext cx="1444083" cy="914400"/>
+          </a:xfrm>
+          <a:prstGeom prst="rect">
+            <a:avLst/>
+          </a:prstGeom>
+        </p:spPr>
+        <p:style>
+          <a:lnRef idx="3">
+            <a:schemeClr val="lt1"/>
+          </a:lnRef>
+          <a:fillRef idx="1">
+            <a:schemeClr val="accent1"/>
+          </a:fillRef>
+          <a:effectRef idx="1">
+            <a:schemeClr val="accent1"/>
+          </a:effectRef>
+          <a:fontRef idx="minor">
+            <a:schemeClr val="lt1"/>
+          </a:fontRef>
+        </p:style>
+        <p:txBody>
+          <a:bodyPr rtlCol="0" anchor="ctr"/>
+          <a:lstStyle/>
+          <a:p>
+            <a:pPr marL="0" marR="0" lvl="0" indent="0" algn="ctr" defTabSz="457200" rtl="0" eaLnBrk="1" fontAlgn="auto" latinLnBrk="0" hangingPunct="1">
+              <a:lnSpc>
+                <a:spcPct val="100000"/>
+              </a:lnSpc>
+              <a:spcBef>
+                <a:spcPts val="0"/>
+              </a:spcBef>
+              <a:spcAft>
+                <a:spcPts val="0"/>
+              </a:spcAft>
+              <a:buClrTx/>
+              <a:buSzTx/>
+              <a:buFontTx/>
+              <a:buNone/>
+              <a:tabLst/>
+              <a:defRPr/>
+            </a:pPr>
+            <a:r>
+              <a:rPr kumimoji="0" lang="ja-JP" altLang="en-US" sz="1600" b="0" i="0" u="none" strike="noStrike" kern="1200" cap="none" spc="0" normalizeH="0" baseline="0" noProof="0" dirty="0" smtClean="0">
+                <a:ln>
+                  <a:noFill/>
+                </a:ln>
+                <a:solidFill>
+                  <a:prstClr val="white"/>
+                </a:solidFill>
+                <a:effectLst/>
+                <a:uLnTx/>
+                <a:uFillTx/>
+                <a:latin typeface="Meiryo UI" panose="020B0604030504040204" pitchFamily="50" charset="-128"/>
+                <a:ea typeface="Meiryo UI" panose="020B0604030504040204" pitchFamily="50" charset="-128"/>
+              </a:rPr>
+              <a:t>行動の提案</a:t>
+            </a:r>
+            <a:endParaRPr kumimoji="0" lang="en-US" altLang="ja-JP" sz="1600" b="0" i="0" u="none" strike="noStrike" kern="1200" cap="none" spc="0" normalizeH="0" baseline="0" noProof="0" dirty="0">
+              <a:ln>
+                <a:noFill/>
+              </a:ln>
+              <a:solidFill>
+                <a:prstClr val="white"/>
+              </a:solidFill>
+              <a:effectLst/>
+              <a:uLnTx/>
+              <a:uFillTx/>
+              <a:latin typeface="Meiryo UI" panose="020B0604030504040204" pitchFamily="50" charset="-128"/>
+              <a:ea typeface="Meiryo UI" panose="020B0604030504040204" pitchFamily="50" charset="-128"/>
+            </a:endParaRPr>
+          </a:p>
+        </p:txBody>
+      </p:sp>
+      <p:sp>
+        <p:nvSpPr>
+          <p:cNvPr id="28" name="Rectangle 21">
+            <a:extLst>
+              <a:ext uri="{FF2B5EF4-FFF2-40B4-BE49-F238E27FC236}">
+                <a16:creationId xmlns:a16="http://schemas.microsoft.com/office/drawing/2014/main" id="{22396479-3483-8D45-A8D7-B8AC50D383A4}"/>
+              </a:ext>
+            </a:extLst>
+          </p:cNvPr>
+          <p:cNvSpPr/>
+          <p:nvPr/>
+        </p:nvSpPr>
+        <p:spPr>
+          <a:xfrm>
+            <a:off x="7977121" y="4723387"/>
+            <a:ext cx="1444083" cy="914400"/>
+          </a:xfrm>
+          <a:prstGeom prst="rect">
+            <a:avLst/>
+          </a:prstGeom>
+        </p:spPr>
+        <p:style>
+          <a:lnRef idx="3">
+            <a:schemeClr val="lt1"/>
+          </a:lnRef>
+          <a:fillRef idx="1">
+            <a:schemeClr val="accent1"/>
+          </a:fillRef>
+          <a:effectRef idx="1">
+            <a:schemeClr val="accent1"/>
+          </a:effectRef>
+          <a:fontRef idx="minor">
+            <a:schemeClr val="lt1"/>
+          </a:fontRef>
+        </p:style>
+        <p:txBody>
+          <a:bodyPr rtlCol="0" anchor="ctr"/>
+          <a:lstStyle/>
+          <a:p>
+            <a:pPr marL="0" marR="0" lvl="0" indent="0" algn="ctr" defTabSz="457200" rtl="0" eaLnBrk="1" fontAlgn="auto" latinLnBrk="0" hangingPunct="1">
+              <a:lnSpc>
+                <a:spcPct val="100000"/>
+              </a:lnSpc>
+              <a:spcBef>
+                <a:spcPts val="0"/>
+              </a:spcBef>
+              <a:spcAft>
+                <a:spcPts val="0"/>
+              </a:spcAft>
+              <a:buClrTx/>
+              <a:buSzTx/>
+              <a:buFontTx/>
+              <a:buNone/>
+              <a:tabLst/>
+              <a:defRPr/>
+            </a:pPr>
+            <a:r>
+              <a:rPr kumimoji="0" lang="en-US" altLang="ja-JP" sz="1600" b="0" i="0" u="none" strike="noStrike" kern="1200" cap="none" spc="0" normalizeH="0" baseline="0" noProof="0" dirty="0" smtClean="0">
+                <a:ln>
+                  <a:noFill/>
+                </a:ln>
+                <a:solidFill>
+                  <a:prstClr val="white"/>
+                </a:solidFill>
+                <a:effectLst/>
+                <a:uLnTx/>
+                <a:uFillTx/>
+                <a:latin typeface="Meiryo UI" panose="020B0604030504040204" pitchFamily="50" charset="-128"/>
+                <a:ea typeface="Meiryo UI" panose="020B0604030504040204" pitchFamily="50" charset="-128"/>
+              </a:rPr>
+              <a:t>LINE</a:t>
+            </a:r>
+            <a:r>
+              <a:rPr kumimoji="0" lang="ja-JP" altLang="en-US" sz="1600" b="0" i="0" u="none" strike="noStrike" kern="1200" cap="none" spc="0" normalizeH="0" baseline="0" noProof="0" dirty="0" smtClean="0">
+                <a:ln>
+                  <a:noFill/>
+                </a:ln>
+                <a:solidFill>
+                  <a:prstClr val="white"/>
+                </a:solidFill>
+                <a:effectLst/>
+                <a:uLnTx/>
+                <a:uFillTx/>
+                <a:latin typeface="Meiryo UI" panose="020B0604030504040204" pitchFamily="50" charset="-128"/>
+                <a:ea typeface="Meiryo UI" panose="020B0604030504040204" pitchFamily="50" charset="-128"/>
+              </a:rPr>
+              <a:t>で</a:t>
+            </a:r>
+            <a:endParaRPr kumimoji="0" lang="en-US" altLang="ja-JP" sz="1600" b="0" i="0" u="none" strike="noStrike" kern="1200" cap="none" spc="0" normalizeH="0" baseline="0" noProof="0" dirty="0" smtClean="0">
+              <a:ln>
+                <a:noFill/>
+              </a:ln>
+              <a:solidFill>
+                <a:prstClr val="white"/>
+              </a:solidFill>
+              <a:effectLst/>
+              <a:uLnTx/>
+              <a:uFillTx/>
+              <a:latin typeface="Meiryo UI" panose="020B0604030504040204" pitchFamily="50" charset="-128"/>
+              <a:ea typeface="Meiryo UI" panose="020B0604030504040204" pitchFamily="50" charset="-128"/>
+            </a:endParaRPr>
+          </a:p>
+          <a:p>
+            <a:pPr marL="0" marR="0" lvl="0" indent="0" algn="ctr" defTabSz="457200" rtl="0" eaLnBrk="1" fontAlgn="auto" latinLnBrk="0" hangingPunct="1">
+              <a:lnSpc>
+                <a:spcPct val="100000"/>
+              </a:lnSpc>
+              <a:spcBef>
+                <a:spcPts val="0"/>
+              </a:spcBef>
+              <a:spcAft>
+                <a:spcPts val="0"/>
+              </a:spcAft>
+              <a:buClrTx/>
+              <a:buSzTx/>
+              <a:buFontTx/>
+              <a:buNone/>
+              <a:tabLst/>
+              <a:defRPr/>
+            </a:pPr>
+            <a:r>
+              <a:rPr kumimoji="0" lang="ja-JP" altLang="en-US" sz="1600" b="0" i="0" u="none" strike="noStrike" kern="1200" cap="none" spc="0" normalizeH="0" baseline="0" noProof="0" dirty="0" smtClean="0">
+                <a:ln>
+                  <a:noFill/>
+                </a:ln>
+                <a:solidFill>
+                  <a:prstClr val="white"/>
+                </a:solidFill>
+                <a:effectLst/>
+                <a:uLnTx/>
+                <a:uFillTx/>
+                <a:latin typeface="Meiryo UI" panose="020B0604030504040204" pitchFamily="50" charset="-128"/>
+                <a:ea typeface="Meiryo UI" panose="020B0604030504040204" pitchFamily="50" charset="-128"/>
+              </a:rPr>
+              <a:t>レーダーチャート表示</a:t>
+            </a:r>
+            <a:endParaRPr kumimoji="0" lang="en-US" altLang="ja-JP" sz="1600" b="0" i="0" u="none" strike="noStrike" kern="1200" cap="none" spc="0" normalizeH="0" baseline="0" noProof="0" dirty="0">
+              <a:ln>
+                <a:noFill/>
+              </a:ln>
+              <a:solidFill>
+                <a:prstClr val="white"/>
+              </a:solidFill>
+              <a:effectLst/>
+              <a:uLnTx/>
+              <a:uFillTx/>
+              <a:latin typeface="Meiryo UI" panose="020B0604030504040204" pitchFamily="50" charset="-128"/>
+              <a:ea typeface="Meiryo UI" panose="020B0604030504040204" pitchFamily="50" charset="-128"/>
+            </a:endParaRPr>
+          </a:p>
+        </p:txBody>
+      </p:sp>
+      <p:sp>
+        <p:nvSpPr>
+          <p:cNvPr id="2" name="正方形/長方形 1"/>
+          <p:cNvSpPr/>
+          <p:nvPr/>
+        </p:nvSpPr>
+        <p:spPr>
+          <a:xfrm>
+            <a:off x="335943" y="4318183"/>
+            <a:ext cx="941283" cy="523220"/>
+          </a:xfrm>
+          <a:prstGeom prst="rect">
+            <a:avLst/>
+          </a:prstGeom>
+        </p:spPr>
+        <p:txBody>
+          <a:bodyPr wrap="none">
+            <a:spAutoFit/>
+          </a:bodyPr>
+          <a:lstStyle/>
+          <a:p>
+            <a:pPr marL="0" marR="0" lvl="0" indent="0" algn="l" defTabSz="457200" rtl="0" eaLnBrk="1" fontAlgn="auto" latinLnBrk="0" hangingPunct="1">
+              <a:lnSpc>
+                <a:spcPct val="100000"/>
+              </a:lnSpc>
+              <a:spcBef>
+                <a:spcPts val="0"/>
+              </a:spcBef>
+              <a:spcAft>
+                <a:spcPts val="0"/>
+              </a:spcAft>
+              <a:buClrTx/>
+              <a:buSzTx/>
+              <a:buFontTx/>
+              <a:buNone/>
+              <a:tabLst/>
+              <a:defRPr/>
+            </a:pPr>
+            <a:r>
+              <a:rPr kumimoji="1" lang="en-US" altLang="ja-JP" sz="2800" b="0" i="0" u="none" strike="noStrike" kern="1200" cap="none" spc="0" normalizeH="0" baseline="0" noProof="0" dirty="0">
+                <a:ln>
+                  <a:noFill/>
+                </a:ln>
+                <a:solidFill>
+                  <a:srgbClr val="FF0000"/>
+                </a:solidFill>
+                <a:effectLst/>
+                <a:uLnTx/>
+                <a:uFillTx/>
+                <a:latin typeface="Meiryo UI" panose="020B0604030504040204" pitchFamily="50" charset="-128"/>
+                <a:ea typeface="Meiryo UI" panose="020B0604030504040204" pitchFamily="50" charset="-128"/>
+              </a:rPr>
+              <a:t>MVP</a:t>
+            </a:r>
+            <a:endParaRPr kumimoji="0" lang="ja-JP" altLang="en-US" sz="2800" b="0" i="0" u="none" strike="noStrike" kern="1200" cap="none" spc="0" normalizeH="0" baseline="0" noProof="0" dirty="0">
+              <a:ln>
+                <a:noFill/>
+              </a:ln>
+              <a:solidFill>
+                <a:prstClr val="black"/>
+              </a:solidFill>
+              <a:effectLst/>
+              <a:uLnTx/>
+              <a:uFillTx/>
+              <a:latin typeface="Meiryo UI" panose="020B0604030504040204" pitchFamily="50" charset="-128"/>
+              <a:ea typeface="Meiryo UI" panose="020B0604030504040204" pitchFamily="50" charset="-128"/>
+            </a:endParaRPr>
+          </a:p>
+        </p:txBody>
+      </p:sp>
+      <p:sp>
+        <p:nvSpPr>
+          <p:cNvPr id="29" name="Rectangle 21">
+            <a:extLst>
+              <a:ext uri="{FF2B5EF4-FFF2-40B4-BE49-F238E27FC236}">
+                <a16:creationId xmlns:a16="http://schemas.microsoft.com/office/drawing/2014/main" id="{22396479-3483-8D45-A8D7-B8AC50D383A4}"/>
+              </a:ext>
+            </a:extLst>
+          </p:cNvPr>
+          <p:cNvSpPr/>
+          <p:nvPr/>
+        </p:nvSpPr>
+        <p:spPr>
+          <a:xfrm>
+            <a:off x="1310053" y="3556326"/>
+            <a:ext cx="1444083" cy="914400"/>
+          </a:xfrm>
+          <a:prstGeom prst="rect">
+            <a:avLst/>
+          </a:prstGeom>
+        </p:spPr>
+        <p:style>
+          <a:lnRef idx="3">
+            <a:schemeClr val="lt1"/>
+          </a:lnRef>
+          <a:fillRef idx="1">
+            <a:schemeClr val="accent1"/>
+          </a:fillRef>
+          <a:effectRef idx="1">
+            <a:schemeClr val="accent1"/>
+          </a:effectRef>
+          <a:fontRef idx="minor">
+            <a:schemeClr val="lt1"/>
+          </a:fontRef>
+        </p:style>
+        <p:txBody>
+          <a:bodyPr rtlCol="0" anchor="ctr"/>
+          <a:lstStyle/>
+          <a:p>
+            <a:pPr marL="0" marR="0" lvl="0" indent="0" algn="ctr" defTabSz="457200" rtl="0" eaLnBrk="1" fontAlgn="auto" latinLnBrk="0" hangingPunct="1">
+              <a:lnSpc>
+                <a:spcPct val="100000"/>
+              </a:lnSpc>
+              <a:spcBef>
+                <a:spcPts val="0"/>
+              </a:spcBef>
+              <a:spcAft>
+                <a:spcPts val="0"/>
+              </a:spcAft>
+              <a:buClrTx/>
+              <a:buSzTx/>
+              <a:buFontTx/>
+              <a:buNone/>
+              <a:tabLst/>
+              <a:defRPr/>
+            </a:pPr>
+            <a:r>
+              <a:rPr kumimoji="0" lang="ja-JP" altLang="en-US" sz="1600" b="0" i="0" u="none" strike="noStrike" kern="1200" cap="none" spc="0" normalizeH="0" baseline="0" noProof="0" dirty="0" smtClean="0">
+                <a:ln>
+                  <a:noFill/>
+                </a:ln>
+                <a:solidFill>
+                  <a:prstClr val="white"/>
+                </a:solidFill>
+                <a:effectLst/>
+                <a:uLnTx/>
+                <a:uFillTx/>
+                <a:latin typeface="Meiryo UI" panose="020B0604030504040204" pitchFamily="50" charset="-128"/>
+                <a:ea typeface="Meiryo UI" panose="020B0604030504040204" pitchFamily="50" charset="-128"/>
+              </a:rPr>
+              <a:t>体温・血圧の測定</a:t>
+            </a:r>
+            <a:endParaRPr kumimoji="0" lang="en-US" altLang="ja-JP" sz="1600" b="0" i="0" u="none" strike="noStrike" kern="1200" cap="none" spc="0" normalizeH="0" baseline="0" noProof="0" dirty="0">
+              <a:ln>
+                <a:noFill/>
+              </a:ln>
+              <a:solidFill>
+                <a:prstClr val="white"/>
+              </a:solidFill>
+              <a:effectLst/>
+              <a:uLnTx/>
+              <a:uFillTx/>
+              <a:latin typeface="Meiryo UI" panose="020B0604030504040204" pitchFamily="50" charset="-128"/>
+              <a:ea typeface="Meiryo UI" panose="020B0604030504040204" pitchFamily="50" charset="-128"/>
+            </a:endParaRPr>
           </a:p>
         </p:txBody>
       </p:sp>
     </p:spTree>
     <p:extLst>
       <p:ext uri="{BB962C8B-B14F-4D97-AF65-F5344CB8AC3E}">
-        <p14:creationId xmlns:p14="http://schemas.microsoft.com/office/powerpoint/2010/main" val="3029526986"/>
+        <p14:creationId xmlns:p14="http://schemas.microsoft.com/office/powerpoint/2010/main" val="1241036621"/>
       </p:ext>
     </p:extLst>
   </p:cSld>
@@ -6771,7 +10345,7 @@
         <p:spPr>
           <a:xfrm>
             <a:off x="307730" y="386862"/>
-            <a:ext cx="2262158" cy="369332"/>
+            <a:ext cx="2451312" cy="461665"/>
           </a:xfrm>
           <a:prstGeom prst="rect">
             <a:avLst/>
@@ -6785,10 +10359,16 @@
           <a:lstStyle/>
           <a:p>
             <a:r>
-              <a:rPr kumimoji="1" lang="ja-JP" altLang="en-US" dirty="0" smtClean="0"/>
+              <a:rPr kumimoji="1" lang="ja-JP" altLang="en-US" sz="2400" dirty="0" smtClean="0">
+                <a:latin typeface="Meiryo UI" panose="020B0604030504040204" pitchFamily="50" charset="-128"/>
+                <a:ea typeface="Meiryo UI" panose="020B0604030504040204" pitchFamily="50" charset="-128"/>
+              </a:rPr>
               <a:t>本日のデモシナリオ</a:t>
             </a:r>
-            <a:endParaRPr kumimoji="1" lang="ja-JP" altLang="en-US" dirty="0"/>
+            <a:endParaRPr kumimoji="1" lang="ja-JP" altLang="en-US" sz="2400" dirty="0">
+              <a:latin typeface="Meiryo UI" panose="020B0604030504040204" pitchFamily="50" charset="-128"/>
+              <a:ea typeface="Meiryo UI" panose="020B0604030504040204" pitchFamily="50" charset="-128"/>
+            </a:endParaRPr>
           </a:p>
         </p:txBody>
       </p:sp>
@@ -6796,6 +10376,2034 @@
     <p:extLst>
       <p:ext uri="{BB962C8B-B14F-4D97-AF65-F5344CB8AC3E}">
         <p14:creationId xmlns:p14="http://schemas.microsoft.com/office/powerpoint/2010/main" val="657855196"/>
+      </p:ext>
+    </p:extLst>
+  </p:cSld>
+  <p:clrMapOvr>
+    <a:masterClrMapping/>
+  </p:clrMapOvr>
+</p:sld>
+</file>
+
+<file path=ppt/slides/slide6.xml><?xml version="1.0" encoding="utf-8"?>
+<p:sld xmlns:a="http://schemas.openxmlformats.org/drawingml/2006/main" xmlns:r="http://schemas.openxmlformats.org/officeDocument/2006/relationships" xmlns:p="http://schemas.openxmlformats.org/presentationml/2006/main">
+  <p:cSld>
+    <p:spTree>
+      <p:nvGrpSpPr>
+        <p:cNvPr id="1" name=""/>
+        <p:cNvGrpSpPr/>
+        <p:nvPr/>
+      </p:nvGrpSpPr>
+      <p:grpSpPr>
+        <a:xfrm>
+          <a:off x="0" y="0"/>
+          <a:ext cx="0" cy="0"/>
+          <a:chOff x="0" y="0"/>
+          <a:chExt cx="0" cy="0"/>
+        </a:xfrm>
+      </p:grpSpPr>
+      <p:sp>
+        <p:nvSpPr>
+          <p:cNvPr id="4" name="テキスト ボックス 3"/>
+          <p:cNvSpPr txBox="1"/>
+          <p:nvPr/>
+        </p:nvSpPr>
+        <p:spPr>
+          <a:xfrm>
+            <a:off x="307730" y="386862"/>
+            <a:ext cx="1826141" cy="584775"/>
+          </a:xfrm>
+          <a:prstGeom prst="rect">
+            <a:avLst/>
+          </a:prstGeom>
+          <a:noFill/>
+        </p:spPr>
+        <p:txBody>
+          <a:bodyPr wrap="none" rtlCol="0">
+            <a:spAutoFit/>
+          </a:bodyPr>
+          <a:lstStyle/>
+          <a:p>
+            <a:pPr marL="0" marR="0" lvl="0" indent="0" algn="l" defTabSz="457200" rtl="0" eaLnBrk="1" fontAlgn="auto" latinLnBrk="0" hangingPunct="1">
+              <a:lnSpc>
+                <a:spcPct val="100000"/>
+              </a:lnSpc>
+              <a:spcBef>
+                <a:spcPts val="0"/>
+              </a:spcBef>
+              <a:spcAft>
+                <a:spcPts val="0"/>
+              </a:spcAft>
+              <a:buClrTx/>
+              <a:buSzTx/>
+              <a:buFontTx/>
+              <a:buNone/>
+              <a:tabLst/>
+              <a:defRPr/>
+            </a:pPr>
+            <a:r>
+              <a:rPr kumimoji="1" lang="ja-JP" altLang="en-US" sz="3200" b="0" i="0" u="none" strike="noStrike" kern="1200" cap="none" spc="0" normalizeH="0" baseline="0" noProof="0" dirty="0" smtClean="0">
+                <a:ln>
+                  <a:noFill/>
+                </a:ln>
+                <a:solidFill>
+                  <a:prstClr val="black"/>
+                </a:solidFill>
+                <a:effectLst/>
+                <a:uLnTx/>
+                <a:uFillTx/>
+                <a:latin typeface="Meiryo UI" panose="020B0604030504040204" pitchFamily="50" charset="-128"/>
+                <a:ea typeface="Meiryo UI" panose="020B0604030504040204" pitchFamily="50" charset="-128"/>
+                <a:cs typeface="+mn-cs"/>
+              </a:rPr>
+              <a:t>開発体制</a:t>
+            </a:r>
+            <a:endParaRPr kumimoji="1" lang="ja-JP" altLang="en-US" sz="3200" b="0" i="0" u="none" strike="noStrike" kern="1200" cap="none" spc="0" normalizeH="0" baseline="0" noProof="0" dirty="0">
+              <a:ln>
+                <a:noFill/>
+              </a:ln>
+              <a:solidFill>
+                <a:prstClr val="black"/>
+              </a:solidFill>
+              <a:effectLst/>
+              <a:uLnTx/>
+              <a:uFillTx/>
+              <a:latin typeface="Meiryo UI" panose="020B0604030504040204" pitchFamily="50" charset="-128"/>
+              <a:ea typeface="Meiryo UI" panose="020B0604030504040204" pitchFamily="50" charset="-128"/>
+              <a:cs typeface="+mn-cs"/>
+            </a:endParaRPr>
+          </a:p>
+        </p:txBody>
+      </p:sp>
+      <p:sp>
+        <p:nvSpPr>
+          <p:cNvPr id="3" name="Rectangle 21">
+            <a:extLst>
+              <a:ext uri="{FF2B5EF4-FFF2-40B4-BE49-F238E27FC236}">
+                <a16:creationId xmlns:a16="http://schemas.microsoft.com/office/drawing/2014/main" id="{22396479-3483-8D45-A8D7-B8AC50D383A4}"/>
+              </a:ext>
+            </a:extLst>
+          </p:cNvPr>
+          <p:cNvSpPr/>
+          <p:nvPr/>
+        </p:nvSpPr>
+        <p:spPr>
+          <a:xfrm>
+            <a:off x="844061" y="2278234"/>
+            <a:ext cx="1444083" cy="914400"/>
+          </a:xfrm>
+          <a:prstGeom prst="rect">
+            <a:avLst/>
+          </a:prstGeom>
+        </p:spPr>
+        <p:style>
+          <a:lnRef idx="3">
+            <a:schemeClr val="lt1"/>
+          </a:lnRef>
+          <a:fillRef idx="1">
+            <a:schemeClr val="accent1"/>
+          </a:fillRef>
+          <a:effectRef idx="1">
+            <a:schemeClr val="accent1"/>
+          </a:effectRef>
+          <a:fontRef idx="minor">
+            <a:schemeClr val="lt1"/>
+          </a:fontRef>
+        </p:style>
+        <p:txBody>
+          <a:bodyPr rtlCol="0" anchor="ctr"/>
+          <a:lstStyle/>
+          <a:p>
+            <a:pPr marL="0" marR="0" lvl="0" indent="0" algn="ctr" defTabSz="457200" rtl="0" eaLnBrk="1" fontAlgn="auto" latinLnBrk="0" hangingPunct="1">
+              <a:lnSpc>
+                <a:spcPct val="100000"/>
+              </a:lnSpc>
+              <a:spcBef>
+                <a:spcPts val="0"/>
+              </a:spcBef>
+              <a:spcAft>
+                <a:spcPts val="0"/>
+              </a:spcAft>
+              <a:buClrTx/>
+              <a:buSzTx/>
+              <a:buFontTx/>
+              <a:buNone/>
+              <a:tabLst/>
+              <a:defRPr/>
+            </a:pPr>
+            <a:r>
+              <a:rPr kumimoji="0" lang="ja-JP" altLang="en-US" sz="1400" b="0" i="0" u="none" strike="noStrike" kern="1200" cap="none" spc="0" normalizeH="0" baseline="0" noProof="0" dirty="0" smtClean="0">
+                <a:ln>
+                  <a:noFill/>
+                </a:ln>
+                <a:solidFill>
+                  <a:prstClr val="white"/>
+                </a:solidFill>
+                <a:effectLst/>
+                <a:uLnTx/>
+                <a:uFillTx/>
+                <a:latin typeface="Meiryo UI" panose="020B0604030504040204" pitchFamily="50" charset="-128"/>
+                <a:ea typeface="Meiryo UI" panose="020B0604030504040204" pitchFamily="50" charset="-128"/>
+                <a:cs typeface="+mn-cs"/>
+              </a:rPr>
+              <a:t>テストデータ</a:t>
+            </a:r>
+            <a:endParaRPr kumimoji="0" lang="en-US" altLang="ja-JP" sz="1400" b="0" i="0" u="none" strike="noStrike" kern="1200" cap="none" spc="0" normalizeH="0" baseline="0" noProof="0" dirty="0" smtClean="0">
+              <a:ln>
+                <a:noFill/>
+              </a:ln>
+              <a:solidFill>
+                <a:prstClr val="white"/>
+              </a:solidFill>
+              <a:effectLst/>
+              <a:uLnTx/>
+              <a:uFillTx/>
+              <a:latin typeface="Meiryo UI" panose="020B0604030504040204" pitchFamily="50" charset="-128"/>
+              <a:ea typeface="Meiryo UI" panose="020B0604030504040204" pitchFamily="50" charset="-128"/>
+              <a:cs typeface="+mn-cs"/>
+            </a:endParaRPr>
+          </a:p>
+          <a:p>
+            <a:pPr marL="0" marR="0" lvl="0" indent="0" algn="ctr" defTabSz="457200" rtl="0" eaLnBrk="1" fontAlgn="auto" latinLnBrk="0" hangingPunct="1">
+              <a:lnSpc>
+                <a:spcPct val="100000"/>
+              </a:lnSpc>
+              <a:spcBef>
+                <a:spcPts val="0"/>
+              </a:spcBef>
+              <a:spcAft>
+                <a:spcPts val="0"/>
+              </a:spcAft>
+              <a:buClrTx/>
+              <a:buSzTx/>
+              <a:buFontTx/>
+              <a:buNone/>
+              <a:tabLst/>
+              <a:defRPr/>
+            </a:pPr>
+            <a:r>
+              <a:rPr kumimoji="0" lang="en-US" altLang="ja-JP" sz="1400" b="0" i="0" u="none" strike="noStrike" kern="1200" cap="none" spc="0" normalizeH="0" baseline="0" noProof="0" dirty="0" smtClean="0">
+                <a:ln>
+                  <a:noFill/>
+                </a:ln>
+                <a:solidFill>
+                  <a:prstClr val="white"/>
+                </a:solidFill>
+                <a:effectLst/>
+                <a:uLnTx/>
+                <a:uFillTx/>
+                <a:latin typeface="Meiryo UI" panose="020B0604030504040204" pitchFamily="50" charset="-128"/>
+                <a:ea typeface="Meiryo UI" panose="020B0604030504040204" pitchFamily="50" charset="-128"/>
+                <a:cs typeface="+mn-cs"/>
+              </a:rPr>
+              <a:t>(AV</a:t>
+            </a:r>
+            <a:r>
+              <a:rPr kumimoji="0" lang="ja-JP" altLang="en-US" sz="1400" b="0" i="0" u="none" strike="noStrike" kern="1200" cap="none" spc="0" normalizeH="0" baseline="0" noProof="0" dirty="0" smtClean="0">
+                <a:ln>
+                  <a:noFill/>
+                </a:ln>
+                <a:solidFill>
+                  <a:prstClr val="white"/>
+                </a:solidFill>
+                <a:effectLst/>
+                <a:uLnTx/>
+                <a:uFillTx/>
+                <a:latin typeface="Meiryo UI" panose="020B0604030504040204" pitchFamily="50" charset="-128"/>
+                <a:ea typeface="Meiryo UI" panose="020B0604030504040204" pitchFamily="50" charset="-128"/>
+                <a:cs typeface="+mn-cs"/>
+              </a:rPr>
+              <a:t>値</a:t>
+            </a:r>
+            <a:r>
+              <a:rPr kumimoji="0" lang="en-US" altLang="ja-JP" sz="1400" b="0" i="0" u="none" strike="noStrike" kern="1200" cap="none" spc="0" normalizeH="0" baseline="0" noProof="0" dirty="0" smtClean="0">
+                <a:ln>
+                  <a:noFill/>
+                </a:ln>
+                <a:solidFill>
+                  <a:prstClr val="white"/>
+                </a:solidFill>
+                <a:effectLst/>
+                <a:uLnTx/>
+                <a:uFillTx/>
+                <a:latin typeface="Meiryo UI" panose="020B0604030504040204" pitchFamily="50" charset="-128"/>
+                <a:ea typeface="Meiryo UI" panose="020B0604030504040204" pitchFamily="50" charset="-128"/>
+                <a:cs typeface="+mn-cs"/>
+              </a:rPr>
+              <a:t>)</a:t>
+            </a:r>
+            <a:endParaRPr kumimoji="0" lang="en-US" altLang="ja-JP" sz="1400" b="0" i="0" u="none" strike="noStrike" kern="1200" cap="none" spc="0" normalizeH="0" baseline="0" noProof="0" dirty="0">
+              <a:ln>
+                <a:noFill/>
+              </a:ln>
+              <a:solidFill>
+                <a:prstClr val="white"/>
+              </a:solidFill>
+              <a:effectLst/>
+              <a:uLnTx/>
+              <a:uFillTx/>
+              <a:latin typeface="Meiryo UI" panose="020B0604030504040204" pitchFamily="50" charset="-128"/>
+              <a:ea typeface="Meiryo UI" panose="020B0604030504040204" pitchFamily="50" charset="-128"/>
+              <a:cs typeface="+mn-cs"/>
+            </a:endParaRPr>
+          </a:p>
+        </p:txBody>
+      </p:sp>
+      <p:sp>
+        <p:nvSpPr>
+          <p:cNvPr id="5" name="Rectangle 21">
+            <a:extLst>
+              <a:ext uri="{FF2B5EF4-FFF2-40B4-BE49-F238E27FC236}">
+                <a16:creationId xmlns:a16="http://schemas.microsoft.com/office/drawing/2014/main" id="{22396479-3483-8D45-A8D7-B8AC50D383A4}"/>
+              </a:ext>
+            </a:extLst>
+          </p:cNvPr>
+          <p:cNvSpPr/>
+          <p:nvPr/>
+        </p:nvSpPr>
+        <p:spPr>
+          <a:xfrm>
+            <a:off x="844061" y="4172714"/>
+            <a:ext cx="1444083" cy="914400"/>
+          </a:xfrm>
+          <a:prstGeom prst="rect">
+            <a:avLst/>
+          </a:prstGeom>
+        </p:spPr>
+        <p:style>
+          <a:lnRef idx="3">
+            <a:schemeClr val="lt1"/>
+          </a:lnRef>
+          <a:fillRef idx="1">
+            <a:schemeClr val="accent1"/>
+          </a:fillRef>
+          <a:effectRef idx="1">
+            <a:schemeClr val="accent1"/>
+          </a:effectRef>
+          <a:fontRef idx="minor">
+            <a:schemeClr val="lt1"/>
+          </a:fontRef>
+        </p:style>
+        <p:txBody>
+          <a:bodyPr rtlCol="0" anchor="ctr"/>
+          <a:lstStyle/>
+          <a:p>
+            <a:pPr marL="0" marR="0" lvl="0" indent="0" algn="ctr" defTabSz="457200" rtl="0" eaLnBrk="1" fontAlgn="auto" latinLnBrk="0" hangingPunct="1">
+              <a:lnSpc>
+                <a:spcPct val="100000"/>
+              </a:lnSpc>
+              <a:spcBef>
+                <a:spcPts val="0"/>
+              </a:spcBef>
+              <a:spcAft>
+                <a:spcPts val="0"/>
+              </a:spcAft>
+              <a:buClrTx/>
+              <a:buSzTx/>
+              <a:buFontTx/>
+              <a:buNone/>
+              <a:tabLst/>
+              <a:defRPr/>
+            </a:pPr>
+            <a:r>
+              <a:rPr kumimoji="0" lang="ja-JP" altLang="en-US" sz="1400" b="0" i="0" u="none" strike="noStrike" kern="1200" cap="none" spc="0" normalizeH="0" baseline="0" noProof="0" dirty="0" smtClean="0">
+                <a:ln>
+                  <a:noFill/>
+                </a:ln>
+                <a:solidFill>
+                  <a:prstClr val="white"/>
+                </a:solidFill>
+                <a:effectLst/>
+                <a:uLnTx/>
+                <a:uFillTx/>
+                <a:latin typeface="Meiryo UI" panose="020B0604030504040204" pitchFamily="50" charset="-128"/>
+                <a:ea typeface="Meiryo UI" panose="020B0604030504040204" pitchFamily="50" charset="-128"/>
+                <a:cs typeface="+mn-cs"/>
+              </a:rPr>
+              <a:t>心拍測定</a:t>
+            </a:r>
+            <a:endParaRPr kumimoji="0" lang="en-US" altLang="ja-JP" sz="1400" b="0" i="0" u="none" strike="noStrike" kern="1200" cap="none" spc="0" normalizeH="0" baseline="0" noProof="0" dirty="0">
+              <a:ln>
+                <a:noFill/>
+              </a:ln>
+              <a:solidFill>
+                <a:prstClr val="white"/>
+              </a:solidFill>
+              <a:effectLst/>
+              <a:uLnTx/>
+              <a:uFillTx/>
+              <a:latin typeface="Meiryo UI" panose="020B0604030504040204" pitchFamily="50" charset="-128"/>
+              <a:ea typeface="Meiryo UI" panose="020B0604030504040204" pitchFamily="50" charset="-128"/>
+              <a:cs typeface="+mn-cs"/>
+            </a:endParaRPr>
+          </a:p>
+        </p:txBody>
+      </p:sp>
+      <p:sp>
+        <p:nvSpPr>
+          <p:cNvPr id="6" name="Rectangle 21">
+            <a:extLst>
+              <a:ext uri="{FF2B5EF4-FFF2-40B4-BE49-F238E27FC236}">
+                <a16:creationId xmlns:a16="http://schemas.microsoft.com/office/drawing/2014/main" id="{22396479-3483-8D45-A8D7-B8AC50D383A4}"/>
+              </a:ext>
+            </a:extLst>
+          </p:cNvPr>
+          <p:cNvSpPr/>
+          <p:nvPr/>
+        </p:nvSpPr>
+        <p:spPr>
+          <a:xfrm>
+            <a:off x="5313480" y="1117646"/>
+            <a:ext cx="1444083" cy="914400"/>
+          </a:xfrm>
+          <a:prstGeom prst="rect">
+            <a:avLst/>
+          </a:prstGeom>
+        </p:spPr>
+        <p:style>
+          <a:lnRef idx="3">
+            <a:schemeClr val="lt1"/>
+          </a:lnRef>
+          <a:fillRef idx="1">
+            <a:schemeClr val="accent1"/>
+          </a:fillRef>
+          <a:effectRef idx="1">
+            <a:schemeClr val="accent1"/>
+          </a:effectRef>
+          <a:fontRef idx="minor">
+            <a:schemeClr val="lt1"/>
+          </a:fontRef>
+        </p:style>
+        <p:txBody>
+          <a:bodyPr rtlCol="0" anchor="ctr"/>
+          <a:lstStyle/>
+          <a:p>
+            <a:pPr marL="0" marR="0" lvl="0" indent="0" algn="ctr" defTabSz="457200" rtl="0" eaLnBrk="1" fontAlgn="auto" latinLnBrk="0" hangingPunct="1">
+              <a:lnSpc>
+                <a:spcPct val="100000"/>
+              </a:lnSpc>
+              <a:spcBef>
+                <a:spcPts val="0"/>
+              </a:spcBef>
+              <a:spcAft>
+                <a:spcPts val="0"/>
+              </a:spcAft>
+              <a:buClrTx/>
+              <a:buSzTx/>
+              <a:buFontTx/>
+              <a:buNone/>
+              <a:tabLst/>
+              <a:defRPr/>
+            </a:pPr>
+            <a:r>
+              <a:rPr kumimoji="0" lang="ja-JP" altLang="en-US" sz="1400" b="0" i="0" u="none" strike="noStrike" kern="1200" cap="none" spc="0" normalizeH="0" baseline="0" noProof="0" dirty="0" smtClean="0">
+                <a:ln>
+                  <a:noFill/>
+                </a:ln>
+                <a:solidFill>
+                  <a:prstClr val="white"/>
+                </a:solidFill>
+                <a:effectLst/>
+                <a:uLnTx/>
+                <a:uFillTx/>
+                <a:latin typeface="Meiryo UI" panose="020B0604030504040204" pitchFamily="50" charset="-128"/>
+                <a:ea typeface="Meiryo UI" panose="020B0604030504040204" pitchFamily="50" charset="-128"/>
+                <a:cs typeface="+mn-cs"/>
+              </a:rPr>
+              <a:t>状態メッセージ表示</a:t>
+            </a:r>
+            <a:endParaRPr kumimoji="0" lang="en-US" altLang="ja-JP" sz="1400" b="0" i="0" u="none" strike="noStrike" kern="1200" cap="none" spc="0" normalizeH="0" baseline="0" noProof="0" dirty="0">
+              <a:ln>
+                <a:noFill/>
+              </a:ln>
+              <a:solidFill>
+                <a:prstClr val="white"/>
+              </a:solidFill>
+              <a:effectLst/>
+              <a:uLnTx/>
+              <a:uFillTx/>
+              <a:latin typeface="Meiryo UI" panose="020B0604030504040204" pitchFamily="50" charset="-128"/>
+              <a:ea typeface="Meiryo UI" panose="020B0604030504040204" pitchFamily="50" charset="-128"/>
+              <a:cs typeface="+mn-cs"/>
+            </a:endParaRPr>
+          </a:p>
+        </p:txBody>
+      </p:sp>
+      <p:sp>
+        <p:nvSpPr>
+          <p:cNvPr id="7" name="Rectangle 21">
+            <a:extLst>
+              <a:ext uri="{FF2B5EF4-FFF2-40B4-BE49-F238E27FC236}">
+                <a16:creationId xmlns:a16="http://schemas.microsoft.com/office/drawing/2014/main" id="{22396479-3483-8D45-A8D7-B8AC50D383A4}"/>
+              </a:ext>
+            </a:extLst>
+          </p:cNvPr>
+          <p:cNvSpPr/>
+          <p:nvPr/>
+        </p:nvSpPr>
+        <p:spPr>
+          <a:xfrm>
+            <a:off x="5313480" y="3209110"/>
+            <a:ext cx="1444083" cy="914400"/>
+          </a:xfrm>
+          <a:prstGeom prst="rect">
+            <a:avLst/>
+          </a:prstGeom>
+        </p:spPr>
+        <p:style>
+          <a:lnRef idx="3">
+            <a:schemeClr val="lt1"/>
+          </a:lnRef>
+          <a:fillRef idx="1">
+            <a:schemeClr val="accent1"/>
+          </a:fillRef>
+          <a:effectRef idx="1">
+            <a:schemeClr val="accent1"/>
+          </a:effectRef>
+          <a:fontRef idx="minor">
+            <a:schemeClr val="lt1"/>
+          </a:fontRef>
+        </p:style>
+        <p:txBody>
+          <a:bodyPr rtlCol="0" anchor="ctr"/>
+          <a:lstStyle/>
+          <a:p>
+            <a:pPr marL="0" marR="0" lvl="0" indent="0" algn="ctr" defTabSz="457200" rtl="0" eaLnBrk="1" fontAlgn="auto" latinLnBrk="0" hangingPunct="1">
+              <a:lnSpc>
+                <a:spcPct val="100000"/>
+              </a:lnSpc>
+              <a:spcBef>
+                <a:spcPts val="0"/>
+              </a:spcBef>
+              <a:spcAft>
+                <a:spcPts val="0"/>
+              </a:spcAft>
+              <a:buClrTx/>
+              <a:buSzTx/>
+              <a:buFontTx/>
+              <a:buNone/>
+              <a:tabLst/>
+              <a:defRPr/>
+            </a:pPr>
+            <a:r>
+              <a:rPr kumimoji="0" lang="ja-JP" altLang="en-US" sz="1400" b="0" i="0" u="none" strike="noStrike" kern="1200" cap="none" spc="0" normalizeH="0" baseline="0" noProof="0" dirty="0" smtClean="0">
+                <a:ln>
+                  <a:noFill/>
+                </a:ln>
+                <a:solidFill>
+                  <a:prstClr val="white"/>
+                </a:solidFill>
+                <a:effectLst/>
+                <a:uLnTx/>
+                <a:uFillTx/>
+                <a:latin typeface="Meiryo UI" panose="020B0604030504040204" pitchFamily="50" charset="-128"/>
+                <a:ea typeface="Meiryo UI" panose="020B0604030504040204" pitchFamily="50" charset="-128"/>
+                <a:cs typeface="+mn-cs"/>
+              </a:rPr>
+              <a:t>レーダーチャートの生成</a:t>
+            </a:r>
+            <a:endParaRPr kumimoji="0" lang="en-US" altLang="ja-JP" sz="1400" b="0" i="0" u="none" strike="noStrike" kern="1200" cap="none" spc="0" normalizeH="0" baseline="0" noProof="0" dirty="0">
+              <a:ln>
+                <a:noFill/>
+              </a:ln>
+              <a:solidFill>
+                <a:prstClr val="white"/>
+              </a:solidFill>
+              <a:effectLst/>
+              <a:uLnTx/>
+              <a:uFillTx/>
+              <a:latin typeface="Meiryo UI" panose="020B0604030504040204" pitchFamily="50" charset="-128"/>
+              <a:ea typeface="Meiryo UI" panose="020B0604030504040204" pitchFamily="50" charset="-128"/>
+              <a:cs typeface="+mn-cs"/>
+            </a:endParaRPr>
+          </a:p>
+        </p:txBody>
+      </p:sp>
+      <p:sp>
+        <p:nvSpPr>
+          <p:cNvPr id="9" name="Rectangle 21">
+            <a:extLst>
+              <a:ext uri="{FF2B5EF4-FFF2-40B4-BE49-F238E27FC236}">
+                <a16:creationId xmlns:a16="http://schemas.microsoft.com/office/drawing/2014/main" id="{22396479-3483-8D45-A8D7-B8AC50D383A4}"/>
+              </a:ext>
+            </a:extLst>
+          </p:cNvPr>
+          <p:cNvSpPr/>
+          <p:nvPr/>
+        </p:nvSpPr>
+        <p:spPr>
+          <a:xfrm>
+            <a:off x="2869222" y="3205561"/>
+            <a:ext cx="1444083" cy="914400"/>
+          </a:xfrm>
+          <a:prstGeom prst="rect">
+            <a:avLst/>
+          </a:prstGeom>
+        </p:spPr>
+        <p:style>
+          <a:lnRef idx="3">
+            <a:schemeClr val="lt1"/>
+          </a:lnRef>
+          <a:fillRef idx="1">
+            <a:schemeClr val="accent1"/>
+          </a:fillRef>
+          <a:effectRef idx="1">
+            <a:schemeClr val="accent1"/>
+          </a:effectRef>
+          <a:fontRef idx="minor">
+            <a:schemeClr val="lt1"/>
+          </a:fontRef>
+        </p:style>
+        <p:txBody>
+          <a:bodyPr rtlCol="0" anchor="ctr"/>
+          <a:lstStyle/>
+          <a:p>
+            <a:pPr marL="0" marR="0" lvl="0" indent="0" algn="ctr" defTabSz="457200" rtl="0" eaLnBrk="1" fontAlgn="auto" latinLnBrk="0" hangingPunct="1">
+              <a:lnSpc>
+                <a:spcPct val="100000"/>
+              </a:lnSpc>
+              <a:spcBef>
+                <a:spcPts val="0"/>
+              </a:spcBef>
+              <a:spcAft>
+                <a:spcPts val="0"/>
+              </a:spcAft>
+              <a:buClrTx/>
+              <a:buSzTx/>
+              <a:buFontTx/>
+              <a:buNone/>
+              <a:tabLst/>
+              <a:defRPr/>
+            </a:pPr>
+            <a:r>
+              <a:rPr kumimoji="0" lang="ja-JP" altLang="en-US" sz="1400" b="0" i="0" u="none" strike="noStrike" kern="1200" cap="none" spc="0" normalizeH="0" baseline="0" noProof="0" dirty="0" smtClean="0">
+                <a:ln>
+                  <a:noFill/>
+                </a:ln>
+                <a:solidFill>
+                  <a:prstClr val="white"/>
+                </a:solidFill>
+                <a:effectLst/>
+                <a:uLnTx/>
+                <a:uFillTx/>
+                <a:latin typeface="Meiryo UI" panose="020B0604030504040204" pitchFamily="50" charset="-128"/>
+                <a:ea typeface="Meiryo UI" panose="020B0604030504040204" pitchFamily="50" charset="-128"/>
+                <a:cs typeface="+mn-cs"/>
+              </a:rPr>
+              <a:t>怒りデータ</a:t>
+            </a:r>
+            <a:endParaRPr kumimoji="0" lang="en-US" altLang="ja-JP" sz="1400" b="0" i="0" u="none" strike="noStrike" kern="1200" cap="none" spc="0" normalizeH="0" baseline="0" noProof="0" dirty="0" smtClean="0">
+              <a:ln>
+                <a:noFill/>
+              </a:ln>
+              <a:solidFill>
+                <a:prstClr val="white"/>
+              </a:solidFill>
+              <a:effectLst/>
+              <a:uLnTx/>
+              <a:uFillTx/>
+              <a:latin typeface="Meiryo UI" panose="020B0604030504040204" pitchFamily="50" charset="-128"/>
+              <a:ea typeface="Meiryo UI" panose="020B0604030504040204" pitchFamily="50" charset="-128"/>
+              <a:cs typeface="+mn-cs"/>
+            </a:endParaRPr>
+          </a:p>
+          <a:p>
+            <a:pPr marL="0" marR="0" lvl="0" indent="0" algn="ctr" defTabSz="457200" rtl="0" eaLnBrk="1" fontAlgn="auto" latinLnBrk="0" hangingPunct="1">
+              <a:lnSpc>
+                <a:spcPct val="100000"/>
+              </a:lnSpc>
+              <a:spcBef>
+                <a:spcPts val="0"/>
+              </a:spcBef>
+              <a:spcAft>
+                <a:spcPts val="0"/>
+              </a:spcAft>
+              <a:buClrTx/>
+              <a:buSzTx/>
+              <a:buFontTx/>
+              <a:buNone/>
+              <a:tabLst/>
+              <a:defRPr/>
+            </a:pPr>
+            <a:r>
+              <a:rPr kumimoji="0" lang="ja-JP" altLang="en-US" sz="1400" b="0" i="0" u="none" strike="noStrike" kern="1200" cap="none" spc="0" normalizeH="0" baseline="0" noProof="0" dirty="0" smtClean="0">
+                <a:ln>
+                  <a:noFill/>
+                </a:ln>
+                <a:solidFill>
+                  <a:prstClr val="white"/>
+                </a:solidFill>
+                <a:effectLst/>
+                <a:uLnTx/>
+                <a:uFillTx/>
+                <a:latin typeface="Meiryo UI" panose="020B0604030504040204" pitchFamily="50" charset="-128"/>
+                <a:ea typeface="Meiryo UI" panose="020B0604030504040204" pitchFamily="50" charset="-128"/>
+                <a:cs typeface="+mn-cs"/>
+              </a:rPr>
+              <a:t>へ変換</a:t>
+            </a:r>
+            <a:endParaRPr kumimoji="0" lang="en-US" altLang="ja-JP" sz="1400" b="0" i="0" u="none" strike="noStrike" kern="1200" cap="none" spc="0" normalizeH="0" baseline="0" noProof="0" dirty="0">
+              <a:ln>
+                <a:noFill/>
+              </a:ln>
+              <a:solidFill>
+                <a:prstClr val="white"/>
+              </a:solidFill>
+              <a:effectLst/>
+              <a:uLnTx/>
+              <a:uFillTx/>
+              <a:latin typeface="Meiryo UI" panose="020B0604030504040204" pitchFamily="50" charset="-128"/>
+              <a:ea typeface="Meiryo UI" panose="020B0604030504040204" pitchFamily="50" charset="-128"/>
+              <a:cs typeface="+mn-cs"/>
+            </a:endParaRPr>
+          </a:p>
+        </p:txBody>
+      </p:sp>
+      <p:sp>
+        <p:nvSpPr>
+          <p:cNvPr id="10" name="Rectangle 21">
+            <a:extLst>
+              <a:ext uri="{FF2B5EF4-FFF2-40B4-BE49-F238E27FC236}">
+                <a16:creationId xmlns:a16="http://schemas.microsoft.com/office/drawing/2014/main" id="{22396479-3483-8D45-A8D7-B8AC50D383A4}"/>
+              </a:ext>
+            </a:extLst>
+          </p:cNvPr>
+          <p:cNvSpPr/>
+          <p:nvPr/>
+        </p:nvSpPr>
+        <p:spPr>
+          <a:xfrm>
+            <a:off x="5313480" y="5265407"/>
+            <a:ext cx="1444083" cy="914400"/>
+          </a:xfrm>
+          <a:prstGeom prst="rect">
+            <a:avLst/>
+          </a:prstGeom>
+        </p:spPr>
+        <p:style>
+          <a:lnRef idx="3">
+            <a:schemeClr val="lt1"/>
+          </a:lnRef>
+          <a:fillRef idx="1">
+            <a:schemeClr val="accent1"/>
+          </a:fillRef>
+          <a:effectRef idx="1">
+            <a:schemeClr val="accent1"/>
+          </a:effectRef>
+          <a:fontRef idx="minor">
+            <a:schemeClr val="lt1"/>
+          </a:fontRef>
+        </p:style>
+        <p:txBody>
+          <a:bodyPr rtlCol="0" anchor="ctr"/>
+          <a:lstStyle/>
+          <a:p>
+            <a:pPr marL="0" marR="0" lvl="0" indent="0" algn="ctr" defTabSz="457200" rtl="0" eaLnBrk="1" fontAlgn="auto" latinLnBrk="0" hangingPunct="1">
+              <a:lnSpc>
+                <a:spcPct val="100000"/>
+              </a:lnSpc>
+              <a:spcBef>
+                <a:spcPts val="0"/>
+              </a:spcBef>
+              <a:spcAft>
+                <a:spcPts val="0"/>
+              </a:spcAft>
+              <a:buClrTx/>
+              <a:buSzTx/>
+              <a:buFontTx/>
+              <a:buNone/>
+              <a:tabLst/>
+              <a:defRPr/>
+            </a:pPr>
+            <a:r>
+              <a:rPr kumimoji="0" lang="ja-JP" altLang="en-US" sz="1400" b="0" i="0" u="none" strike="noStrike" kern="1200" cap="none" spc="0" normalizeH="0" baseline="0" noProof="0" dirty="0" smtClean="0">
+                <a:ln>
+                  <a:noFill/>
+                </a:ln>
+                <a:solidFill>
+                  <a:prstClr val="white"/>
+                </a:solidFill>
+                <a:effectLst/>
+                <a:uLnTx/>
+                <a:uFillTx/>
+                <a:latin typeface="Meiryo UI" panose="020B0604030504040204" pitchFamily="50" charset="-128"/>
+                <a:ea typeface="Meiryo UI" panose="020B0604030504040204" pitchFamily="50" charset="-128"/>
+                <a:cs typeface="+mn-cs"/>
+              </a:rPr>
+              <a:t>時系列グラフの生成</a:t>
+            </a:r>
+            <a:endParaRPr kumimoji="0" lang="en-US" altLang="ja-JP" sz="1400" b="0" i="0" u="none" strike="noStrike" kern="1200" cap="none" spc="0" normalizeH="0" baseline="0" noProof="0" dirty="0">
+              <a:ln>
+                <a:noFill/>
+              </a:ln>
+              <a:solidFill>
+                <a:prstClr val="white"/>
+              </a:solidFill>
+              <a:effectLst/>
+              <a:uLnTx/>
+              <a:uFillTx/>
+              <a:latin typeface="Meiryo UI" panose="020B0604030504040204" pitchFamily="50" charset="-128"/>
+              <a:ea typeface="Meiryo UI" panose="020B0604030504040204" pitchFamily="50" charset="-128"/>
+              <a:cs typeface="+mn-cs"/>
+            </a:endParaRPr>
+          </a:p>
+        </p:txBody>
+      </p:sp>
+      <p:sp>
+        <p:nvSpPr>
+          <p:cNvPr id="11" name="Rectangle 21">
+            <a:extLst>
+              <a:ext uri="{FF2B5EF4-FFF2-40B4-BE49-F238E27FC236}">
+                <a16:creationId xmlns:a16="http://schemas.microsoft.com/office/drawing/2014/main" id="{22396479-3483-8D45-A8D7-B8AC50D383A4}"/>
+              </a:ext>
+            </a:extLst>
+          </p:cNvPr>
+          <p:cNvSpPr/>
+          <p:nvPr/>
+        </p:nvSpPr>
+        <p:spPr>
+          <a:xfrm>
+            <a:off x="5744303" y="1812240"/>
+            <a:ext cx="1444083" cy="914400"/>
+          </a:xfrm>
+          <a:prstGeom prst="rect">
+            <a:avLst/>
+          </a:prstGeom>
+        </p:spPr>
+        <p:style>
+          <a:lnRef idx="3">
+            <a:schemeClr val="lt1"/>
+          </a:lnRef>
+          <a:fillRef idx="1">
+            <a:schemeClr val="accent1"/>
+          </a:fillRef>
+          <a:effectRef idx="1">
+            <a:schemeClr val="accent1"/>
+          </a:effectRef>
+          <a:fontRef idx="minor">
+            <a:schemeClr val="lt1"/>
+          </a:fontRef>
+        </p:style>
+        <p:txBody>
+          <a:bodyPr rtlCol="0" anchor="ctr"/>
+          <a:lstStyle/>
+          <a:p>
+            <a:pPr marL="0" marR="0" lvl="0" indent="0" algn="ctr" defTabSz="457200" rtl="0" eaLnBrk="1" fontAlgn="auto" latinLnBrk="0" hangingPunct="1">
+              <a:lnSpc>
+                <a:spcPct val="100000"/>
+              </a:lnSpc>
+              <a:spcBef>
+                <a:spcPts val="0"/>
+              </a:spcBef>
+              <a:spcAft>
+                <a:spcPts val="0"/>
+              </a:spcAft>
+              <a:buClrTx/>
+              <a:buSzTx/>
+              <a:buFontTx/>
+              <a:buNone/>
+              <a:tabLst/>
+              <a:defRPr/>
+            </a:pPr>
+            <a:r>
+              <a:rPr kumimoji="0" lang="ja-JP" altLang="en-US" sz="1400" b="0" i="0" u="none" strike="noStrike" kern="1200" cap="none" spc="0" normalizeH="0" baseline="0" noProof="0" dirty="0" smtClean="0">
+                <a:ln>
+                  <a:noFill/>
+                </a:ln>
+                <a:solidFill>
+                  <a:prstClr val="white"/>
+                </a:solidFill>
+                <a:effectLst/>
+                <a:uLnTx/>
+                <a:uFillTx/>
+                <a:latin typeface="Meiryo UI" panose="020B0604030504040204" pitchFamily="50" charset="-128"/>
+                <a:ea typeface="Meiryo UI" panose="020B0604030504040204" pitchFamily="50" charset="-128"/>
+                <a:cs typeface="+mn-cs"/>
+              </a:rPr>
+              <a:t>行動の提案</a:t>
+            </a:r>
+            <a:endParaRPr kumimoji="0" lang="en-US" altLang="ja-JP" sz="1400" b="0" i="0" u="none" strike="noStrike" kern="1200" cap="none" spc="0" normalizeH="0" baseline="0" noProof="0" dirty="0">
+              <a:ln>
+                <a:noFill/>
+              </a:ln>
+              <a:solidFill>
+                <a:prstClr val="white"/>
+              </a:solidFill>
+              <a:effectLst/>
+              <a:uLnTx/>
+              <a:uFillTx/>
+              <a:latin typeface="Meiryo UI" panose="020B0604030504040204" pitchFamily="50" charset="-128"/>
+              <a:ea typeface="Meiryo UI" panose="020B0604030504040204" pitchFamily="50" charset="-128"/>
+              <a:cs typeface="+mn-cs"/>
+            </a:endParaRPr>
+          </a:p>
+        </p:txBody>
+      </p:sp>
+      <p:sp>
+        <p:nvSpPr>
+          <p:cNvPr id="12" name="Rectangle 21">
+            <a:extLst>
+              <a:ext uri="{FF2B5EF4-FFF2-40B4-BE49-F238E27FC236}">
+                <a16:creationId xmlns:a16="http://schemas.microsoft.com/office/drawing/2014/main" id="{22396479-3483-8D45-A8D7-B8AC50D383A4}"/>
+              </a:ext>
+            </a:extLst>
+          </p:cNvPr>
+          <p:cNvSpPr/>
+          <p:nvPr/>
+        </p:nvSpPr>
+        <p:spPr>
+          <a:xfrm>
+            <a:off x="8698519" y="3165150"/>
+            <a:ext cx="1444083" cy="914400"/>
+          </a:xfrm>
+          <a:prstGeom prst="rect">
+            <a:avLst/>
+          </a:prstGeom>
+        </p:spPr>
+        <p:style>
+          <a:lnRef idx="3">
+            <a:schemeClr val="lt1"/>
+          </a:lnRef>
+          <a:fillRef idx="1">
+            <a:schemeClr val="accent1"/>
+          </a:fillRef>
+          <a:effectRef idx="1">
+            <a:schemeClr val="accent1"/>
+          </a:effectRef>
+          <a:fontRef idx="minor">
+            <a:schemeClr val="lt1"/>
+          </a:fontRef>
+        </p:style>
+        <p:txBody>
+          <a:bodyPr rtlCol="0" anchor="ctr"/>
+          <a:lstStyle/>
+          <a:p>
+            <a:pPr marL="0" marR="0" lvl="0" indent="0" algn="ctr" defTabSz="457200" rtl="0" eaLnBrk="1" fontAlgn="auto" latinLnBrk="0" hangingPunct="1">
+              <a:lnSpc>
+                <a:spcPct val="100000"/>
+              </a:lnSpc>
+              <a:spcBef>
+                <a:spcPts val="0"/>
+              </a:spcBef>
+              <a:spcAft>
+                <a:spcPts val="0"/>
+              </a:spcAft>
+              <a:buClrTx/>
+              <a:buSzTx/>
+              <a:buFontTx/>
+              <a:buNone/>
+              <a:tabLst/>
+              <a:defRPr/>
+            </a:pPr>
+            <a:r>
+              <a:rPr kumimoji="0" lang="en-US" altLang="ja-JP" sz="1400" b="0" i="0" u="none" strike="noStrike" kern="1200" cap="none" spc="0" normalizeH="0" baseline="0" noProof="0" dirty="0" smtClean="0">
+                <a:ln>
+                  <a:noFill/>
+                </a:ln>
+                <a:solidFill>
+                  <a:prstClr val="white"/>
+                </a:solidFill>
+                <a:effectLst/>
+                <a:uLnTx/>
+                <a:uFillTx/>
+                <a:latin typeface="Meiryo UI" panose="020B0604030504040204" pitchFamily="50" charset="-128"/>
+                <a:ea typeface="Meiryo UI" panose="020B0604030504040204" pitchFamily="50" charset="-128"/>
+                <a:cs typeface="+mn-cs"/>
+              </a:rPr>
+              <a:t>LINE</a:t>
+            </a:r>
+            <a:r>
+              <a:rPr kumimoji="0" lang="ja-JP" altLang="en-US" sz="1400" b="0" i="0" u="none" strike="noStrike" kern="1200" cap="none" spc="0" normalizeH="0" baseline="0" noProof="0" dirty="0" smtClean="0">
+                <a:ln>
+                  <a:noFill/>
+                </a:ln>
+                <a:solidFill>
+                  <a:prstClr val="white"/>
+                </a:solidFill>
+                <a:effectLst/>
+                <a:uLnTx/>
+                <a:uFillTx/>
+                <a:latin typeface="Meiryo UI" panose="020B0604030504040204" pitchFamily="50" charset="-128"/>
+                <a:ea typeface="Meiryo UI" panose="020B0604030504040204" pitchFamily="50" charset="-128"/>
+                <a:cs typeface="+mn-cs"/>
+              </a:rPr>
+              <a:t>操作</a:t>
+            </a:r>
+            <a:r>
+              <a:rPr kumimoji="0" lang="en-US" altLang="ja-JP" sz="1400" b="0" i="0" u="none" strike="noStrike" kern="1200" cap="none" spc="0" normalizeH="0" baseline="0" noProof="0" dirty="0" smtClean="0">
+                <a:ln>
+                  <a:noFill/>
+                </a:ln>
+                <a:solidFill>
+                  <a:prstClr val="white"/>
+                </a:solidFill>
+                <a:effectLst/>
+                <a:uLnTx/>
+                <a:uFillTx/>
+                <a:latin typeface="Meiryo UI" panose="020B0604030504040204" pitchFamily="50" charset="-128"/>
+                <a:ea typeface="Meiryo UI" panose="020B0604030504040204" pitchFamily="50" charset="-128"/>
+                <a:cs typeface="+mn-cs"/>
+              </a:rPr>
+              <a:t>/</a:t>
+            </a:r>
+          </a:p>
+          <a:p>
+            <a:pPr marL="0" marR="0" lvl="0" indent="0" algn="ctr" defTabSz="457200" rtl="0" eaLnBrk="1" fontAlgn="auto" latinLnBrk="0" hangingPunct="1">
+              <a:lnSpc>
+                <a:spcPct val="100000"/>
+              </a:lnSpc>
+              <a:spcBef>
+                <a:spcPts val="0"/>
+              </a:spcBef>
+              <a:spcAft>
+                <a:spcPts val="0"/>
+              </a:spcAft>
+              <a:buClrTx/>
+              <a:buSzTx/>
+              <a:buFontTx/>
+              <a:buNone/>
+              <a:tabLst/>
+              <a:defRPr/>
+            </a:pPr>
+            <a:r>
+              <a:rPr kumimoji="0" lang="ja-JP" altLang="en-US" sz="1400" b="0" i="0" u="none" strike="noStrike" kern="1200" cap="none" spc="0" normalizeH="0" baseline="0" noProof="0" dirty="0" smtClean="0">
+                <a:ln>
+                  <a:noFill/>
+                </a:ln>
+                <a:solidFill>
+                  <a:prstClr val="white"/>
+                </a:solidFill>
+                <a:effectLst/>
+                <a:uLnTx/>
+                <a:uFillTx/>
+                <a:latin typeface="Meiryo UI" panose="020B0604030504040204" pitchFamily="50" charset="-128"/>
+                <a:ea typeface="Meiryo UI" panose="020B0604030504040204" pitchFamily="50" charset="-128"/>
+                <a:cs typeface="+mn-cs"/>
+              </a:rPr>
+              <a:t>データ取得</a:t>
+            </a:r>
+            <a:endParaRPr kumimoji="0" lang="en-US" altLang="ja-JP" sz="1400" b="0" i="0" u="none" strike="noStrike" kern="1200" cap="none" spc="0" normalizeH="0" baseline="0" noProof="0" dirty="0">
+              <a:ln>
+                <a:noFill/>
+              </a:ln>
+              <a:solidFill>
+                <a:prstClr val="white"/>
+              </a:solidFill>
+              <a:effectLst/>
+              <a:uLnTx/>
+              <a:uFillTx/>
+              <a:latin typeface="Meiryo UI" panose="020B0604030504040204" pitchFamily="50" charset="-128"/>
+              <a:ea typeface="Meiryo UI" panose="020B0604030504040204" pitchFamily="50" charset="-128"/>
+              <a:cs typeface="+mn-cs"/>
+            </a:endParaRPr>
+          </a:p>
+        </p:txBody>
+      </p:sp>
+      <p:cxnSp>
+        <p:nvCxnSpPr>
+          <p:cNvPr id="17" name="カギ線コネクタ 16"/>
+          <p:cNvCxnSpPr>
+            <a:endCxn id="9" idx="0"/>
+          </p:cNvCxnSpPr>
+          <p:nvPr/>
+        </p:nvCxnSpPr>
+        <p:spPr>
+          <a:xfrm>
+            <a:off x="2133871" y="2735434"/>
+            <a:ext cx="1457393" cy="470127"/>
+          </a:xfrm>
+          <a:prstGeom prst="bentConnector2">
+            <a:avLst/>
+          </a:prstGeom>
+          <a:ln w="38100">
+            <a:tailEnd type="triangle"/>
+          </a:ln>
+        </p:spPr>
+        <p:style>
+          <a:lnRef idx="1">
+            <a:schemeClr val="accent1"/>
+          </a:lnRef>
+          <a:fillRef idx="0">
+            <a:schemeClr val="accent1"/>
+          </a:fillRef>
+          <a:effectRef idx="0">
+            <a:schemeClr val="accent1"/>
+          </a:effectRef>
+          <a:fontRef idx="minor">
+            <a:schemeClr val="tx1"/>
+          </a:fontRef>
+        </p:style>
+      </p:cxnSp>
+      <p:cxnSp>
+        <p:nvCxnSpPr>
+          <p:cNvPr id="20" name="カギ線コネクタ 19"/>
+          <p:cNvCxnSpPr>
+            <a:stCxn id="5" idx="3"/>
+            <a:endCxn id="9" idx="2"/>
+          </p:cNvCxnSpPr>
+          <p:nvPr/>
+        </p:nvCxnSpPr>
+        <p:spPr>
+          <a:xfrm flipV="1">
+            <a:off x="2288144" y="4119961"/>
+            <a:ext cx="1303120" cy="509953"/>
+          </a:xfrm>
+          <a:prstGeom prst="bentConnector2">
+            <a:avLst/>
+          </a:prstGeom>
+          <a:ln w="38100">
+            <a:tailEnd type="triangle"/>
+          </a:ln>
+        </p:spPr>
+        <p:style>
+          <a:lnRef idx="1">
+            <a:schemeClr val="accent1"/>
+          </a:lnRef>
+          <a:fillRef idx="0">
+            <a:schemeClr val="accent1"/>
+          </a:fillRef>
+          <a:effectRef idx="0">
+            <a:schemeClr val="accent1"/>
+          </a:effectRef>
+          <a:fontRef idx="minor">
+            <a:schemeClr val="tx1"/>
+          </a:fontRef>
+        </p:style>
+      </p:cxnSp>
+      <p:cxnSp>
+        <p:nvCxnSpPr>
+          <p:cNvPr id="24" name="カギ線コネクタ 23"/>
+          <p:cNvCxnSpPr>
+            <a:stCxn id="9" idx="3"/>
+            <a:endCxn id="6" idx="1"/>
+          </p:cNvCxnSpPr>
+          <p:nvPr/>
+        </p:nvCxnSpPr>
+        <p:spPr>
+          <a:xfrm flipV="1">
+            <a:off x="4313305" y="1574846"/>
+            <a:ext cx="1000175" cy="2087915"/>
+          </a:xfrm>
+          <a:prstGeom prst="bentConnector3">
+            <a:avLst>
+              <a:gd name="adj1" fmla="val 50000"/>
+            </a:avLst>
+          </a:prstGeom>
+          <a:ln w="38100">
+            <a:tailEnd type="triangle"/>
+          </a:ln>
+        </p:spPr>
+        <p:style>
+          <a:lnRef idx="1">
+            <a:schemeClr val="accent1"/>
+          </a:lnRef>
+          <a:fillRef idx="0">
+            <a:schemeClr val="accent1"/>
+          </a:fillRef>
+          <a:effectRef idx="0">
+            <a:schemeClr val="accent1"/>
+          </a:effectRef>
+          <a:fontRef idx="minor">
+            <a:schemeClr val="tx1"/>
+          </a:fontRef>
+        </p:style>
+      </p:cxnSp>
+      <p:cxnSp>
+        <p:nvCxnSpPr>
+          <p:cNvPr id="27" name="カギ線コネクタ 26"/>
+          <p:cNvCxnSpPr>
+            <a:stCxn id="9" idx="3"/>
+            <a:endCxn id="10" idx="1"/>
+          </p:cNvCxnSpPr>
+          <p:nvPr/>
+        </p:nvCxnSpPr>
+        <p:spPr>
+          <a:xfrm>
+            <a:off x="4313305" y="3662761"/>
+            <a:ext cx="1000175" cy="2059846"/>
+          </a:xfrm>
+          <a:prstGeom prst="bentConnector3">
+            <a:avLst>
+              <a:gd name="adj1" fmla="val 50000"/>
+            </a:avLst>
+          </a:prstGeom>
+          <a:ln w="38100">
+            <a:tailEnd type="triangle"/>
+          </a:ln>
+        </p:spPr>
+        <p:style>
+          <a:lnRef idx="1">
+            <a:schemeClr val="accent1"/>
+          </a:lnRef>
+          <a:fillRef idx="0">
+            <a:schemeClr val="accent1"/>
+          </a:fillRef>
+          <a:effectRef idx="0">
+            <a:schemeClr val="accent1"/>
+          </a:effectRef>
+          <a:fontRef idx="minor">
+            <a:schemeClr val="tx1"/>
+          </a:fontRef>
+        </p:style>
+      </p:cxnSp>
+      <p:cxnSp>
+        <p:nvCxnSpPr>
+          <p:cNvPr id="30" name="カギ線コネクタ 29"/>
+          <p:cNvCxnSpPr>
+            <a:stCxn id="9" idx="3"/>
+            <a:endCxn id="7" idx="1"/>
+          </p:cNvCxnSpPr>
+          <p:nvPr/>
+        </p:nvCxnSpPr>
+        <p:spPr>
+          <a:xfrm>
+            <a:off x="4313305" y="3662761"/>
+            <a:ext cx="1000175" cy="3549"/>
+          </a:xfrm>
+          <a:prstGeom prst="bentConnector3">
+            <a:avLst>
+              <a:gd name="adj1" fmla="val 50000"/>
+            </a:avLst>
+          </a:prstGeom>
+          <a:ln w="38100">
+            <a:tailEnd type="triangle"/>
+          </a:ln>
+        </p:spPr>
+        <p:style>
+          <a:lnRef idx="1">
+            <a:schemeClr val="accent1"/>
+          </a:lnRef>
+          <a:fillRef idx="0">
+            <a:schemeClr val="accent1"/>
+          </a:fillRef>
+          <a:effectRef idx="0">
+            <a:schemeClr val="accent1"/>
+          </a:effectRef>
+          <a:fontRef idx="minor">
+            <a:schemeClr val="tx1"/>
+          </a:fontRef>
+        </p:style>
+      </p:cxnSp>
+      <p:cxnSp>
+        <p:nvCxnSpPr>
+          <p:cNvPr id="40" name="直線矢印コネクタ 39"/>
+          <p:cNvCxnSpPr>
+            <a:stCxn id="7" idx="3"/>
+            <a:endCxn id="12" idx="1"/>
+          </p:cNvCxnSpPr>
+          <p:nvPr/>
+        </p:nvCxnSpPr>
+        <p:spPr>
+          <a:xfrm flipV="1">
+            <a:off x="6757563" y="3622350"/>
+            <a:ext cx="1940956" cy="43960"/>
+          </a:xfrm>
+          <a:prstGeom prst="straightConnector1">
+            <a:avLst/>
+          </a:prstGeom>
+          <a:ln w="38100">
+            <a:headEnd type="triangle"/>
+            <a:tailEnd type="triangle"/>
+          </a:ln>
+        </p:spPr>
+        <p:style>
+          <a:lnRef idx="1">
+            <a:schemeClr val="accent1"/>
+          </a:lnRef>
+          <a:fillRef idx="0">
+            <a:schemeClr val="accent1"/>
+          </a:fillRef>
+          <a:effectRef idx="0">
+            <a:schemeClr val="accent1"/>
+          </a:effectRef>
+          <a:fontRef idx="minor">
+            <a:schemeClr val="tx1"/>
+          </a:fontRef>
+        </p:style>
+      </p:cxnSp>
+      <p:cxnSp>
+        <p:nvCxnSpPr>
+          <p:cNvPr id="43" name="直線矢印コネクタ 42"/>
+          <p:cNvCxnSpPr>
+            <a:stCxn id="10" idx="3"/>
+            <a:endCxn id="12" idx="1"/>
+          </p:cNvCxnSpPr>
+          <p:nvPr/>
+        </p:nvCxnSpPr>
+        <p:spPr>
+          <a:xfrm flipV="1">
+            <a:off x="6757563" y="3622350"/>
+            <a:ext cx="1940956" cy="2100257"/>
+          </a:xfrm>
+          <a:prstGeom prst="straightConnector1">
+            <a:avLst/>
+          </a:prstGeom>
+          <a:ln w="38100">
+            <a:headEnd type="triangle"/>
+            <a:tailEnd type="triangle"/>
+          </a:ln>
+        </p:spPr>
+        <p:style>
+          <a:lnRef idx="1">
+            <a:schemeClr val="accent1"/>
+          </a:lnRef>
+          <a:fillRef idx="0">
+            <a:schemeClr val="accent1"/>
+          </a:fillRef>
+          <a:effectRef idx="0">
+            <a:schemeClr val="accent1"/>
+          </a:effectRef>
+          <a:fontRef idx="minor">
+            <a:schemeClr val="tx1"/>
+          </a:fontRef>
+        </p:style>
+      </p:cxnSp>
+      <p:cxnSp>
+        <p:nvCxnSpPr>
+          <p:cNvPr id="49" name="カギ線コネクタ 48"/>
+          <p:cNvCxnSpPr/>
+          <p:nvPr/>
+        </p:nvCxnSpPr>
+        <p:spPr>
+          <a:xfrm rot="5400000" flipH="1" flipV="1">
+            <a:off x="456407" y="1364623"/>
+            <a:ext cx="2364436" cy="1870483"/>
+          </a:xfrm>
+          <a:prstGeom prst="bentConnector3">
+            <a:avLst>
+              <a:gd name="adj1" fmla="val 226"/>
+            </a:avLst>
+          </a:prstGeom>
+          <a:ln w="28575">
+            <a:solidFill>
+              <a:srgbClr val="FF0000"/>
+            </a:solidFill>
+            <a:prstDash val="dash"/>
+          </a:ln>
+        </p:spPr>
+        <p:style>
+          <a:lnRef idx="1">
+            <a:schemeClr val="accent5"/>
+          </a:lnRef>
+          <a:fillRef idx="0">
+            <a:schemeClr val="accent5"/>
+          </a:fillRef>
+          <a:effectRef idx="0">
+            <a:schemeClr val="accent5"/>
+          </a:effectRef>
+          <a:fontRef idx="minor">
+            <a:schemeClr val="tx1"/>
+          </a:fontRef>
+        </p:style>
+      </p:cxnSp>
+      <p:cxnSp>
+        <p:nvCxnSpPr>
+          <p:cNvPr id="53" name="カギ線コネクタ 52"/>
+          <p:cNvCxnSpPr/>
+          <p:nvPr/>
+        </p:nvCxnSpPr>
+        <p:spPr>
+          <a:xfrm rot="5400000" flipH="1" flipV="1">
+            <a:off x="435424" y="1439828"/>
+            <a:ext cx="4408391" cy="3764029"/>
+          </a:xfrm>
+          <a:prstGeom prst="bentConnector3">
+            <a:avLst>
+              <a:gd name="adj1" fmla="val -253"/>
+            </a:avLst>
+          </a:prstGeom>
+          <a:ln w="28575">
+            <a:solidFill>
+              <a:srgbClr val="FF0000"/>
+            </a:solidFill>
+            <a:prstDash val="dash"/>
+          </a:ln>
+        </p:spPr>
+        <p:style>
+          <a:lnRef idx="1">
+            <a:schemeClr val="accent5"/>
+          </a:lnRef>
+          <a:fillRef idx="0">
+            <a:schemeClr val="accent5"/>
+          </a:fillRef>
+          <a:effectRef idx="0">
+            <a:schemeClr val="accent5"/>
+          </a:effectRef>
+          <a:fontRef idx="minor">
+            <a:schemeClr val="tx1"/>
+          </a:fontRef>
+        </p:style>
+      </p:cxnSp>
+      <p:cxnSp>
+        <p:nvCxnSpPr>
+          <p:cNvPr id="63" name="直線コネクタ 62"/>
+          <p:cNvCxnSpPr/>
+          <p:nvPr/>
+        </p:nvCxnSpPr>
+        <p:spPr>
+          <a:xfrm flipV="1">
+            <a:off x="4668714" y="4641156"/>
+            <a:ext cx="3636000" cy="0"/>
+          </a:xfrm>
+          <a:prstGeom prst="line">
+            <a:avLst/>
+          </a:prstGeom>
+          <a:ln w="28575">
+            <a:solidFill>
+              <a:srgbClr val="FF0000"/>
+            </a:solidFill>
+            <a:prstDash val="dash"/>
+          </a:ln>
+        </p:spPr>
+        <p:style>
+          <a:lnRef idx="1">
+            <a:schemeClr val="accent1"/>
+          </a:lnRef>
+          <a:fillRef idx="0">
+            <a:schemeClr val="accent1"/>
+          </a:fillRef>
+          <a:effectRef idx="0">
+            <a:schemeClr val="accent1"/>
+          </a:effectRef>
+          <a:fontRef idx="minor">
+            <a:schemeClr val="tx1"/>
+          </a:fontRef>
+        </p:style>
+      </p:cxnSp>
+      <p:sp>
+        <p:nvSpPr>
+          <p:cNvPr id="71" name="正方形/長方形 70"/>
+          <p:cNvSpPr/>
+          <p:nvPr/>
+        </p:nvSpPr>
+        <p:spPr>
+          <a:xfrm>
+            <a:off x="872826" y="1697245"/>
+            <a:ext cx="885635" cy="384420"/>
+          </a:xfrm>
+          <a:prstGeom prst="rect">
+            <a:avLst/>
+          </a:prstGeom>
+          <a:ln>
+            <a:noFill/>
+          </a:ln>
+        </p:spPr>
+        <p:style>
+          <a:lnRef idx="3">
+            <a:schemeClr val="lt1"/>
+          </a:lnRef>
+          <a:fillRef idx="1">
+            <a:schemeClr val="accent4"/>
+          </a:fillRef>
+          <a:effectRef idx="1">
+            <a:schemeClr val="accent4"/>
+          </a:effectRef>
+          <a:fontRef idx="minor">
+            <a:schemeClr val="lt1"/>
+          </a:fontRef>
+        </p:style>
+        <p:txBody>
+          <a:bodyPr rtlCol="0" anchor="ctr"/>
+          <a:lstStyle/>
+          <a:p>
+            <a:pPr marL="0" marR="0" lvl="0" indent="0" algn="ctr" defTabSz="457200" rtl="0" eaLnBrk="1" fontAlgn="auto" latinLnBrk="0" hangingPunct="1">
+              <a:lnSpc>
+                <a:spcPct val="100000"/>
+              </a:lnSpc>
+              <a:spcBef>
+                <a:spcPts val="0"/>
+              </a:spcBef>
+              <a:spcAft>
+                <a:spcPts val="0"/>
+              </a:spcAft>
+              <a:buClrTx/>
+              <a:buSzTx/>
+              <a:buFontTx/>
+              <a:buNone/>
+              <a:tabLst/>
+              <a:defRPr/>
+            </a:pPr>
+            <a:r>
+              <a:rPr kumimoji="0" lang="ja-JP" altLang="en-US" sz="1800" b="0" i="0" u="none" strike="noStrike" kern="1200" cap="none" spc="0" normalizeH="0" baseline="0" noProof="0" dirty="0">
+                <a:ln>
+                  <a:noFill/>
+                </a:ln>
+                <a:solidFill>
+                  <a:prstClr val="white"/>
+                </a:solidFill>
+                <a:effectLst/>
+                <a:uLnTx/>
+                <a:uFillTx/>
+                <a:latin typeface="Meiryo UI" panose="020B0604030504040204" pitchFamily="50" charset="-128"/>
+                <a:ea typeface="Meiryo UI" panose="020B0604030504040204" pitchFamily="50" charset="-128"/>
+                <a:cs typeface="+mn-cs"/>
+              </a:rPr>
+              <a:t>八十岡</a:t>
+            </a:r>
+            <a:endParaRPr kumimoji="1" lang="ja-JP" altLang="en-US" sz="1800" b="0" i="0" u="none" strike="noStrike" kern="1200" cap="none" spc="0" normalizeH="0" baseline="0" noProof="0" dirty="0">
+              <a:ln>
+                <a:noFill/>
+              </a:ln>
+              <a:solidFill>
+                <a:prstClr val="white"/>
+              </a:solidFill>
+              <a:effectLst/>
+              <a:uLnTx/>
+              <a:uFillTx/>
+              <a:latin typeface="Meiryo UI" panose="020B0604030504040204" pitchFamily="50" charset="-128"/>
+              <a:ea typeface="Meiryo UI" panose="020B0604030504040204" pitchFamily="50" charset="-128"/>
+              <a:cs typeface="+mn-cs"/>
+            </a:endParaRPr>
+          </a:p>
+        </p:txBody>
+      </p:sp>
+      <p:sp>
+        <p:nvSpPr>
+          <p:cNvPr id="72" name="正方形/長方形 71"/>
+          <p:cNvSpPr/>
+          <p:nvPr/>
+        </p:nvSpPr>
+        <p:spPr>
+          <a:xfrm>
+            <a:off x="844061" y="3687388"/>
+            <a:ext cx="885635" cy="384420"/>
+          </a:xfrm>
+          <a:prstGeom prst="rect">
+            <a:avLst/>
+          </a:prstGeom>
+          <a:ln>
+            <a:noFill/>
+          </a:ln>
+        </p:spPr>
+        <p:style>
+          <a:lnRef idx="3">
+            <a:schemeClr val="lt1"/>
+          </a:lnRef>
+          <a:fillRef idx="1">
+            <a:schemeClr val="accent4"/>
+          </a:fillRef>
+          <a:effectRef idx="1">
+            <a:schemeClr val="accent4"/>
+          </a:effectRef>
+          <a:fontRef idx="minor">
+            <a:schemeClr val="lt1"/>
+          </a:fontRef>
+        </p:style>
+        <p:txBody>
+          <a:bodyPr rtlCol="0" anchor="ctr"/>
+          <a:lstStyle/>
+          <a:p>
+            <a:pPr marL="0" marR="0" lvl="0" indent="0" algn="ctr" defTabSz="457200" rtl="0" eaLnBrk="1" fontAlgn="auto" latinLnBrk="0" hangingPunct="1">
+              <a:lnSpc>
+                <a:spcPct val="100000"/>
+              </a:lnSpc>
+              <a:spcBef>
+                <a:spcPts val="0"/>
+              </a:spcBef>
+              <a:spcAft>
+                <a:spcPts val="0"/>
+              </a:spcAft>
+              <a:buClrTx/>
+              <a:buSzTx/>
+              <a:buFontTx/>
+              <a:buNone/>
+              <a:tabLst/>
+              <a:defRPr/>
+            </a:pPr>
+            <a:r>
+              <a:rPr kumimoji="0" lang="ja-JP" altLang="en-US" sz="1800" b="0" i="0" u="none" strike="noStrike" kern="1200" cap="none" spc="0" normalizeH="0" baseline="0" noProof="0" dirty="0">
+                <a:ln>
+                  <a:noFill/>
+                </a:ln>
+                <a:solidFill>
+                  <a:prstClr val="white"/>
+                </a:solidFill>
+                <a:effectLst/>
+                <a:uLnTx/>
+                <a:uFillTx/>
+                <a:latin typeface="Meiryo UI" panose="020B0604030504040204" pitchFamily="50" charset="-128"/>
+                <a:ea typeface="Meiryo UI" panose="020B0604030504040204" pitchFamily="50" charset="-128"/>
+                <a:cs typeface="+mn-cs"/>
+              </a:rPr>
+              <a:t>矢頭</a:t>
+            </a:r>
+            <a:endParaRPr kumimoji="1" lang="ja-JP" altLang="en-US" sz="1400" b="0" i="0" u="none" strike="noStrike" kern="1200" cap="none" spc="0" normalizeH="0" baseline="0" noProof="0" dirty="0">
+              <a:ln>
+                <a:noFill/>
+              </a:ln>
+              <a:solidFill>
+                <a:prstClr val="white"/>
+              </a:solidFill>
+              <a:effectLst/>
+              <a:uLnTx/>
+              <a:uFillTx/>
+              <a:latin typeface="Meiryo UI" panose="020B0604030504040204" pitchFamily="50" charset="-128"/>
+              <a:ea typeface="Meiryo UI" panose="020B0604030504040204" pitchFamily="50" charset="-128"/>
+              <a:cs typeface="+mn-cs"/>
+            </a:endParaRPr>
+          </a:p>
+        </p:txBody>
+      </p:sp>
+      <p:sp>
+        <p:nvSpPr>
+          <p:cNvPr id="73" name="正方形/長方形 72"/>
+          <p:cNvSpPr/>
+          <p:nvPr/>
+        </p:nvSpPr>
+        <p:spPr>
+          <a:xfrm>
+            <a:off x="4956759" y="4739528"/>
+            <a:ext cx="885635" cy="384420"/>
+          </a:xfrm>
+          <a:prstGeom prst="rect">
+            <a:avLst/>
+          </a:prstGeom>
+          <a:ln>
+            <a:noFill/>
+          </a:ln>
+        </p:spPr>
+        <p:style>
+          <a:lnRef idx="3">
+            <a:schemeClr val="lt1"/>
+          </a:lnRef>
+          <a:fillRef idx="1">
+            <a:schemeClr val="accent4"/>
+          </a:fillRef>
+          <a:effectRef idx="1">
+            <a:schemeClr val="accent4"/>
+          </a:effectRef>
+          <a:fontRef idx="minor">
+            <a:schemeClr val="lt1"/>
+          </a:fontRef>
+        </p:style>
+        <p:txBody>
+          <a:bodyPr rtlCol="0" anchor="ctr"/>
+          <a:lstStyle/>
+          <a:p>
+            <a:pPr marL="0" marR="0" lvl="0" indent="0" algn="ctr" defTabSz="457200" rtl="0" eaLnBrk="1" fontAlgn="auto" latinLnBrk="0" hangingPunct="1">
+              <a:lnSpc>
+                <a:spcPct val="100000"/>
+              </a:lnSpc>
+              <a:spcBef>
+                <a:spcPts val="0"/>
+              </a:spcBef>
+              <a:spcAft>
+                <a:spcPts val="0"/>
+              </a:spcAft>
+              <a:buClrTx/>
+              <a:buSzTx/>
+              <a:buFontTx/>
+              <a:buNone/>
+              <a:tabLst/>
+              <a:defRPr/>
+            </a:pPr>
+            <a:r>
+              <a:rPr kumimoji="0" lang="ja-JP" altLang="en-US" sz="1800" b="0" i="0" u="none" strike="noStrike" kern="1200" cap="none" spc="0" normalizeH="0" baseline="0" noProof="0" dirty="0">
+                <a:ln>
+                  <a:noFill/>
+                </a:ln>
+                <a:solidFill>
+                  <a:prstClr val="white"/>
+                </a:solidFill>
+                <a:effectLst/>
+                <a:uLnTx/>
+                <a:uFillTx/>
+                <a:latin typeface="Meiryo UI" panose="020B0604030504040204" pitchFamily="50" charset="-128"/>
+                <a:ea typeface="Meiryo UI" panose="020B0604030504040204" pitchFamily="50" charset="-128"/>
+                <a:cs typeface="+mn-cs"/>
+              </a:rPr>
+              <a:t>安野</a:t>
+            </a:r>
+            <a:endParaRPr kumimoji="1" lang="ja-JP" altLang="en-US" sz="1400" b="0" i="0" u="none" strike="noStrike" kern="1200" cap="none" spc="0" normalizeH="0" baseline="0" noProof="0" dirty="0">
+              <a:ln>
+                <a:noFill/>
+              </a:ln>
+              <a:solidFill>
+                <a:prstClr val="white"/>
+              </a:solidFill>
+              <a:effectLst/>
+              <a:uLnTx/>
+              <a:uFillTx/>
+              <a:latin typeface="Meiryo UI" panose="020B0604030504040204" pitchFamily="50" charset="-128"/>
+              <a:ea typeface="Meiryo UI" panose="020B0604030504040204" pitchFamily="50" charset="-128"/>
+              <a:cs typeface="+mn-cs"/>
+            </a:endParaRPr>
+          </a:p>
+        </p:txBody>
+      </p:sp>
+      <p:sp>
+        <p:nvSpPr>
+          <p:cNvPr id="74" name="正方形/長方形 73"/>
+          <p:cNvSpPr/>
+          <p:nvPr/>
+        </p:nvSpPr>
+        <p:spPr>
+          <a:xfrm>
+            <a:off x="4956759" y="3036814"/>
+            <a:ext cx="885635" cy="384420"/>
+          </a:xfrm>
+          <a:prstGeom prst="rect">
+            <a:avLst/>
+          </a:prstGeom>
+          <a:ln>
+            <a:noFill/>
+          </a:ln>
+        </p:spPr>
+        <p:style>
+          <a:lnRef idx="3">
+            <a:schemeClr val="lt1"/>
+          </a:lnRef>
+          <a:fillRef idx="1">
+            <a:schemeClr val="accent4"/>
+          </a:fillRef>
+          <a:effectRef idx="1">
+            <a:schemeClr val="accent4"/>
+          </a:effectRef>
+          <a:fontRef idx="minor">
+            <a:schemeClr val="lt1"/>
+          </a:fontRef>
+        </p:style>
+        <p:txBody>
+          <a:bodyPr rtlCol="0" anchor="ctr"/>
+          <a:lstStyle/>
+          <a:p>
+            <a:pPr marL="0" marR="0" lvl="0" indent="0" algn="ctr" defTabSz="457200" rtl="0" eaLnBrk="1" fontAlgn="auto" latinLnBrk="0" hangingPunct="1">
+              <a:lnSpc>
+                <a:spcPct val="100000"/>
+              </a:lnSpc>
+              <a:spcBef>
+                <a:spcPts val="0"/>
+              </a:spcBef>
+              <a:spcAft>
+                <a:spcPts val="0"/>
+              </a:spcAft>
+              <a:buClrTx/>
+              <a:buSzTx/>
+              <a:buFontTx/>
+              <a:buNone/>
+              <a:tabLst/>
+              <a:defRPr/>
+            </a:pPr>
+            <a:r>
+              <a:rPr kumimoji="0" lang="ja-JP" altLang="en-US" sz="1800" b="0" i="0" u="none" strike="noStrike" kern="1200" cap="none" spc="0" normalizeH="0" baseline="0" noProof="0" dirty="0">
+                <a:ln>
+                  <a:noFill/>
+                </a:ln>
+                <a:solidFill>
+                  <a:prstClr val="white"/>
+                </a:solidFill>
+                <a:effectLst/>
+                <a:uLnTx/>
+                <a:uFillTx/>
+                <a:latin typeface="Meiryo UI" panose="020B0604030504040204" pitchFamily="50" charset="-128"/>
+                <a:ea typeface="Meiryo UI" panose="020B0604030504040204" pitchFamily="50" charset="-128"/>
+                <a:cs typeface="+mn-cs"/>
+              </a:rPr>
+              <a:t>萩原</a:t>
+            </a:r>
+            <a:endParaRPr kumimoji="1" lang="ja-JP" altLang="en-US" sz="1400" b="0" i="0" u="none" strike="noStrike" kern="1200" cap="none" spc="0" normalizeH="0" baseline="0" noProof="0" dirty="0">
+              <a:ln>
+                <a:noFill/>
+              </a:ln>
+              <a:solidFill>
+                <a:prstClr val="white"/>
+              </a:solidFill>
+              <a:effectLst/>
+              <a:uLnTx/>
+              <a:uFillTx/>
+              <a:latin typeface="Meiryo UI" panose="020B0604030504040204" pitchFamily="50" charset="-128"/>
+              <a:ea typeface="Meiryo UI" panose="020B0604030504040204" pitchFamily="50" charset="-128"/>
+              <a:cs typeface="+mn-cs"/>
+            </a:endParaRPr>
+          </a:p>
+        </p:txBody>
+      </p:sp>
+      <p:sp>
+        <p:nvSpPr>
+          <p:cNvPr id="75" name="正方形/長方形 74"/>
+          <p:cNvSpPr/>
+          <p:nvPr/>
+        </p:nvSpPr>
+        <p:spPr>
+          <a:xfrm>
+            <a:off x="4956759" y="908874"/>
+            <a:ext cx="885635" cy="384420"/>
+          </a:xfrm>
+          <a:prstGeom prst="rect">
+            <a:avLst/>
+          </a:prstGeom>
+          <a:ln>
+            <a:noFill/>
+          </a:ln>
+        </p:spPr>
+        <p:style>
+          <a:lnRef idx="3">
+            <a:schemeClr val="lt1"/>
+          </a:lnRef>
+          <a:fillRef idx="1">
+            <a:schemeClr val="accent4"/>
+          </a:fillRef>
+          <a:effectRef idx="1">
+            <a:schemeClr val="accent4"/>
+          </a:effectRef>
+          <a:fontRef idx="minor">
+            <a:schemeClr val="lt1"/>
+          </a:fontRef>
+        </p:style>
+        <p:txBody>
+          <a:bodyPr rtlCol="0" anchor="ctr"/>
+          <a:lstStyle/>
+          <a:p>
+            <a:pPr marL="0" marR="0" lvl="0" indent="0" algn="ctr" defTabSz="457200" rtl="0" eaLnBrk="1" fontAlgn="auto" latinLnBrk="0" hangingPunct="1">
+              <a:lnSpc>
+                <a:spcPct val="100000"/>
+              </a:lnSpc>
+              <a:spcBef>
+                <a:spcPts val="0"/>
+              </a:spcBef>
+              <a:spcAft>
+                <a:spcPts val="0"/>
+              </a:spcAft>
+              <a:buClrTx/>
+              <a:buSzTx/>
+              <a:buFontTx/>
+              <a:buNone/>
+              <a:tabLst/>
+              <a:defRPr/>
+            </a:pPr>
+            <a:r>
+              <a:rPr kumimoji="0" lang="ja-JP" altLang="en-US" sz="1800" b="0" i="0" u="none" strike="noStrike" kern="1200" cap="none" spc="0" normalizeH="0" baseline="0" noProof="0" dirty="0" smtClean="0">
+                <a:ln>
+                  <a:noFill/>
+                </a:ln>
+                <a:solidFill>
+                  <a:prstClr val="white"/>
+                </a:solidFill>
+                <a:effectLst/>
+                <a:uLnTx/>
+                <a:uFillTx/>
+                <a:latin typeface="Meiryo UI" panose="020B0604030504040204" pitchFamily="50" charset="-128"/>
+                <a:ea typeface="Meiryo UI" panose="020B0604030504040204" pitchFamily="50" charset="-128"/>
+                <a:cs typeface="+mn-cs"/>
+              </a:rPr>
+              <a:t>大西</a:t>
+            </a:r>
+            <a:endParaRPr kumimoji="1" lang="ja-JP" altLang="en-US" sz="1400" b="0" i="0" u="none" strike="noStrike" kern="1200" cap="none" spc="0" normalizeH="0" baseline="0" noProof="0" dirty="0">
+              <a:ln>
+                <a:noFill/>
+              </a:ln>
+              <a:solidFill>
+                <a:prstClr val="white"/>
+              </a:solidFill>
+              <a:effectLst/>
+              <a:uLnTx/>
+              <a:uFillTx/>
+              <a:latin typeface="Meiryo UI" panose="020B0604030504040204" pitchFamily="50" charset="-128"/>
+              <a:ea typeface="Meiryo UI" panose="020B0604030504040204" pitchFamily="50" charset="-128"/>
+              <a:cs typeface="+mn-cs"/>
+            </a:endParaRPr>
+          </a:p>
+        </p:txBody>
+      </p:sp>
+      <p:sp>
+        <p:nvSpPr>
+          <p:cNvPr id="77" name="正方形/長方形 76"/>
+          <p:cNvSpPr/>
+          <p:nvPr/>
+        </p:nvSpPr>
+        <p:spPr>
+          <a:xfrm>
+            <a:off x="8713335" y="2659797"/>
+            <a:ext cx="885635" cy="384420"/>
+          </a:xfrm>
+          <a:prstGeom prst="rect">
+            <a:avLst/>
+          </a:prstGeom>
+          <a:ln>
+            <a:noFill/>
+          </a:ln>
+        </p:spPr>
+        <p:style>
+          <a:lnRef idx="3">
+            <a:schemeClr val="lt1"/>
+          </a:lnRef>
+          <a:fillRef idx="1">
+            <a:schemeClr val="accent4"/>
+          </a:fillRef>
+          <a:effectRef idx="1">
+            <a:schemeClr val="accent4"/>
+          </a:effectRef>
+          <a:fontRef idx="minor">
+            <a:schemeClr val="lt1"/>
+          </a:fontRef>
+        </p:style>
+        <p:txBody>
+          <a:bodyPr rtlCol="0" anchor="ctr"/>
+          <a:lstStyle/>
+          <a:p>
+            <a:pPr marL="0" marR="0" lvl="0" indent="0" algn="ctr" defTabSz="457200" rtl="0" eaLnBrk="1" fontAlgn="auto" latinLnBrk="0" hangingPunct="1">
+              <a:lnSpc>
+                <a:spcPct val="100000"/>
+              </a:lnSpc>
+              <a:spcBef>
+                <a:spcPts val="0"/>
+              </a:spcBef>
+              <a:spcAft>
+                <a:spcPts val="0"/>
+              </a:spcAft>
+              <a:buClrTx/>
+              <a:buSzTx/>
+              <a:buFontTx/>
+              <a:buNone/>
+              <a:tabLst/>
+              <a:defRPr/>
+            </a:pPr>
+            <a:r>
+              <a:rPr kumimoji="0" lang="ja-JP" altLang="en-US" sz="1800" b="0" i="0" u="none" strike="noStrike" kern="1200" cap="none" spc="0" normalizeH="0" baseline="0" noProof="0" dirty="0">
+                <a:ln>
+                  <a:noFill/>
+                </a:ln>
+                <a:solidFill>
+                  <a:prstClr val="white"/>
+                </a:solidFill>
+                <a:effectLst/>
+                <a:uLnTx/>
+                <a:uFillTx/>
+                <a:latin typeface="Meiryo UI" panose="020B0604030504040204" pitchFamily="50" charset="-128"/>
+                <a:ea typeface="Meiryo UI" panose="020B0604030504040204" pitchFamily="50" charset="-128"/>
+                <a:cs typeface="+mn-cs"/>
+              </a:rPr>
+              <a:t>島田</a:t>
+            </a:r>
+            <a:endParaRPr kumimoji="1" lang="ja-JP" altLang="en-US" sz="1400" b="0" i="0" u="none" strike="noStrike" kern="1200" cap="none" spc="0" normalizeH="0" baseline="0" noProof="0" dirty="0">
+              <a:ln>
+                <a:noFill/>
+              </a:ln>
+              <a:solidFill>
+                <a:prstClr val="white"/>
+              </a:solidFill>
+              <a:effectLst/>
+              <a:uLnTx/>
+              <a:uFillTx/>
+              <a:latin typeface="Meiryo UI" panose="020B0604030504040204" pitchFamily="50" charset="-128"/>
+              <a:ea typeface="Meiryo UI" panose="020B0604030504040204" pitchFamily="50" charset="-128"/>
+              <a:cs typeface="+mn-cs"/>
+            </a:endParaRPr>
+          </a:p>
+        </p:txBody>
+      </p:sp>
+      <p:cxnSp>
+        <p:nvCxnSpPr>
+          <p:cNvPr id="78" name="直線コネクタ 77"/>
+          <p:cNvCxnSpPr/>
+          <p:nvPr/>
+        </p:nvCxnSpPr>
+        <p:spPr>
+          <a:xfrm rot="16200000" flipV="1">
+            <a:off x="6052115" y="3341838"/>
+            <a:ext cx="4716000" cy="0"/>
+          </a:xfrm>
+          <a:prstGeom prst="line">
+            <a:avLst/>
+          </a:prstGeom>
+          <a:ln w="28575">
+            <a:solidFill>
+              <a:srgbClr val="FF0000"/>
+            </a:solidFill>
+            <a:prstDash val="dash"/>
+          </a:ln>
+        </p:spPr>
+        <p:style>
+          <a:lnRef idx="1">
+            <a:schemeClr val="accent1"/>
+          </a:lnRef>
+          <a:fillRef idx="0">
+            <a:schemeClr val="accent1"/>
+          </a:fillRef>
+          <a:effectRef idx="0">
+            <a:schemeClr val="accent1"/>
+          </a:effectRef>
+          <a:fontRef idx="minor">
+            <a:schemeClr val="tx1"/>
+          </a:fontRef>
+        </p:style>
+      </p:cxnSp>
+      <p:cxnSp>
+        <p:nvCxnSpPr>
+          <p:cNvPr id="39" name="直線矢印コネクタ 38"/>
+          <p:cNvCxnSpPr>
+            <a:endCxn id="12" idx="1"/>
+          </p:cNvCxnSpPr>
+          <p:nvPr/>
+        </p:nvCxnSpPr>
+        <p:spPr>
+          <a:xfrm>
+            <a:off x="6893169" y="1697244"/>
+            <a:ext cx="1805350" cy="1925106"/>
+          </a:xfrm>
+          <a:prstGeom prst="straightConnector1">
+            <a:avLst/>
+          </a:prstGeom>
+          <a:ln w="38100">
+            <a:headEnd type="triangle"/>
+            <a:tailEnd type="triangle"/>
+          </a:ln>
+        </p:spPr>
+        <p:style>
+          <a:lnRef idx="1">
+            <a:schemeClr val="accent1"/>
+          </a:lnRef>
+          <a:fillRef idx="0">
+            <a:schemeClr val="accent1"/>
+          </a:fillRef>
+          <a:effectRef idx="0">
+            <a:schemeClr val="accent1"/>
+          </a:effectRef>
+          <a:fontRef idx="minor">
+            <a:schemeClr val="tx1"/>
+          </a:fontRef>
+        </p:style>
+      </p:cxnSp>
+      <p:cxnSp>
+        <p:nvCxnSpPr>
+          <p:cNvPr id="79" name="直線コネクタ 78"/>
+          <p:cNvCxnSpPr/>
+          <p:nvPr/>
+        </p:nvCxnSpPr>
+        <p:spPr>
+          <a:xfrm flipV="1">
+            <a:off x="4668714" y="2854691"/>
+            <a:ext cx="3636000" cy="0"/>
+          </a:xfrm>
+          <a:prstGeom prst="line">
+            <a:avLst/>
+          </a:prstGeom>
+          <a:ln w="28575">
+            <a:solidFill>
+              <a:srgbClr val="FF0000"/>
+            </a:solidFill>
+            <a:prstDash val="dash"/>
+          </a:ln>
+        </p:spPr>
+        <p:style>
+          <a:lnRef idx="1">
+            <a:schemeClr val="accent1"/>
+          </a:lnRef>
+          <a:fillRef idx="0">
+            <a:schemeClr val="accent1"/>
+          </a:fillRef>
+          <a:effectRef idx="0">
+            <a:schemeClr val="accent1"/>
+          </a:effectRef>
+          <a:fontRef idx="minor">
+            <a:schemeClr val="tx1"/>
+          </a:fontRef>
+        </p:style>
+      </p:cxnSp>
+    </p:spTree>
+    <p:extLst>
+      <p:ext uri="{BB962C8B-B14F-4D97-AF65-F5344CB8AC3E}">
+        <p14:creationId xmlns:p14="http://schemas.microsoft.com/office/powerpoint/2010/main" val="1731558400"/>
       </p:ext>
     </p:extLst>
   </p:cSld>

--- a/oonishi/感情衛星「ひまわり」の発表シナリオ.pptx
+++ b/oonishi/感情衛星「ひまわり」の発表シナリオ.pptx
@@ -3,14 +3,16 @@
 <p:presentation xmlns:a="http://schemas.openxmlformats.org/drawingml/2006/main" xmlns:r="http://schemas.openxmlformats.org/officeDocument/2006/relationships" xmlns:p="http://schemas.openxmlformats.org/presentationml/2006/main" autoCompressPictures="0">
   <p:sldMasterIdLst>
     <p:sldMasterId id="2147483648" r:id="rId1"/>
+    <p:sldMasterId id="2147483668" r:id="rId2"/>
   </p:sldMasterIdLst>
   <p:sldIdLst>
-    <p:sldId id="256" r:id="rId2"/>
-    <p:sldId id="257" r:id="rId3"/>
-    <p:sldId id="258" r:id="rId4"/>
-    <p:sldId id="262" r:id="rId5"/>
-    <p:sldId id="260" r:id="rId6"/>
-    <p:sldId id="263" r:id="rId7"/>
+    <p:sldId id="256" r:id="rId3"/>
+    <p:sldId id="257" r:id="rId4"/>
+    <p:sldId id="258" r:id="rId5"/>
+    <p:sldId id="264" r:id="rId6"/>
+    <p:sldId id="262" r:id="rId7"/>
+    <p:sldId id="260" r:id="rId8"/>
+    <p:sldId id="263" r:id="rId9"/>
   </p:sldIdLst>
   <p:sldSz cx="12192000" cy="6858000"/>
   <p:notesSz cx="6858000" cy="9144000"/>
@@ -2901,6 +2903,717 @@
 </p:sldLayout>
 </file>
 
+<file path=ppt/slideLayouts/slideLayout17.xml><?xml version="1.0" encoding="utf-8"?>
+<p:sldLayout xmlns:a="http://schemas.openxmlformats.org/drawingml/2006/main" xmlns:r="http://schemas.openxmlformats.org/officeDocument/2006/relationships" xmlns:p="http://schemas.openxmlformats.org/presentationml/2006/main" type="title" preserve="1">
+  <p:cSld name="Title Slide">
+    <p:spTree>
+      <p:nvGrpSpPr>
+        <p:cNvPr id="1" name=""/>
+        <p:cNvGrpSpPr/>
+        <p:nvPr/>
+      </p:nvGrpSpPr>
+      <p:grpSpPr>
+        <a:xfrm>
+          <a:off x="0" y="0"/>
+          <a:ext cx="0" cy="0"/>
+          <a:chOff x="0" y="0"/>
+          <a:chExt cx="0" cy="0"/>
+        </a:xfrm>
+      </p:grpSpPr>
+      <p:sp>
+        <p:nvSpPr>
+          <p:cNvPr id="2" name="Title 1"/>
+          <p:cNvSpPr>
+            <a:spLocks noGrp="1"/>
+          </p:cNvSpPr>
+          <p:nvPr>
+            <p:ph type="ctrTitle"/>
+          </p:nvPr>
+        </p:nvSpPr>
+        <p:spPr>
+          <a:xfrm>
+            <a:off x="914400" y="1122363"/>
+            <a:ext cx="10363200" cy="2387600"/>
+          </a:xfrm>
+        </p:spPr>
+        <p:txBody>
+          <a:bodyPr anchor="b"/>
+          <a:lstStyle>
+            <a:lvl1pPr algn="ctr">
+              <a:defRPr sz="6000"/>
+            </a:lvl1pPr>
+          </a:lstStyle>
+          <a:p>
+            <a:r>
+              <a:rPr lang="en-US" altLang="ja-JP"/>
+              <a:t>Click to edit Master title style</a:t>
+            </a:r>
+            <a:endParaRPr lang="en-US" dirty="0"/>
+          </a:p>
+        </p:txBody>
+      </p:sp>
+      <p:sp>
+        <p:nvSpPr>
+          <p:cNvPr id="3" name="Subtitle 2"/>
+          <p:cNvSpPr>
+            <a:spLocks noGrp="1"/>
+          </p:cNvSpPr>
+          <p:nvPr>
+            <p:ph type="subTitle" idx="1"/>
+          </p:nvPr>
+        </p:nvSpPr>
+        <p:spPr>
+          <a:xfrm>
+            <a:off x="1524000" y="3602038"/>
+            <a:ext cx="9144000" cy="1655762"/>
+          </a:xfrm>
+        </p:spPr>
+        <p:txBody>
+          <a:bodyPr/>
+          <a:lstStyle>
+            <a:lvl1pPr marL="0" indent="0" algn="ctr">
+              <a:buNone/>
+              <a:defRPr sz="2400"/>
+            </a:lvl1pPr>
+            <a:lvl2pPr marL="457200" indent="0" algn="ctr">
+              <a:buNone/>
+              <a:defRPr sz="2000"/>
+            </a:lvl2pPr>
+            <a:lvl3pPr marL="914400" indent="0" algn="ctr">
+              <a:buNone/>
+              <a:defRPr sz="1800"/>
+            </a:lvl3pPr>
+            <a:lvl4pPr marL="1371600" indent="0" algn="ctr">
+              <a:buNone/>
+              <a:defRPr sz="1600"/>
+            </a:lvl4pPr>
+            <a:lvl5pPr marL="1828800" indent="0" algn="ctr">
+              <a:buNone/>
+              <a:defRPr sz="1600"/>
+            </a:lvl5pPr>
+            <a:lvl6pPr marL="2286000" indent="0" algn="ctr">
+              <a:buNone/>
+              <a:defRPr sz="1600"/>
+            </a:lvl6pPr>
+            <a:lvl7pPr marL="2743200" indent="0" algn="ctr">
+              <a:buNone/>
+              <a:defRPr sz="1600"/>
+            </a:lvl7pPr>
+            <a:lvl8pPr marL="3200400" indent="0" algn="ctr">
+              <a:buNone/>
+              <a:defRPr sz="1600"/>
+            </a:lvl8pPr>
+            <a:lvl9pPr marL="3657600" indent="0" algn="ctr">
+              <a:buNone/>
+              <a:defRPr sz="1600"/>
+            </a:lvl9pPr>
+          </a:lstStyle>
+          <a:p>
+            <a:r>
+              <a:rPr lang="en-US" altLang="ja-JP"/>
+              <a:t>Click to edit Master subtitle style</a:t>
+            </a:r>
+            <a:endParaRPr lang="en-US" dirty="0"/>
+          </a:p>
+        </p:txBody>
+      </p:sp>
+      <p:sp>
+        <p:nvSpPr>
+          <p:cNvPr id="4" name="Date Placeholder 3"/>
+          <p:cNvSpPr>
+            <a:spLocks noGrp="1"/>
+          </p:cNvSpPr>
+          <p:nvPr>
+            <p:ph type="dt" sz="half" idx="10"/>
+          </p:nvPr>
+        </p:nvSpPr>
+        <p:spPr/>
+        <p:txBody>
+          <a:bodyPr/>
+          <a:lstStyle/>
+          <a:p>
+            <a:pPr defTabSz="914400"/>
+            <a:fld id="{F454B96A-5F35-574A-A751-ACD175E133BD}" type="datetimeFigureOut">
+              <a:rPr kumimoji="1" lang="ja-JP" altLang="en-US" smtClean="0">
+                <a:solidFill>
+                  <a:prstClr val="black">
+                    <a:tint val="75000"/>
+                  </a:prstClr>
+                </a:solidFill>
+              </a:rPr>
+              <a:pPr defTabSz="914400"/>
+              <a:t>2018/9/29</a:t>
+            </a:fld>
+            <a:endParaRPr kumimoji="1" lang="ja-JP" altLang="en-US">
+              <a:solidFill>
+                <a:prstClr val="black">
+                  <a:tint val="75000"/>
+                </a:prstClr>
+              </a:solidFill>
+            </a:endParaRPr>
+          </a:p>
+        </p:txBody>
+      </p:sp>
+      <p:sp>
+        <p:nvSpPr>
+          <p:cNvPr id="5" name="Footer Placeholder 4"/>
+          <p:cNvSpPr>
+            <a:spLocks noGrp="1"/>
+          </p:cNvSpPr>
+          <p:nvPr>
+            <p:ph type="ftr" sz="quarter" idx="11"/>
+          </p:nvPr>
+        </p:nvSpPr>
+        <p:spPr/>
+        <p:txBody>
+          <a:bodyPr/>
+          <a:lstStyle/>
+          <a:p>
+            <a:pPr defTabSz="914400"/>
+            <a:endParaRPr kumimoji="1" lang="ja-JP" altLang="en-US">
+              <a:solidFill>
+                <a:prstClr val="black">
+                  <a:tint val="75000"/>
+                </a:prstClr>
+              </a:solidFill>
+            </a:endParaRPr>
+          </a:p>
+        </p:txBody>
+      </p:sp>
+      <p:sp>
+        <p:nvSpPr>
+          <p:cNvPr id="6" name="Slide Number Placeholder 5"/>
+          <p:cNvSpPr>
+            <a:spLocks noGrp="1"/>
+          </p:cNvSpPr>
+          <p:nvPr>
+            <p:ph type="sldNum" sz="quarter" idx="12"/>
+          </p:nvPr>
+        </p:nvSpPr>
+        <p:spPr/>
+        <p:txBody>
+          <a:bodyPr/>
+          <a:lstStyle/>
+          <a:p>
+            <a:pPr defTabSz="914400"/>
+            <a:fld id="{8F60A6E3-D552-DB42-A58B-428B98F5A508}" type="slidenum">
+              <a:rPr kumimoji="1" lang="ja-JP" altLang="en-US" smtClean="0">
+                <a:solidFill>
+                  <a:prstClr val="black">
+                    <a:tint val="75000"/>
+                  </a:prstClr>
+                </a:solidFill>
+              </a:rPr>
+              <a:pPr defTabSz="914400"/>
+              <a:t>‹#›</a:t>
+            </a:fld>
+            <a:endParaRPr kumimoji="1" lang="ja-JP" altLang="en-US">
+              <a:solidFill>
+                <a:prstClr val="black">
+                  <a:tint val="75000"/>
+                </a:prstClr>
+              </a:solidFill>
+            </a:endParaRPr>
+          </a:p>
+        </p:txBody>
+      </p:sp>
+    </p:spTree>
+    <p:extLst>
+      <p:ext uri="{BB962C8B-B14F-4D97-AF65-F5344CB8AC3E}">
+        <p14:creationId xmlns:p14="http://schemas.microsoft.com/office/powerpoint/2010/main" val="758875426"/>
+      </p:ext>
+    </p:extLst>
+  </p:cSld>
+  <p:clrMapOvr>
+    <a:masterClrMapping/>
+  </p:clrMapOvr>
+</p:sldLayout>
+</file>
+
+<file path=ppt/slideLayouts/slideLayout18.xml><?xml version="1.0" encoding="utf-8"?>
+<p:sldLayout xmlns:a="http://schemas.openxmlformats.org/drawingml/2006/main" xmlns:r="http://schemas.openxmlformats.org/officeDocument/2006/relationships" xmlns:p="http://schemas.openxmlformats.org/presentationml/2006/main" type="obj" preserve="1">
+  <p:cSld name="Title and Content">
+    <p:spTree>
+      <p:nvGrpSpPr>
+        <p:cNvPr id="1" name=""/>
+        <p:cNvGrpSpPr/>
+        <p:nvPr/>
+      </p:nvGrpSpPr>
+      <p:grpSpPr>
+        <a:xfrm>
+          <a:off x="0" y="0"/>
+          <a:ext cx="0" cy="0"/>
+          <a:chOff x="0" y="0"/>
+          <a:chExt cx="0" cy="0"/>
+        </a:xfrm>
+      </p:grpSpPr>
+      <p:sp>
+        <p:nvSpPr>
+          <p:cNvPr id="2" name="Title 1"/>
+          <p:cNvSpPr>
+            <a:spLocks noGrp="1"/>
+          </p:cNvSpPr>
+          <p:nvPr>
+            <p:ph type="title"/>
+          </p:nvPr>
+        </p:nvSpPr>
+        <p:spPr/>
+        <p:txBody>
+          <a:bodyPr/>
+          <a:lstStyle/>
+          <a:p>
+            <a:r>
+              <a:rPr lang="en-US" altLang="ja-JP"/>
+              <a:t>Click to edit Master title style</a:t>
+            </a:r>
+            <a:endParaRPr lang="en-US" dirty="0"/>
+          </a:p>
+        </p:txBody>
+      </p:sp>
+      <p:sp>
+        <p:nvSpPr>
+          <p:cNvPr id="3" name="Content Placeholder 2"/>
+          <p:cNvSpPr>
+            <a:spLocks noGrp="1"/>
+          </p:cNvSpPr>
+          <p:nvPr>
+            <p:ph idx="1"/>
+          </p:nvPr>
+        </p:nvSpPr>
+        <p:spPr/>
+        <p:txBody>
+          <a:bodyPr/>
+          <a:lstStyle/>
+          <a:p>
+            <a:pPr lvl="0"/>
+            <a:r>
+              <a:rPr lang="en-US" altLang="ja-JP"/>
+              <a:t>Edit Master text styles</a:t>
+            </a:r>
+          </a:p>
+          <a:p>
+            <a:pPr lvl="1"/>
+            <a:r>
+              <a:rPr lang="en-US" altLang="ja-JP"/>
+              <a:t>Second level</a:t>
+            </a:r>
+          </a:p>
+          <a:p>
+            <a:pPr lvl="2"/>
+            <a:r>
+              <a:rPr lang="en-US" altLang="ja-JP"/>
+              <a:t>Third level</a:t>
+            </a:r>
+          </a:p>
+          <a:p>
+            <a:pPr lvl="3"/>
+            <a:r>
+              <a:rPr lang="en-US" altLang="ja-JP"/>
+              <a:t>Fourth level</a:t>
+            </a:r>
+          </a:p>
+          <a:p>
+            <a:pPr lvl="4"/>
+            <a:r>
+              <a:rPr lang="en-US" altLang="ja-JP"/>
+              <a:t>Fifth level</a:t>
+            </a:r>
+            <a:endParaRPr lang="en-US" dirty="0"/>
+          </a:p>
+        </p:txBody>
+      </p:sp>
+      <p:sp>
+        <p:nvSpPr>
+          <p:cNvPr id="4" name="Date Placeholder 3"/>
+          <p:cNvSpPr>
+            <a:spLocks noGrp="1"/>
+          </p:cNvSpPr>
+          <p:nvPr>
+            <p:ph type="dt" sz="half" idx="10"/>
+          </p:nvPr>
+        </p:nvSpPr>
+        <p:spPr/>
+        <p:txBody>
+          <a:bodyPr/>
+          <a:lstStyle/>
+          <a:p>
+            <a:pPr defTabSz="914400"/>
+            <a:fld id="{F454B96A-5F35-574A-A751-ACD175E133BD}" type="datetimeFigureOut">
+              <a:rPr kumimoji="1" lang="ja-JP" altLang="en-US" smtClean="0">
+                <a:solidFill>
+                  <a:prstClr val="black">
+                    <a:tint val="75000"/>
+                  </a:prstClr>
+                </a:solidFill>
+              </a:rPr>
+              <a:pPr defTabSz="914400"/>
+              <a:t>2018/9/29</a:t>
+            </a:fld>
+            <a:endParaRPr kumimoji="1" lang="ja-JP" altLang="en-US">
+              <a:solidFill>
+                <a:prstClr val="black">
+                  <a:tint val="75000"/>
+                </a:prstClr>
+              </a:solidFill>
+            </a:endParaRPr>
+          </a:p>
+        </p:txBody>
+      </p:sp>
+      <p:sp>
+        <p:nvSpPr>
+          <p:cNvPr id="5" name="Footer Placeholder 4"/>
+          <p:cNvSpPr>
+            <a:spLocks noGrp="1"/>
+          </p:cNvSpPr>
+          <p:nvPr>
+            <p:ph type="ftr" sz="quarter" idx="11"/>
+          </p:nvPr>
+        </p:nvSpPr>
+        <p:spPr/>
+        <p:txBody>
+          <a:bodyPr/>
+          <a:lstStyle/>
+          <a:p>
+            <a:pPr defTabSz="914400"/>
+            <a:endParaRPr kumimoji="1" lang="ja-JP" altLang="en-US">
+              <a:solidFill>
+                <a:prstClr val="black">
+                  <a:tint val="75000"/>
+                </a:prstClr>
+              </a:solidFill>
+            </a:endParaRPr>
+          </a:p>
+        </p:txBody>
+      </p:sp>
+      <p:sp>
+        <p:nvSpPr>
+          <p:cNvPr id="6" name="Slide Number Placeholder 5"/>
+          <p:cNvSpPr>
+            <a:spLocks noGrp="1"/>
+          </p:cNvSpPr>
+          <p:nvPr>
+            <p:ph type="sldNum" sz="quarter" idx="12"/>
+          </p:nvPr>
+        </p:nvSpPr>
+        <p:spPr/>
+        <p:txBody>
+          <a:bodyPr/>
+          <a:lstStyle/>
+          <a:p>
+            <a:pPr defTabSz="914400"/>
+            <a:fld id="{8F60A6E3-D552-DB42-A58B-428B98F5A508}" type="slidenum">
+              <a:rPr kumimoji="1" lang="ja-JP" altLang="en-US" smtClean="0">
+                <a:solidFill>
+                  <a:prstClr val="black">
+                    <a:tint val="75000"/>
+                  </a:prstClr>
+                </a:solidFill>
+              </a:rPr>
+              <a:pPr defTabSz="914400"/>
+              <a:t>‹#›</a:t>
+            </a:fld>
+            <a:endParaRPr kumimoji="1" lang="ja-JP" altLang="en-US">
+              <a:solidFill>
+                <a:prstClr val="black">
+                  <a:tint val="75000"/>
+                </a:prstClr>
+              </a:solidFill>
+            </a:endParaRPr>
+          </a:p>
+        </p:txBody>
+      </p:sp>
+    </p:spTree>
+    <p:extLst>
+      <p:ext uri="{BB962C8B-B14F-4D97-AF65-F5344CB8AC3E}">
+        <p14:creationId xmlns:p14="http://schemas.microsoft.com/office/powerpoint/2010/main" val="1181218439"/>
+      </p:ext>
+    </p:extLst>
+  </p:cSld>
+  <p:clrMapOvr>
+    <a:masterClrMapping/>
+  </p:clrMapOvr>
+</p:sldLayout>
+</file>
+
+<file path=ppt/slideLayouts/slideLayout19.xml><?xml version="1.0" encoding="utf-8"?>
+<p:sldLayout xmlns:a="http://schemas.openxmlformats.org/drawingml/2006/main" xmlns:r="http://schemas.openxmlformats.org/officeDocument/2006/relationships" xmlns:p="http://schemas.openxmlformats.org/presentationml/2006/main" type="secHead" preserve="1">
+  <p:cSld name="Section Header">
+    <p:spTree>
+      <p:nvGrpSpPr>
+        <p:cNvPr id="1" name=""/>
+        <p:cNvGrpSpPr/>
+        <p:nvPr/>
+      </p:nvGrpSpPr>
+      <p:grpSpPr>
+        <a:xfrm>
+          <a:off x="0" y="0"/>
+          <a:ext cx="0" cy="0"/>
+          <a:chOff x="0" y="0"/>
+          <a:chExt cx="0" cy="0"/>
+        </a:xfrm>
+      </p:grpSpPr>
+      <p:sp>
+        <p:nvSpPr>
+          <p:cNvPr id="2" name="Title 1"/>
+          <p:cNvSpPr>
+            <a:spLocks noGrp="1"/>
+          </p:cNvSpPr>
+          <p:nvPr>
+            <p:ph type="title"/>
+          </p:nvPr>
+        </p:nvSpPr>
+        <p:spPr>
+          <a:xfrm>
+            <a:off x="831852" y="1709741"/>
+            <a:ext cx="10515600" cy="2852737"/>
+          </a:xfrm>
+        </p:spPr>
+        <p:txBody>
+          <a:bodyPr anchor="b"/>
+          <a:lstStyle>
+            <a:lvl1pPr>
+              <a:defRPr sz="6000"/>
+            </a:lvl1pPr>
+          </a:lstStyle>
+          <a:p>
+            <a:r>
+              <a:rPr lang="en-US" altLang="ja-JP"/>
+              <a:t>Click to edit Master title style</a:t>
+            </a:r>
+            <a:endParaRPr lang="en-US" dirty="0"/>
+          </a:p>
+        </p:txBody>
+      </p:sp>
+      <p:sp>
+        <p:nvSpPr>
+          <p:cNvPr id="3" name="Text Placeholder 2"/>
+          <p:cNvSpPr>
+            <a:spLocks noGrp="1"/>
+          </p:cNvSpPr>
+          <p:nvPr>
+            <p:ph type="body" idx="1"/>
+          </p:nvPr>
+        </p:nvSpPr>
+        <p:spPr>
+          <a:xfrm>
+            <a:off x="831852" y="4589466"/>
+            <a:ext cx="10515600" cy="1500187"/>
+          </a:xfrm>
+        </p:spPr>
+        <p:txBody>
+          <a:bodyPr/>
+          <a:lstStyle>
+            <a:lvl1pPr marL="0" indent="0">
+              <a:buNone/>
+              <a:defRPr sz="2400">
+                <a:solidFill>
+                  <a:schemeClr val="tx1"/>
+                </a:solidFill>
+              </a:defRPr>
+            </a:lvl1pPr>
+            <a:lvl2pPr marL="457200" indent="0">
+              <a:buNone/>
+              <a:defRPr sz="2000">
+                <a:solidFill>
+                  <a:schemeClr val="tx1">
+                    <a:tint val="75000"/>
+                  </a:schemeClr>
+                </a:solidFill>
+              </a:defRPr>
+            </a:lvl2pPr>
+            <a:lvl3pPr marL="914400" indent="0">
+              <a:buNone/>
+              <a:defRPr sz="1800">
+                <a:solidFill>
+                  <a:schemeClr val="tx1">
+                    <a:tint val="75000"/>
+                  </a:schemeClr>
+                </a:solidFill>
+              </a:defRPr>
+            </a:lvl3pPr>
+            <a:lvl4pPr marL="1371600" indent="0">
+              <a:buNone/>
+              <a:defRPr sz="1600">
+                <a:solidFill>
+                  <a:schemeClr val="tx1">
+                    <a:tint val="75000"/>
+                  </a:schemeClr>
+                </a:solidFill>
+              </a:defRPr>
+            </a:lvl4pPr>
+            <a:lvl5pPr marL="1828800" indent="0">
+              <a:buNone/>
+              <a:defRPr sz="1600">
+                <a:solidFill>
+                  <a:schemeClr val="tx1">
+                    <a:tint val="75000"/>
+                  </a:schemeClr>
+                </a:solidFill>
+              </a:defRPr>
+            </a:lvl5pPr>
+            <a:lvl6pPr marL="2286000" indent="0">
+              <a:buNone/>
+              <a:defRPr sz="1600">
+                <a:solidFill>
+                  <a:schemeClr val="tx1">
+                    <a:tint val="75000"/>
+                  </a:schemeClr>
+                </a:solidFill>
+              </a:defRPr>
+            </a:lvl6pPr>
+            <a:lvl7pPr marL="2743200" indent="0">
+              <a:buNone/>
+              <a:defRPr sz="1600">
+                <a:solidFill>
+                  <a:schemeClr val="tx1">
+                    <a:tint val="75000"/>
+                  </a:schemeClr>
+                </a:solidFill>
+              </a:defRPr>
+            </a:lvl7pPr>
+            <a:lvl8pPr marL="3200400" indent="0">
+              <a:buNone/>
+              <a:defRPr sz="1600">
+                <a:solidFill>
+                  <a:schemeClr val="tx1">
+                    <a:tint val="75000"/>
+                  </a:schemeClr>
+                </a:solidFill>
+              </a:defRPr>
+            </a:lvl8pPr>
+            <a:lvl9pPr marL="3657600" indent="0">
+              <a:buNone/>
+              <a:defRPr sz="1600">
+                <a:solidFill>
+                  <a:schemeClr val="tx1">
+                    <a:tint val="75000"/>
+                  </a:schemeClr>
+                </a:solidFill>
+              </a:defRPr>
+            </a:lvl9pPr>
+          </a:lstStyle>
+          <a:p>
+            <a:pPr lvl="0"/>
+            <a:r>
+              <a:rPr lang="en-US" altLang="ja-JP"/>
+              <a:t>Edit Master text styles</a:t>
+            </a:r>
+          </a:p>
+        </p:txBody>
+      </p:sp>
+      <p:sp>
+        <p:nvSpPr>
+          <p:cNvPr id="4" name="Date Placeholder 3"/>
+          <p:cNvSpPr>
+            <a:spLocks noGrp="1"/>
+          </p:cNvSpPr>
+          <p:nvPr>
+            <p:ph type="dt" sz="half" idx="10"/>
+          </p:nvPr>
+        </p:nvSpPr>
+        <p:spPr/>
+        <p:txBody>
+          <a:bodyPr/>
+          <a:lstStyle/>
+          <a:p>
+            <a:pPr defTabSz="914400"/>
+            <a:fld id="{F454B96A-5F35-574A-A751-ACD175E133BD}" type="datetimeFigureOut">
+              <a:rPr kumimoji="1" lang="ja-JP" altLang="en-US" smtClean="0">
+                <a:solidFill>
+                  <a:prstClr val="black">
+                    <a:tint val="75000"/>
+                  </a:prstClr>
+                </a:solidFill>
+              </a:rPr>
+              <a:pPr defTabSz="914400"/>
+              <a:t>2018/9/29</a:t>
+            </a:fld>
+            <a:endParaRPr kumimoji="1" lang="ja-JP" altLang="en-US">
+              <a:solidFill>
+                <a:prstClr val="black">
+                  <a:tint val="75000"/>
+                </a:prstClr>
+              </a:solidFill>
+            </a:endParaRPr>
+          </a:p>
+        </p:txBody>
+      </p:sp>
+      <p:sp>
+        <p:nvSpPr>
+          <p:cNvPr id="5" name="Footer Placeholder 4"/>
+          <p:cNvSpPr>
+            <a:spLocks noGrp="1"/>
+          </p:cNvSpPr>
+          <p:nvPr>
+            <p:ph type="ftr" sz="quarter" idx="11"/>
+          </p:nvPr>
+        </p:nvSpPr>
+        <p:spPr/>
+        <p:txBody>
+          <a:bodyPr/>
+          <a:lstStyle/>
+          <a:p>
+            <a:pPr defTabSz="914400"/>
+            <a:endParaRPr kumimoji="1" lang="ja-JP" altLang="en-US">
+              <a:solidFill>
+                <a:prstClr val="black">
+                  <a:tint val="75000"/>
+                </a:prstClr>
+              </a:solidFill>
+            </a:endParaRPr>
+          </a:p>
+        </p:txBody>
+      </p:sp>
+      <p:sp>
+        <p:nvSpPr>
+          <p:cNvPr id="6" name="Slide Number Placeholder 5"/>
+          <p:cNvSpPr>
+            <a:spLocks noGrp="1"/>
+          </p:cNvSpPr>
+          <p:nvPr>
+            <p:ph type="sldNum" sz="quarter" idx="12"/>
+          </p:nvPr>
+        </p:nvSpPr>
+        <p:spPr/>
+        <p:txBody>
+          <a:bodyPr/>
+          <a:lstStyle/>
+          <a:p>
+            <a:pPr defTabSz="914400"/>
+            <a:fld id="{8F60A6E3-D552-DB42-A58B-428B98F5A508}" type="slidenum">
+              <a:rPr kumimoji="1" lang="ja-JP" altLang="en-US" smtClean="0">
+                <a:solidFill>
+                  <a:prstClr val="black">
+                    <a:tint val="75000"/>
+                  </a:prstClr>
+                </a:solidFill>
+              </a:rPr>
+              <a:pPr defTabSz="914400"/>
+              <a:t>‹#›</a:t>
+            </a:fld>
+            <a:endParaRPr kumimoji="1" lang="ja-JP" altLang="en-US">
+              <a:solidFill>
+                <a:prstClr val="black">
+                  <a:tint val="75000"/>
+                </a:prstClr>
+              </a:solidFill>
+            </a:endParaRPr>
+          </a:p>
+        </p:txBody>
+      </p:sp>
+    </p:spTree>
+    <p:extLst>
+      <p:ext uri="{BB962C8B-B14F-4D97-AF65-F5344CB8AC3E}">
+        <p14:creationId xmlns:p14="http://schemas.microsoft.com/office/powerpoint/2010/main" val="3496041283"/>
+      </p:ext>
+    </p:extLst>
+  </p:cSld>
+  <p:clrMapOvr>
+    <a:masterClrMapping/>
+  </p:clrMapOvr>
+</p:sldLayout>
+</file>
+
 <file path=ppt/slideLayouts/slideLayout2.xml><?xml version="1.0" encoding="utf-8"?>
 <p:sldLayout xmlns:a="http://schemas.openxmlformats.org/drawingml/2006/main" xmlns:r="http://schemas.openxmlformats.org/officeDocument/2006/relationships" xmlns:p="http://schemas.openxmlformats.org/presentationml/2006/main" type="obj" preserve="1">
   <p:cSld name="タイトルとコンテンツ">
@@ -3099,6 +3812,1982 @@
         </p:txBody>
       </p:sp>
     </p:spTree>
+  </p:cSld>
+  <p:clrMapOvr>
+    <a:masterClrMapping/>
+  </p:clrMapOvr>
+</p:sldLayout>
+</file>
+
+<file path=ppt/slideLayouts/slideLayout20.xml><?xml version="1.0" encoding="utf-8"?>
+<p:sldLayout xmlns:a="http://schemas.openxmlformats.org/drawingml/2006/main" xmlns:r="http://schemas.openxmlformats.org/officeDocument/2006/relationships" xmlns:p="http://schemas.openxmlformats.org/presentationml/2006/main" type="twoObj" preserve="1">
+  <p:cSld name="Two Content">
+    <p:spTree>
+      <p:nvGrpSpPr>
+        <p:cNvPr id="1" name=""/>
+        <p:cNvGrpSpPr/>
+        <p:nvPr/>
+      </p:nvGrpSpPr>
+      <p:grpSpPr>
+        <a:xfrm>
+          <a:off x="0" y="0"/>
+          <a:ext cx="0" cy="0"/>
+          <a:chOff x="0" y="0"/>
+          <a:chExt cx="0" cy="0"/>
+        </a:xfrm>
+      </p:grpSpPr>
+      <p:sp>
+        <p:nvSpPr>
+          <p:cNvPr id="2" name="Title 1"/>
+          <p:cNvSpPr>
+            <a:spLocks noGrp="1"/>
+          </p:cNvSpPr>
+          <p:nvPr>
+            <p:ph type="title"/>
+          </p:nvPr>
+        </p:nvSpPr>
+        <p:spPr/>
+        <p:txBody>
+          <a:bodyPr/>
+          <a:lstStyle/>
+          <a:p>
+            <a:r>
+              <a:rPr lang="en-US" altLang="ja-JP"/>
+              <a:t>Click to edit Master title style</a:t>
+            </a:r>
+            <a:endParaRPr lang="en-US" dirty="0"/>
+          </a:p>
+        </p:txBody>
+      </p:sp>
+      <p:sp>
+        <p:nvSpPr>
+          <p:cNvPr id="3" name="Content Placeholder 2"/>
+          <p:cNvSpPr>
+            <a:spLocks noGrp="1"/>
+          </p:cNvSpPr>
+          <p:nvPr>
+            <p:ph sz="half" idx="1"/>
+          </p:nvPr>
+        </p:nvSpPr>
+        <p:spPr>
+          <a:xfrm>
+            <a:off x="838201" y="1825625"/>
+            <a:ext cx="5181600" cy="4351338"/>
+          </a:xfrm>
+        </p:spPr>
+        <p:txBody>
+          <a:bodyPr/>
+          <a:lstStyle/>
+          <a:p>
+            <a:pPr lvl="0"/>
+            <a:r>
+              <a:rPr lang="en-US" altLang="ja-JP"/>
+              <a:t>Edit Master text styles</a:t>
+            </a:r>
+          </a:p>
+          <a:p>
+            <a:pPr lvl="1"/>
+            <a:r>
+              <a:rPr lang="en-US" altLang="ja-JP"/>
+              <a:t>Second level</a:t>
+            </a:r>
+          </a:p>
+          <a:p>
+            <a:pPr lvl="2"/>
+            <a:r>
+              <a:rPr lang="en-US" altLang="ja-JP"/>
+              <a:t>Third level</a:t>
+            </a:r>
+          </a:p>
+          <a:p>
+            <a:pPr lvl="3"/>
+            <a:r>
+              <a:rPr lang="en-US" altLang="ja-JP"/>
+              <a:t>Fourth level</a:t>
+            </a:r>
+          </a:p>
+          <a:p>
+            <a:pPr lvl="4"/>
+            <a:r>
+              <a:rPr lang="en-US" altLang="ja-JP"/>
+              <a:t>Fifth level</a:t>
+            </a:r>
+            <a:endParaRPr lang="en-US" dirty="0"/>
+          </a:p>
+        </p:txBody>
+      </p:sp>
+      <p:sp>
+        <p:nvSpPr>
+          <p:cNvPr id="4" name="Content Placeholder 3"/>
+          <p:cNvSpPr>
+            <a:spLocks noGrp="1"/>
+          </p:cNvSpPr>
+          <p:nvPr>
+            <p:ph sz="half" idx="2"/>
+          </p:nvPr>
+        </p:nvSpPr>
+        <p:spPr>
+          <a:xfrm>
+            <a:off x="6172201" y="1825625"/>
+            <a:ext cx="5181600" cy="4351338"/>
+          </a:xfrm>
+        </p:spPr>
+        <p:txBody>
+          <a:bodyPr/>
+          <a:lstStyle/>
+          <a:p>
+            <a:pPr lvl="0"/>
+            <a:r>
+              <a:rPr lang="en-US" altLang="ja-JP"/>
+              <a:t>Edit Master text styles</a:t>
+            </a:r>
+          </a:p>
+          <a:p>
+            <a:pPr lvl="1"/>
+            <a:r>
+              <a:rPr lang="en-US" altLang="ja-JP"/>
+              <a:t>Second level</a:t>
+            </a:r>
+          </a:p>
+          <a:p>
+            <a:pPr lvl="2"/>
+            <a:r>
+              <a:rPr lang="en-US" altLang="ja-JP"/>
+              <a:t>Third level</a:t>
+            </a:r>
+          </a:p>
+          <a:p>
+            <a:pPr lvl="3"/>
+            <a:r>
+              <a:rPr lang="en-US" altLang="ja-JP"/>
+              <a:t>Fourth level</a:t>
+            </a:r>
+          </a:p>
+          <a:p>
+            <a:pPr lvl="4"/>
+            <a:r>
+              <a:rPr lang="en-US" altLang="ja-JP"/>
+              <a:t>Fifth level</a:t>
+            </a:r>
+            <a:endParaRPr lang="en-US" dirty="0"/>
+          </a:p>
+        </p:txBody>
+      </p:sp>
+      <p:sp>
+        <p:nvSpPr>
+          <p:cNvPr id="5" name="Date Placeholder 4"/>
+          <p:cNvSpPr>
+            <a:spLocks noGrp="1"/>
+          </p:cNvSpPr>
+          <p:nvPr>
+            <p:ph type="dt" sz="half" idx="10"/>
+          </p:nvPr>
+        </p:nvSpPr>
+        <p:spPr/>
+        <p:txBody>
+          <a:bodyPr/>
+          <a:lstStyle/>
+          <a:p>
+            <a:pPr defTabSz="914400"/>
+            <a:fld id="{F454B96A-5F35-574A-A751-ACD175E133BD}" type="datetimeFigureOut">
+              <a:rPr kumimoji="1" lang="ja-JP" altLang="en-US" smtClean="0">
+                <a:solidFill>
+                  <a:prstClr val="black">
+                    <a:tint val="75000"/>
+                  </a:prstClr>
+                </a:solidFill>
+              </a:rPr>
+              <a:pPr defTabSz="914400"/>
+              <a:t>2018/9/29</a:t>
+            </a:fld>
+            <a:endParaRPr kumimoji="1" lang="ja-JP" altLang="en-US">
+              <a:solidFill>
+                <a:prstClr val="black">
+                  <a:tint val="75000"/>
+                </a:prstClr>
+              </a:solidFill>
+            </a:endParaRPr>
+          </a:p>
+        </p:txBody>
+      </p:sp>
+      <p:sp>
+        <p:nvSpPr>
+          <p:cNvPr id="6" name="Footer Placeholder 5"/>
+          <p:cNvSpPr>
+            <a:spLocks noGrp="1"/>
+          </p:cNvSpPr>
+          <p:nvPr>
+            <p:ph type="ftr" sz="quarter" idx="11"/>
+          </p:nvPr>
+        </p:nvSpPr>
+        <p:spPr/>
+        <p:txBody>
+          <a:bodyPr/>
+          <a:lstStyle/>
+          <a:p>
+            <a:pPr defTabSz="914400"/>
+            <a:endParaRPr kumimoji="1" lang="ja-JP" altLang="en-US">
+              <a:solidFill>
+                <a:prstClr val="black">
+                  <a:tint val="75000"/>
+                </a:prstClr>
+              </a:solidFill>
+            </a:endParaRPr>
+          </a:p>
+        </p:txBody>
+      </p:sp>
+      <p:sp>
+        <p:nvSpPr>
+          <p:cNvPr id="7" name="Slide Number Placeholder 6"/>
+          <p:cNvSpPr>
+            <a:spLocks noGrp="1"/>
+          </p:cNvSpPr>
+          <p:nvPr>
+            <p:ph type="sldNum" sz="quarter" idx="12"/>
+          </p:nvPr>
+        </p:nvSpPr>
+        <p:spPr/>
+        <p:txBody>
+          <a:bodyPr/>
+          <a:lstStyle/>
+          <a:p>
+            <a:pPr defTabSz="914400"/>
+            <a:fld id="{8F60A6E3-D552-DB42-A58B-428B98F5A508}" type="slidenum">
+              <a:rPr kumimoji="1" lang="ja-JP" altLang="en-US" smtClean="0">
+                <a:solidFill>
+                  <a:prstClr val="black">
+                    <a:tint val="75000"/>
+                  </a:prstClr>
+                </a:solidFill>
+              </a:rPr>
+              <a:pPr defTabSz="914400"/>
+              <a:t>‹#›</a:t>
+            </a:fld>
+            <a:endParaRPr kumimoji="1" lang="ja-JP" altLang="en-US">
+              <a:solidFill>
+                <a:prstClr val="black">
+                  <a:tint val="75000"/>
+                </a:prstClr>
+              </a:solidFill>
+            </a:endParaRPr>
+          </a:p>
+        </p:txBody>
+      </p:sp>
+    </p:spTree>
+    <p:extLst>
+      <p:ext uri="{BB962C8B-B14F-4D97-AF65-F5344CB8AC3E}">
+        <p14:creationId xmlns:p14="http://schemas.microsoft.com/office/powerpoint/2010/main" val="129857009"/>
+      </p:ext>
+    </p:extLst>
+  </p:cSld>
+  <p:clrMapOvr>
+    <a:masterClrMapping/>
+  </p:clrMapOvr>
+</p:sldLayout>
+</file>
+
+<file path=ppt/slideLayouts/slideLayout21.xml><?xml version="1.0" encoding="utf-8"?>
+<p:sldLayout xmlns:a="http://schemas.openxmlformats.org/drawingml/2006/main" xmlns:r="http://schemas.openxmlformats.org/officeDocument/2006/relationships" xmlns:p="http://schemas.openxmlformats.org/presentationml/2006/main" type="twoTxTwoObj" preserve="1">
+  <p:cSld name="Comparison">
+    <p:spTree>
+      <p:nvGrpSpPr>
+        <p:cNvPr id="1" name=""/>
+        <p:cNvGrpSpPr/>
+        <p:nvPr/>
+      </p:nvGrpSpPr>
+      <p:grpSpPr>
+        <a:xfrm>
+          <a:off x="0" y="0"/>
+          <a:ext cx="0" cy="0"/>
+          <a:chOff x="0" y="0"/>
+          <a:chExt cx="0" cy="0"/>
+        </a:xfrm>
+      </p:grpSpPr>
+      <p:sp>
+        <p:nvSpPr>
+          <p:cNvPr id="2" name="Title 1"/>
+          <p:cNvSpPr>
+            <a:spLocks noGrp="1"/>
+          </p:cNvSpPr>
+          <p:nvPr>
+            <p:ph type="title"/>
+          </p:nvPr>
+        </p:nvSpPr>
+        <p:spPr>
+          <a:xfrm>
+            <a:off x="839789" y="365128"/>
+            <a:ext cx="10515600" cy="1325563"/>
+          </a:xfrm>
+        </p:spPr>
+        <p:txBody>
+          <a:bodyPr/>
+          <a:lstStyle/>
+          <a:p>
+            <a:r>
+              <a:rPr lang="en-US" altLang="ja-JP"/>
+              <a:t>Click to edit Master title style</a:t>
+            </a:r>
+            <a:endParaRPr lang="en-US" dirty="0"/>
+          </a:p>
+        </p:txBody>
+      </p:sp>
+      <p:sp>
+        <p:nvSpPr>
+          <p:cNvPr id="3" name="Text Placeholder 2"/>
+          <p:cNvSpPr>
+            <a:spLocks noGrp="1"/>
+          </p:cNvSpPr>
+          <p:nvPr>
+            <p:ph type="body" idx="1"/>
+          </p:nvPr>
+        </p:nvSpPr>
+        <p:spPr>
+          <a:xfrm>
+            <a:off x="839790" y="1681163"/>
+            <a:ext cx="5157787" cy="823912"/>
+          </a:xfrm>
+        </p:spPr>
+        <p:txBody>
+          <a:bodyPr anchor="b"/>
+          <a:lstStyle>
+            <a:lvl1pPr marL="0" indent="0">
+              <a:buNone/>
+              <a:defRPr sz="2400" b="1"/>
+            </a:lvl1pPr>
+            <a:lvl2pPr marL="457200" indent="0">
+              <a:buNone/>
+              <a:defRPr sz="2000" b="1"/>
+            </a:lvl2pPr>
+            <a:lvl3pPr marL="914400" indent="0">
+              <a:buNone/>
+              <a:defRPr sz="1800" b="1"/>
+            </a:lvl3pPr>
+            <a:lvl4pPr marL="1371600" indent="0">
+              <a:buNone/>
+              <a:defRPr sz="1600" b="1"/>
+            </a:lvl4pPr>
+            <a:lvl5pPr marL="1828800" indent="0">
+              <a:buNone/>
+              <a:defRPr sz="1600" b="1"/>
+            </a:lvl5pPr>
+            <a:lvl6pPr marL="2286000" indent="0">
+              <a:buNone/>
+              <a:defRPr sz="1600" b="1"/>
+            </a:lvl6pPr>
+            <a:lvl7pPr marL="2743200" indent="0">
+              <a:buNone/>
+              <a:defRPr sz="1600" b="1"/>
+            </a:lvl7pPr>
+            <a:lvl8pPr marL="3200400" indent="0">
+              <a:buNone/>
+              <a:defRPr sz="1600" b="1"/>
+            </a:lvl8pPr>
+            <a:lvl9pPr marL="3657600" indent="0">
+              <a:buNone/>
+              <a:defRPr sz="1600" b="1"/>
+            </a:lvl9pPr>
+          </a:lstStyle>
+          <a:p>
+            <a:pPr lvl="0"/>
+            <a:r>
+              <a:rPr lang="en-US" altLang="ja-JP"/>
+              <a:t>Edit Master text styles</a:t>
+            </a:r>
+          </a:p>
+        </p:txBody>
+      </p:sp>
+      <p:sp>
+        <p:nvSpPr>
+          <p:cNvPr id="4" name="Content Placeholder 3"/>
+          <p:cNvSpPr>
+            <a:spLocks noGrp="1"/>
+          </p:cNvSpPr>
+          <p:nvPr>
+            <p:ph sz="half" idx="2"/>
+          </p:nvPr>
+        </p:nvSpPr>
+        <p:spPr>
+          <a:xfrm>
+            <a:off x="839790" y="2505075"/>
+            <a:ext cx="5157787" cy="3684588"/>
+          </a:xfrm>
+        </p:spPr>
+        <p:txBody>
+          <a:bodyPr/>
+          <a:lstStyle/>
+          <a:p>
+            <a:pPr lvl="0"/>
+            <a:r>
+              <a:rPr lang="en-US" altLang="ja-JP"/>
+              <a:t>Edit Master text styles</a:t>
+            </a:r>
+          </a:p>
+          <a:p>
+            <a:pPr lvl="1"/>
+            <a:r>
+              <a:rPr lang="en-US" altLang="ja-JP"/>
+              <a:t>Second level</a:t>
+            </a:r>
+          </a:p>
+          <a:p>
+            <a:pPr lvl="2"/>
+            <a:r>
+              <a:rPr lang="en-US" altLang="ja-JP"/>
+              <a:t>Third level</a:t>
+            </a:r>
+          </a:p>
+          <a:p>
+            <a:pPr lvl="3"/>
+            <a:r>
+              <a:rPr lang="en-US" altLang="ja-JP"/>
+              <a:t>Fourth level</a:t>
+            </a:r>
+          </a:p>
+          <a:p>
+            <a:pPr lvl="4"/>
+            <a:r>
+              <a:rPr lang="en-US" altLang="ja-JP"/>
+              <a:t>Fifth level</a:t>
+            </a:r>
+            <a:endParaRPr lang="en-US" dirty="0"/>
+          </a:p>
+        </p:txBody>
+      </p:sp>
+      <p:sp>
+        <p:nvSpPr>
+          <p:cNvPr id="5" name="Text Placeholder 4"/>
+          <p:cNvSpPr>
+            <a:spLocks noGrp="1"/>
+          </p:cNvSpPr>
+          <p:nvPr>
+            <p:ph type="body" sz="quarter" idx="3"/>
+          </p:nvPr>
+        </p:nvSpPr>
+        <p:spPr>
+          <a:xfrm>
+            <a:off x="6172200" y="1681163"/>
+            <a:ext cx="5183188" cy="823912"/>
+          </a:xfrm>
+        </p:spPr>
+        <p:txBody>
+          <a:bodyPr anchor="b"/>
+          <a:lstStyle>
+            <a:lvl1pPr marL="0" indent="0">
+              <a:buNone/>
+              <a:defRPr sz="2400" b="1"/>
+            </a:lvl1pPr>
+            <a:lvl2pPr marL="457200" indent="0">
+              <a:buNone/>
+              <a:defRPr sz="2000" b="1"/>
+            </a:lvl2pPr>
+            <a:lvl3pPr marL="914400" indent="0">
+              <a:buNone/>
+              <a:defRPr sz="1800" b="1"/>
+            </a:lvl3pPr>
+            <a:lvl4pPr marL="1371600" indent="0">
+              <a:buNone/>
+              <a:defRPr sz="1600" b="1"/>
+            </a:lvl4pPr>
+            <a:lvl5pPr marL="1828800" indent="0">
+              <a:buNone/>
+              <a:defRPr sz="1600" b="1"/>
+            </a:lvl5pPr>
+            <a:lvl6pPr marL="2286000" indent="0">
+              <a:buNone/>
+              <a:defRPr sz="1600" b="1"/>
+            </a:lvl6pPr>
+            <a:lvl7pPr marL="2743200" indent="0">
+              <a:buNone/>
+              <a:defRPr sz="1600" b="1"/>
+            </a:lvl7pPr>
+            <a:lvl8pPr marL="3200400" indent="0">
+              <a:buNone/>
+              <a:defRPr sz="1600" b="1"/>
+            </a:lvl8pPr>
+            <a:lvl9pPr marL="3657600" indent="0">
+              <a:buNone/>
+              <a:defRPr sz="1600" b="1"/>
+            </a:lvl9pPr>
+          </a:lstStyle>
+          <a:p>
+            <a:pPr lvl="0"/>
+            <a:r>
+              <a:rPr lang="en-US" altLang="ja-JP"/>
+              <a:t>Edit Master text styles</a:t>
+            </a:r>
+          </a:p>
+        </p:txBody>
+      </p:sp>
+      <p:sp>
+        <p:nvSpPr>
+          <p:cNvPr id="6" name="Content Placeholder 5"/>
+          <p:cNvSpPr>
+            <a:spLocks noGrp="1"/>
+          </p:cNvSpPr>
+          <p:nvPr>
+            <p:ph sz="quarter" idx="4"/>
+          </p:nvPr>
+        </p:nvSpPr>
+        <p:spPr>
+          <a:xfrm>
+            <a:off x="6172200" y="2505075"/>
+            <a:ext cx="5183188" cy="3684588"/>
+          </a:xfrm>
+        </p:spPr>
+        <p:txBody>
+          <a:bodyPr/>
+          <a:lstStyle/>
+          <a:p>
+            <a:pPr lvl="0"/>
+            <a:r>
+              <a:rPr lang="en-US" altLang="ja-JP"/>
+              <a:t>Edit Master text styles</a:t>
+            </a:r>
+          </a:p>
+          <a:p>
+            <a:pPr lvl="1"/>
+            <a:r>
+              <a:rPr lang="en-US" altLang="ja-JP"/>
+              <a:t>Second level</a:t>
+            </a:r>
+          </a:p>
+          <a:p>
+            <a:pPr lvl="2"/>
+            <a:r>
+              <a:rPr lang="en-US" altLang="ja-JP"/>
+              <a:t>Third level</a:t>
+            </a:r>
+          </a:p>
+          <a:p>
+            <a:pPr lvl="3"/>
+            <a:r>
+              <a:rPr lang="en-US" altLang="ja-JP"/>
+              <a:t>Fourth level</a:t>
+            </a:r>
+          </a:p>
+          <a:p>
+            <a:pPr lvl="4"/>
+            <a:r>
+              <a:rPr lang="en-US" altLang="ja-JP"/>
+              <a:t>Fifth level</a:t>
+            </a:r>
+            <a:endParaRPr lang="en-US" dirty="0"/>
+          </a:p>
+        </p:txBody>
+      </p:sp>
+      <p:sp>
+        <p:nvSpPr>
+          <p:cNvPr id="7" name="Date Placeholder 6"/>
+          <p:cNvSpPr>
+            <a:spLocks noGrp="1"/>
+          </p:cNvSpPr>
+          <p:nvPr>
+            <p:ph type="dt" sz="half" idx="10"/>
+          </p:nvPr>
+        </p:nvSpPr>
+        <p:spPr/>
+        <p:txBody>
+          <a:bodyPr/>
+          <a:lstStyle/>
+          <a:p>
+            <a:pPr defTabSz="914400"/>
+            <a:fld id="{F454B96A-5F35-574A-A751-ACD175E133BD}" type="datetimeFigureOut">
+              <a:rPr kumimoji="1" lang="ja-JP" altLang="en-US" smtClean="0">
+                <a:solidFill>
+                  <a:prstClr val="black">
+                    <a:tint val="75000"/>
+                  </a:prstClr>
+                </a:solidFill>
+              </a:rPr>
+              <a:pPr defTabSz="914400"/>
+              <a:t>2018/9/29</a:t>
+            </a:fld>
+            <a:endParaRPr kumimoji="1" lang="ja-JP" altLang="en-US">
+              <a:solidFill>
+                <a:prstClr val="black">
+                  <a:tint val="75000"/>
+                </a:prstClr>
+              </a:solidFill>
+            </a:endParaRPr>
+          </a:p>
+        </p:txBody>
+      </p:sp>
+      <p:sp>
+        <p:nvSpPr>
+          <p:cNvPr id="8" name="Footer Placeholder 7"/>
+          <p:cNvSpPr>
+            <a:spLocks noGrp="1"/>
+          </p:cNvSpPr>
+          <p:nvPr>
+            <p:ph type="ftr" sz="quarter" idx="11"/>
+          </p:nvPr>
+        </p:nvSpPr>
+        <p:spPr/>
+        <p:txBody>
+          <a:bodyPr/>
+          <a:lstStyle/>
+          <a:p>
+            <a:pPr defTabSz="914400"/>
+            <a:endParaRPr kumimoji="1" lang="ja-JP" altLang="en-US">
+              <a:solidFill>
+                <a:prstClr val="black">
+                  <a:tint val="75000"/>
+                </a:prstClr>
+              </a:solidFill>
+            </a:endParaRPr>
+          </a:p>
+        </p:txBody>
+      </p:sp>
+      <p:sp>
+        <p:nvSpPr>
+          <p:cNvPr id="9" name="Slide Number Placeholder 8"/>
+          <p:cNvSpPr>
+            <a:spLocks noGrp="1"/>
+          </p:cNvSpPr>
+          <p:nvPr>
+            <p:ph type="sldNum" sz="quarter" idx="12"/>
+          </p:nvPr>
+        </p:nvSpPr>
+        <p:spPr/>
+        <p:txBody>
+          <a:bodyPr/>
+          <a:lstStyle/>
+          <a:p>
+            <a:pPr defTabSz="914400"/>
+            <a:fld id="{8F60A6E3-D552-DB42-A58B-428B98F5A508}" type="slidenum">
+              <a:rPr kumimoji="1" lang="ja-JP" altLang="en-US" smtClean="0">
+                <a:solidFill>
+                  <a:prstClr val="black">
+                    <a:tint val="75000"/>
+                  </a:prstClr>
+                </a:solidFill>
+              </a:rPr>
+              <a:pPr defTabSz="914400"/>
+              <a:t>‹#›</a:t>
+            </a:fld>
+            <a:endParaRPr kumimoji="1" lang="ja-JP" altLang="en-US">
+              <a:solidFill>
+                <a:prstClr val="black">
+                  <a:tint val="75000"/>
+                </a:prstClr>
+              </a:solidFill>
+            </a:endParaRPr>
+          </a:p>
+        </p:txBody>
+      </p:sp>
+    </p:spTree>
+    <p:extLst>
+      <p:ext uri="{BB962C8B-B14F-4D97-AF65-F5344CB8AC3E}">
+        <p14:creationId xmlns:p14="http://schemas.microsoft.com/office/powerpoint/2010/main" val="1114182114"/>
+      </p:ext>
+    </p:extLst>
+  </p:cSld>
+  <p:clrMapOvr>
+    <a:masterClrMapping/>
+  </p:clrMapOvr>
+</p:sldLayout>
+</file>
+
+<file path=ppt/slideLayouts/slideLayout22.xml><?xml version="1.0" encoding="utf-8"?>
+<p:sldLayout xmlns:a="http://schemas.openxmlformats.org/drawingml/2006/main" xmlns:r="http://schemas.openxmlformats.org/officeDocument/2006/relationships" xmlns:p="http://schemas.openxmlformats.org/presentationml/2006/main" type="titleOnly" preserve="1">
+  <p:cSld name="Title Only">
+    <p:spTree>
+      <p:nvGrpSpPr>
+        <p:cNvPr id="1" name=""/>
+        <p:cNvGrpSpPr/>
+        <p:nvPr/>
+      </p:nvGrpSpPr>
+      <p:grpSpPr>
+        <a:xfrm>
+          <a:off x="0" y="0"/>
+          <a:ext cx="0" cy="0"/>
+          <a:chOff x="0" y="0"/>
+          <a:chExt cx="0" cy="0"/>
+        </a:xfrm>
+      </p:grpSpPr>
+      <p:sp>
+        <p:nvSpPr>
+          <p:cNvPr id="2" name="Title 1"/>
+          <p:cNvSpPr>
+            <a:spLocks noGrp="1"/>
+          </p:cNvSpPr>
+          <p:nvPr>
+            <p:ph type="title"/>
+          </p:nvPr>
+        </p:nvSpPr>
+        <p:spPr/>
+        <p:txBody>
+          <a:bodyPr/>
+          <a:lstStyle/>
+          <a:p>
+            <a:r>
+              <a:rPr lang="en-US" altLang="ja-JP"/>
+              <a:t>Click to edit Master title style</a:t>
+            </a:r>
+            <a:endParaRPr lang="en-US" dirty="0"/>
+          </a:p>
+        </p:txBody>
+      </p:sp>
+      <p:sp>
+        <p:nvSpPr>
+          <p:cNvPr id="3" name="Date Placeholder 2"/>
+          <p:cNvSpPr>
+            <a:spLocks noGrp="1"/>
+          </p:cNvSpPr>
+          <p:nvPr>
+            <p:ph type="dt" sz="half" idx="10"/>
+          </p:nvPr>
+        </p:nvSpPr>
+        <p:spPr/>
+        <p:txBody>
+          <a:bodyPr/>
+          <a:lstStyle/>
+          <a:p>
+            <a:pPr defTabSz="914400"/>
+            <a:fld id="{F454B96A-5F35-574A-A751-ACD175E133BD}" type="datetimeFigureOut">
+              <a:rPr kumimoji="1" lang="ja-JP" altLang="en-US" smtClean="0">
+                <a:solidFill>
+                  <a:prstClr val="black">
+                    <a:tint val="75000"/>
+                  </a:prstClr>
+                </a:solidFill>
+              </a:rPr>
+              <a:pPr defTabSz="914400"/>
+              <a:t>2018/9/29</a:t>
+            </a:fld>
+            <a:endParaRPr kumimoji="1" lang="ja-JP" altLang="en-US">
+              <a:solidFill>
+                <a:prstClr val="black">
+                  <a:tint val="75000"/>
+                </a:prstClr>
+              </a:solidFill>
+            </a:endParaRPr>
+          </a:p>
+        </p:txBody>
+      </p:sp>
+      <p:sp>
+        <p:nvSpPr>
+          <p:cNvPr id="4" name="Footer Placeholder 3"/>
+          <p:cNvSpPr>
+            <a:spLocks noGrp="1"/>
+          </p:cNvSpPr>
+          <p:nvPr>
+            <p:ph type="ftr" sz="quarter" idx="11"/>
+          </p:nvPr>
+        </p:nvSpPr>
+        <p:spPr/>
+        <p:txBody>
+          <a:bodyPr/>
+          <a:lstStyle/>
+          <a:p>
+            <a:pPr defTabSz="914400"/>
+            <a:endParaRPr kumimoji="1" lang="ja-JP" altLang="en-US">
+              <a:solidFill>
+                <a:prstClr val="black">
+                  <a:tint val="75000"/>
+                </a:prstClr>
+              </a:solidFill>
+            </a:endParaRPr>
+          </a:p>
+        </p:txBody>
+      </p:sp>
+      <p:sp>
+        <p:nvSpPr>
+          <p:cNvPr id="5" name="Slide Number Placeholder 4"/>
+          <p:cNvSpPr>
+            <a:spLocks noGrp="1"/>
+          </p:cNvSpPr>
+          <p:nvPr>
+            <p:ph type="sldNum" sz="quarter" idx="12"/>
+          </p:nvPr>
+        </p:nvSpPr>
+        <p:spPr/>
+        <p:txBody>
+          <a:bodyPr/>
+          <a:lstStyle/>
+          <a:p>
+            <a:pPr defTabSz="914400"/>
+            <a:fld id="{8F60A6E3-D552-DB42-A58B-428B98F5A508}" type="slidenum">
+              <a:rPr kumimoji="1" lang="ja-JP" altLang="en-US" smtClean="0">
+                <a:solidFill>
+                  <a:prstClr val="black">
+                    <a:tint val="75000"/>
+                  </a:prstClr>
+                </a:solidFill>
+              </a:rPr>
+              <a:pPr defTabSz="914400"/>
+              <a:t>‹#›</a:t>
+            </a:fld>
+            <a:endParaRPr kumimoji="1" lang="ja-JP" altLang="en-US">
+              <a:solidFill>
+                <a:prstClr val="black">
+                  <a:tint val="75000"/>
+                </a:prstClr>
+              </a:solidFill>
+            </a:endParaRPr>
+          </a:p>
+        </p:txBody>
+      </p:sp>
+    </p:spTree>
+    <p:extLst>
+      <p:ext uri="{BB962C8B-B14F-4D97-AF65-F5344CB8AC3E}">
+        <p14:creationId xmlns:p14="http://schemas.microsoft.com/office/powerpoint/2010/main" val="3318449086"/>
+      </p:ext>
+    </p:extLst>
+  </p:cSld>
+  <p:clrMapOvr>
+    <a:masterClrMapping/>
+  </p:clrMapOvr>
+</p:sldLayout>
+</file>
+
+<file path=ppt/slideLayouts/slideLayout23.xml><?xml version="1.0" encoding="utf-8"?>
+<p:sldLayout xmlns:a="http://schemas.openxmlformats.org/drawingml/2006/main" xmlns:r="http://schemas.openxmlformats.org/officeDocument/2006/relationships" xmlns:p="http://schemas.openxmlformats.org/presentationml/2006/main" type="blank" preserve="1">
+  <p:cSld name="Blank">
+    <p:spTree>
+      <p:nvGrpSpPr>
+        <p:cNvPr id="1" name=""/>
+        <p:cNvGrpSpPr/>
+        <p:nvPr/>
+      </p:nvGrpSpPr>
+      <p:grpSpPr>
+        <a:xfrm>
+          <a:off x="0" y="0"/>
+          <a:ext cx="0" cy="0"/>
+          <a:chOff x="0" y="0"/>
+          <a:chExt cx="0" cy="0"/>
+        </a:xfrm>
+      </p:grpSpPr>
+      <p:sp>
+        <p:nvSpPr>
+          <p:cNvPr id="2" name="Date Placeholder 1"/>
+          <p:cNvSpPr>
+            <a:spLocks noGrp="1"/>
+          </p:cNvSpPr>
+          <p:nvPr>
+            <p:ph type="dt" sz="half" idx="10"/>
+          </p:nvPr>
+        </p:nvSpPr>
+        <p:spPr/>
+        <p:txBody>
+          <a:bodyPr/>
+          <a:lstStyle/>
+          <a:p>
+            <a:pPr defTabSz="914400"/>
+            <a:fld id="{F454B96A-5F35-574A-A751-ACD175E133BD}" type="datetimeFigureOut">
+              <a:rPr kumimoji="1" lang="ja-JP" altLang="en-US" smtClean="0">
+                <a:solidFill>
+                  <a:prstClr val="black">
+                    <a:tint val="75000"/>
+                  </a:prstClr>
+                </a:solidFill>
+              </a:rPr>
+              <a:pPr defTabSz="914400"/>
+              <a:t>2018/9/29</a:t>
+            </a:fld>
+            <a:endParaRPr kumimoji="1" lang="ja-JP" altLang="en-US">
+              <a:solidFill>
+                <a:prstClr val="black">
+                  <a:tint val="75000"/>
+                </a:prstClr>
+              </a:solidFill>
+            </a:endParaRPr>
+          </a:p>
+        </p:txBody>
+      </p:sp>
+      <p:sp>
+        <p:nvSpPr>
+          <p:cNvPr id="3" name="Footer Placeholder 2"/>
+          <p:cNvSpPr>
+            <a:spLocks noGrp="1"/>
+          </p:cNvSpPr>
+          <p:nvPr>
+            <p:ph type="ftr" sz="quarter" idx="11"/>
+          </p:nvPr>
+        </p:nvSpPr>
+        <p:spPr/>
+        <p:txBody>
+          <a:bodyPr/>
+          <a:lstStyle/>
+          <a:p>
+            <a:pPr defTabSz="914400"/>
+            <a:endParaRPr kumimoji="1" lang="ja-JP" altLang="en-US">
+              <a:solidFill>
+                <a:prstClr val="black">
+                  <a:tint val="75000"/>
+                </a:prstClr>
+              </a:solidFill>
+            </a:endParaRPr>
+          </a:p>
+        </p:txBody>
+      </p:sp>
+      <p:sp>
+        <p:nvSpPr>
+          <p:cNvPr id="4" name="Slide Number Placeholder 3"/>
+          <p:cNvSpPr>
+            <a:spLocks noGrp="1"/>
+          </p:cNvSpPr>
+          <p:nvPr>
+            <p:ph type="sldNum" sz="quarter" idx="12"/>
+          </p:nvPr>
+        </p:nvSpPr>
+        <p:spPr/>
+        <p:txBody>
+          <a:bodyPr/>
+          <a:lstStyle/>
+          <a:p>
+            <a:pPr defTabSz="914400"/>
+            <a:fld id="{8F60A6E3-D552-DB42-A58B-428B98F5A508}" type="slidenum">
+              <a:rPr kumimoji="1" lang="ja-JP" altLang="en-US" smtClean="0">
+                <a:solidFill>
+                  <a:prstClr val="black">
+                    <a:tint val="75000"/>
+                  </a:prstClr>
+                </a:solidFill>
+              </a:rPr>
+              <a:pPr defTabSz="914400"/>
+              <a:t>‹#›</a:t>
+            </a:fld>
+            <a:endParaRPr kumimoji="1" lang="ja-JP" altLang="en-US">
+              <a:solidFill>
+                <a:prstClr val="black">
+                  <a:tint val="75000"/>
+                </a:prstClr>
+              </a:solidFill>
+            </a:endParaRPr>
+          </a:p>
+        </p:txBody>
+      </p:sp>
+    </p:spTree>
+    <p:extLst>
+      <p:ext uri="{BB962C8B-B14F-4D97-AF65-F5344CB8AC3E}">
+        <p14:creationId xmlns:p14="http://schemas.microsoft.com/office/powerpoint/2010/main" val="2045910681"/>
+      </p:ext>
+    </p:extLst>
+  </p:cSld>
+  <p:clrMapOvr>
+    <a:masterClrMapping/>
+  </p:clrMapOvr>
+</p:sldLayout>
+</file>
+
+<file path=ppt/slideLayouts/slideLayout24.xml><?xml version="1.0" encoding="utf-8"?>
+<p:sldLayout xmlns:a="http://schemas.openxmlformats.org/drawingml/2006/main" xmlns:r="http://schemas.openxmlformats.org/officeDocument/2006/relationships" xmlns:p="http://schemas.openxmlformats.org/presentationml/2006/main" type="objTx" preserve="1">
+  <p:cSld name="Content with Caption">
+    <p:spTree>
+      <p:nvGrpSpPr>
+        <p:cNvPr id="1" name=""/>
+        <p:cNvGrpSpPr/>
+        <p:nvPr/>
+      </p:nvGrpSpPr>
+      <p:grpSpPr>
+        <a:xfrm>
+          <a:off x="0" y="0"/>
+          <a:ext cx="0" cy="0"/>
+          <a:chOff x="0" y="0"/>
+          <a:chExt cx="0" cy="0"/>
+        </a:xfrm>
+      </p:grpSpPr>
+      <p:sp>
+        <p:nvSpPr>
+          <p:cNvPr id="2" name="Title 1"/>
+          <p:cNvSpPr>
+            <a:spLocks noGrp="1"/>
+          </p:cNvSpPr>
+          <p:nvPr>
+            <p:ph type="title"/>
+          </p:nvPr>
+        </p:nvSpPr>
+        <p:spPr>
+          <a:xfrm>
+            <a:off x="839789" y="457200"/>
+            <a:ext cx="3932238" cy="1600200"/>
+          </a:xfrm>
+        </p:spPr>
+        <p:txBody>
+          <a:bodyPr anchor="b"/>
+          <a:lstStyle>
+            <a:lvl1pPr>
+              <a:defRPr sz="3200"/>
+            </a:lvl1pPr>
+          </a:lstStyle>
+          <a:p>
+            <a:r>
+              <a:rPr lang="en-US" altLang="ja-JP"/>
+              <a:t>Click to edit Master title style</a:t>
+            </a:r>
+            <a:endParaRPr lang="en-US" dirty="0"/>
+          </a:p>
+        </p:txBody>
+      </p:sp>
+      <p:sp>
+        <p:nvSpPr>
+          <p:cNvPr id="3" name="Content Placeholder 2"/>
+          <p:cNvSpPr>
+            <a:spLocks noGrp="1"/>
+          </p:cNvSpPr>
+          <p:nvPr>
+            <p:ph idx="1"/>
+          </p:nvPr>
+        </p:nvSpPr>
+        <p:spPr>
+          <a:xfrm>
+            <a:off x="5183188" y="987428"/>
+            <a:ext cx="6172201" cy="4873625"/>
+          </a:xfrm>
+        </p:spPr>
+        <p:txBody>
+          <a:bodyPr/>
+          <a:lstStyle>
+            <a:lvl1pPr>
+              <a:defRPr sz="3200"/>
+            </a:lvl1pPr>
+            <a:lvl2pPr>
+              <a:defRPr sz="2800"/>
+            </a:lvl2pPr>
+            <a:lvl3pPr>
+              <a:defRPr sz="2400"/>
+            </a:lvl3pPr>
+            <a:lvl4pPr>
+              <a:defRPr sz="2000"/>
+            </a:lvl4pPr>
+            <a:lvl5pPr>
+              <a:defRPr sz="2000"/>
+            </a:lvl5pPr>
+            <a:lvl6pPr>
+              <a:defRPr sz="2000"/>
+            </a:lvl6pPr>
+            <a:lvl7pPr>
+              <a:defRPr sz="2000"/>
+            </a:lvl7pPr>
+            <a:lvl8pPr>
+              <a:defRPr sz="2000"/>
+            </a:lvl8pPr>
+            <a:lvl9pPr>
+              <a:defRPr sz="2000"/>
+            </a:lvl9pPr>
+          </a:lstStyle>
+          <a:p>
+            <a:pPr lvl="0"/>
+            <a:r>
+              <a:rPr lang="en-US" altLang="ja-JP"/>
+              <a:t>Edit Master text styles</a:t>
+            </a:r>
+          </a:p>
+          <a:p>
+            <a:pPr lvl="1"/>
+            <a:r>
+              <a:rPr lang="en-US" altLang="ja-JP"/>
+              <a:t>Second level</a:t>
+            </a:r>
+          </a:p>
+          <a:p>
+            <a:pPr lvl="2"/>
+            <a:r>
+              <a:rPr lang="en-US" altLang="ja-JP"/>
+              <a:t>Third level</a:t>
+            </a:r>
+          </a:p>
+          <a:p>
+            <a:pPr lvl="3"/>
+            <a:r>
+              <a:rPr lang="en-US" altLang="ja-JP"/>
+              <a:t>Fourth level</a:t>
+            </a:r>
+          </a:p>
+          <a:p>
+            <a:pPr lvl="4"/>
+            <a:r>
+              <a:rPr lang="en-US" altLang="ja-JP"/>
+              <a:t>Fifth level</a:t>
+            </a:r>
+            <a:endParaRPr lang="en-US" dirty="0"/>
+          </a:p>
+        </p:txBody>
+      </p:sp>
+      <p:sp>
+        <p:nvSpPr>
+          <p:cNvPr id="4" name="Text Placeholder 3"/>
+          <p:cNvSpPr>
+            <a:spLocks noGrp="1"/>
+          </p:cNvSpPr>
+          <p:nvPr>
+            <p:ph type="body" sz="half" idx="2"/>
+          </p:nvPr>
+        </p:nvSpPr>
+        <p:spPr>
+          <a:xfrm>
+            <a:off x="839789" y="2057400"/>
+            <a:ext cx="3932238" cy="3811588"/>
+          </a:xfrm>
+        </p:spPr>
+        <p:txBody>
+          <a:bodyPr/>
+          <a:lstStyle>
+            <a:lvl1pPr marL="0" indent="0">
+              <a:buNone/>
+              <a:defRPr sz="1600"/>
+            </a:lvl1pPr>
+            <a:lvl2pPr marL="457200" indent="0">
+              <a:buNone/>
+              <a:defRPr sz="1400"/>
+            </a:lvl2pPr>
+            <a:lvl3pPr marL="914400" indent="0">
+              <a:buNone/>
+              <a:defRPr sz="1200"/>
+            </a:lvl3pPr>
+            <a:lvl4pPr marL="1371600" indent="0">
+              <a:buNone/>
+              <a:defRPr sz="1000"/>
+            </a:lvl4pPr>
+            <a:lvl5pPr marL="1828800" indent="0">
+              <a:buNone/>
+              <a:defRPr sz="1000"/>
+            </a:lvl5pPr>
+            <a:lvl6pPr marL="2286000" indent="0">
+              <a:buNone/>
+              <a:defRPr sz="1000"/>
+            </a:lvl6pPr>
+            <a:lvl7pPr marL="2743200" indent="0">
+              <a:buNone/>
+              <a:defRPr sz="1000"/>
+            </a:lvl7pPr>
+            <a:lvl8pPr marL="3200400" indent="0">
+              <a:buNone/>
+              <a:defRPr sz="1000"/>
+            </a:lvl8pPr>
+            <a:lvl9pPr marL="3657600" indent="0">
+              <a:buNone/>
+              <a:defRPr sz="1000"/>
+            </a:lvl9pPr>
+          </a:lstStyle>
+          <a:p>
+            <a:pPr lvl="0"/>
+            <a:r>
+              <a:rPr lang="en-US" altLang="ja-JP"/>
+              <a:t>Edit Master text styles</a:t>
+            </a:r>
+          </a:p>
+        </p:txBody>
+      </p:sp>
+      <p:sp>
+        <p:nvSpPr>
+          <p:cNvPr id="5" name="Date Placeholder 4"/>
+          <p:cNvSpPr>
+            <a:spLocks noGrp="1"/>
+          </p:cNvSpPr>
+          <p:nvPr>
+            <p:ph type="dt" sz="half" idx="10"/>
+          </p:nvPr>
+        </p:nvSpPr>
+        <p:spPr/>
+        <p:txBody>
+          <a:bodyPr/>
+          <a:lstStyle/>
+          <a:p>
+            <a:pPr defTabSz="914400"/>
+            <a:fld id="{F454B96A-5F35-574A-A751-ACD175E133BD}" type="datetimeFigureOut">
+              <a:rPr kumimoji="1" lang="ja-JP" altLang="en-US" smtClean="0">
+                <a:solidFill>
+                  <a:prstClr val="black">
+                    <a:tint val="75000"/>
+                  </a:prstClr>
+                </a:solidFill>
+              </a:rPr>
+              <a:pPr defTabSz="914400"/>
+              <a:t>2018/9/29</a:t>
+            </a:fld>
+            <a:endParaRPr kumimoji="1" lang="ja-JP" altLang="en-US">
+              <a:solidFill>
+                <a:prstClr val="black">
+                  <a:tint val="75000"/>
+                </a:prstClr>
+              </a:solidFill>
+            </a:endParaRPr>
+          </a:p>
+        </p:txBody>
+      </p:sp>
+      <p:sp>
+        <p:nvSpPr>
+          <p:cNvPr id="6" name="Footer Placeholder 5"/>
+          <p:cNvSpPr>
+            <a:spLocks noGrp="1"/>
+          </p:cNvSpPr>
+          <p:nvPr>
+            <p:ph type="ftr" sz="quarter" idx="11"/>
+          </p:nvPr>
+        </p:nvSpPr>
+        <p:spPr/>
+        <p:txBody>
+          <a:bodyPr/>
+          <a:lstStyle/>
+          <a:p>
+            <a:pPr defTabSz="914400"/>
+            <a:endParaRPr kumimoji="1" lang="ja-JP" altLang="en-US">
+              <a:solidFill>
+                <a:prstClr val="black">
+                  <a:tint val="75000"/>
+                </a:prstClr>
+              </a:solidFill>
+            </a:endParaRPr>
+          </a:p>
+        </p:txBody>
+      </p:sp>
+      <p:sp>
+        <p:nvSpPr>
+          <p:cNvPr id="7" name="Slide Number Placeholder 6"/>
+          <p:cNvSpPr>
+            <a:spLocks noGrp="1"/>
+          </p:cNvSpPr>
+          <p:nvPr>
+            <p:ph type="sldNum" sz="quarter" idx="12"/>
+          </p:nvPr>
+        </p:nvSpPr>
+        <p:spPr/>
+        <p:txBody>
+          <a:bodyPr/>
+          <a:lstStyle/>
+          <a:p>
+            <a:pPr defTabSz="914400"/>
+            <a:fld id="{8F60A6E3-D552-DB42-A58B-428B98F5A508}" type="slidenum">
+              <a:rPr kumimoji="1" lang="ja-JP" altLang="en-US" smtClean="0">
+                <a:solidFill>
+                  <a:prstClr val="black">
+                    <a:tint val="75000"/>
+                  </a:prstClr>
+                </a:solidFill>
+              </a:rPr>
+              <a:pPr defTabSz="914400"/>
+              <a:t>‹#›</a:t>
+            </a:fld>
+            <a:endParaRPr kumimoji="1" lang="ja-JP" altLang="en-US">
+              <a:solidFill>
+                <a:prstClr val="black">
+                  <a:tint val="75000"/>
+                </a:prstClr>
+              </a:solidFill>
+            </a:endParaRPr>
+          </a:p>
+        </p:txBody>
+      </p:sp>
+    </p:spTree>
+    <p:extLst>
+      <p:ext uri="{BB962C8B-B14F-4D97-AF65-F5344CB8AC3E}">
+        <p14:creationId xmlns:p14="http://schemas.microsoft.com/office/powerpoint/2010/main" val="3749630325"/>
+      </p:ext>
+    </p:extLst>
+  </p:cSld>
+  <p:clrMapOvr>
+    <a:masterClrMapping/>
+  </p:clrMapOvr>
+</p:sldLayout>
+</file>
+
+<file path=ppt/slideLayouts/slideLayout25.xml><?xml version="1.0" encoding="utf-8"?>
+<p:sldLayout xmlns:a="http://schemas.openxmlformats.org/drawingml/2006/main" xmlns:r="http://schemas.openxmlformats.org/officeDocument/2006/relationships" xmlns:p="http://schemas.openxmlformats.org/presentationml/2006/main" type="picTx" preserve="1">
+  <p:cSld name="Picture with Caption">
+    <p:spTree>
+      <p:nvGrpSpPr>
+        <p:cNvPr id="1" name=""/>
+        <p:cNvGrpSpPr/>
+        <p:nvPr/>
+      </p:nvGrpSpPr>
+      <p:grpSpPr>
+        <a:xfrm>
+          <a:off x="0" y="0"/>
+          <a:ext cx="0" cy="0"/>
+          <a:chOff x="0" y="0"/>
+          <a:chExt cx="0" cy="0"/>
+        </a:xfrm>
+      </p:grpSpPr>
+      <p:sp>
+        <p:nvSpPr>
+          <p:cNvPr id="2" name="Title 1"/>
+          <p:cNvSpPr>
+            <a:spLocks noGrp="1"/>
+          </p:cNvSpPr>
+          <p:nvPr>
+            <p:ph type="title"/>
+          </p:nvPr>
+        </p:nvSpPr>
+        <p:spPr>
+          <a:xfrm>
+            <a:off x="839789" y="457200"/>
+            <a:ext cx="3932238" cy="1600200"/>
+          </a:xfrm>
+        </p:spPr>
+        <p:txBody>
+          <a:bodyPr anchor="b"/>
+          <a:lstStyle>
+            <a:lvl1pPr>
+              <a:defRPr sz="3200"/>
+            </a:lvl1pPr>
+          </a:lstStyle>
+          <a:p>
+            <a:r>
+              <a:rPr lang="en-US" altLang="ja-JP"/>
+              <a:t>Click to edit Master title style</a:t>
+            </a:r>
+            <a:endParaRPr lang="en-US" dirty="0"/>
+          </a:p>
+        </p:txBody>
+      </p:sp>
+      <p:sp>
+        <p:nvSpPr>
+          <p:cNvPr id="3" name="Picture Placeholder 2"/>
+          <p:cNvSpPr>
+            <a:spLocks noGrp="1" noChangeAspect="1"/>
+          </p:cNvSpPr>
+          <p:nvPr>
+            <p:ph type="pic" idx="1"/>
+          </p:nvPr>
+        </p:nvSpPr>
+        <p:spPr>
+          <a:xfrm>
+            <a:off x="5183188" y="987428"/>
+            <a:ext cx="6172201" cy="4873625"/>
+          </a:xfrm>
+        </p:spPr>
+        <p:txBody>
+          <a:bodyPr anchor="t"/>
+          <a:lstStyle>
+            <a:lvl1pPr marL="0" indent="0">
+              <a:buNone/>
+              <a:defRPr sz="3200"/>
+            </a:lvl1pPr>
+            <a:lvl2pPr marL="457200" indent="0">
+              <a:buNone/>
+              <a:defRPr sz="2800"/>
+            </a:lvl2pPr>
+            <a:lvl3pPr marL="914400" indent="0">
+              <a:buNone/>
+              <a:defRPr sz="2400"/>
+            </a:lvl3pPr>
+            <a:lvl4pPr marL="1371600" indent="0">
+              <a:buNone/>
+              <a:defRPr sz="2000"/>
+            </a:lvl4pPr>
+            <a:lvl5pPr marL="1828800" indent="0">
+              <a:buNone/>
+              <a:defRPr sz="2000"/>
+            </a:lvl5pPr>
+            <a:lvl6pPr marL="2286000" indent="0">
+              <a:buNone/>
+              <a:defRPr sz="2000"/>
+            </a:lvl6pPr>
+            <a:lvl7pPr marL="2743200" indent="0">
+              <a:buNone/>
+              <a:defRPr sz="2000"/>
+            </a:lvl7pPr>
+            <a:lvl8pPr marL="3200400" indent="0">
+              <a:buNone/>
+              <a:defRPr sz="2000"/>
+            </a:lvl8pPr>
+            <a:lvl9pPr marL="3657600" indent="0">
+              <a:buNone/>
+              <a:defRPr sz="2000"/>
+            </a:lvl9pPr>
+          </a:lstStyle>
+          <a:p>
+            <a:r>
+              <a:rPr lang="en-US" altLang="ja-JP"/>
+              <a:t>Click icon to add picture</a:t>
+            </a:r>
+            <a:endParaRPr lang="en-US" dirty="0"/>
+          </a:p>
+        </p:txBody>
+      </p:sp>
+      <p:sp>
+        <p:nvSpPr>
+          <p:cNvPr id="4" name="Text Placeholder 3"/>
+          <p:cNvSpPr>
+            <a:spLocks noGrp="1"/>
+          </p:cNvSpPr>
+          <p:nvPr>
+            <p:ph type="body" sz="half" idx="2"/>
+          </p:nvPr>
+        </p:nvSpPr>
+        <p:spPr>
+          <a:xfrm>
+            <a:off x="839789" y="2057400"/>
+            <a:ext cx="3932238" cy="3811588"/>
+          </a:xfrm>
+        </p:spPr>
+        <p:txBody>
+          <a:bodyPr/>
+          <a:lstStyle>
+            <a:lvl1pPr marL="0" indent="0">
+              <a:buNone/>
+              <a:defRPr sz="1600"/>
+            </a:lvl1pPr>
+            <a:lvl2pPr marL="457200" indent="0">
+              <a:buNone/>
+              <a:defRPr sz="1400"/>
+            </a:lvl2pPr>
+            <a:lvl3pPr marL="914400" indent="0">
+              <a:buNone/>
+              <a:defRPr sz="1200"/>
+            </a:lvl3pPr>
+            <a:lvl4pPr marL="1371600" indent="0">
+              <a:buNone/>
+              <a:defRPr sz="1000"/>
+            </a:lvl4pPr>
+            <a:lvl5pPr marL="1828800" indent="0">
+              <a:buNone/>
+              <a:defRPr sz="1000"/>
+            </a:lvl5pPr>
+            <a:lvl6pPr marL="2286000" indent="0">
+              <a:buNone/>
+              <a:defRPr sz="1000"/>
+            </a:lvl6pPr>
+            <a:lvl7pPr marL="2743200" indent="0">
+              <a:buNone/>
+              <a:defRPr sz="1000"/>
+            </a:lvl7pPr>
+            <a:lvl8pPr marL="3200400" indent="0">
+              <a:buNone/>
+              <a:defRPr sz="1000"/>
+            </a:lvl8pPr>
+            <a:lvl9pPr marL="3657600" indent="0">
+              <a:buNone/>
+              <a:defRPr sz="1000"/>
+            </a:lvl9pPr>
+          </a:lstStyle>
+          <a:p>
+            <a:pPr lvl="0"/>
+            <a:r>
+              <a:rPr lang="en-US" altLang="ja-JP"/>
+              <a:t>Edit Master text styles</a:t>
+            </a:r>
+          </a:p>
+        </p:txBody>
+      </p:sp>
+      <p:sp>
+        <p:nvSpPr>
+          <p:cNvPr id="5" name="Date Placeholder 4"/>
+          <p:cNvSpPr>
+            <a:spLocks noGrp="1"/>
+          </p:cNvSpPr>
+          <p:nvPr>
+            <p:ph type="dt" sz="half" idx="10"/>
+          </p:nvPr>
+        </p:nvSpPr>
+        <p:spPr/>
+        <p:txBody>
+          <a:bodyPr/>
+          <a:lstStyle/>
+          <a:p>
+            <a:pPr defTabSz="914400"/>
+            <a:fld id="{F454B96A-5F35-574A-A751-ACD175E133BD}" type="datetimeFigureOut">
+              <a:rPr kumimoji="1" lang="ja-JP" altLang="en-US" smtClean="0">
+                <a:solidFill>
+                  <a:prstClr val="black">
+                    <a:tint val="75000"/>
+                  </a:prstClr>
+                </a:solidFill>
+              </a:rPr>
+              <a:pPr defTabSz="914400"/>
+              <a:t>2018/9/29</a:t>
+            </a:fld>
+            <a:endParaRPr kumimoji="1" lang="ja-JP" altLang="en-US">
+              <a:solidFill>
+                <a:prstClr val="black">
+                  <a:tint val="75000"/>
+                </a:prstClr>
+              </a:solidFill>
+            </a:endParaRPr>
+          </a:p>
+        </p:txBody>
+      </p:sp>
+      <p:sp>
+        <p:nvSpPr>
+          <p:cNvPr id="6" name="Footer Placeholder 5"/>
+          <p:cNvSpPr>
+            <a:spLocks noGrp="1"/>
+          </p:cNvSpPr>
+          <p:nvPr>
+            <p:ph type="ftr" sz="quarter" idx="11"/>
+          </p:nvPr>
+        </p:nvSpPr>
+        <p:spPr/>
+        <p:txBody>
+          <a:bodyPr/>
+          <a:lstStyle/>
+          <a:p>
+            <a:pPr defTabSz="914400"/>
+            <a:endParaRPr kumimoji="1" lang="ja-JP" altLang="en-US">
+              <a:solidFill>
+                <a:prstClr val="black">
+                  <a:tint val="75000"/>
+                </a:prstClr>
+              </a:solidFill>
+            </a:endParaRPr>
+          </a:p>
+        </p:txBody>
+      </p:sp>
+      <p:sp>
+        <p:nvSpPr>
+          <p:cNvPr id="7" name="Slide Number Placeholder 6"/>
+          <p:cNvSpPr>
+            <a:spLocks noGrp="1"/>
+          </p:cNvSpPr>
+          <p:nvPr>
+            <p:ph type="sldNum" sz="quarter" idx="12"/>
+          </p:nvPr>
+        </p:nvSpPr>
+        <p:spPr/>
+        <p:txBody>
+          <a:bodyPr/>
+          <a:lstStyle/>
+          <a:p>
+            <a:pPr defTabSz="914400"/>
+            <a:fld id="{8F60A6E3-D552-DB42-A58B-428B98F5A508}" type="slidenum">
+              <a:rPr kumimoji="1" lang="ja-JP" altLang="en-US" smtClean="0">
+                <a:solidFill>
+                  <a:prstClr val="black">
+                    <a:tint val="75000"/>
+                  </a:prstClr>
+                </a:solidFill>
+              </a:rPr>
+              <a:pPr defTabSz="914400"/>
+              <a:t>‹#›</a:t>
+            </a:fld>
+            <a:endParaRPr kumimoji="1" lang="ja-JP" altLang="en-US">
+              <a:solidFill>
+                <a:prstClr val="black">
+                  <a:tint val="75000"/>
+                </a:prstClr>
+              </a:solidFill>
+            </a:endParaRPr>
+          </a:p>
+        </p:txBody>
+      </p:sp>
+    </p:spTree>
+    <p:extLst>
+      <p:ext uri="{BB962C8B-B14F-4D97-AF65-F5344CB8AC3E}">
+        <p14:creationId xmlns:p14="http://schemas.microsoft.com/office/powerpoint/2010/main" val="893038681"/>
+      </p:ext>
+    </p:extLst>
+  </p:cSld>
+  <p:clrMapOvr>
+    <a:masterClrMapping/>
+  </p:clrMapOvr>
+</p:sldLayout>
+</file>
+
+<file path=ppt/slideLayouts/slideLayout26.xml><?xml version="1.0" encoding="utf-8"?>
+<p:sldLayout xmlns:a="http://schemas.openxmlformats.org/drawingml/2006/main" xmlns:r="http://schemas.openxmlformats.org/officeDocument/2006/relationships" xmlns:p="http://schemas.openxmlformats.org/presentationml/2006/main" type="vertTx" preserve="1">
+  <p:cSld name="Title and Vertical Text">
+    <p:spTree>
+      <p:nvGrpSpPr>
+        <p:cNvPr id="1" name=""/>
+        <p:cNvGrpSpPr/>
+        <p:nvPr/>
+      </p:nvGrpSpPr>
+      <p:grpSpPr>
+        <a:xfrm>
+          <a:off x="0" y="0"/>
+          <a:ext cx="0" cy="0"/>
+          <a:chOff x="0" y="0"/>
+          <a:chExt cx="0" cy="0"/>
+        </a:xfrm>
+      </p:grpSpPr>
+      <p:sp>
+        <p:nvSpPr>
+          <p:cNvPr id="2" name="Title 1"/>
+          <p:cNvSpPr>
+            <a:spLocks noGrp="1"/>
+          </p:cNvSpPr>
+          <p:nvPr>
+            <p:ph type="title"/>
+          </p:nvPr>
+        </p:nvSpPr>
+        <p:spPr/>
+        <p:txBody>
+          <a:bodyPr/>
+          <a:lstStyle/>
+          <a:p>
+            <a:r>
+              <a:rPr lang="en-US" altLang="ja-JP"/>
+              <a:t>Click to edit Master title style</a:t>
+            </a:r>
+            <a:endParaRPr lang="en-US" dirty="0"/>
+          </a:p>
+        </p:txBody>
+      </p:sp>
+      <p:sp>
+        <p:nvSpPr>
+          <p:cNvPr id="3" name="Vertical Text Placeholder 2"/>
+          <p:cNvSpPr>
+            <a:spLocks noGrp="1"/>
+          </p:cNvSpPr>
+          <p:nvPr>
+            <p:ph type="body" orient="vert" idx="1"/>
+          </p:nvPr>
+        </p:nvSpPr>
+        <p:spPr/>
+        <p:txBody>
+          <a:bodyPr vert="eaVert"/>
+          <a:lstStyle/>
+          <a:p>
+            <a:pPr lvl="0"/>
+            <a:r>
+              <a:rPr lang="en-US" altLang="ja-JP"/>
+              <a:t>Edit Master text styles</a:t>
+            </a:r>
+          </a:p>
+          <a:p>
+            <a:pPr lvl="1"/>
+            <a:r>
+              <a:rPr lang="en-US" altLang="ja-JP"/>
+              <a:t>Second level</a:t>
+            </a:r>
+          </a:p>
+          <a:p>
+            <a:pPr lvl="2"/>
+            <a:r>
+              <a:rPr lang="en-US" altLang="ja-JP"/>
+              <a:t>Third level</a:t>
+            </a:r>
+          </a:p>
+          <a:p>
+            <a:pPr lvl="3"/>
+            <a:r>
+              <a:rPr lang="en-US" altLang="ja-JP"/>
+              <a:t>Fourth level</a:t>
+            </a:r>
+          </a:p>
+          <a:p>
+            <a:pPr lvl="4"/>
+            <a:r>
+              <a:rPr lang="en-US" altLang="ja-JP"/>
+              <a:t>Fifth level</a:t>
+            </a:r>
+            <a:endParaRPr lang="en-US" dirty="0"/>
+          </a:p>
+        </p:txBody>
+      </p:sp>
+      <p:sp>
+        <p:nvSpPr>
+          <p:cNvPr id="4" name="Date Placeholder 3"/>
+          <p:cNvSpPr>
+            <a:spLocks noGrp="1"/>
+          </p:cNvSpPr>
+          <p:nvPr>
+            <p:ph type="dt" sz="half" idx="10"/>
+          </p:nvPr>
+        </p:nvSpPr>
+        <p:spPr/>
+        <p:txBody>
+          <a:bodyPr/>
+          <a:lstStyle/>
+          <a:p>
+            <a:pPr defTabSz="914400"/>
+            <a:fld id="{F454B96A-5F35-574A-A751-ACD175E133BD}" type="datetimeFigureOut">
+              <a:rPr kumimoji="1" lang="ja-JP" altLang="en-US" smtClean="0">
+                <a:solidFill>
+                  <a:prstClr val="black">
+                    <a:tint val="75000"/>
+                  </a:prstClr>
+                </a:solidFill>
+              </a:rPr>
+              <a:pPr defTabSz="914400"/>
+              <a:t>2018/9/29</a:t>
+            </a:fld>
+            <a:endParaRPr kumimoji="1" lang="ja-JP" altLang="en-US">
+              <a:solidFill>
+                <a:prstClr val="black">
+                  <a:tint val="75000"/>
+                </a:prstClr>
+              </a:solidFill>
+            </a:endParaRPr>
+          </a:p>
+        </p:txBody>
+      </p:sp>
+      <p:sp>
+        <p:nvSpPr>
+          <p:cNvPr id="5" name="Footer Placeholder 4"/>
+          <p:cNvSpPr>
+            <a:spLocks noGrp="1"/>
+          </p:cNvSpPr>
+          <p:nvPr>
+            <p:ph type="ftr" sz="quarter" idx="11"/>
+          </p:nvPr>
+        </p:nvSpPr>
+        <p:spPr/>
+        <p:txBody>
+          <a:bodyPr/>
+          <a:lstStyle/>
+          <a:p>
+            <a:pPr defTabSz="914400"/>
+            <a:endParaRPr kumimoji="1" lang="ja-JP" altLang="en-US">
+              <a:solidFill>
+                <a:prstClr val="black">
+                  <a:tint val="75000"/>
+                </a:prstClr>
+              </a:solidFill>
+            </a:endParaRPr>
+          </a:p>
+        </p:txBody>
+      </p:sp>
+      <p:sp>
+        <p:nvSpPr>
+          <p:cNvPr id="6" name="Slide Number Placeholder 5"/>
+          <p:cNvSpPr>
+            <a:spLocks noGrp="1"/>
+          </p:cNvSpPr>
+          <p:nvPr>
+            <p:ph type="sldNum" sz="quarter" idx="12"/>
+          </p:nvPr>
+        </p:nvSpPr>
+        <p:spPr/>
+        <p:txBody>
+          <a:bodyPr/>
+          <a:lstStyle/>
+          <a:p>
+            <a:pPr defTabSz="914400"/>
+            <a:fld id="{8F60A6E3-D552-DB42-A58B-428B98F5A508}" type="slidenum">
+              <a:rPr kumimoji="1" lang="ja-JP" altLang="en-US" smtClean="0">
+                <a:solidFill>
+                  <a:prstClr val="black">
+                    <a:tint val="75000"/>
+                  </a:prstClr>
+                </a:solidFill>
+              </a:rPr>
+              <a:pPr defTabSz="914400"/>
+              <a:t>‹#›</a:t>
+            </a:fld>
+            <a:endParaRPr kumimoji="1" lang="ja-JP" altLang="en-US">
+              <a:solidFill>
+                <a:prstClr val="black">
+                  <a:tint val="75000"/>
+                </a:prstClr>
+              </a:solidFill>
+            </a:endParaRPr>
+          </a:p>
+        </p:txBody>
+      </p:sp>
+    </p:spTree>
+    <p:extLst>
+      <p:ext uri="{BB962C8B-B14F-4D97-AF65-F5344CB8AC3E}">
+        <p14:creationId xmlns:p14="http://schemas.microsoft.com/office/powerpoint/2010/main" val="1855001237"/>
+      </p:ext>
+    </p:extLst>
+  </p:cSld>
+  <p:clrMapOvr>
+    <a:masterClrMapping/>
+  </p:clrMapOvr>
+</p:sldLayout>
+</file>
+
+<file path=ppt/slideLayouts/slideLayout27.xml><?xml version="1.0" encoding="utf-8"?>
+<p:sldLayout xmlns:a="http://schemas.openxmlformats.org/drawingml/2006/main" xmlns:r="http://schemas.openxmlformats.org/officeDocument/2006/relationships" xmlns:p="http://schemas.openxmlformats.org/presentationml/2006/main" type="vertTitleAndTx" preserve="1">
+  <p:cSld name="Vertical Title and Text">
+    <p:spTree>
+      <p:nvGrpSpPr>
+        <p:cNvPr id="1" name=""/>
+        <p:cNvGrpSpPr/>
+        <p:nvPr/>
+      </p:nvGrpSpPr>
+      <p:grpSpPr>
+        <a:xfrm>
+          <a:off x="0" y="0"/>
+          <a:ext cx="0" cy="0"/>
+          <a:chOff x="0" y="0"/>
+          <a:chExt cx="0" cy="0"/>
+        </a:xfrm>
+      </p:grpSpPr>
+      <p:sp>
+        <p:nvSpPr>
+          <p:cNvPr id="2" name="Vertical Title 1"/>
+          <p:cNvSpPr>
+            <a:spLocks noGrp="1"/>
+          </p:cNvSpPr>
+          <p:nvPr>
+            <p:ph type="title" orient="vert"/>
+          </p:nvPr>
+        </p:nvSpPr>
+        <p:spPr>
+          <a:xfrm>
+            <a:off x="8724901" y="365125"/>
+            <a:ext cx="2628900" cy="5811838"/>
+          </a:xfrm>
+        </p:spPr>
+        <p:txBody>
+          <a:bodyPr vert="eaVert"/>
+          <a:lstStyle/>
+          <a:p>
+            <a:r>
+              <a:rPr lang="en-US" altLang="ja-JP"/>
+              <a:t>Click to edit Master title style</a:t>
+            </a:r>
+            <a:endParaRPr lang="en-US" dirty="0"/>
+          </a:p>
+        </p:txBody>
+      </p:sp>
+      <p:sp>
+        <p:nvSpPr>
+          <p:cNvPr id="3" name="Vertical Text Placeholder 2"/>
+          <p:cNvSpPr>
+            <a:spLocks noGrp="1"/>
+          </p:cNvSpPr>
+          <p:nvPr>
+            <p:ph type="body" orient="vert" idx="1"/>
+          </p:nvPr>
+        </p:nvSpPr>
+        <p:spPr>
+          <a:xfrm>
+            <a:off x="838201" y="365125"/>
+            <a:ext cx="7734300" cy="5811838"/>
+          </a:xfrm>
+        </p:spPr>
+        <p:txBody>
+          <a:bodyPr vert="eaVert"/>
+          <a:lstStyle/>
+          <a:p>
+            <a:pPr lvl="0"/>
+            <a:r>
+              <a:rPr lang="en-US" altLang="ja-JP"/>
+              <a:t>Edit Master text styles</a:t>
+            </a:r>
+          </a:p>
+          <a:p>
+            <a:pPr lvl="1"/>
+            <a:r>
+              <a:rPr lang="en-US" altLang="ja-JP"/>
+              <a:t>Second level</a:t>
+            </a:r>
+          </a:p>
+          <a:p>
+            <a:pPr lvl="2"/>
+            <a:r>
+              <a:rPr lang="en-US" altLang="ja-JP"/>
+              <a:t>Third level</a:t>
+            </a:r>
+          </a:p>
+          <a:p>
+            <a:pPr lvl="3"/>
+            <a:r>
+              <a:rPr lang="en-US" altLang="ja-JP"/>
+              <a:t>Fourth level</a:t>
+            </a:r>
+          </a:p>
+          <a:p>
+            <a:pPr lvl="4"/>
+            <a:r>
+              <a:rPr lang="en-US" altLang="ja-JP"/>
+              <a:t>Fifth level</a:t>
+            </a:r>
+            <a:endParaRPr lang="en-US" dirty="0"/>
+          </a:p>
+        </p:txBody>
+      </p:sp>
+      <p:sp>
+        <p:nvSpPr>
+          <p:cNvPr id="4" name="Date Placeholder 3"/>
+          <p:cNvSpPr>
+            <a:spLocks noGrp="1"/>
+          </p:cNvSpPr>
+          <p:nvPr>
+            <p:ph type="dt" sz="half" idx="10"/>
+          </p:nvPr>
+        </p:nvSpPr>
+        <p:spPr/>
+        <p:txBody>
+          <a:bodyPr/>
+          <a:lstStyle/>
+          <a:p>
+            <a:pPr defTabSz="914400"/>
+            <a:fld id="{F454B96A-5F35-574A-A751-ACD175E133BD}" type="datetimeFigureOut">
+              <a:rPr kumimoji="1" lang="ja-JP" altLang="en-US" smtClean="0">
+                <a:solidFill>
+                  <a:prstClr val="black">
+                    <a:tint val="75000"/>
+                  </a:prstClr>
+                </a:solidFill>
+              </a:rPr>
+              <a:pPr defTabSz="914400"/>
+              <a:t>2018/9/29</a:t>
+            </a:fld>
+            <a:endParaRPr kumimoji="1" lang="ja-JP" altLang="en-US">
+              <a:solidFill>
+                <a:prstClr val="black">
+                  <a:tint val="75000"/>
+                </a:prstClr>
+              </a:solidFill>
+            </a:endParaRPr>
+          </a:p>
+        </p:txBody>
+      </p:sp>
+      <p:sp>
+        <p:nvSpPr>
+          <p:cNvPr id="5" name="Footer Placeholder 4"/>
+          <p:cNvSpPr>
+            <a:spLocks noGrp="1"/>
+          </p:cNvSpPr>
+          <p:nvPr>
+            <p:ph type="ftr" sz="quarter" idx="11"/>
+          </p:nvPr>
+        </p:nvSpPr>
+        <p:spPr/>
+        <p:txBody>
+          <a:bodyPr/>
+          <a:lstStyle/>
+          <a:p>
+            <a:pPr defTabSz="914400"/>
+            <a:endParaRPr kumimoji="1" lang="ja-JP" altLang="en-US">
+              <a:solidFill>
+                <a:prstClr val="black">
+                  <a:tint val="75000"/>
+                </a:prstClr>
+              </a:solidFill>
+            </a:endParaRPr>
+          </a:p>
+        </p:txBody>
+      </p:sp>
+      <p:sp>
+        <p:nvSpPr>
+          <p:cNvPr id="6" name="Slide Number Placeholder 5"/>
+          <p:cNvSpPr>
+            <a:spLocks noGrp="1"/>
+          </p:cNvSpPr>
+          <p:nvPr>
+            <p:ph type="sldNum" sz="quarter" idx="12"/>
+          </p:nvPr>
+        </p:nvSpPr>
+        <p:spPr/>
+        <p:txBody>
+          <a:bodyPr/>
+          <a:lstStyle/>
+          <a:p>
+            <a:pPr defTabSz="914400"/>
+            <a:fld id="{8F60A6E3-D552-DB42-A58B-428B98F5A508}" type="slidenum">
+              <a:rPr kumimoji="1" lang="ja-JP" altLang="en-US" smtClean="0">
+                <a:solidFill>
+                  <a:prstClr val="black">
+                    <a:tint val="75000"/>
+                  </a:prstClr>
+                </a:solidFill>
+              </a:rPr>
+              <a:pPr defTabSz="914400"/>
+              <a:t>‹#›</a:t>
+            </a:fld>
+            <a:endParaRPr kumimoji="1" lang="ja-JP" altLang="en-US">
+              <a:solidFill>
+                <a:prstClr val="black">
+                  <a:tint val="75000"/>
+                </a:prstClr>
+              </a:solidFill>
+            </a:endParaRPr>
+          </a:p>
+        </p:txBody>
+      </p:sp>
+    </p:spTree>
+    <p:extLst>
+      <p:ext uri="{BB962C8B-B14F-4D97-AF65-F5344CB8AC3E}">
+        <p14:creationId xmlns:p14="http://schemas.microsoft.com/office/powerpoint/2010/main" val="3452510197"/>
+      </p:ext>
+    </p:extLst>
   </p:cSld>
   <p:clrMapOvr>
     <a:masterClrMapping/>
@@ -6048,6 +8737,581 @@
 </p:sldMaster>
 </file>
 
+<file path=ppt/slideMasters/slideMaster2.xml><?xml version="1.0" encoding="utf-8"?>
+<p:sldMaster xmlns:a="http://schemas.openxmlformats.org/drawingml/2006/main" xmlns:r="http://schemas.openxmlformats.org/officeDocument/2006/relationships" xmlns:p="http://schemas.openxmlformats.org/presentationml/2006/main">
+  <p:cSld>
+    <p:bg>
+      <p:bgRef idx="1001">
+        <a:schemeClr val="bg1"/>
+      </p:bgRef>
+    </p:bg>
+    <p:spTree>
+      <p:nvGrpSpPr>
+        <p:cNvPr id="1" name=""/>
+        <p:cNvGrpSpPr/>
+        <p:nvPr/>
+      </p:nvGrpSpPr>
+      <p:grpSpPr>
+        <a:xfrm>
+          <a:off x="0" y="0"/>
+          <a:ext cx="0" cy="0"/>
+          <a:chOff x="0" y="0"/>
+          <a:chExt cx="0" cy="0"/>
+        </a:xfrm>
+      </p:grpSpPr>
+      <p:sp>
+        <p:nvSpPr>
+          <p:cNvPr id="2" name="Title Placeholder 1"/>
+          <p:cNvSpPr>
+            <a:spLocks noGrp="1"/>
+          </p:cNvSpPr>
+          <p:nvPr>
+            <p:ph type="title"/>
+          </p:nvPr>
+        </p:nvSpPr>
+        <p:spPr>
+          <a:xfrm>
+            <a:off x="838201" y="365128"/>
+            <a:ext cx="10515600" cy="1325563"/>
+          </a:xfrm>
+          <a:prstGeom prst="rect">
+            <a:avLst/>
+          </a:prstGeom>
+        </p:spPr>
+        <p:txBody>
+          <a:bodyPr vert="horz" lIns="91440" tIns="45720" rIns="91440" bIns="45720" rtlCol="0" anchor="ctr">
+            <a:normAutofit/>
+          </a:bodyPr>
+          <a:lstStyle/>
+          <a:p>
+            <a:r>
+              <a:rPr lang="en-US" altLang="ja-JP"/>
+              <a:t>Click to edit Master title style</a:t>
+            </a:r>
+            <a:endParaRPr lang="en-US" dirty="0"/>
+          </a:p>
+        </p:txBody>
+      </p:sp>
+      <p:sp>
+        <p:nvSpPr>
+          <p:cNvPr id="3" name="Text Placeholder 2"/>
+          <p:cNvSpPr>
+            <a:spLocks noGrp="1"/>
+          </p:cNvSpPr>
+          <p:nvPr>
+            <p:ph type="body" idx="1"/>
+          </p:nvPr>
+        </p:nvSpPr>
+        <p:spPr>
+          <a:xfrm>
+            <a:off x="838201" y="1825625"/>
+            <a:ext cx="10515600" cy="4351338"/>
+          </a:xfrm>
+          <a:prstGeom prst="rect">
+            <a:avLst/>
+          </a:prstGeom>
+        </p:spPr>
+        <p:txBody>
+          <a:bodyPr vert="horz" lIns="91440" tIns="45720" rIns="91440" bIns="45720" rtlCol="0">
+            <a:normAutofit/>
+          </a:bodyPr>
+          <a:lstStyle/>
+          <a:p>
+            <a:pPr lvl="0"/>
+            <a:r>
+              <a:rPr lang="en-US" altLang="ja-JP"/>
+              <a:t>Edit Master text styles</a:t>
+            </a:r>
+          </a:p>
+          <a:p>
+            <a:pPr lvl="1"/>
+            <a:r>
+              <a:rPr lang="en-US" altLang="ja-JP"/>
+              <a:t>Second level</a:t>
+            </a:r>
+          </a:p>
+          <a:p>
+            <a:pPr lvl="2"/>
+            <a:r>
+              <a:rPr lang="en-US" altLang="ja-JP"/>
+              <a:t>Third level</a:t>
+            </a:r>
+          </a:p>
+          <a:p>
+            <a:pPr lvl="3"/>
+            <a:r>
+              <a:rPr lang="en-US" altLang="ja-JP"/>
+              <a:t>Fourth level</a:t>
+            </a:r>
+          </a:p>
+          <a:p>
+            <a:pPr lvl="4"/>
+            <a:r>
+              <a:rPr lang="en-US" altLang="ja-JP"/>
+              <a:t>Fifth level</a:t>
+            </a:r>
+            <a:endParaRPr lang="en-US" dirty="0"/>
+          </a:p>
+        </p:txBody>
+      </p:sp>
+      <p:sp>
+        <p:nvSpPr>
+          <p:cNvPr id="4" name="Date Placeholder 3"/>
+          <p:cNvSpPr>
+            <a:spLocks noGrp="1"/>
+          </p:cNvSpPr>
+          <p:nvPr>
+            <p:ph type="dt" sz="half" idx="2"/>
+          </p:nvPr>
+        </p:nvSpPr>
+        <p:spPr>
+          <a:xfrm>
+            <a:off x="838201" y="6356353"/>
+            <a:ext cx="2743200" cy="365125"/>
+          </a:xfrm>
+          <a:prstGeom prst="rect">
+            <a:avLst/>
+          </a:prstGeom>
+        </p:spPr>
+        <p:txBody>
+          <a:bodyPr vert="horz" lIns="91440" tIns="45720" rIns="91440" bIns="45720" rtlCol="0" anchor="ctr"/>
+          <a:lstStyle>
+            <a:lvl1pPr algn="l">
+              <a:defRPr sz="1200">
+                <a:solidFill>
+                  <a:schemeClr val="tx1">
+                    <a:tint val="75000"/>
+                  </a:schemeClr>
+                </a:solidFill>
+              </a:defRPr>
+            </a:lvl1pPr>
+          </a:lstStyle>
+          <a:p>
+            <a:pPr defTabSz="914400"/>
+            <a:fld id="{F454B96A-5F35-574A-A751-ACD175E133BD}" type="datetimeFigureOut">
+              <a:rPr kumimoji="1" lang="ja-JP" altLang="en-US" smtClean="0">
+                <a:solidFill>
+                  <a:prstClr val="black">
+                    <a:tint val="75000"/>
+                  </a:prstClr>
+                </a:solidFill>
+              </a:rPr>
+              <a:pPr defTabSz="914400"/>
+              <a:t>2018/9/29</a:t>
+            </a:fld>
+            <a:endParaRPr kumimoji="1" lang="ja-JP" altLang="en-US">
+              <a:solidFill>
+                <a:prstClr val="black">
+                  <a:tint val="75000"/>
+                </a:prstClr>
+              </a:solidFill>
+            </a:endParaRPr>
+          </a:p>
+        </p:txBody>
+      </p:sp>
+      <p:sp>
+        <p:nvSpPr>
+          <p:cNvPr id="5" name="Footer Placeholder 4"/>
+          <p:cNvSpPr>
+            <a:spLocks noGrp="1"/>
+          </p:cNvSpPr>
+          <p:nvPr>
+            <p:ph type="ftr" sz="quarter" idx="3"/>
+          </p:nvPr>
+        </p:nvSpPr>
+        <p:spPr>
+          <a:xfrm>
+            <a:off x="4038601" y="6356353"/>
+            <a:ext cx="4114800" cy="365125"/>
+          </a:xfrm>
+          <a:prstGeom prst="rect">
+            <a:avLst/>
+          </a:prstGeom>
+        </p:spPr>
+        <p:txBody>
+          <a:bodyPr vert="horz" lIns="91440" tIns="45720" rIns="91440" bIns="45720" rtlCol="0" anchor="ctr"/>
+          <a:lstStyle>
+            <a:lvl1pPr algn="ctr">
+              <a:defRPr sz="1200">
+                <a:solidFill>
+                  <a:schemeClr val="tx1">
+                    <a:tint val="75000"/>
+                  </a:schemeClr>
+                </a:solidFill>
+              </a:defRPr>
+            </a:lvl1pPr>
+          </a:lstStyle>
+          <a:p>
+            <a:pPr defTabSz="914400"/>
+            <a:endParaRPr kumimoji="1" lang="ja-JP" altLang="en-US">
+              <a:solidFill>
+                <a:prstClr val="black">
+                  <a:tint val="75000"/>
+                </a:prstClr>
+              </a:solidFill>
+            </a:endParaRPr>
+          </a:p>
+        </p:txBody>
+      </p:sp>
+      <p:sp>
+        <p:nvSpPr>
+          <p:cNvPr id="6" name="Slide Number Placeholder 5"/>
+          <p:cNvSpPr>
+            <a:spLocks noGrp="1"/>
+          </p:cNvSpPr>
+          <p:nvPr>
+            <p:ph type="sldNum" sz="quarter" idx="4"/>
+          </p:nvPr>
+        </p:nvSpPr>
+        <p:spPr>
+          <a:xfrm>
+            <a:off x="8610601" y="6356353"/>
+            <a:ext cx="2743200" cy="365125"/>
+          </a:xfrm>
+          <a:prstGeom prst="rect">
+            <a:avLst/>
+          </a:prstGeom>
+        </p:spPr>
+        <p:txBody>
+          <a:bodyPr vert="horz" lIns="91440" tIns="45720" rIns="91440" bIns="45720" rtlCol="0" anchor="ctr"/>
+          <a:lstStyle>
+            <a:lvl1pPr algn="r">
+              <a:defRPr sz="1200">
+                <a:solidFill>
+                  <a:schemeClr val="tx1">
+                    <a:tint val="75000"/>
+                  </a:schemeClr>
+                </a:solidFill>
+              </a:defRPr>
+            </a:lvl1pPr>
+          </a:lstStyle>
+          <a:p>
+            <a:pPr defTabSz="914400"/>
+            <a:fld id="{8F60A6E3-D552-DB42-A58B-428B98F5A508}" type="slidenum">
+              <a:rPr kumimoji="1" lang="ja-JP" altLang="en-US" smtClean="0">
+                <a:solidFill>
+                  <a:prstClr val="black">
+                    <a:tint val="75000"/>
+                  </a:prstClr>
+                </a:solidFill>
+              </a:rPr>
+              <a:pPr defTabSz="914400"/>
+              <a:t>‹#›</a:t>
+            </a:fld>
+            <a:endParaRPr kumimoji="1" lang="ja-JP" altLang="en-US">
+              <a:solidFill>
+                <a:prstClr val="black">
+                  <a:tint val="75000"/>
+                </a:prstClr>
+              </a:solidFill>
+            </a:endParaRPr>
+          </a:p>
+        </p:txBody>
+      </p:sp>
+    </p:spTree>
+    <p:extLst>
+      <p:ext uri="{BB962C8B-B14F-4D97-AF65-F5344CB8AC3E}">
+        <p14:creationId xmlns:p14="http://schemas.microsoft.com/office/powerpoint/2010/main" val="2890648431"/>
+      </p:ext>
+    </p:extLst>
+  </p:cSld>
+  <p:clrMap bg1="lt1" tx1="dk1" bg2="lt2" tx2="dk2" accent1="accent1" accent2="accent2" accent3="accent3" accent4="accent4" accent5="accent5" accent6="accent6" hlink="hlink" folHlink="folHlink"/>
+  <p:sldLayoutIdLst>
+    <p:sldLayoutId id="2147483669" r:id="rId1"/>
+    <p:sldLayoutId id="2147483670" r:id="rId2"/>
+    <p:sldLayoutId id="2147483671" r:id="rId3"/>
+    <p:sldLayoutId id="2147483672" r:id="rId4"/>
+    <p:sldLayoutId id="2147483673" r:id="rId5"/>
+    <p:sldLayoutId id="2147483674" r:id="rId6"/>
+    <p:sldLayoutId id="2147483675" r:id="rId7"/>
+    <p:sldLayoutId id="2147483676" r:id="rId8"/>
+    <p:sldLayoutId id="2147483677" r:id="rId9"/>
+    <p:sldLayoutId id="2147483678" r:id="rId10"/>
+    <p:sldLayoutId id="2147483679" r:id="rId11"/>
+  </p:sldLayoutIdLst>
+  <p:txStyles>
+    <p:titleStyle>
+      <a:lvl1pPr algn="l" defTabSz="914400" rtl="0" eaLnBrk="1" latinLnBrk="0" hangingPunct="1">
+        <a:lnSpc>
+          <a:spcPct val="90000"/>
+        </a:lnSpc>
+        <a:spcBef>
+          <a:spcPct val="0"/>
+        </a:spcBef>
+        <a:buNone/>
+        <a:defRPr sz="4400" kern="1200">
+          <a:solidFill>
+            <a:schemeClr val="tx1"/>
+          </a:solidFill>
+          <a:latin typeface="+mj-lt"/>
+          <a:ea typeface="+mj-ea"/>
+          <a:cs typeface="+mj-cs"/>
+        </a:defRPr>
+      </a:lvl1pPr>
+    </p:titleStyle>
+    <p:bodyStyle>
+      <a:lvl1pPr marL="228600" indent="-228600" algn="l" defTabSz="914400" rtl="0" eaLnBrk="1" latinLnBrk="0" hangingPunct="1">
+        <a:lnSpc>
+          <a:spcPct val="90000"/>
+        </a:lnSpc>
+        <a:spcBef>
+          <a:spcPts val="1000"/>
+        </a:spcBef>
+        <a:buFont typeface="Arial" panose="020B0604020202020204" pitchFamily="34" charset="0"/>
+        <a:buChar char="•"/>
+        <a:defRPr sz="2800" kern="1200">
+          <a:solidFill>
+            <a:schemeClr val="tx1"/>
+          </a:solidFill>
+          <a:latin typeface="+mn-lt"/>
+          <a:ea typeface="+mn-ea"/>
+          <a:cs typeface="+mn-cs"/>
+        </a:defRPr>
+      </a:lvl1pPr>
+      <a:lvl2pPr marL="685800" indent="-228600" algn="l" defTabSz="914400" rtl="0" eaLnBrk="1" latinLnBrk="0" hangingPunct="1">
+        <a:lnSpc>
+          <a:spcPct val="90000"/>
+        </a:lnSpc>
+        <a:spcBef>
+          <a:spcPts val="500"/>
+        </a:spcBef>
+        <a:buFont typeface="Arial" panose="020B0604020202020204" pitchFamily="34" charset="0"/>
+        <a:buChar char="•"/>
+        <a:defRPr sz="2400" kern="1200">
+          <a:solidFill>
+            <a:schemeClr val="tx1"/>
+          </a:solidFill>
+          <a:latin typeface="+mn-lt"/>
+          <a:ea typeface="+mn-ea"/>
+          <a:cs typeface="+mn-cs"/>
+        </a:defRPr>
+      </a:lvl2pPr>
+      <a:lvl3pPr marL="1143000" indent="-228600" algn="l" defTabSz="914400" rtl="0" eaLnBrk="1" latinLnBrk="0" hangingPunct="1">
+        <a:lnSpc>
+          <a:spcPct val="90000"/>
+        </a:lnSpc>
+        <a:spcBef>
+          <a:spcPts val="500"/>
+        </a:spcBef>
+        <a:buFont typeface="Arial" panose="020B0604020202020204" pitchFamily="34" charset="0"/>
+        <a:buChar char="•"/>
+        <a:defRPr sz="2000" kern="1200">
+          <a:solidFill>
+            <a:schemeClr val="tx1"/>
+          </a:solidFill>
+          <a:latin typeface="+mn-lt"/>
+          <a:ea typeface="+mn-ea"/>
+          <a:cs typeface="+mn-cs"/>
+        </a:defRPr>
+      </a:lvl3pPr>
+      <a:lvl4pPr marL="1600200" indent="-228600" algn="l" defTabSz="914400" rtl="0" eaLnBrk="1" latinLnBrk="0" hangingPunct="1">
+        <a:lnSpc>
+          <a:spcPct val="90000"/>
+        </a:lnSpc>
+        <a:spcBef>
+          <a:spcPts val="500"/>
+        </a:spcBef>
+        <a:buFont typeface="Arial" panose="020B0604020202020204" pitchFamily="34" charset="0"/>
+        <a:buChar char="•"/>
+        <a:defRPr sz="1800" kern="1200">
+          <a:solidFill>
+            <a:schemeClr val="tx1"/>
+          </a:solidFill>
+          <a:latin typeface="+mn-lt"/>
+          <a:ea typeface="+mn-ea"/>
+          <a:cs typeface="+mn-cs"/>
+        </a:defRPr>
+      </a:lvl4pPr>
+      <a:lvl5pPr marL="2057400" indent="-228600" algn="l" defTabSz="914400" rtl="0" eaLnBrk="1" latinLnBrk="0" hangingPunct="1">
+        <a:lnSpc>
+          <a:spcPct val="90000"/>
+        </a:lnSpc>
+        <a:spcBef>
+          <a:spcPts val="500"/>
+        </a:spcBef>
+        <a:buFont typeface="Arial" panose="020B0604020202020204" pitchFamily="34" charset="0"/>
+        <a:buChar char="•"/>
+        <a:defRPr sz="1800" kern="1200">
+          <a:solidFill>
+            <a:schemeClr val="tx1"/>
+          </a:solidFill>
+          <a:latin typeface="+mn-lt"/>
+          <a:ea typeface="+mn-ea"/>
+          <a:cs typeface="+mn-cs"/>
+        </a:defRPr>
+      </a:lvl5pPr>
+      <a:lvl6pPr marL="2514600" indent="-228600" algn="l" defTabSz="914400" rtl="0" eaLnBrk="1" latinLnBrk="0" hangingPunct="1">
+        <a:lnSpc>
+          <a:spcPct val="90000"/>
+        </a:lnSpc>
+        <a:spcBef>
+          <a:spcPts val="500"/>
+        </a:spcBef>
+        <a:buFont typeface="Arial" panose="020B0604020202020204" pitchFamily="34" charset="0"/>
+        <a:buChar char="•"/>
+        <a:defRPr sz="1800" kern="1200">
+          <a:solidFill>
+            <a:schemeClr val="tx1"/>
+          </a:solidFill>
+          <a:latin typeface="+mn-lt"/>
+          <a:ea typeface="+mn-ea"/>
+          <a:cs typeface="+mn-cs"/>
+        </a:defRPr>
+      </a:lvl6pPr>
+      <a:lvl7pPr marL="2971800" indent="-228600" algn="l" defTabSz="914400" rtl="0" eaLnBrk="1" latinLnBrk="0" hangingPunct="1">
+        <a:lnSpc>
+          <a:spcPct val="90000"/>
+        </a:lnSpc>
+        <a:spcBef>
+          <a:spcPts val="500"/>
+        </a:spcBef>
+        <a:buFont typeface="Arial" panose="020B0604020202020204" pitchFamily="34" charset="0"/>
+        <a:buChar char="•"/>
+        <a:defRPr sz="1800" kern="1200">
+          <a:solidFill>
+            <a:schemeClr val="tx1"/>
+          </a:solidFill>
+          <a:latin typeface="+mn-lt"/>
+          <a:ea typeface="+mn-ea"/>
+          <a:cs typeface="+mn-cs"/>
+        </a:defRPr>
+      </a:lvl7pPr>
+      <a:lvl8pPr marL="3429000" indent="-228600" algn="l" defTabSz="914400" rtl="0" eaLnBrk="1" latinLnBrk="0" hangingPunct="1">
+        <a:lnSpc>
+          <a:spcPct val="90000"/>
+        </a:lnSpc>
+        <a:spcBef>
+          <a:spcPts val="500"/>
+        </a:spcBef>
+        <a:buFont typeface="Arial" panose="020B0604020202020204" pitchFamily="34" charset="0"/>
+        <a:buChar char="•"/>
+        <a:defRPr sz="1800" kern="1200">
+          <a:solidFill>
+            <a:schemeClr val="tx1"/>
+          </a:solidFill>
+          <a:latin typeface="+mn-lt"/>
+          <a:ea typeface="+mn-ea"/>
+          <a:cs typeface="+mn-cs"/>
+        </a:defRPr>
+      </a:lvl8pPr>
+      <a:lvl9pPr marL="3886200" indent="-228600" algn="l" defTabSz="914400" rtl="0" eaLnBrk="1" latinLnBrk="0" hangingPunct="1">
+        <a:lnSpc>
+          <a:spcPct val="90000"/>
+        </a:lnSpc>
+        <a:spcBef>
+          <a:spcPts val="500"/>
+        </a:spcBef>
+        <a:buFont typeface="Arial" panose="020B0604020202020204" pitchFamily="34" charset="0"/>
+        <a:buChar char="•"/>
+        <a:defRPr sz="1800" kern="1200">
+          <a:solidFill>
+            <a:schemeClr val="tx1"/>
+          </a:solidFill>
+          <a:latin typeface="+mn-lt"/>
+          <a:ea typeface="+mn-ea"/>
+          <a:cs typeface="+mn-cs"/>
+        </a:defRPr>
+      </a:lvl9pPr>
+    </p:bodyStyle>
+    <p:otherStyle>
+      <a:defPPr>
+        <a:defRPr lang="en-US"/>
+      </a:defPPr>
+      <a:lvl1pPr marL="0" algn="l" defTabSz="914400" rtl="0" eaLnBrk="1" latinLnBrk="0" hangingPunct="1">
+        <a:defRPr sz="1800" kern="1200">
+          <a:solidFill>
+            <a:schemeClr val="tx1"/>
+          </a:solidFill>
+          <a:latin typeface="+mn-lt"/>
+          <a:ea typeface="+mn-ea"/>
+          <a:cs typeface="+mn-cs"/>
+        </a:defRPr>
+      </a:lvl1pPr>
+      <a:lvl2pPr marL="457200" algn="l" defTabSz="914400" rtl="0" eaLnBrk="1" latinLnBrk="0" hangingPunct="1">
+        <a:defRPr sz="1800" kern="1200">
+          <a:solidFill>
+            <a:schemeClr val="tx1"/>
+          </a:solidFill>
+          <a:latin typeface="+mn-lt"/>
+          <a:ea typeface="+mn-ea"/>
+          <a:cs typeface="+mn-cs"/>
+        </a:defRPr>
+      </a:lvl2pPr>
+      <a:lvl3pPr marL="914400" algn="l" defTabSz="914400" rtl="0" eaLnBrk="1" latinLnBrk="0" hangingPunct="1">
+        <a:defRPr sz="1800" kern="1200">
+          <a:solidFill>
+            <a:schemeClr val="tx1"/>
+          </a:solidFill>
+          <a:latin typeface="+mn-lt"/>
+          <a:ea typeface="+mn-ea"/>
+          <a:cs typeface="+mn-cs"/>
+        </a:defRPr>
+      </a:lvl3pPr>
+      <a:lvl4pPr marL="1371600" algn="l" defTabSz="914400" rtl="0" eaLnBrk="1" latinLnBrk="0" hangingPunct="1">
+        <a:defRPr sz="1800" kern="1200">
+          <a:solidFill>
+            <a:schemeClr val="tx1"/>
+          </a:solidFill>
+          <a:latin typeface="+mn-lt"/>
+          <a:ea typeface="+mn-ea"/>
+          <a:cs typeface="+mn-cs"/>
+        </a:defRPr>
+      </a:lvl4pPr>
+      <a:lvl5pPr marL="1828800" algn="l" defTabSz="914400" rtl="0" eaLnBrk="1" latinLnBrk="0" hangingPunct="1">
+        <a:defRPr sz="1800" kern="1200">
+          <a:solidFill>
+            <a:schemeClr val="tx1"/>
+          </a:solidFill>
+          <a:latin typeface="+mn-lt"/>
+          <a:ea typeface="+mn-ea"/>
+          <a:cs typeface="+mn-cs"/>
+        </a:defRPr>
+      </a:lvl5pPr>
+      <a:lvl6pPr marL="2286000" algn="l" defTabSz="914400" rtl="0" eaLnBrk="1" latinLnBrk="0" hangingPunct="1">
+        <a:defRPr sz="1800" kern="1200">
+          <a:solidFill>
+            <a:schemeClr val="tx1"/>
+          </a:solidFill>
+          <a:latin typeface="+mn-lt"/>
+          <a:ea typeface="+mn-ea"/>
+          <a:cs typeface="+mn-cs"/>
+        </a:defRPr>
+      </a:lvl6pPr>
+      <a:lvl7pPr marL="2743200" algn="l" defTabSz="914400" rtl="0" eaLnBrk="1" latinLnBrk="0" hangingPunct="1">
+        <a:defRPr sz="1800" kern="1200">
+          <a:solidFill>
+            <a:schemeClr val="tx1"/>
+          </a:solidFill>
+          <a:latin typeface="+mn-lt"/>
+          <a:ea typeface="+mn-ea"/>
+          <a:cs typeface="+mn-cs"/>
+        </a:defRPr>
+      </a:lvl7pPr>
+      <a:lvl8pPr marL="3200400" algn="l" defTabSz="914400" rtl="0" eaLnBrk="1" latinLnBrk="0" hangingPunct="1">
+        <a:defRPr sz="1800" kern="1200">
+          <a:solidFill>
+            <a:schemeClr val="tx1"/>
+          </a:solidFill>
+          <a:latin typeface="+mn-lt"/>
+          <a:ea typeface="+mn-ea"/>
+          <a:cs typeface="+mn-cs"/>
+        </a:defRPr>
+      </a:lvl8pPr>
+      <a:lvl9pPr marL="3657600" algn="l" defTabSz="914400" rtl="0" eaLnBrk="1" latinLnBrk="0" hangingPunct="1">
+        <a:defRPr sz="1800" kern="1200">
+          <a:solidFill>
+            <a:schemeClr val="tx1"/>
+          </a:solidFill>
+          <a:latin typeface="+mn-lt"/>
+          <a:ea typeface="+mn-ea"/>
+          <a:cs typeface="+mn-cs"/>
+        </a:defRPr>
+      </a:lvl9pPr>
+    </p:otherStyle>
+  </p:txStyles>
+</p:sldMaster>
+</file>
+
 <file path=ppt/slides/slide1.xml><?xml version="1.0" encoding="utf-8"?>
 <p:sld xmlns:a="http://schemas.openxmlformats.org/drawingml/2006/main" xmlns:r="http://schemas.openxmlformats.org/officeDocument/2006/relationships" xmlns:p="http://schemas.openxmlformats.org/presentationml/2006/main">
   <p:cSld>
@@ -6568,6 +9832,13 @@
   <p:clrMapOvr>
     <a:masterClrMapping/>
   </p:clrMapOvr>
+  <p:timing>
+    <p:tnLst>
+      <p:par>
+        <p:cTn id="1" dur="indefinite" restart="never" nodeType="tmRoot"/>
+      </p:par>
+    </p:tnLst>
+  </p:timing>
 </p:sld>
 </file>
 
@@ -6632,8 +9903,8 @@
         </p:nvSpPr>
         <p:spPr>
           <a:xfrm>
-            <a:off x="631705" y="516894"/>
-            <a:ext cx="8533105" cy="1938992"/>
+            <a:off x="300782" y="454330"/>
+            <a:ext cx="11891218" cy="1738938"/>
           </a:xfrm>
           <a:prstGeom prst="rect">
             <a:avLst/>
@@ -6641,7 +9912,7 @@
           <a:noFill/>
         </p:spPr>
         <p:txBody>
-          <a:bodyPr wrap="none" rtlCol="0">
+          <a:bodyPr wrap="square" rtlCol="0">
             <a:spAutoFit/>
           </a:bodyPr>
           <a:lstStyle/>
@@ -6665,7 +9936,14 @@
                 <a:latin typeface="Meiryo UI" panose="020B0604030504040204" pitchFamily="50" charset="-128"/>
                 <a:ea typeface="Meiryo UI" panose="020B0604030504040204" pitchFamily="50" charset="-128"/>
               </a:rPr>
-              <a:t>では、ソリューション開発の考え方～デバイスレイヤ～</a:t>
+              <a:t>では、ソリューション開発</a:t>
+            </a:r>
+            <a:r>
+              <a:rPr kumimoji="1" lang="ja-JP" altLang="en-US" dirty="0" smtClean="0">
+                <a:latin typeface="Meiryo UI" panose="020B0604030504040204" pitchFamily="50" charset="-128"/>
+                <a:ea typeface="Meiryo UI" panose="020B0604030504040204" pitchFamily="50" charset="-128"/>
+              </a:rPr>
+              <a:t>の手法～デバイスレイヤ～</a:t>
             </a:r>
             <a:r>
               <a:rPr kumimoji="1" lang="en-US" altLang="ja-JP" dirty="0" smtClean="0">
@@ -6679,7 +9957,28 @@
                 <a:latin typeface="Meiryo UI" panose="020B0604030504040204" pitchFamily="50" charset="-128"/>
                 <a:ea typeface="Meiryo UI" panose="020B0604030504040204" pitchFamily="50" charset="-128"/>
               </a:rPr>
-              <a:t>レイヤ～上位レイヤまで、</a:t>
+              <a:t>レイヤ～</a:t>
+            </a:r>
+            <a:r>
+              <a:rPr kumimoji="1" lang="en-US" altLang="ja-JP" dirty="0" smtClean="0">
+                <a:latin typeface="Meiryo UI" panose="020B0604030504040204" pitchFamily="50" charset="-128"/>
+                <a:ea typeface="Meiryo UI" panose="020B0604030504040204" pitchFamily="50" charset="-128"/>
+              </a:rPr>
+              <a:t>AI</a:t>
+            </a:r>
+            <a:r>
+              <a:rPr kumimoji="1" lang="ja-JP" altLang="en-US" dirty="0" smtClean="0">
+                <a:latin typeface="Meiryo UI" panose="020B0604030504040204" pitchFamily="50" charset="-128"/>
+                <a:ea typeface="Meiryo UI" panose="020B0604030504040204" pitchFamily="50" charset="-128"/>
+              </a:rPr>
+              <a:t>ビッグデータ解析まで、総合的</a:t>
+            </a:r>
+            <a:r>
+              <a:rPr kumimoji="1" lang="ja-JP" altLang="en-US" dirty="0" smtClean="0">
+                <a:latin typeface="Meiryo UI" panose="020B0604030504040204" pitchFamily="50" charset="-128"/>
+                <a:ea typeface="Meiryo UI" panose="020B0604030504040204" pitchFamily="50" charset="-128"/>
+              </a:rPr>
+              <a:t>に学んできました。</a:t>
             </a:r>
             <a:endParaRPr kumimoji="1" lang="en-US" altLang="ja-JP" dirty="0" smtClean="0">
               <a:latin typeface="Meiryo UI" panose="020B0604030504040204" pitchFamily="50" charset="-128"/>
@@ -6687,19 +9986,6 @@
             </a:endParaRPr>
           </a:p>
           <a:p>
-            <a:r>
-              <a:rPr kumimoji="1" lang="ja-JP" altLang="en-US" dirty="0" smtClean="0">
-                <a:latin typeface="Meiryo UI" panose="020B0604030504040204" pitchFamily="50" charset="-128"/>
-                <a:ea typeface="Meiryo UI" panose="020B0604030504040204" pitchFamily="50" charset="-128"/>
-              </a:rPr>
-              <a:t>総合的に学んできました。</a:t>
-            </a:r>
-            <a:endParaRPr kumimoji="1" lang="en-US" altLang="ja-JP" dirty="0" smtClean="0">
-              <a:latin typeface="Meiryo UI" panose="020B0604030504040204" pitchFamily="50" charset="-128"/>
-              <a:ea typeface="Meiryo UI" panose="020B0604030504040204" pitchFamily="50" charset="-128"/>
-            </a:endParaRPr>
-          </a:p>
-          <a:p>
             <a:endParaRPr kumimoji="1" lang="en-US" altLang="ja-JP" sz="900" dirty="0" smtClean="0">
               <a:latin typeface="Meiryo UI" panose="020B0604030504040204" pitchFamily="50" charset="-128"/>
               <a:ea typeface="Meiryo UI" panose="020B0604030504040204" pitchFamily="50" charset="-128"/>
@@ -6707,7 +9993,7 @@
           </a:p>
           <a:p>
             <a:r>
-              <a:rPr kumimoji="1" lang="ja-JP" altLang="en-US" dirty="0" smtClean="0">
+              <a:rPr kumimoji="1" lang="ja-JP" altLang="en-US" sz="2000" dirty="0" smtClean="0">
                 <a:solidFill>
                   <a:srgbClr val="006600"/>
                 </a:solidFill>
@@ -6716,7 +10002,7 @@
               </a:rPr>
               <a:t>今回開発では、</a:t>
             </a:r>
-            <a:endParaRPr kumimoji="1" lang="en-US" altLang="ja-JP" dirty="0" smtClean="0">
+            <a:endParaRPr kumimoji="1" lang="en-US" altLang="ja-JP" sz="2000" dirty="0" smtClean="0">
               <a:solidFill>
                 <a:srgbClr val="006600"/>
               </a:solidFill>
@@ -6726,7 +10012,7 @@
           </a:p>
           <a:p>
             <a:r>
-              <a:rPr kumimoji="1" lang="ja-JP" altLang="en-US" dirty="0">
+              <a:rPr kumimoji="1" lang="ja-JP" altLang="en-US" sz="2000" dirty="0">
                 <a:solidFill>
                   <a:srgbClr val="006600"/>
                 </a:solidFill>
@@ -6736,7 +10022,7 @@
               <a:t>　</a:t>
             </a:r>
             <a:r>
-              <a:rPr kumimoji="1" lang="ja-JP" altLang="en-US" dirty="0" smtClean="0">
+              <a:rPr kumimoji="1" lang="ja-JP" altLang="en-US" sz="2000" dirty="0" smtClean="0">
                 <a:solidFill>
                   <a:srgbClr val="006600"/>
                 </a:solidFill>
@@ -6746,7 +10032,7 @@
               <a:t>①奥様の</a:t>
             </a:r>
             <a:r>
-              <a:rPr kumimoji="1" lang="ja-JP" altLang="en-US" b="1" u="sng" dirty="0" smtClean="0">
+              <a:rPr kumimoji="1" lang="ja-JP" altLang="en-US" sz="2000" b="1" u="sng" dirty="0" smtClean="0">
                 <a:solidFill>
                   <a:srgbClr val="C00000"/>
                 </a:solidFill>
@@ -6756,7 +10042,7 @@
               <a:t>バイタルデータ（心拍）を取得</a:t>
             </a:r>
             <a:r>
-              <a:rPr kumimoji="1" lang="ja-JP" altLang="en-US" dirty="0" smtClean="0">
+              <a:rPr kumimoji="1" lang="ja-JP" altLang="en-US" sz="2000" dirty="0" smtClean="0">
                 <a:solidFill>
                   <a:srgbClr val="006600"/>
                 </a:solidFill>
@@ -6765,7 +10051,7 @@
               </a:rPr>
               <a:t>し、</a:t>
             </a:r>
-            <a:endParaRPr kumimoji="1" lang="en-US" altLang="ja-JP" dirty="0" smtClean="0">
+            <a:endParaRPr kumimoji="1" lang="en-US" altLang="ja-JP" sz="2000" dirty="0" smtClean="0">
               <a:solidFill>
                 <a:srgbClr val="006600"/>
               </a:solidFill>
@@ -6775,7 +10061,7 @@
           </a:p>
           <a:p>
             <a:r>
-              <a:rPr kumimoji="1" lang="ja-JP" altLang="en-US" dirty="0">
+              <a:rPr kumimoji="1" lang="ja-JP" altLang="en-US" sz="2000" dirty="0">
                 <a:solidFill>
                   <a:srgbClr val="006600"/>
                 </a:solidFill>
@@ -6785,36 +10071,36 @@
               <a:t>　</a:t>
             </a:r>
             <a:r>
-              <a:rPr kumimoji="1" lang="ja-JP" altLang="en-US" dirty="0" smtClean="0">
+              <a:rPr kumimoji="1" lang="ja-JP" altLang="en-US" sz="2000" dirty="0" smtClean="0">
                 <a:solidFill>
                   <a:srgbClr val="006600"/>
                 </a:solidFill>
                 <a:latin typeface="Meiryo UI" panose="020B0604030504040204" pitchFamily="50" charset="-128"/>
                 <a:ea typeface="Meiryo UI" panose="020B0604030504040204" pitchFamily="50" charset="-128"/>
               </a:rPr>
-              <a:t>②</a:t>
-            </a:r>
-            <a:r>
-              <a:rPr kumimoji="1" lang="en-US" altLang="ja-JP" b="1" u="sng" dirty="0" smtClean="0">
+              <a:t>②クラウドに蓄積した</a:t>
+            </a:r>
+            <a:r>
+              <a:rPr kumimoji="1" lang="ja-JP" altLang="en-US" sz="2000" b="1" u="sng" dirty="0" smtClean="0">
                 <a:solidFill>
                   <a:srgbClr val="C00000"/>
                 </a:solidFill>
                 <a:latin typeface="Meiryo UI" panose="020B0604030504040204" pitchFamily="50" charset="-128"/>
                 <a:ea typeface="Meiryo UI" panose="020B0604030504040204" pitchFamily="50" charset="-128"/>
               </a:rPr>
-              <a:t>LINE</a:t>
-            </a:r>
-            <a:r>
-              <a:rPr kumimoji="1" lang="ja-JP" altLang="en-US" dirty="0" smtClean="0">
+              <a:t>バイタルデータから、奥様の感情状態を解析し</a:t>
+            </a:r>
+            <a:r>
+              <a:rPr kumimoji="1" lang="ja-JP" altLang="en-US" sz="2000" dirty="0" smtClean="0">
                 <a:solidFill>
                   <a:srgbClr val="006600"/>
                 </a:solidFill>
                 <a:latin typeface="Meiryo UI" panose="020B0604030504040204" pitchFamily="50" charset="-128"/>
                 <a:ea typeface="Meiryo UI" panose="020B0604030504040204" pitchFamily="50" charset="-128"/>
               </a:rPr>
-              <a:t>で、奥様のバイタルデータを確認をでき、</a:t>
-            </a:r>
-            <a:endParaRPr kumimoji="1" lang="en-US" altLang="ja-JP" dirty="0" smtClean="0">
+              <a:t>、</a:t>
+            </a:r>
+            <a:endParaRPr kumimoji="1" lang="en-US" altLang="ja-JP" sz="2000" dirty="0" smtClean="0">
               <a:solidFill>
                 <a:srgbClr val="006600"/>
               </a:solidFill>
@@ -6824,46 +10110,76 @@
           </a:p>
           <a:p>
             <a:r>
-              <a:rPr kumimoji="1" lang="ja-JP" altLang="en-US" dirty="0">
+              <a:rPr kumimoji="1" lang="ja-JP" altLang="en-US" sz="2000" dirty="0">
                 <a:solidFill>
                   <a:srgbClr val="006600"/>
                 </a:solidFill>
                 <a:latin typeface="Meiryo UI" panose="020B0604030504040204" pitchFamily="50" charset="-128"/>
                 <a:ea typeface="Meiryo UI" panose="020B0604030504040204" pitchFamily="50" charset="-128"/>
               </a:rPr>
-              <a:t>　</a:t>
-            </a:r>
-            <a:r>
-              <a:rPr kumimoji="1" lang="ja-JP" altLang="en-US" dirty="0" smtClean="0">
-                <a:solidFill>
-                  <a:srgbClr val="006600"/>
+              <a:t>　③</a:t>
+            </a:r>
+            <a:r>
+              <a:rPr kumimoji="1" lang="en-US" altLang="ja-JP" sz="2000" b="1" u="sng" dirty="0" smtClean="0">
+                <a:solidFill>
+                  <a:srgbClr val="C00000"/>
                 </a:solidFill>
                 <a:latin typeface="Meiryo UI" panose="020B0604030504040204" pitchFamily="50" charset="-128"/>
                 <a:ea typeface="Meiryo UI" panose="020B0604030504040204" pitchFamily="50" charset="-128"/>
               </a:rPr>
-              <a:t>③クラウドから、ご主人の動きを</a:t>
-            </a:r>
-            <a:r>
-              <a:rPr kumimoji="1" lang="ja-JP" altLang="en-US" b="1" u="sng" dirty="0" smtClean="0">
-                <a:solidFill>
-                  <a:srgbClr val="C00000"/>
+              <a:t>LINE</a:t>
+            </a:r>
+            <a:r>
+              <a:rPr kumimoji="1" lang="ja-JP" altLang="en-US" sz="2000" dirty="0" smtClean="0">
+                <a:solidFill>
+                  <a:srgbClr val="006600"/>
                 </a:solidFill>
                 <a:latin typeface="Meiryo UI" panose="020B0604030504040204" pitchFamily="50" charset="-128"/>
                 <a:ea typeface="Meiryo UI" panose="020B0604030504040204" pitchFamily="50" charset="-128"/>
               </a:rPr>
-              <a:t>リコメンドする</a:t>
-            </a:r>
-            <a:r>
-              <a:rPr kumimoji="1" lang="ja-JP" altLang="en-US" dirty="0" smtClean="0">
+              <a:t>で</a:t>
+            </a:r>
+            <a:r>
+              <a:rPr kumimoji="1" lang="ja-JP" altLang="en-US" sz="2000" dirty="0">
                 <a:solidFill>
                   <a:srgbClr val="006600"/>
                 </a:solidFill>
                 <a:latin typeface="Meiryo UI" panose="020B0604030504040204" pitchFamily="50" charset="-128"/>
                 <a:ea typeface="Meiryo UI" panose="020B0604030504040204" pitchFamily="50" charset="-128"/>
               </a:rPr>
-              <a:t>ソリューションを試作開発をした。</a:t>
-            </a:r>
-            <a:endParaRPr kumimoji="1" lang="en-US" altLang="ja-JP" dirty="0">
+              <a:t>、ご主人の動きを</a:t>
+            </a:r>
+            <a:r>
+              <a:rPr kumimoji="1" lang="ja-JP" altLang="en-US" sz="2000" b="1" u="sng" dirty="0">
+                <a:solidFill>
+                  <a:srgbClr val="C00000"/>
+                </a:solidFill>
+                <a:latin typeface="Meiryo UI" panose="020B0604030504040204" pitchFamily="50" charset="-128"/>
+                <a:ea typeface="Meiryo UI" panose="020B0604030504040204" pitchFamily="50" charset="-128"/>
+              </a:rPr>
+              <a:t>リコメンドする</a:t>
+            </a:r>
+            <a:r>
+              <a:rPr kumimoji="1" lang="ja-JP" altLang="en-US" sz="2000" dirty="0">
+                <a:solidFill>
+                  <a:srgbClr val="006600"/>
+                </a:solidFill>
+                <a:latin typeface="Meiryo UI" panose="020B0604030504040204" pitchFamily="50" charset="-128"/>
+                <a:ea typeface="Meiryo UI" panose="020B0604030504040204" pitchFamily="50" charset="-128"/>
+              </a:rPr>
+              <a:t>ソリューションを試作開発を</a:t>
+            </a:r>
+            <a:r>
+              <a:rPr kumimoji="1" lang="ja-JP" altLang="en-US" sz="2000" dirty="0" smtClean="0">
+                <a:solidFill>
+                  <a:srgbClr val="006600"/>
+                </a:solidFill>
+                <a:latin typeface="Meiryo UI" panose="020B0604030504040204" pitchFamily="50" charset="-128"/>
+                <a:ea typeface="Meiryo UI" panose="020B0604030504040204" pitchFamily="50" charset="-128"/>
+              </a:rPr>
+              <a:t>しました。</a:t>
+            </a:r>
+            <a:endParaRPr kumimoji="1" lang="en-US" altLang="ja-JP" sz="2000" dirty="0">
               <a:solidFill>
                 <a:srgbClr val="006600"/>
               </a:solidFill>
@@ -6875,553 +10191,45 @@
       </p:sp>
       <p:grpSp>
         <p:nvGrpSpPr>
-          <p:cNvPr id="62" name="グループ化 61"/>
+          <p:cNvPr id="40" name="グループ化 39"/>
           <p:cNvGrpSpPr/>
           <p:nvPr/>
         </p:nvGrpSpPr>
         <p:grpSpPr>
           <a:xfrm>
-            <a:off x="366456" y="2652397"/>
-            <a:ext cx="9949229" cy="2721186"/>
-            <a:chOff x="198815" y="3338198"/>
-            <a:chExt cx="9949229" cy="2721186"/>
+            <a:off x="404474" y="3246436"/>
+            <a:ext cx="3048209" cy="2171832"/>
+            <a:chOff x="562880" y="2919094"/>
+            <a:chExt cx="8788973" cy="3644696"/>
           </a:xfrm>
         </p:grpSpPr>
-        <p:grpSp>
-          <p:nvGrpSpPr>
-            <p:cNvPr id="40" name="グループ化 39"/>
-            <p:cNvGrpSpPr/>
+        <p:pic>
+          <p:nvPicPr>
+            <p:cNvPr id="26" name="図 25"/>
+            <p:cNvPicPr>
+              <a:picLocks noChangeAspect="1"/>
+            </p:cNvPicPr>
             <p:nvPr/>
-          </p:nvGrpSpPr>
-          <p:grpSpPr>
-            <a:xfrm>
-              <a:off x="198815" y="3721223"/>
-              <a:ext cx="4070883" cy="2338161"/>
-              <a:chOff x="562880" y="2919094"/>
-              <a:chExt cx="8788973" cy="3698671"/>
-            </a:xfrm>
-          </p:grpSpPr>
-          <p:pic>
-            <p:nvPicPr>
-              <p:cNvPr id="26" name="図 25"/>
-              <p:cNvPicPr>
-                <a:picLocks noChangeAspect="1"/>
-              </p:cNvPicPr>
-              <p:nvPr/>
-            </p:nvPicPr>
-            <p:blipFill>
-              <a:blip r:embed="rId2"/>
-              <a:stretch>
-                <a:fillRect/>
-              </a:stretch>
-            </p:blipFill>
-            <p:spPr>
-              <a:xfrm>
-                <a:off x="5669324" y="5483476"/>
-                <a:ext cx="856034" cy="925559"/>
-              </a:xfrm>
-              <a:prstGeom prst="rect">
-                <a:avLst/>
-              </a:prstGeom>
-            </p:spPr>
-          </p:pic>
-          <p:pic>
-            <p:nvPicPr>
-              <p:cNvPr id="27" name="図 26"/>
-              <p:cNvPicPr>
-                <a:picLocks noChangeAspect="1"/>
-              </p:cNvPicPr>
-              <p:nvPr/>
-            </p:nvPicPr>
-            <p:blipFill>
-              <a:blip r:embed="rId3"/>
-              <a:stretch>
-                <a:fillRect/>
-              </a:stretch>
-            </p:blipFill>
-            <p:spPr>
-              <a:xfrm>
-                <a:off x="2459915" y="5750482"/>
-                <a:ext cx="969505" cy="526905"/>
-              </a:xfrm>
-              <a:prstGeom prst="rect">
-                <a:avLst/>
-              </a:prstGeom>
-            </p:spPr>
-          </p:pic>
-          <p:pic>
-            <p:nvPicPr>
-              <p:cNvPr id="28" name="図 27"/>
-              <p:cNvPicPr>
-                <a:picLocks noChangeAspect="1"/>
-              </p:cNvPicPr>
-              <p:nvPr/>
-            </p:nvPicPr>
-            <p:blipFill>
-              <a:blip r:embed="rId4"/>
-              <a:stretch>
-                <a:fillRect/>
-              </a:stretch>
-            </p:blipFill>
-            <p:spPr>
-              <a:xfrm>
-                <a:off x="7654151" y="5650882"/>
-                <a:ext cx="773089" cy="716396"/>
-              </a:xfrm>
-              <a:prstGeom prst="rect">
-                <a:avLst/>
-              </a:prstGeom>
-            </p:spPr>
-          </p:pic>
-          <p:pic>
-            <p:nvPicPr>
-              <p:cNvPr id="30" name="図 29"/>
-              <p:cNvPicPr>
-                <a:picLocks noChangeAspect="1"/>
-              </p:cNvPicPr>
-              <p:nvPr/>
-            </p:nvPicPr>
-            <p:blipFill>
-              <a:blip r:embed="rId5"/>
-              <a:stretch>
-                <a:fillRect/>
-              </a:stretch>
-            </p:blipFill>
-            <p:spPr>
-              <a:xfrm>
-                <a:off x="6611205" y="5750481"/>
-                <a:ext cx="1103200" cy="715140"/>
-              </a:xfrm>
-              <a:prstGeom prst="rect">
-                <a:avLst/>
-              </a:prstGeom>
-            </p:spPr>
-          </p:pic>
-          <p:pic>
-            <p:nvPicPr>
-              <p:cNvPr id="31" name="図 30"/>
-              <p:cNvPicPr>
-                <a:picLocks noChangeAspect="1"/>
-              </p:cNvPicPr>
-              <p:nvPr/>
-            </p:nvPicPr>
-            <p:blipFill>
-              <a:blip r:embed="rId6"/>
-              <a:stretch>
-                <a:fillRect/>
-              </a:stretch>
-            </p:blipFill>
-            <p:spPr>
-              <a:xfrm>
-                <a:off x="3725151" y="5541446"/>
-                <a:ext cx="1052178" cy="935269"/>
-              </a:xfrm>
-              <a:prstGeom prst="rect">
-                <a:avLst/>
-              </a:prstGeom>
-            </p:spPr>
-          </p:pic>
-          <p:pic>
-            <p:nvPicPr>
-              <p:cNvPr id="32" name="図 31"/>
-              <p:cNvPicPr>
-                <a:picLocks noChangeAspect="1"/>
-              </p:cNvPicPr>
-              <p:nvPr/>
-            </p:nvPicPr>
-            <p:blipFill>
-              <a:blip r:embed="rId7"/>
-              <a:stretch>
-                <a:fillRect/>
-              </a:stretch>
-            </p:blipFill>
-            <p:spPr>
-              <a:xfrm>
-                <a:off x="8529545" y="5614663"/>
-                <a:ext cx="822308" cy="786241"/>
-              </a:xfrm>
-              <a:prstGeom prst="rect">
-                <a:avLst/>
-              </a:prstGeom>
-            </p:spPr>
-          </p:pic>
-          <p:pic>
-            <p:nvPicPr>
-              <p:cNvPr id="33" name="図 32"/>
-              <p:cNvPicPr>
-                <a:picLocks noChangeAspect="1"/>
-              </p:cNvPicPr>
-              <p:nvPr/>
-            </p:nvPicPr>
-            <p:blipFill>
-              <a:blip r:embed="rId8"/>
-              <a:stretch>
-                <a:fillRect/>
-              </a:stretch>
-            </p:blipFill>
-            <p:spPr>
-              <a:xfrm>
-                <a:off x="4756537" y="5595352"/>
-                <a:ext cx="889617" cy="910968"/>
-              </a:xfrm>
-              <a:prstGeom prst="rect">
-                <a:avLst/>
-              </a:prstGeom>
-            </p:spPr>
-          </p:pic>
-          <p:sp>
-            <p:nvSpPr>
-              <p:cNvPr id="34" name="テキスト ボックス 33"/>
-              <p:cNvSpPr txBox="1"/>
-              <p:nvPr/>
-            </p:nvSpPr>
-            <p:spPr>
-              <a:xfrm>
-                <a:off x="562880" y="5595352"/>
-                <a:ext cx="2329851" cy="1022413"/>
-              </a:xfrm>
-              <a:prstGeom prst="rect">
-                <a:avLst/>
-              </a:prstGeom>
-              <a:noFill/>
-            </p:spPr>
-            <p:txBody>
-              <a:bodyPr wrap="none" rtlCol="0">
-                <a:spAutoFit/>
-              </a:bodyPr>
-              <a:lstStyle/>
-              <a:p>
-                <a:r>
-                  <a:rPr kumimoji="1" lang="ja-JP" altLang="en-US" sz="1200" dirty="0" smtClean="0">
-                    <a:latin typeface="Meiryo UI" panose="020B0604030504040204" pitchFamily="50" charset="-128"/>
-                    <a:ea typeface="Meiryo UI" panose="020B0604030504040204" pitchFamily="50" charset="-128"/>
-                  </a:rPr>
-                  <a:t>デバイスの</a:t>
-                </a:r>
-                <a:endParaRPr kumimoji="1" lang="en-US" altLang="ja-JP" sz="1200" dirty="0" smtClean="0">
-                  <a:latin typeface="Meiryo UI" panose="020B0604030504040204" pitchFamily="50" charset="-128"/>
-                  <a:ea typeface="Meiryo UI" panose="020B0604030504040204" pitchFamily="50" charset="-128"/>
-                </a:endParaRPr>
-              </a:p>
-              <a:p>
-                <a:r>
-                  <a:rPr kumimoji="1" lang="ja-JP" altLang="en-US" sz="1200" dirty="0">
-                    <a:latin typeface="Meiryo UI" panose="020B0604030504040204" pitchFamily="50" charset="-128"/>
-                    <a:ea typeface="Meiryo UI" panose="020B0604030504040204" pitchFamily="50" charset="-128"/>
-                  </a:rPr>
-                  <a:t>センサ</a:t>
-                </a:r>
-                <a:r>
-                  <a:rPr kumimoji="1" lang="ja-JP" altLang="en-US" sz="1200" dirty="0" smtClean="0">
-                    <a:latin typeface="Meiryo UI" panose="020B0604030504040204" pitchFamily="50" charset="-128"/>
-                    <a:ea typeface="Meiryo UI" panose="020B0604030504040204" pitchFamily="50" charset="-128"/>
-                  </a:rPr>
-                  <a:t>ーから</a:t>
-                </a:r>
-                <a:endParaRPr kumimoji="1" lang="en-US" altLang="ja-JP" sz="1200" dirty="0" smtClean="0">
-                  <a:latin typeface="Meiryo UI" panose="020B0604030504040204" pitchFamily="50" charset="-128"/>
-                  <a:ea typeface="Meiryo UI" panose="020B0604030504040204" pitchFamily="50" charset="-128"/>
-                </a:endParaRPr>
-              </a:p>
-              <a:p>
-                <a:r>
-                  <a:rPr kumimoji="1" lang="ja-JP" altLang="en-US" sz="1200" dirty="0" smtClean="0">
-                    <a:latin typeface="Meiryo UI" panose="020B0604030504040204" pitchFamily="50" charset="-128"/>
-                    <a:ea typeface="Meiryo UI" panose="020B0604030504040204" pitchFamily="50" charset="-128"/>
-                  </a:rPr>
-                  <a:t>取得したデータ</a:t>
-                </a:r>
-                <a:endParaRPr kumimoji="1" lang="ja-JP" altLang="en-US" sz="1200" dirty="0">
-                  <a:latin typeface="Meiryo UI" panose="020B0604030504040204" pitchFamily="50" charset="-128"/>
-                  <a:ea typeface="Meiryo UI" panose="020B0604030504040204" pitchFamily="50" charset="-128"/>
-                </a:endParaRPr>
-              </a:p>
-            </p:txBody>
-          </p:sp>
-          <p:sp>
-            <p:nvSpPr>
-              <p:cNvPr id="36" name="円柱 35"/>
-              <p:cNvSpPr/>
-              <p:nvPr/>
-            </p:nvSpPr>
-            <p:spPr>
-              <a:xfrm>
-                <a:off x="4379364" y="2919094"/>
-                <a:ext cx="1845578" cy="1299218"/>
-              </a:xfrm>
-              <a:prstGeom prst="can">
-                <a:avLst/>
-              </a:prstGeom>
-            </p:spPr>
-            <p:style>
-              <a:lnRef idx="2">
-                <a:schemeClr val="accent1">
-                  <a:shade val="50000"/>
-                </a:schemeClr>
-              </a:lnRef>
-              <a:fillRef idx="1">
-                <a:schemeClr val="accent1"/>
-              </a:fillRef>
-              <a:effectRef idx="0">
-                <a:schemeClr val="accent1"/>
-              </a:effectRef>
-              <a:fontRef idx="minor">
-                <a:schemeClr val="lt1"/>
-              </a:fontRef>
-            </p:style>
-            <p:txBody>
-              <a:bodyPr rtlCol="0" anchor="ctr"/>
-              <a:lstStyle/>
-              <a:p>
-                <a:pPr algn="ctr"/>
-                <a:r>
-                  <a:rPr kumimoji="1" lang="ja-JP" altLang="en-US" sz="1000" dirty="0" smtClean="0">
-                    <a:latin typeface="Meiryo UI" panose="020B0604030504040204" pitchFamily="50" charset="-128"/>
-                    <a:ea typeface="Meiryo UI" panose="020B0604030504040204" pitchFamily="50" charset="-128"/>
-                  </a:rPr>
-                  <a:t>クラウド</a:t>
-                </a:r>
-                <a:r>
-                  <a:rPr kumimoji="1" lang="en-US" altLang="ja-JP" sz="1000" dirty="0" smtClean="0">
-                    <a:latin typeface="Meiryo UI" panose="020B0604030504040204" pitchFamily="50" charset="-128"/>
-                    <a:ea typeface="Meiryo UI" panose="020B0604030504040204" pitchFamily="50" charset="-128"/>
-                  </a:rPr>
-                  <a:t>/</a:t>
-                </a:r>
-              </a:p>
-              <a:p>
-                <a:pPr algn="ctr"/>
-                <a:r>
-                  <a:rPr kumimoji="1" lang="ja-JP" altLang="en-US" sz="1000" dirty="0" smtClean="0">
-                    <a:latin typeface="Meiryo UI" panose="020B0604030504040204" pitchFamily="50" charset="-128"/>
-                    <a:ea typeface="Meiryo UI" panose="020B0604030504040204" pitchFamily="50" charset="-128"/>
-                  </a:rPr>
-                  <a:t>ビッグデータ・</a:t>
-                </a:r>
-                <a:r>
-                  <a:rPr kumimoji="1" lang="en-US" altLang="ja-JP" sz="1000" dirty="0" smtClean="0">
-                    <a:latin typeface="Meiryo UI" panose="020B0604030504040204" pitchFamily="50" charset="-128"/>
-                    <a:ea typeface="Meiryo UI" panose="020B0604030504040204" pitchFamily="50" charset="-128"/>
-                  </a:rPr>
-                  <a:t>AI</a:t>
-                </a:r>
-                <a:endParaRPr kumimoji="1" lang="ja-JP" altLang="en-US" sz="1000" dirty="0">
-                  <a:latin typeface="Meiryo UI" panose="020B0604030504040204" pitchFamily="50" charset="-128"/>
-                  <a:ea typeface="Meiryo UI" panose="020B0604030504040204" pitchFamily="50" charset="-128"/>
-                </a:endParaRPr>
-              </a:p>
-            </p:txBody>
-          </p:sp>
-          <p:sp>
-            <p:nvSpPr>
-              <p:cNvPr id="37" name="雲 36"/>
-              <p:cNvSpPr/>
-              <p:nvPr/>
-            </p:nvSpPr>
-            <p:spPr>
-              <a:xfrm>
-                <a:off x="2459915" y="4416576"/>
-                <a:ext cx="5794090" cy="958362"/>
-              </a:xfrm>
-              <a:prstGeom prst="cloud">
-                <a:avLst/>
-              </a:prstGeom>
-            </p:spPr>
-            <p:style>
-              <a:lnRef idx="2">
-                <a:schemeClr val="accent1">
-                  <a:shade val="50000"/>
-                </a:schemeClr>
-              </a:lnRef>
-              <a:fillRef idx="1">
-                <a:schemeClr val="accent1"/>
-              </a:fillRef>
-              <a:effectRef idx="0">
-                <a:schemeClr val="accent1"/>
-              </a:effectRef>
-              <a:fontRef idx="minor">
-                <a:schemeClr val="lt1"/>
-              </a:fontRef>
-            </p:style>
-            <p:txBody>
-              <a:bodyPr rtlCol="0" anchor="ctr"/>
-              <a:lstStyle/>
-              <a:p>
-                <a:pPr algn="ctr"/>
-                <a:r>
-                  <a:rPr kumimoji="1" lang="ja-JP" altLang="en-US" sz="1200" dirty="0" smtClean="0">
-                    <a:latin typeface="Meiryo UI" panose="020B0604030504040204" pitchFamily="50" charset="-128"/>
-                    <a:ea typeface="Meiryo UI" panose="020B0604030504040204" pitchFamily="50" charset="-128"/>
-                  </a:rPr>
-                  <a:t>セルラー、</a:t>
-                </a:r>
-                <a:r>
-                  <a:rPr kumimoji="1" lang="en-US" altLang="ja-JP" sz="1200" dirty="0" smtClean="0">
-                    <a:latin typeface="Meiryo UI" panose="020B0604030504040204" pitchFamily="50" charset="-128"/>
-                    <a:ea typeface="Meiryo UI" panose="020B0604030504040204" pitchFamily="50" charset="-128"/>
-                  </a:rPr>
-                  <a:t>LPWA</a:t>
-                </a:r>
-                <a:r>
-                  <a:rPr kumimoji="1" lang="ja-JP" altLang="en-US" sz="1200" dirty="0" err="1" smtClean="0">
-                    <a:latin typeface="Meiryo UI" panose="020B0604030504040204" pitchFamily="50" charset="-128"/>
-                    <a:ea typeface="Meiryo UI" panose="020B0604030504040204" pitchFamily="50" charset="-128"/>
-                  </a:rPr>
-                  <a:t>、</a:t>
-                </a:r>
-                <a:r>
-                  <a:rPr kumimoji="1" lang="ja-JP" altLang="en-US" sz="1200" dirty="0" smtClean="0">
-                    <a:latin typeface="Meiryo UI" panose="020B0604030504040204" pitchFamily="50" charset="-128"/>
-                    <a:ea typeface="Meiryo UI" panose="020B0604030504040204" pitchFamily="50" charset="-128"/>
-                  </a:rPr>
-                  <a:t>他</a:t>
-                </a:r>
-                <a:endParaRPr kumimoji="1" lang="ja-JP" altLang="en-US" sz="1200" dirty="0">
-                  <a:latin typeface="Meiryo UI" panose="020B0604030504040204" pitchFamily="50" charset="-128"/>
-                  <a:ea typeface="Meiryo UI" panose="020B0604030504040204" pitchFamily="50" charset="-128"/>
-                </a:endParaRPr>
-              </a:p>
-            </p:txBody>
-          </p:sp>
-          <p:sp>
-            <p:nvSpPr>
-              <p:cNvPr id="38" name="テキスト ボックス 37"/>
-              <p:cNvSpPr txBox="1"/>
-              <p:nvPr/>
-            </p:nvSpPr>
-            <p:spPr>
-              <a:xfrm>
-                <a:off x="562880" y="4598968"/>
-                <a:ext cx="1845329" cy="438177"/>
-              </a:xfrm>
-              <a:prstGeom prst="rect">
-                <a:avLst/>
-              </a:prstGeom>
-              <a:noFill/>
-            </p:spPr>
-            <p:txBody>
-              <a:bodyPr wrap="none" rtlCol="0">
-                <a:spAutoFit/>
-              </a:bodyPr>
-              <a:lstStyle/>
-              <a:p>
-                <a:r>
-                  <a:rPr kumimoji="1" lang="ja-JP" altLang="en-US" sz="1200" dirty="0" smtClean="0">
-                    <a:latin typeface="Meiryo UI" panose="020B0604030504040204" pitchFamily="50" charset="-128"/>
-                    <a:ea typeface="Meiryo UI" panose="020B0604030504040204" pitchFamily="50" charset="-128"/>
-                  </a:rPr>
-                  <a:t>ネットワーク</a:t>
-                </a:r>
-                <a:endParaRPr kumimoji="1" lang="ja-JP" altLang="en-US" sz="1200" dirty="0">
-                  <a:latin typeface="Meiryo UI" panose="020B0604030504040204" pitchFamily="50" charset="-128"/>
-                  <a:ea typeface="Meiryo UI" panose="020B0604030504040204" pitchFamily="50" charset="-128"/>
-                </a:endParaRPr>
-              </a:p>
-            </p:txBody>
-          </p:sp>
-          <p:sp>
-            <p:nvSpPr>
-              <p:cNvPr id="39" name="テキスト ボックス 38"/>
-              <p:cNvSpPr txBox="1"/>
-              <p:nvPr/>
-            </p:nvSpPr>
-            <p:spPr>
-              <a:xfrm>
-                <a:off x="562880" y="3328122"/>
-                <a:ext cx="2433676" cy="730295"/>
-              </a:xfrm>
-              <a:prstGeom prst="rect">
-                <a:avLst/>
-              </a:prstGeom>
-              <a:noFill/>
-            </p:spPr>
-            <p:txBody>
-              <a:bodyPr wrap="none" rtlCol="0">
-                <a:spAutoFit/>
-              </a:bodyPr>
-              <a:lstStyle/>
-              <a:p>
-                <a:r>
-                  <a:rPr kumimoji="1" lang="ja-JP" altLang="en-US" sz="1200" dirty="0" smtClean="0">
-                    <a:latin typeface="Meiryo UI" panose="020B0604030504040204" pitchFamily="50" charset="-128"/>
-                    <a:ea typeface="Meiryo UI" panose="020B0604030504040204" pitchFamily="50" charset="-128"/>
-                  </a:rPr>
-                  <a:t>クラウド、</a:t>
-                </a:r>
-                <a:endParaRPr kumimoji="1" lang="en-US" altLang="ja-JP" sz="1200" dirty="0" smtClean="0">
-                  <a:latin typeface="Meiryo UI" panose="020B0604030504040204" pitchFamily="50" charset="-128"/>
-                  <a:ea typeface="Meiryo UI" panose="020B0604030504040204" pitchFamily="50" charset="-128"/>
-                </a:endParaRPr>
-              </a:p>
-              <a:p>
-                <a:r>
-                  <a:rPr kumimoji="1" lang="ja-JP" altLang="en-US" sz="1200" dirty="0" smtClean="0">
-                    <a:latin typeface="Meiryo UI" panose="020B0604030504040204" pitchFamily="50" charset="-128"/>
-                    <a:ea typeface="Meiryo UI" panose="020B0604030504040204" pitchFamily="50" charset="-128"/>
-                  </a:rPr>
-                  <a:t>ビッグデータ、</a:t>
-                </a:r>
-                <a:r>
-                  <a:rPr kumimoji="1" lang="en-US" altLang="ja-JP" sz="1200" dirty="0" smtClean="0">
-                    <a:latin typeface="Meiryo UI" panose="020B0604030504040204" pitchFamily="50" charset="-128"/>
-                    <a:ea typeface="Meiryo UI" panose="020B0604030504040204" pitchFamily="50" charset="-128"/>
-                  </a:rPr>
-                  <a:t>AI</a:t>
-                </a:r>
-                <a:endParaRPr kumimoji="1" lang="ja-JP" altLang="en-US" sz="1200" dirty="0">
-                  <a:latin typeface="Meiryo UI" panose="020B0604030504040204" pitchFamily="50" charset="-128"/>
-                  <a:ea typeface="Meiryo UI" panose="020B0604030504040204" pitchFamily="50" charset="-128"/>
-                </a:endParaRPr>
-              </a:p>
-            </p:txBody>
-          </p:sp>
-        </p:grpSp>
-        <p:sp>
-          <p:nvSpPr>
-            <p:cNvPr id="41" name="右矢印 40"/>
-            <p:cNvSpPr/>
-            <p:nvPr/>
-          </p:nvSpPr>
+          </p:nvPicPr>
+          <p:blipFill>
+            <a:blip r:embed="rId2"/>
+            <a:stretch>
+              <a:fillRect/>
+            </a:stretch>
+          </p:blipFill>
           <p:spPr>
             <a:xfrm>
-              <a:off x="4094044" y="3969982"/>
-              <a:ext cx="355270" cy="1193422"/>
+              <a:off x="5669324" y="5483476"/>
+              <a:ext cx="856034" cy="925559"/>
             </a:xfrm>
-            <a:prstGeom prst="rightArrow">
+            <a:prstGeom prst="rect">
               <a:avLst/>
             </a:prstGeom>
           </p:spPr>
-          <p:style>
-            <a:lnRef idx="2">
-              <a:schemeClr val="accent1">
-                <a:shade val="50000"/>
-              </a:schemeClr>
-            </a:lnRef>
-            <a:fillRef idx="1">
-              <a:schemeClr val="accent1"/>
-            </a:fillRef>
-            <a:effectRef idx="0">
-              <a:schemeClr val="accent1"/>
-            </a:effectRef>
-            <a:fontRef idx="minor">
-              <a:schemeClr val="lt1"/>
-            </a:fontRef>
-          </p:style>
-          <p:txBody>
-            <a:bodyPr rtlCol="0" anchor="ctr"/>
-            <a:lstStyle/>
-            <a:p>
-              <a:pPr algn="ctr"/>
-              <a:endParaRPr kumimoji="1" lang="ja-JP" altLang="en-US">
-                <a:latin typeface="Meiryo UI" panose="020B0604030504040204" pitchFamily="50" charset="-128"/>
-                <a:ea typeface="Meiryo UI" panose="020B0604030504040204" pitchFamily="50" charset="-128"/>
-              </a:endParaRPr>
-            </a:p>
-          </p:txBody>
-        </p:sp>
+        </p:pic>
         <p:pic>
           <p:nvPicPr>
-            <p:cNvPr id="44" name="図 43"/>
+            <p:cNvPr id="27" name="図 26"/>
             <p:cNvPicPr>
               <a:picLocks noChangeAspect="1"/>
             </p:cNvPicPr>
@@ -7435,8 +10243,128 @@
           </p:blipFill>
           <p:spPr>
             <a:xfrm>
-              <a:off x="6240948" y="5459361"/>
-              <a:ext cx="517893" cy="333090"/>
+              <a:off x="2459915" y="5750482"/>
+              <a:ext cx="969505" cy="526905"/>
+            </a:xfrm>
+            <a:prstGeom prst="rect">
+              <a:avLst/>
+            </a:prstGeom>
+          </p:spPr>
+        </p:pic>
+        <p:pic>
+          <p:nvPicPr>
+            <p:cNvPr id="28" name="図 27"/>
+            <p:cNvPicPr>
+              <a:picLocks noChangeAspect="1"/>
+            </p:cNvPicPr>
+            <p:nvPr/>
+          </p:nvPicPr>
+          <p:blipFill>
+            <a:blip r:embed="rId4"/>
+            <a:stretch>
+              <a:fillRect/>
+            </a:stretch>
+          </p:blipFill>
+          <p:spPr>
+            <a:xfrm>
+              <a:off x="7654151" y="5650882"/>
+              <a:ext cx="773089" cy="716396"/>
+            </a:xfrm>
+            <a:prstGeom prst="rect">
+              <a:avLst/>
+            </a:prstGeom>
+          </p:spPr>
+        </p:pic>
+        <p:pic>
+          <p:nvPicPr>
+            <p:cNvPr id="30" name="図 29"/>
+            <p:cNvPicPr>
+              <a:picLocks noChangeAspect="1"/>
+            </p:cNvPicPr>
+            <p:nvPr/>
+          </p:nvPicPr>
+          <p:blipFill>
+            <a:blip r:embed="rId5"/>
+            <a:stretch>
+              <a:fillRect/>
+            </a:stretch>
+          </p:blipFill>
+          <p:spPr>
+            <a:xfrm>
+              <a:off x="6611205" y="5750481"/>
+              <a:ext cx="1103200" cy="715140"/>
+            </a:xfrm>
+            <a:prstGeom prst="rect">
+              <a:avLst/>
+            </a:prstGeom>
+          </p:spPr>
+        </p:pic>
+        <p:pic>
+          <p:nvPicPr>
+            <p:cNvPr id="31" name="図 30"/>
+            <p:cNvPicPr>
+              <a:picLocks noChangeAspect="1"/>
+            </p:cNvPicPr>
+            <p:nvPr/>
+          </p:nvPicPr>
+          <p:blipFill>
+            <a:blip r:embed="rId6"/>
+            <a:stretch>
+              <a:fillRect/>
+            </a:stretch>
+          </p:blipFill>
+          <p:spPr>
+            <a:xfrm>
+              <a:off x="3725151" y="5541446"/>
+              <a:ext cx="1052178" cy="935269"/>
+            </a:xfrm>
+            <a:prstGeom prst="rect">
+              <a:avLst/>
+            </a:prstGeom>
+          </p:spPr>
+        </p:pic>
+        <p:pic>
+          <p:nvPicPr>
+            <p:cNvPr id="32" name="図 31"/>
+            <p:cNvPicPr>
+              <a:picLocks noChangeAspect="1"/>
+            </p:cNvPicPr>
+            <p:nvPr/>
+          </p:nvPicPr>
+          <p:blipFill>
+            <a:blip r:embed="rId7"/>
+            <a:stretch>
+              <a:fillRect/>
+            </a:stretch>
+          </p:blipFill>
+          <p:spPr>
+            <a:xfrm>
+              <a:off x="8529545" y="5614663"/>
+              <a:ext cx="822308" cy="786241"/>
+            </a:xfrm>
+            <a:prstGeom prst="rect">
+              <a:avLst/>
+            </a:prstGeom>
+          </p:spPr>
+        </p:pic>
+        <p:pic>
+          <p:nvPicPr>
+            <p:cNvPr id="33" name="図 32"/>
+            <p:cNvPicPr>
+              <a:picLocks noChangeAspect="1"/>
+            </p:cNvPicPr>
+            <p:nvPr/>
+          </p:nvPicPr>
+          <p:blipFill>
+            <a:blip r:embed="rId8"/>
+            <a:stretch>
+              <a:fillRect/>
+            </a:stretch>
+          </p:blipFill>
+          <p:spPr>
+            <a:xfrm>
+              <a:off x="4756537" y="5595352"/>
+              <a:ext cx="889617" cy="910968"/>
             </a:xfrm>
             <a:prstGeom prst="rect">
               <a:avLst/>
@@ -7445,14 +10373,14 @@
         </p:pic>
         <p:sp>
           <p:nvSpPr>
-            <p:cNvPr id="50" name="テキスト ボックス 49"/>
+            <p:cNvPr id="34" name="テキスト ボックス 33"/>
             <p:cNvSpPr txBox="1"/>
             <p:nvPr/>
           </p:nvSpPr>
           <p:spPr>
             <a:xfrm>
-              <a:off x="4958424" y="5302741"/>
-              <a:ext cx="1079142" cy="646331"/>
+              <a:off x="562880" y="5595352"/>
+              <a:ext cx="2801844" cy="968438"/>
             </a:xfrm>
             <a:prstGeom prst="rect">
               <a:avLst/>
@@ -7466,46 +10394,46 @@
             <a:lstStyle/>
             <a:p>
               <a:r>
-                <a:rPr kumimoji="1" lang="ja-JP" altLang="en-US" sz="1200" dirty="0" smtClean="0">
+                <a:rPr kumimoji="1" lang="ja-JP" altLang="en-US" sz="1050" dirty="0" smtClean="0">
                   <a:latin typeface="Meiryo UI" panose="020B0604030504040204" pitchFamily="50" charset="-128"/>
                   <a:ea typeface="Meiryo UI" panose="020B0604030504040204" pitchFamily="50" charset="-128"/>
                 </a:rPr>
                 <a:t>デバイスの</a:t>
               </a:r>
-              <a:endParaRPr kumimoji="1" lang="en-US" altLang="ja-JP" sz="1200" dirty="0" smtClean="0">
+              <a:endParaRPr kumimoji="1" lang="en-US" altLang="ja-JP" sz="1050" dirty="0" smtClean="0">
                 <a:latin typeface="Meiryo UI" panose="020B0604030504040204" pitchFamily="50" charset="-128"/>
                 <a:ea typeface="Meiryo UI" panose="020B0604030504040204" pitchFamily="50" charset="-128"/>
               </a:endParaRPr>
             </a:p>
             <a:p>
               <a:r>
-                <a:rPr kumimoji="1" lang="ja-JP" altLang="en-US" sz="1200" dirty="0">
+                <a:rPr kumimoji="1" lang="ja-JP" altLang="en-US" sz="1050" dirty="0">
                   <a:latin typeface="Meiryo UI" panose="020B0604030504040204" pitchFamily="50" charset="-128"/>
                   <a:ea typeface="Meiryo UI" panose="020B0604030504040204" pitchFamily="50" charset="-128"/>
                 </a:rPr>
                 <a:t>センサ</a:t>
               </a:r>
               <a:r>
-                <a:rPr kumimoji="1" lang="ja-JP" altLang="en-US" sz="1200" dirty="0" smtClean="0">
+                <a:rPr kumimoji="1" lang="ja-JP" altLang="en-US" sz="1050" dirty="0" smtClean="0">
                   <a:latin typeface="Meiryo UI" panose="020B0604030504040204" pitchFamily="50" charset="-128"/>
                   <a:ea typeface="Meiryo UI" panose="020B0604030504040204" pitchFamily="50" charset="-128"/>
                 </a:rPr>
                 <a:t>ーから</a:t>
               </a:r>
-              <a:endParaRPr kumimoji="1" lang="en-US" altLang="ja-JP" sz="1200" dirty="0" smtClean="0">
+              <a:endParaRPr kumimoji="1" lang="en-US" altLang="ja-JP" sz="1050" dirty="0" smtClean="0">
                 <a:latin typeface="Meiryo UI" panose="020B0604030504040204" pitchFamily="50" charset="-128"/>
                 <a:ea typeface="Meiryo UI" panose="020B0604030504040204" pitchFamily="50" charset="-128"/>
               </a:endParaRPr>
             </a:p>
             <a:p>
               <a:r>
-                <a:rPr kumimoji="1" lang="ja-JP" altLang="en-US" sz="1200" dirty="0" smtClean="0">
+                <a:rPr kumimoji="1" lang="ja-JP" altLang="en-US" sz="1050" dirty="0" smtClean="0">
                   <a:latin typeface="Meiryo UI" panose="020B0604030504040204" pitchFamily="50" charset="-128"/>
                   <a:ea typeface="Meiryo UI" panose="020B0604030504040204" pitchFamily="50" charset="-128"/>
                 </a:rPr>
                 <a:t>取得したデータ</a:t>
               </a:r>
-              <a:endParaRPr kumimoji="1" lang="ja-JP" altLang="en-US" sz="1200" dirty="0">
+              <a:endParaRPr kumimoji="1" lang="ja-JP" altLang="en-US" sz="1050" dirty="0">
                 <a:latin typeface="Meiryo UI" panose="020B0604030504040204" pitchFamily="50" charset="-128"/>
                 <a:ea typeface="Meiryo UI" panose="020B0604030504040204" pitchFamily="50" charset="-128"/>
               </a:endParaRPr>
@@ -7514,14 +10442,14 @@
         </p:sp>
         <p:sp>
           <p:nvSpPr>
-            <p:cNvPr id="51" name="円柱 50"/>
+            <p:cNvPr id="36" name="円柱 35"/>
             <p:cNvSpPr/>
             <p:nvPr/>
           </p:nvSpPr>
           <p:spPr>
             <a:xfrm>
-              <a:off x="7031539" y="3702702"/>
-              <a:ext cx="722330" cy="680419"/>
+              <a:off x="4379364" y="2919094"/>
+              <a:ext cx="1845578" cy="1299218"/>
             </a:xfrm>
             <a:prstGeom prst="can">
               <a:avLst/>
@@ -7549,13 +10477,37 @@
             <a:p>
               <a:pPr algn="ctr"/>
               <a:r>
-                <a:rPr kumimoji="1" lang="ja-JP" altLang="en-US" sz="1000" dirty="0" smtClean="0">
+                <a:rPr kumimoji="1" lang="ja-JP" altLang="en-US" sz="800" dirty="0" smtClean="0">
                   <a:latin typeface="Meiryo UI" panose="020B0604030504040204" pitchFamily="50" charset="-128"/>
                   <a:ea typeface="Meiryo UI" panose="020B0604030504040204" pitchFamily="50" charset="-128"/>
                 </a:rPr>
                 <a:t>クラウド</a:t>
               </a:r>
-              <a:endParaRPr kumimoji="1" lang="ja-JP" altLang="en-US" sz="1000" dirty="0">
+              <a:r>
+                <a:rPr kumimoji="1" lang="en-US" altLang="ja-JP" sz="800" dirty="0" smtClean="0">
+                  <a:latin typeface="Meiryo UI" panose="020B0604030504040204" pitchFamily="50" charset="-128"/>
+                  <a:ea typeface="Meiryo UI" panose="020B0604030504040204" pitchFamily="50" charset="-128"/>
+                </a:rPr>
+                <a:t>/</a:t>
+              </a:r>
+            </a:p>
+            <a:p>
+              <a:pPr algn="ctr"/>
+              <a:r>
+                <a:rPr kumimoji="1" lang="ja-JP" altLang="en-US" sz="800" dirty="0" smtClean="0">
+                  <a:latin typeface="Meiryo UI" panose="020B0604030504040204" pitchFamily="50" charset="-128"/>
+                  <a:ea typeface="Meiryo UI" panose="020B0604030504040204" pitchFamily="50" charset="-128"/>
+                </a:rPr>
+                <a:t>ビッグデータ・</a:t>
+              </a:r>
+              <a:r>
+                <a:rPr kumimoji="1" lang="en-US" altLang="ja-JP" sz="800" dirty="0" smtClean="0">
+                  <a:latin typeface="Meiryo UI" panose="020B0604030504040204" pitchFamily="50" charset="-128"/>
+                  <a:ea typeface="Meiryo UI" panose="020B0604030504040204" pitchFamily="50" charset="-128"/>
+                </a:rPr>
+                <a:t>AI</a:t>
+              </a:r>
+              <a:endParaRPr kumimoji="1" lang="ja-JP" altLang="en-US" sz="800" dirty="0">
                 <a:latin typeface="Meiryo UI" panose="020B0604030504040204" pitchFamily="50" charset="-128"/>
                 <a:ea typeface="Meiryo UI" panose="020B0604030504040204" pitchFamily="50" charset="-128"/>
               </a:endParaRPr>
@@ -7564,14 +10516,14 @@
         </p:sp>
         <p:sp>
           <p:nvSpPr>
-            <p:cNvPr id="52" name="雲 51"/>
+            <p:cNvPr id="37" name="雲 36"/>
             <p:cNvSpPr/>
             <p:nvPr/>
           </p:nvSpPr>
           <p:spPr>
             <a:xfrm>
-              <a:off x="5734396" y="4557563"/>
-              <a:ext cx="3095106" cy="605841"/>
+              <a:off x="2459915" y="4556804"/>
+              <a:ext cx="5794090" cy="678958"/>
             </a:xfrm>
             <a:prstGeom prst="cloud">
               <a:avLst/>
@@ -7599,27 +10551,34 @@
             <a:p>
               <a:pPr algn="ctr"/>
               <a:r>
-                <a:rPr kumimoji="1" lang="ja-JP" altLang="en-US" sz="1200" dirty="0" smtClean="0">
+                <a:rPr kumimoji="1" lang="ja-JP" altLang="en-US" sz="1050" dirty="0" smtClean="0">
                   <a:latin typeface="Meiryo UI" panose="020B0604030504040204" pitchFamily="50" charset="-128"/>
                   <a:ea typeface="Meiryo UI" panose="020B0604030504040204" pitchFamily="50" charset="-128"/>
                 </a:rPr>
-                <a:t>４</a:t>
+                <a:t>セルラー、</a:t>
               </a:r>
               <a:r>
-                <a:rPr kumimoji="1" lang="en-US" altLang="ja-JP" sz="1200" dirty="0" smtClean="0">
+                <a:rPr kumimoji="1" lang="en-US" altLang="ja-JP" sz="1050" dirty="0" smtClean="0">
                   <a:latin typeface="Meiryo UI" panose="020B0604030504040204" pitchFamily="50" charset="-128"/>
                   <a:ea typeface="Meiryo UI" panose="020B0604030504040204" pitchFamily="50" charset="-128"/>
                 </a:rPr>
-                <a:t>G</a:t>
+                <a:t>LPWA</a:t>
               </a:r>
               <a:r>
-                <a:rPr kumimoji="1" lang="ja-JP" altLang="en-US" sz="1200" dirty="0" smtClean="0">
+                <a:rPr kumimoji="1" lang="ja-JP" altLang="en-US" sz="1050" dirty="0" err="1" smtClean="0">
                   <a:latin typeface="Meiryo UI" panose="020B0604030504040204" pitchFamily="50" charset="-128"/>
                   <a:ea typeface="Meiryo UI" panose="020B0604030504040204" pitchFamily="50" charset="-128"/>
                 </a:rPr>
-                <a:t>回線</a:t>
+                <a:t>、</a:t>
               </a:r>
-              <a:endParaRPr kumimoji="1" lang="ja-JP" altLang="en-US" sz="1200" dirty="0">
+              <a:r>
+                <a:rPr kumimoji="1" lang="ja-JP" altLang="en-US" sz="1050" dirty="0" smtClean="0">
+                  <a:latin typeface="Meiryo UI" panose="020B0604030504040204" pitchFamily="50" charset="-128"/>
+                  <a:ea typeface="Meiryo UI" panose="020B0604030504040204" pitchFamily="50" charset="-128"/>
+                </a:rPr>
+                <a:t>他</a:t>
+              </a:r>
+              <a:endParaRPr kumimoji="1" lang="ja-JP" altLang="en-US" sz="1050" dirty="0">
                 <a:latin typeface="Meiryo UI" panose="020B0604030504040204" pitchFamily="50" charset="-128"/>
                 <a:ea typeface="Meiryo UI" panose="020B0604030504040204" pitchFamily="50" charset="-128"/>
               </a:endParaRPr>
@@ -7628,14 +10587,14 @@
         </p:sp>
         <p:sp>
           <p:nvSpPr>
-            <p:cNvPr id="53" name="テキスト ボックス 52"/>
+            <p:cNvPr id="38" name="テキスト ボックス 37"/>
             <p:cNvSpPr txBox="1"/>
             <p:nvPr/>
           </p:nvSpPr>
           <p:spPr>
             <a:xfrm>
-              <a:off x="4958424" y="4672864"/>
-              <a:ext cx="854721" cy="276999"/>
+              <a:off x="562880" y="4598967"/>
+              <a:ext cx="2307290" cy="439025"/>
             </a:xfrm>
             <a:prstGeom prst="rect">
               <a:avLst/>
@@ -7649,13 +10608,13 @@
             <a:lstStyle/>
             <a:p>
               <a:r>
-                <a:rPr kumimoji="1" lang="ja-JP" altLang="en-US" sz="1200" dirty="0" smtClean="0">
+                <a:rPr kumimoji="1" lang="ja-JP" altLang="en-US" sz="1050" dirty="0" smtClean="0">
                   <a:latin typeface="Meiryo UI" panose="020B0604030504040204" pitchFamily="50" charset="-128"/>
                   <a:ea typeface="Meiryo UI" panose="020B0604030504040204" pitchFamily="50" charset="-128"/>
                 </a:rPr>
                 <a:t>ネットワーク</a:t>
               </a:r>
-              <a:endParaRPr kumimoji="1" lang="ja-JP" altLang="en-US" sz="1200" dirty="0">
+              <a:endParaRPr kumimoji="1" lang="ja-JP" altLang="en-US" sz="1050" dirty="0">
                 <a:latin typeface="Meiryo UI" panose="020B0604030504040204" pitchFamily="50" charset="-128"/>
                 <a:ea typeface="Meiryo UI" panose="020B0604030504040204" pitchFamily="50" charset="-128"/>
               </a:endParaRPr>
@@ -7664,14 +10623,14 @@
         </p:sp>
         <p:sp>
           <p:nvSpPr>
-            <p:cNvPr id="54" name="テキスト ボックス 53"/>
+            <p:cNvPr id="39" name="テキスト ボックス 38"/>
             <p:cNvSpPr txBox="1"/>
             <p:nvPr/>
           </p:nvSpPr>
           <p:spPr>
             <a:xfrm>
-              <a:off x="4958424" y="3869482"/>
-              <a:ext cx="1127232" cy="461665"/>
+              <a:off x="562880" y="3328122"/>
+              <a:ext cx="3023698" cy="723100"/>
             </a:xfrm>
             <a:prstGeom prst="rect">
               <a:avLst/>
@@ -7685,371 +10644,33 @@
             <a:lstStyle/>
             <a:p>
               <a:r>
-                <a:rPr kumimoji="1" lang="ja-JP" altLang="en-US" sz="1200" dirty="0" smtClean="0">
+                <a:rPr kumimoji="1" lang="ja-JP" altLang="en-US" sz="1050" dirty="0" smtClean="0">
                   <a:latin typeface="Meiryo UI" panose="020B0604030504040204" pitchFamily="50" charset="-128"/>
                   <a:ea typeface="Meiryo UI" panose="020B0604030504040204" pitchFamily="50" charset="-128"/>
                 </a:rPr>
                 <a:t>クラウド、</a:t>
               </a:r>
-              <a:endParaRPr kumimoji="1" lang="en-US" altLang="ja-JP" sz="1200" dirty="0" smtClean="0">
+              <a:endParaRPr kumimoji="1" lang="en-US" altLang="ja-JP" sz="1050" dirty="0" smtClean="0">
                 <a:latin typeface="Meiryo UI" panose="020B0604030504040204" pitchFamily="50" charset="-128"/>
                 <a:ea typeface="Meiryo UI" panose="020B0604030504040204" pitchFamily="50" charset="-128"/>
               </a:endParaRPr>
             </a:p>
             <a:p>
               <a:r>
-                <a:rPr kumimoji="1" lang="ja-JP" altLang="en-US" sz="1200" dirty="0" smtClean="0">
+                <a:rPr kumimoji="1" lang="ja-JP" altLang="en-US" sz="1050" dirty="0" smtClean="0">
                   <a:latin typeface="Meiryo UI" panose="020B0604030504040204" pitchFamily="50" charset="-128"/>
                   <a:ea typeface="Meiryo UI" panose="020B0604030504040204" pitchFamily="50" charset="-128"/>
                 </a:rPr>
                 <a:t>ビッグデータ、</a:t>
               </a:r>
               <a:r>
-                <a:rPr kumimoji="1" lang="en-US" altLang="ja-JP" sz="1200" dirty="0" smtClean="0">
+                <a:rPr kumimoji="1" lang="en-US" altLang="ja-JP" sz="1050" dirty="0" smtClean="0">
                   <a:latin typeface="Meiryo UI" panose="020B0604030504040204" pitchFamily="50" charset="-128"/>
                   <a:ea typeface="Meiryo UI" panose="020B0604030504040204" pitchFamily="50" charset="-128"/>
                 </a:rPr>
                 <a:t>AI</a:t>
               </a:r>
-              <a:endParaRPr kumimoji="1" lang="ja-JP" altLang="en-US" sz="1200" dirty="0">
-                <a:latin typeface="Meiryo UI" panose="020B0604030504040204" pitchFamily="50" charset="-128"/>
-                <a:ea typeface="Meiryo UI" panose="020B0604030504040204" pitchFamily="50" charset="-128"/>
-              </a:endParaRPr>
-            </a:p>
-          </p:txBody>
-        </p:sp>
-        <p:sp>
-          <p:nvSpPr>
-            <p:cNvPr id="55" name="テキスト ボックス 54"/>
-            <p:cNvSpPr txBox="1"/>
-            <p:nvPr/>
-          </p:nvSpPr>
-          <p:spPr>
-            <a:xfrm>
-              <a:off x="1670399" y="3365669"/>
-              <a:ext cx="2077813" cy="369332"/>
-            </a:xfrm>
-            <a:prstGeom prst="rect">
-              <a:avLst/>
-            </a:prstGeom>
-            <a:noFill/>
-          </p:spPr>
-          <p:txBody>
-            <a:bodyPr wrap="none" rtlCol="0">
-              <a:spAutoFit/>
-            </a:bodyPr>
-            <a:lstStyle/>
-            <a:p>
-              <a:r>
-                <a:rPr kumimoji="1" lang="en-US" altLang="ja-JP" dirty="0" smtClean="0">
-                  <a:latin typeface="Meiryo UI" panose="020B0604030504040204" pitchFamily="50" charset="-128"/>
-                  <a:ea typeface="Meiryo UI" panose="020B0604030504040204" pitchFamily="50" charset="-128"/>
-                </a:rPr>
-                <a:t>【</a:t>
-              </a:r>
-              <a:r>
-                <a:rPr kumimoji="1" lang="ja-JP" altLang="en-US" dirty="0" smtClean="0">
-                  <a:latin typeface="Meiryo UI" panose="020B0604030504040204" pitchFamily="50" charset="-128"/>
-                  <a:ea typeface="Meiryo UI" panose="020B0604030504040204" pitchFamily="50" charset="-128"/>
-                </a:rPr>
-                <a:t>一般的なサービス</a:t>
-              </a:r>
-              <a:r>
-                <a:rPr kumimoji="1" lang="en-US" altLang="ja-JP" dirty="0" smtClean="0">
-                  <a:latin typeface="Meiryo UI" panose="020B0604030504040204" pitchFamily="50" charset="-128"/>
-                  <a:ea typeface="Meiryo UI" panose="020B0604030504040204" pitchFamily="50" charset="-128"/>
-                </a:rPr>
-                <a:t>】</a:t>
-              </a:r>
-              <a:endParaRPr kumimoji="1" lang="en-US" altLang="ja-JP" dirty="0">
-                <a:latin typeface="Meiryo UI" panose="020B0604030504040204" pitchFamily="50" charset="-128"/>
-                <a:ea typeface="Meiryo UI" panose="020B0604030504040204" pitchFamily="50" charset="-128"/>
-              </a:endParaRPr>
-            </a:p>
-          </p:txBody>
-        </p:sp>
-        <p:sp>
-          <p:nvSpPr>
-            <p:cNvPr id="56" name="テキスト ボックス 55"/>
-            <p:cNvSpPr txBox="1"/>
-            <p:nvPr/>
-          </p:nvSpPr>
-          <p:spPr>
-            <a:xfrm>
-              <a:off x="5130760" y="3338198"/>
-              <a:ext cx="1800493" cy="369332"/>
-            </a:xfrm>
-            <a:prstGeom prst="rect">
-              <a:avLst/>
-            </a:prstGeom>
-            <a:noFill/>
-          </p:spPr>
-          <p:txBody>
-            <a:bodyPr wrap="none" rtlCol="0">
-              <a:spAutoFit/>
-            </a:bodyPr>
-            <a:lstStyle/>
-            <a:p>
-              <a:r>
-                <a:rPr kumimoji="1" lang="en-US" altLang="ja-JP" dirty="0" smtClean="0">
-                  <a:latin typeface="Meiryo UI" panose="020B0604030504040204" pitchFamily="50" charset="-128"/>
-                  <a:ea typeface="Meiryo UI" panose="020B0604030504040204" pitchFamily="50" charset="-128"/>
-                </a:rPr>
-                <a:t>【</a:t>
-              </a:r>
-              <a:r>
-                <a:rPr kumimoji="1" lang="ja-JP" altLang="en-US" dirty="0" smtClean="0">
-                  <a:latin typeface="Meiryo UI" panose="020B0604030504040204" pitchFamily="50" charset="-128"/>
-                  <a:ea typeface="Meiryo UI" panose="020B0604030504040204" pitchFamily="50" charset="-128"/>
-                </a:rPr>
-                <a:t>今回開発内容</a:t>
-              </a:r>
-              <a:r>
-                <a:rPr kumimoji="1" lang="en-US" altLang="ja-JP" dirty="0" smtClean="0">
-                  <a:latin typeface="Meiryo UI" panose="020B0604030504040204" pitchFamily="50" charset="-128"/>
-                  <a:ea typeface="Meiryo UI" panose="020B0604030504040204" pitchFamily="50" charset="-128"/>
-                </a:rPr>
-                <a:t>】</a:t>
-              </a:r>
-              <a:endParaRPr kumimoji="1" lang="en-US" altLang="ja-JP" dirty="0">
-                <a:latin typeface="Meiryo UI" panose="020B0604030504040204" pitchFamily="50" charset="-128"/>
-                <a:ea typeface="Meiryo UI" panose="020B0604030504040204" pitchFamily="50" charset="-128"/>
-              </a:endParaRPr>
-            </a:p>
-          </p:txBody>
-        </p:sp>
-        <p:sp>
-          <p:nvSpPr>
-            <p:cNvPr id="57" name="テキスト ボックス 56"/>
-            <p:cNvSpPr txBox="1"/>
-            <p:nvPr/>
-          </p:nvSpPr>
-          <p:spPr>
-            <a:xfrm>
-              <a:off x="6742378" y="5413053"/>
-              <a:ext cx="2117887" cy="461665"/>
-            </a:xfrm>
-            <a:prstGeom prst="rect">
-              <a:avLst/>
-            </a:prstGeom>
-            <a:noFill/>
-          </p:spPr>
-          <p:txBody>
-            <a:bodyPr wrap="none" rtlCol="0">
-              <a:spAutoFit/>
-            </a:bodyPr>
-            <a:lstStyle/>
-            <a:p>
-              <a:r>
-                <a:rPr kumimoji="1" lang="ja-JP" altLang="en-US" sz="1200" dirty="0" smtClean="0">
-                  <a:latin typeface="Meiryo UI" panose="020B0604030504040204" pitchFamily="50" charset="-128"/>
-                  <a:ea typeface="Meiryo UI" panose="020B0604030504040204" pitchFamily="50" charset="-128"/>
-                </a:rPr>
-                <a:t>奥様につけた、</a:t>
-              </a:r>
-              <a:endParaRPr kumimoji="1" lang="en-US" altLang="ja-JP" sz="1200" dirty="0" smtClean="0">
-                <a:latin typeface="Meiryo UI" panose="020B0604030504040204" pitchFamily="50" charset="-128"/>
-                <a:ea typeface="Meiryo UI" panose="020B0604030504040204" pitchFamily="50" charset="-128"/>
-              </a:endParaRPr>
-            </a:p>
-            <a:p>
-              <a:r>
-                <a:rPr kumimoji="1" lang="ja-JP" altLang="en-US" sz="1200" dirty="0" smtClean="0">
-                  <a:solidFill>
-                    <a:srgbClr val="0000CC"/>
-                  </a:solidFill>
-                  <a:latin typeface="Meiryo UI" panose="020B0604030504040204" pitchFamily="50" charset="-128"/>
-                  <a:ea typeface="Meiryo UI" panose="020B0604030504040204" pitchFamily="50" charset="-128"/>
-                </a:rPr>
-                <a:t>バイタルデータ（心拍センサー）</a:t>
-              </a:r>
-              <a:endParaRPr kumimoji="1" lang="en-US" altLang="ja-JP" sz="1200" dirty="0" smtClean="0">
-                <a:solidFill>
-                  <a:srgbClr val="0000CC"/>
-                </a:solidFill>
-                <a:latin typeface="Meiryo UI" panose="020B0604030504040204" pitchFamily="50" charset="-128"/>
-                <a:ea typeface="Meiryo UI" panose="020B0604030504040204" pitchFamily="50" charset="-128"/>
-              </a:endParaRPr>
-            </a:p>
-          </p:txBody>
-        </p:sp>
-        <p:sp>
-          <p:nvSpPr>
-            <p:cNvPr id="58" name="テキスト ボックス 57"/>
-            <p:cNvSpPr txBox="1"/>
-            <p:nvPr/>
-          </p:nvSpPr>
-          <p:spPr>
-            <a:xfrm>
-              <a:off x="8783568" y="3677995"/>
-              <a:ext cx="1364476" cy="276999"/>
-            </a:xfrm>
-            <a:prstGeom prst="rect">
-              <a:avLst/>
-            </a:prstGeom>
-            <a:noFill/>
-          </p:spPr>
-          <p:txBody>
-            <a:bodyPr wrap="none" rtlCol="0">
-              <a:spAutoFit/>
-            </a:bodyPr>
-            <a:lstStyle/>
-            <a:p>
-              <a:r>
-                <a:rPr kumimoji="1" lang="ja-JP" altLang="en-US" sz="1200" b="1" dirty="0" smtClean="0">
-                  <a:latin typeface="Meiryo UI" panose="020B0604030504040204" pitchFamily="50" charset="-128"/>
-                  <a:ea typeface="Meiryo UI" panose="020B0604030504040204" pitchFamily="50" charset="-128"/>
-                </a:rPr>
-                <a:t>可視化、行動提案</a:t>
-              </a:r>
-              <a:endParaRPr kumimoji="1" lang="ja-JP" altLang="en-US" sz="1200" b="1" dirty="0">
-                <a:latin typeface="Meiryo UI" panose="020B0604030504040204" pitchFamily="50" charset="-128"/>
-                <a:ea typeface="Meiryo UI" panose="020B0604030504040204" pitchFamily="50" charset="-128"/>
-              </a:endParaRPr>
-            </a:p>
-          </p:txBody>
-        </p:sp>
-        <p:pic>
-          <p:nvPicPr>
-            <p:cNvPr id="59" name="図 58"/>
-            <p:cNvPicPr>
-              <a:picLocks noChangeAspect="1"/>
-            </p:cNvPicPr>
-            <p:nvPr/>
-          </p:nvPicPr>
-          <p:blipFill>
-            <a:blip r:embed="rId9">
-              <a:extLst>
-                <a:ext uri="{28A0092B-C50C-407E-A947-70E740481C1C}">
-                  <a14:useLocalDpi xmlns:a14="http://schemas.microsoft.com/office/drawing/2010/main" val="0"/>
-                </a:ext>
-              </a:extLst>
-            </a:blip>
-            <a:stretch>
-              <a:fillRect/>
-            </a:stretch>
-          </p:blipFill>
-          <p:spPr>
-            <a:xfrm>
-              <a:off x="9155582" y="3946977"/>
-              <a:ext cx="619492" cy="988965"/>
-            </a:xfrm>
-            <a:prstGeom prst="rect">
-              <a:avLst/>
-            </a:prstGeom>
-          </p:spPr>
-        </p:pic>
-        <p:cxnSp>
-          <p:nvCxnSpPr>
-            <p:cNvPr id="61" name="直線矢印コネクタ 60"/>
-            <p:cNvCxnSpPr/>
-            <p:nvPr/>
-          </p:nvCxnSpPr>
-          <p:spPr>
-            <a:xfrm>
-              <a:off x="7892647" y="4042911"/>
-              <a:ext cx="1145790" cy="288236"/>
-            </a:xfrm>
-            <a:prstGeom prst="straightConnector1">
-              <a:avLst/>
-            </a:prstGeom>
-            <a:ln w="38100">
-              <a:tailEnd type="triangle"/>
-            </a:ln>
-          </p:spPr>
-          <p:style>
-            <a:lnRef idx="1">
-              <a:schemeClr val="accent1"/>
-            </a:lnRef>
-            <a:fillRef idx="0">
-              <a:schemeClr val="accent1"/>
-            </a:fillRef>
-            <a:effectRef idx="0">
-              <a:schemeClr val="accent1"/>
-            </a:effectRef>
-            <a:fontRef idx="minor">
-              <a:schemeClr val="tx1"/>
-            </a:fontRef>
-          </p:style>
-        </p:cxnSp>
-        <p:sp>
-          <p:nvSpPr>
-            <p:cNvPr id="64" name="テキスト ボックス 63"/>
-            <p:cNvSpPr txBox="1"/>
-            <p:nvPr/>
-          </p:nvSpPr>
-          <p:spPr>
-            <a:xfrm>
-              <a:off x="8118947" y="3892936"/>
-              <a:ext cx="540533" cy="276999"/>
-            </a:xfrm>
-            <a:prstGeom prst="rect">
-              <a:avLst/>
-            </a:prstGeom>
-            <a:noFill/>
-          </p:spPr>
-          <p:txBody>
-            <a:bodyPr wrap="none" rtlCol="0">
-              <a:spAutoFit/>
-            </a:bodyPr>
-            <a:lstStyle/>
-            <a:p>
-              <a:r>
-                <a:rPr kumimoji="1" lang="en-US" altLang="ja-JP" sz="1200" dirty="0" smtClean="0">
-                  <a:solidFill>
-                    <a:srgbClr val="0000CC"/>
-                  </a:solidFill>
-                  <a:latin typeface="Meiryo UI" panose="020B0604030504040204" pitchFamily="50" charset="-128"/>
-                  <a:ea typeface="Meiryo UI" panose="020B0604030504040204" pitchFamily="50" charset="-128"/>
-                </a:rPr>
-                <a:t>LINE</a:t>
-              </a:r>
-              <a:endParaRPr kumimoji="1" lang="ja-JP" altLang="en-US" sz="1200" dirty="0">
-                <a:solidFill>
-                  <a:srgbClr val="0000CC"/>
-                </a:solidFill>
-                <a:latin typeface="Meiryo UI" panose="020B0604030504040204" pitchFamily="50" charset="-128"/>
-                <a:ea typeface="Meiryo UI" panose="020B0604030504040204" pitchFamily="50" charset="-128"/>
-              </a:endParaRPr>
-            </a:p>
-          </p:txBody>
-        </p:sp>
-        <p:sp>
-          <p:nvSpPr>
-            <p:cNvPr id="65" name="テキスト ボックス 64"/>
-            <p:cNvSpPr txBox="1"/>
-            <p:nvPr/>
-          </p:nvSpPr>
-          <p:spPr>
-            <a:xfrm>
-              <a:off x="7410201" y="4313104"/>
-              <a:ext cx="1548822" cy="276999"/>
-            </a:xfrm>
-            <a:prstGeom prst="rect">
-              <a:avLst/>
-            </a:prstGeom>
-            <a:noFill/>
-          </p:spPr>
-          <p:txBody>
-            <a:bodyPr wrap="none" rtlCol="0">
-              <a:spAutoFit/>
-            </a:bodyPr>
-            <a:lstStyle/>
-            <a:p>
-              <a:r>
-                <a:rPr kumimoji="1" lang="ja-JP" altLang="en-US" sz="1200" dirty="0" smtClean="0">
-                  <a:solidFill>
-                    <a:srgbClr val="0000CC"/>
-                  </a:solidFill>
-                  <a:latin typeface="Meiryo UI" panose="020B0604030504040204" pitchFamily="50" charset="-128"/>
-                  <a:ea typeface="Meiryo UI" panose="020B0604030504040204" pitchFamily="50" charset="-128"/>
-                </a:rPr>
-                <a:t>汎用的なインタフェース</a:t>
-              </a:r>
-              <a:endParaRPr kumimoji="1" lang="ja-JP" altLang="en-US" sz="1200" dirty="0">
-                <a:solidFill>
-                  <a:srgbClr val="0000CC"/>
-                </a:solidFill>
+              <a:endParaRPr kumimoji="1" lang="ja-JP" altLang="en-US" sz="1050" dirty="0">
                 <a:latin typeface="Meiryo UI" panose="020B0604030504040204" pitchFamily="50" charset="-128"/>
                 <a:ea typeface="Meiryo UI" panose="020B0604030504040204" pitchFamily="50" charset="-128"/>
               </a:endParaRPr>
@@ -8059,14 +10680,81 @@
       </p:grpSp>
       <p:sp>
         <p:nvSpPr>
-          <p:cNvPr id="63" name="テキスト ボックス 62"/>
+          <p:cNvPr id="41" name="右矢印 40"/>
+          <p:cNvSpPr/>
+          <p:nvPr/>
+        </p:nvSpPr>
+        <p:spPr>
+          <a:xfrm>
+            <a:off x="3407431" y="3553187"/>
+            <a:ext cx="355270" cy="1193422"/>
+          </a:xfrm>
+          <a:prstGeom prst="rightArrow">
+            <a:avLst/>
+          </a:prstGeom>
+        </p:spPr>
+        <p:style>
+          <a:lnRef idx="2">
+            <a:schemeClr val="accent1">
+              <a:shade val="50000"/>
+            </a:schemeClr>
+          </a:lnRef>
+          <a:fillRef idx="1">
+            <a:schemeClr val="accent1"/>
+          </a:fillRef>
+          <a:effectRef idx="0">
+            <a:schemeClr val="accent1"/>
+          </a:effectRef>
+          <a:fontRef idx="minor">
+            <a:schemeClr val="lt1"/>
+          </a:fontRef>
+        </p:style>
+        <p:txBody>
+          <a:bodyPr rtlCol="0" anchor="ctr"/>
+          <a:lstStyle/>
+          <a:p>
+            <a:pPr algn="ctr"/>
+            <a:endParaRPr kumimoji="1" lang="ja-JP" altLang="en-US">
+              <a:latin typeface="Meiryo UI" panose="020B0604030504040204" pitchFamily="50" charset="-128"/>
+              <a:ea typeface="Meiryo UI" panose="020B0604030504040204" pitchFamily="50" charset="-128"/>
+            </a:endParaRPr>
+          </a:p>
+        </p:txBody>
+      </p:sp>
+      <p:pic>
+        <p:nvPicPr>
+          <p:cNvPr id="44" name="図 43"/>
+          <p:cNvPicPr>
+            <a:picLocks noChangeAspect="1"/>
+          </p:cNvPicPr>
+          <p:nvPr/>
+        </p:nvPicPr>
+        <p:blipFill>
+          <a:blip r:embed="rId3"/>
+          <a:stretch>
+            <a:fillRect/>
+          </a:stretch>
+        </p:blipFill>
+        <p:spPr>
+          <a:xfrm>
+            <a:off x="5544883" y="5009314"/>
+            <a:ext cx="517893" cy="333090"/>
+          </a:xfrm>
+          <a:prstGeom prst="rect">
+            <a:avLst/>
+          </a:prstGeom>
+        </p:spPr>
+      </p:pic>
+      <p:sp>
+        <p:nvSpPr>
+          <p:cNvPr id="50" name="テキスト ボックス 49"/>
           <p:cNvSpPr txBox="1"/>
           <p:nvPr/>
         </p:nvSpPr>
         <p:spPr>
           <a:xfrm>
-            <a:off x="397498" y="5878897"/>
-            <a:ext cx="9684061" cy="923330"/>
+            <a:off x="4262359" y="4852694"/>
+            <a:ext cx="1079142" cy="646331"/>
           </a:xfrm>
           <a:prstGeom prst="rect">
             <a:avLst/>
@@ -8080,6 +10768,630 @@
           <a:lstStyle/>
           <a:p>
             <a:r>
+              <a:rPr kumimoji="1" lang="ja-JP" altLang="en-US" sz="1200" dirty="0" smtClean="0">
+                <a:latin typeface="Meiryo UI" panose="020B0604030504040204" pitchFamily="50" charset="-128"/>
+                <a:ea typeface="Meiryo UI" panose="020B0604030504040204" pitchFamily="50" charset="-128"/>
+              </a:rPr>
+              <a:t>デバイスの</a:t>
+            </a:r>
+            <a:endParaRPr kumimoji="1" lang="en-US" altLang="ja-JP" sz="1200" dirty="0" smtClean="0">
+              <a:latin typeface="Meiryo UI" panose="020B0604030504040204" pitchFamily="50" charset="-128"/>
+              <a:ea typeface="Meiryo UI" panose="020B0604030504040204" pitchFamily="50" charset="-128"/>
+            </a:endParaRPr>
+          </a:p>
+          <a:p>
+            <a:r>
+              <a:rPr kumimoji="1" lang="ja-JP" altLang="en-US" sz="1200" dirty="0">
+                <a:latin typeface="Meiryo UI" panose="020B0604030504040204" pitchFamily="50" charset="-128"/>
+                <a:ea typeface="Meiryo UI" panose="020B0604030504040204" pitchFamily="50" charset="-128"/>
+              </a:rPr>
+              <a:t>センサ</a:t>
+            </a:r>
+            <a:r>
+              <a:rPr kumimoji="1" lang="ja-JP" altLang="en-US" sz="1200" dirty="0" smtClean="0">
+                <a:latin typeface="Meiryo UI" panose="020B0604030504040204" pitchFamily="50" charset="-128"/>
+                <a:ea typeface="Meiryo UI" panose="020B0604030504040204" pitchFamily="50" charset="-128"/>
+              </a:rPr>
+              <a:t>ーから</a:t>
+            </a:r>
+            <a:endParaRPr kumimoji="1" lang="en-US" altLang="ja-JP" sz="1200" dirty="0" smtClean="0">
+              <a:latin typeface="Meiryo UI" panose="020B0604030504040204" pitchFamily="50" charset="-128"/>
+              <a:ea typeface="Meiryo UI" panose="020B0604030504040204" pitchFamily="50" charset="-128"/>
+            </a:endParaRPr>
+          </a:p>
+          <a:p>
+            <a:r>
+              <a:rPr kumimoji="1" lang="ja-JP" altLang="en-US" sz="1200" dirty="0" smtClean="0">
+                <a:latin typeface="Meiryo UI" panose="020B0604030504040204" pitchFamily="50" charset="-128"/>
+                <a:ea typeface="Meiryo UI" panose="020B0604030504040204" pitchFamily="50" charset="-128"/>
+              </a:rPr>
+              <a:t>取得したデータ</a:t>
+            </a:r>
+            <a:endParaRPr kumimoji="1" lang="ja-JP" altLang="en-US" sz="1200" dirty="0">
+              <a:latin typeface="Meiryo UI" panose="020B0604030504040204" pitchFamily="50" charset="-128"/>
+              <a:ea typeface="Meiryo UI" panose="020B0604030504040204" pitchFamily="50" charset="-128"/>
+            </a:endParaRPr>
+          </a:p>
+        </p:txBody>
+      </p:sp>
+      <p:sp>
+        <p:nvSpPr>
+          <p:cNvPr id="51" name="円柱 50"/>
+          <p:cNvSpPr/>
+          <p:nvPr/>
+        </p:nvSpPr>
+        <p:spPr>
+          <a:xfrm>
+            <a:off x="6216617" y="3252655"/>
+            <a:ext cx="955541" cy="780765"/>
+          </a:xfrm>
+          <a:prstGeom prst="can">
+            <a:avLst>
+              <a:gd name="adj" fmla="val 19369"/>
+            </a:avLst>
+          </a:prstGeom>
+        </p:spPr>
+        <p:style>
+          <a:lnRef idx="2">
+            <a:schemeClr val="accent1">
+              <a:shade val="50000"/>
+            </a:schemeClr>
+          </a:lnRef>
+          <a:fillRef idx="1">
+            <a:schemeClr val="accent1"/>
+          </a:fillRef>
+          <a:effectRef idx="0">
+            <a:schemeClr val="accent1"/>
+          </a:effectRef>
+          <a:fontRef idx="minor">
+            <a:schemeClr val="lt1"/>
+          </a:fontRef>
+        </p:style>
+        <p:txBody>
+          <a:bodyPr rtlCol="0" anchor="ctr"/>
+          <a:lstStyle/>
+          <a:p>
+            <a:pPr algn="ctr"/>
+            <a:r>
+              <a:rPr kumimoji="1" lang="ja-JP" altLang="en-US" sz="1200" dirty="0">
+                <a:latin typeface="Meiryo UI" panose="020B0604030504040204" pitchFamily="50" charset="-128"/>
+                <a:ea typeface="Meiryo UI" panose="020B0604030504040204" pitchFamily="50" charset="-128"/>
+              </a:rPr>
+              <a:t>クラウド</a:t>
+            </a:r>
+            <a:r>
+              <a:rPr kumimoji="1" lang="en-US" altLang="ja-JP" sz="1200" dirty="0">
+                <a:latin typeface="Meiryo UI" panose="020B0604030504040204" pitchFamily="50" charset="-128"/>
+                <a:ea typeface="Meiryo UI" panose="020B0604030504040204" pitchFamily="50" charset="-128"/>
+              </a:rPr>
+              <a:t>/</a:t>
+            </a:r>
+          </a:p>
+          <a:p>
+            <a:pPr algn="ctr"/>
+            <a:r>
+              <a:rPr kumimoji="1" lang="ja-JP" altLang="en-US" sz="1200" dirty="0">
+                <a:latin typeface="Meiryo UI" panose="020B0604030504040204" pitchFamily="50" charset="-128"/>
+                <a:ea typeface="Meiryo UI" panose="020B0604030504040204" pitchFamily="50" charset="-128"/>
+              </a:rPr>
+              <a:t>ビッグデータ・</a:t>
+            </a:r>
+            <a:r>
+              <a:rPr kumimoji="1" lang="en-US" altLang="ja-JP" sz="1200" dirty="0">
+                <a:latin typeface="Meiryo UI" panose="020B0604030504040204" pitchFamily="50" charset="-128"/>
+                <a:ea typeface="Meiryo UI" panose="020B0604030504040204" pitchFamily="50" charset="-128"/>
+              </a:rPr>
+              <a:t>AI</a:t>
+            </a:r>
+            <a:endParaRPr kumimoji="1" lang="ja-JP" altLang="en-US" sz="1200" dirty="0">
+              <a:latin typeface="Meiryo UI" panose="020B0604030504040204" pitchFamily="50" charset="-128"/>
+              <a:ea typeface="Meiryo UI" panose="020B0604030504040204" pitchFamily="50" charset="-128"/>
+            </a:endParaRPr>
+          </a:p>
+        </p:txBody>
+      </p:sp>
+      <p:sp>
+        <p:nvSpPr>
+          <p:cNvPr id="52" name="雲 51"/>
+          <p:cNvSpPr/>
+          <p:nvPr/>
+        </p:nvSpPr>
+        <p:spPr>
+          <a:xfrm>
+            <a:off x="5038331" y="4273026"/>
+            <a:ext cx="3095106" cy="371934"/>
+          </a:xfrm>
+          <a:prstGeom prst="cloud">
+            <a:avLst/>
+          </a:prstGeom>
+        </p:spPr>
+        <p:style>
+          <a:lnRef idx="2">
+            <a:schemeClr val="accent1">
+              <a:shade val="50000"/>
+            </a:schemeClr>
+          </a:lnRef>
+          <a:fillRef idx="1">
+            <a:schemeClr val="accent1"/>
+          </a:fillRef>
+          <a:effectRef idx="0">
+            <a:schemeClr val="accent1"/>
+          </a:effectRef>
+          <a:fontRef idx="minor">
+            <a:schemeClr val="lt1"/>
+          </a:fontRef>
+        </p:style>
+        <p:txBody>
+          <a:bodyPr rtlCol="0" anchor="ctr"/>
+          <a:lstStyle/>
+          <a:p>
+            <a:pPr algn="ctr"/>
+            <a:r>
+              <a:rPr kumimoji="1" lang="ja-JP" altLang="en-US" sz="1200" dirty="0" smtClean="0">
+                <a:latin typeface="Meiryo UI" panose="020B0604030504040204" pitchFamily="50" charset="-128"/>
+                <a:ea typeface="Meiryo UI" panose="020B0604030504040204" pitchFamily="50" charset="-128"/>
+              </a:rPr>
+              <a:t>４</a:t>
+            </a:r>
+            <a:r>
+              <a:rPr kumimoji="1" lang="en-US" altLang="ja-JP" sz="1200" dirty="0" smtClean="0">
+                <a:latin typeface="Meiryo UI" panose="020B0604030504040204" pitchFamily="50" charset="-128"/>
+                <a:ea typeface="Meiryo UI" panose="020B0604030504040204" pitchFamily="50" charset="-128"/>
+              </a:rPr>
+              <a:t>G</a:t>
+            </a:r>
+            <a:r>
+              <a:rPr kumimoji="1" lang="ja-JP" altLang="en-US" sz="1200" dirty="0" smtClean="0">
+                <a:latin typeface="Meiryo UI" panose="020B0604030504040204" pitchFamily="50" charset="-128"/>
+                <a:ea typeface="Meiryo UI" panose="020B0604030504040204" pitchFamily="50" charset="-128"/>
+              </a:rPr>
+              <a:t>回線</a:t>
+            </a:r>
+            <a:endParaRPr kumimoji="1" lang="ja-JP" altLang="en-US" sz="1200" dirty="0">
+              <a:latin typeface="Meiryo UI" panose="020B0604030504040204" pitchFamily="50" charset="-128"/>
+              <a:ea typeface="Meiryo UI" panose="020B0604030504040204" pitchFamily="50" charset="-128"/>
+            </a:endParaRPr>
+          </a:p>
+        </p:txBody>
+      </p:sp>
+      <p:sp>
+        <p:nvSpPr>
+          <p:cNvPr id="53" name="テキスト ボックス 52"/>
+          <p:cNvSpPr txBox="1"/>
+          <p:nvPr/>
+        </p:nvSpPr>
+        <p:spPr>
+          <a:xfrm>
+            <a:off x="4262359" y="4222817"/>
+            <a:ext cx="854721" cy="276999"/>
+          </a:xfrm>
+          <a:prstGeom prst="rect">
+            <a:avLst/>
+          </a:prstGeom>
+          <a:noFill/>
+        </p:spPr>
+        <p:txBody>
+          <a:bodyPr wrap="none" rtlCol="0">
+            <a:spAutoFit/>
+          </a:bodyPr>
+          <a:lstStyle/>
+          <a:p>
+            <a:r>
+              <a:rPr kumimoji="1" lang="ja-JP" altLang="en-US" sz="1200" dirty="0" smtClean="0">
+                <a:latin typeface="Meiryo UI" panose="020B0604030504040204" pitchFamily="50" charset="-128"/>
+                <a:ea typeface="Meiryo UI" panose="020B0604030504040204" pitchFamily="50" charset="-128"/>
+              </a:rPr>
+              <a:t>ネットワーク</a:t>
+            </a:r>
+            <a:endParaRPr kumimoji="1" lang="ja-JP" altLang="en-US" sz="1200" dirty="0">
+              <a:latin typeface="Meiryo UI" panose="020B0604030504040204" pitchFamily="50" charset="-128"/>
+              <a:ea typeface="Meiryo UI" panose="020B0604030504040204" pitchFamily="50" charset="-128"/>
+            </a:endParaRPr>
+          </a:p>
+        </p:txBody>
+      </p:sp>
+      <p:sp>
+        <p:nvSpPr>
+          <p:cNvPr id="54" name="テキスト ボックス 53"/>
+          <p:cNvSpPr txBox="1"/>
+          <p:nvPr/>
+        </p:nvSpPr>
+        <p:spPr>
+          <a:xfrm>
+            <a:off x="4262359" y="3419435"/>
+            <a:ext cx="1127232" cy="461665"/>
+          </a:xfrm>
+          <a:prstGeom prst="rect">
+            <a:avLst/>
+          </a:prstGeom>
+          <a:noFill/>
+        </p:spPr>
+        <p:txBody>
+          <a:bodyPr wrap="none" rtlCol="0">
+            <a:spAutoFit/>
+          </a:bodyPr>
+          <a:lstStyle/>
+          <a:p>
+            <a:r>
+              <a:rPr kumimoji="1" lang="ja-JP" altLang="en-US" sz="1200" dirty="0" smtClean="0">
+                <a:latin typeface="Meiryo UI" panose="020B0604030504040204" pitchFamily="50" charset="-128"/>
+                <a:ea typeface="Meiryo UI" panose="020B0604030504040204" pitchFamily="50" charset="-128"/>
+              </a:rPr>
+              <a:t>クラウド、</a:t>
+            </a:r>
+            <a:endParaRPr kumimoji="1" lang="en-US" altLang="ja-JP" sz="1200" dirty="0" smtClean="0">
+              <a:latin typeface="Meiryo UI" panose="020B0604030504040204" pitchFamily="50" charset="-128"/>
+              <a:ea typeface="Meiryo UI" panose="020B0604030504040204" pitchFamily="50" charset="-128"/>
+            </a:endParaRPr>
+          </a:p>
+          <a:p>
+            <a:r>
+              <a:rPr kumimoji="1" lang="ja-JP" altLang="en-US" sz="1200" dirty="0" smtClean="0">
+                <a:latin typeface="Meiryo UI" panose="020B0604030504040204" pitchFamily="50" charset="-128"/>
+                <a:ea typeface="Meiryo UI" panose="020B0604030504040204" pitchFamily="50" charset="-128"/>
+              </a:rPr>
+              <a:t>ビッグデータ、</a:t>
+            </a:r>
+            <a:r>
+              <a:rPr kumimoji="1" lang="en-US" altLang="ja-JP" sz="1200" dirty="0" smtClean="0">
+                <a:latin typeface="Meiryo UI" panose="020B0604030504040204" pitchFamily="50" charset="-128"/>
+                <a:ea typeface="Meiryo UI" panose="020B0604030504040204" pitchFamily="50" charset="-128"/>
+              </a:rPr>
+              <a:t>AI</a:t>
+            </a:r>
+            <a:endParaRPr kumimoji="1" lang="ja-JP" altLang="en-US" sz="1200" dirty="0">
+              <a:latin typeface="Meiryo UI" panose="020B0604030504040204" pitchFamily="50" charset="-128"/>
+              <a:ea typeface="Meiryo UI" panose="020B0604030504040204" pitchFamily="50" charset="-128"/>
+            </a:endParaRPr>
+          </a:p>
+        </p:txBody>
+      </p:sp>
+      <p:sp>
+        <p:nvSpPr>
+          <p:cNvPr id="55" name="テキスト ボックス 54"/>
+          <p:cNvSpPr txBox="1"/>
+          <p:nvPr/>
+        </p:nvSpPr>
+        <p:spPr>
+          <a:xfrm>
+            <a:off x="650910" y="2836534"/>
+            <a:ext cx="2397195" cy="369332"/>
+          </a:xfrm>
+          <a:prstGeom prst="rect">
+            <a:avLst/>
+          </a:prstGeom>
+          <a:noFill/>
+        </p:spPr>
+        <p:txBody>
+          <a:bodyPr wrap="none" rtlCol="0">
+            <a:spAutoFit/>
+          </a:bodyPr>
+          <a:lstStyle/>
+          <a:p>
+            <a:r>
+              <a:rPr kumimoji="1" lang="en-US" altLang="ja-JP" dirty="0" smtClean="0">
+                <a:latin typeface="Meiryo UI" panose="020B0604030504040204" pitchFamily="50" charset="-128"/>
+                <a:ea typeface="Meiryo UI" panose="020B0604030504040204" pitchFamily="50" charset="-128"/>
+              </a:rPr>
+              <a:t>【</a:t>
+            </a:r>
+            <a:r>
+              <a:rPr kumimoji="1" lang="ja-JP" altLang="en-US" dirty="0" smtClean="0">
+                <a:latin typeface="Meiryo UI" panose="020B0604030504040204" pitchFamily="50" charset="-128"/>
+                <a:ea typeface="Meiryo UI" panose="020B0604030504040204" pitchFamily="50" charset="-128"/>
+              </a:rPr>
+              <a:t>一般的な</a:t>
+            </a:r>
+            <a:r>
+              <a:rPr kumimoji="1" lang="en-US" altLang="ja-JP" dirty="0" smtClean="0">
+                <a:latin typeface="Meiryo UI" panose="020B0604030504040204" pitchFamily="50" charset="-128"/>
+                <a:ea typeface="Meiryo UI" panose="020B0604030504040204" pitchFamily="50" charset="-128"/>
+              </a:rPr>
+              <a:t>IoT</a:t>
+            </a:r>
+            <a:r>
+              <a:rPr kumimoji="1" lang="ja-JP" altLang="en-US" dirty="0" smtClean="0">
+                <a:latin typeface="Meiryo UI" panose="020B0604030504040204" pitchFamily="50" charset="-128"/>
+                <a:ea typeface="Meiryo UI" panose="020B0604030504040204" pitchFamily="50" charset="-128"/>
+              </a:rPr>
+              <a:t>サービス</a:t>
+            </a:r>
+            <a:r>
+              <a:rPr kumimoji="1" lang="en-US" altLang="ja-JP" dirty="0" smtClean="0">
+                <a:latin typeface="Meiryo UI" panose="020B0604030504040204" pitchFamily="50" charset="-128"/>
+                <a:ea typeface="Meiryo UI" panose="020B0604030504040204" pitchFamily="50" charset="-128"/>
+              </a:rPr>
+              <a:t>】</a:t>
+            </a:r>
+            <a:endParaRPr kumimoji="1" lang="en-US" altLang="ja-JP" dirty="0">
+              <a:latin typeface="Meiryo UI" panose="020B0604030504040204" pitchFamily="50" charset="-128"/>
+              <a:ea typeface="Meiryo UI" panose="020B0604030504040204" pitchFamily="50" charset="-128"/>
+            </a:endParaRPr>
+          </a:p>
+        </p:txBody>
+      </p:sp>
+      <p:sp>
+        <p:nvSpPr>
+          <p:cNvPr id="56" name="テキスト ボックス 55"/>
+          <p:cNvSpPr txBox="1"/>
+          <p:nvPr/>
+        </p:nvSpPr>
+        <p:spPr>
+          <a:xfrm>
+            <a:off x="4003336" y="2861274"/>
+            <a:ext cx="1800493" cy="369332"/>
+          </a:xfrm>
+          <a:prstGeom prst="rect">
+            <a:avLst/>
+          </a:prstGeom>
+          <a:noFill/>
+        </p:spPr>
+        <p:txBody>
+          <a:bodyPr wrap="none" rtlCol="0">
+            <a:spAutoFit/>
+          </a:bodyPr>
+          <a:lstStyle/>
+          <a:p>
+            <a:r>
+              <a:rPr kumimoji="1" lang="en-US" altLang="ja-JP" b="1" dirty="0" smtClean="0">
+                <a:latin typeface="Meiryo UI" panose="020B0604030504040204" pitchFamily="50" charset="-128"/>
+                <a:ea typeface="Meiryo UI" panose="020B0604030504040204" pitchFamily="50" charset="-128"/>
+              </a:rPr>
+              <a:t>【</a:t>
+            </a:r>
+            <a:r>
+              <a:rPr kumimoji="1" lang="ja-JP" altLang="en-US" b="1" dirty="0" smtClean="0">
+                <a:latin typeface="Meiryo UI" panose="020B0604030504040204" pitchFamily="50" charset="-128"/>
+                <a:ea typeface="Meiryo UI" panose="020B0604030504040204" pitchFamily="50" charset="-128"/>
+              </a:rPr>
+              <a:t>今回開発内容</a:t>
+            </a:r>
+            <a:r>
+              <a:rPr kumimoji="1" lang="en-US" altLang="ja-JP" b="1" dirty="0" smtClean="0">
+                <a:latin typeface="Meiryo UI" panose="020B0604030504040204" pitchFamily="50" charset="-128"/>
+                <a:ea typeface="Meiryo UI" panose="020B0604030504040204" pitchFamily="50" charset="-128"/>
+              </a:rPr>
+              <a:t>】</a:t>
+            </a:r>
+            <a:endParaRPr kumimoji="1" lang="en-US" altLang="ja-JP" b="1" dirty="0">
+              <a:latin typeface="Meiryo UI" panose="020B0604030504040204" pitchFamily="50" charset="-128"/>
+              <a:ea typeface="Meiryo UI" panose="020B0604030504040204" pitchFamily="50" charset="-128"/>
+            </a:endParaRPr>
+          </a:p>
+        </p:txBody>
+      </p:sp>
+      <p:sp>
+        <p:nvSpPr>
+          <p:cNvPr id="57" name="テキスト ボックス 56"/>
+          <p:cNvSpPr txBox="1"/>
+          <p:nvPr/>
+        </p:nvSpPr>
+        <p:spPr>
+          <a:xfrm>
+            <a:off x="6046313" y="4963006"/>
+            <a:ext cx="3299301" cy="553998"/>
+          </a:xfrm>
+          <a:prstGeom prst="rect">
+            <a:avLst/>
+          </a:prstGeom>
+          <a:noFill/>
+        </p:spPr>
+        <p:txBody>
+          <a:bodyPr wrap="none" rtlCol="0">
+            <a:spAutoFit/>
+          </a:bodyPr>
+          <a:lstStyle/>
+          <a:p>
+            <a:r>
+              <a:rPr kumimoji="1" lang="ja-JP" altLang="en-US" sz="1200" dirty="0" smtClean="0">
+                <a:latin typeface="Meiryo UI" panose="020B0604030504040204" pitchFamily="50" charset="-128"/>
+                <a:ea typeface="Meiryo UI" panose="020B0604030504040204" pitchFamily="50" charset="-128"/>
+              </a:rPr>
+              <a:t>奥様につけた、</a:t>
+            </a:r>
+            <a:endParaRPr kumimoji="1" lang="en-US" altLang="ja-JP" sz="1200" dirty="0" smtClean="0">
+              <a:latin typeface="Meiryo UI" panose="020B0604030504040204" pitchFamily="50" charset="-128"/>
+              <a:ea typeface="Meiryo UI" panose="020B0604030504040204" pitchFamily="50" charset="-128"/>
+            </a:endParaRPr>
+          </a:p>
+          <a:p>
+            <a:r>
+              <a:rPr kumimoji="1" lang="ja-JP" altLang="en-US" dirty="0" smtClean="0">
+                <a:solidFill>
+                  <a:srgbClr val="C00000"/>
+                </a:solidFill>
+                <a:latin typeface="Meiryo UI" panose="020B0604030504040204" pitchFamily="50" charset="-128"/>
+                <a:ea typeface="Meiryo UI" panose="020B0604030504040204" pitchFamily="50" charset="-128"/>
+              </a:rPr>
+              <a:t>バイタルデータ</a:t>
+            </a:r>
+            <a:r>
+              <a:rPr kumimoji="1" lang="en-US" altLang="ja-JP" dirty="0" smtClean="0">
+                <a:solidFill>
+                  <a:srgbClr val="C00000"/>
+                </a:solidFill>
+                <a:latin typeface="Meiryo UI" panose="020B0604030504040204" pitchFamily="50" charset="-128"/>
+                <a:ea typeface="Meiryo UI" panose="020B0604030504040204" pitchFamily="50" charset="-128"/>
+              </a:rPr>
+              <a:t>(</a:t>
+            </a:r>
+            <a:r>
+              <a:rPr kumimoji="1" lang="ja-JP" altLang="en-US" dirty="0" smtClean="0">
+                <a:solidFill>
+                  <a:srgbClr val="C00000"/>
+                </a:solidFill>
+                <a:latin typeface="Meiryo UI" panose="020B0604030504040204" pitchFamily="50" charset="-128"/>
+                <a:ea typeface="Meiryo UI" panose="020B0604030504040204" pitchFamily="50" charset="-128"/>
+              </a:rPr>
+              <a:t>心拍センサー</a:t>
+            </a:r>
+            <a:r>
+              <a:rPr kumimoji="1" lang="en-US" altLang="ja-JP" dirty="0" smtClean="0">
+                <a:solidFill>
+                  <a:srgbClr val="C00000"/>
+                </a:solidFill>
+                <a:latin typeface="Meiryo UI" panose="020B0604030504040204" pitchFamily="50" charset="-128"/>
+                <a:ea typeface="Meiryo UI" panose="020B0604030504040204" pitchFamily="50" charset="-128"/>
+              </a:rPr>
+              <a:t>)</a:t>
+            </a:r>
+            <a:r>
+              <a:rPr kumimoji="1" lang="ja-JP" altLang="en-US" dirty="0" smtClean="0">
+                <a:solidFill>
+                  <a:srgbClr val="C00000"/>
+                </a:solidFill>
+                <a:latin typeface="Meiryo UI" panose="020B0604030504040204" pitchFamily="50" charset="-128"/>
+                <a:ea typeface="Meiryo UI" panose="020B0604030504040204" pitchFamily="50" charset="-128"/>
+              </a:rPr>
+              <a:t>取得</a:t>
+            </a:r>
+            <a:endParaRPr kumimoji="1" lang="en-US" altLang="ja-JP" dirty="0" smtClean="0">
+              <a:solidFill>
+                <a:srgbClr val="C00000"/>
+              </a:solidFill>
+              <a:latin typeface="Meiryo UI" panose="020B0604030504040204" pitchFamily="50" charset="-128"/>
+              <a:ea typeface="Meiryo UI" panose="020B0604030504040204" pitchFamily="50" charset="-128"/>
+            </a:endParaRPr>
+          </a:p>
+        </p:txBody>
+      </p:sp>
+      <p:pic>
+        <p:nvPicPr>
+          <p:cNvPr id="59" name="図 58"/>
+          <p:cNvPicPr>
+            <a:picLocks noChangeAspect="1"/>
+          </p:cNvPicPr>
+          <p:nvPr/>
+        </p:nvPicPr>
+        <p:blipFill>
+          <a:blip r:embed="rId9">
+            <a:extLst>
+              <a:ext uri="{28A0092B-C50C-407E-A947-70E740481C1C}">
+                <a14:useLocalDpi xmlns:a14="http://schemas.microsoft.com/office/drawing/2010/main" val="0"/>
+              </a:ext>
+            </a:extLst>
+          </a:blip>
+          <a:stretch>
+            <a:fillRect/>
+          </a:stretch>
+        </p:blipFill>
+        <p:spPr>
+          <a:xfrm>
+            <a:off x="8527531" y="3586206"/>
+            <a:ext cx="619492" cy="988965"/>
+          </a:xfrm>
+          <a:prstGeom prst="rect">
+            <a:avLst/>
+          </a:prstGeom>
+        </p:spPr>
+      </p:pic>
+      <p:sp>
+        <p:nvSpPr>
+          <p:cNvPr id="64" name="テキスト ボックス 63"/>
+          <p:cNvSpPr txBox="1"/>
+          <p:nvPr/>
+        </p:nvSpPr>
+        <p:spPr>
+          <a:xfrm>
+            <a:off x="7608584" y="3302388"/>
+            <a:ext cx="660758" cy="338554"/>
+          </a:xfrm>
+          <a:prstGeom prst="rect">
+            <a:avLst/>
+          </a:prstGeom>
+          <a:noFill/>
+        </p:spPr>
+        <p:txBody>
+          <a:bodyPr wrap="none" rtlCol="0">
+            <a:spAutoFit/>
+          </a:bodyPr>
+          <a:lstStyle/>
+          <a:p>
+            <a:r>
+              <a:rPr kumimoji="1" lang="en-US" altLang="ja-JP" sz="1600" dirty="0" smtClean="0">
+                <a:solidFill>
+                  <a:srgbClr val="0000CC"/>
+                </a:solidFill>
+                <a:latin typeface="Meiryo UI" panose="020B0604030504040204" pitchFamily="50" charset="-128"/>
+                <a:ea typeface="Meiryo UI" panose="020B0604030504040204" pitchFamily="50" charset="-128"/>
+              </a:rPr>
+              <a:t>LINE</a:t>
+            </a:r>
+            <a:endParaRPr kumimoji="1" lang="ja-JP" altLang="en-US" sz="1600" dirty="0">
+              <a:solidFill>
+                <a:srgbClr val="0000CC"/>
+              </a:solidFill>
+              <a:latin typeface="Meiryo UI" panose="020B0604030504040204" pitchFamily="50" charset="-128"/>
+              <a:ea typeface="Meiryo UI" panose="020B0604030504040204" pitchFamily="50" charset="-128"/>
+            </a:endParaRPr>
+          </a:p>
+        </p:txBody>
+      </p:sp>
+      <p:sp>
+        <p:nvSpPr>
+          <p:cNvPr id="65" name="テキスト ボックス 64"/>
+          <p:cNvSpPr txBox="1"/>
+          <p:nvPr/>
+        </p:nvSpPr>
+        <p:spPr>
+          <a:xfrm>
+            <a:off x="4745622" y="3924777"/>
+            <a:ext cx="1548822" cy="276999"/>
+          </a:xfrm>
+          <a:prstGeom prst="rect">
+            <a:avLst/>
+          </a:prstGeom>
+          <a:noFill/>
+        </p:spPr>
+        <p:txBody>
+          <a:bodyPr wrap="none" rtlCol="0">
+            <a:spAutoFit/>
+          </a:bodyPr>
+          <a:lstStyle/>
+          <a:p>
+            <a:r>
+              <a:rPr kumimoji="1" lang="ja-JP" altLang="en-US" sz="1200" dirty="0" smtClean="0">
+                <a:solidFill>
+                  <a:srgbClr val="0000CC"/>
+                </a:solidFill>
+                <a:latin typeface="Meiryo UI" panose="020B0604030504040204" pitchFamily="50" charset="-128"/>
+                <a:ea typeface="Meiryo UI" panose="020B0604030504040204" pitchFamily="50" charset="-128"/>
+              </a:rPr>
+              <a:t>汎用的なインタフェース</a:t>
+            </a:r>
+            <a:endParaRPr kumimoji="1" lang="ja-JP" altLang="en-US" sz="1200" dirty="0">
+              <a:solidFill>
+                <a:srgbClr val="0000CC"/>
+              </a:solidFill>
+              <a:latin typeface="Meiryo UI" panose="020B0604030504040204" pitchFamily="50" charset="-128"/>
+              <a:ea typeface="Meiryo UI" panose="020B0604030504040204" pitchFamily="50" charset="-128"/>
+            </a:endParaRPr>
+          </a:p>
+        </p:txBody>
+      </p:sp>
+      <p:sp>
+        <p:nvSpPr>
+          <p:cNvPr id="63" name="テキスト ボックス 62"/>
+          <p:cNvSpPr txBox="1"/>
+          <p:nvPr/>
+        </p:nvSpPr>
+        <p:spPr>
+          <a:xfrm>
+            <a:off x="397498" y="5905273"/>
+            <a:ext cx="9950160" cy="923330"/>
+          </a:xfrm>
+          <a:prstGeom prst="rect">
+            <a:avLst/>
+          </a:prstGeom>
+          <a:noFill/>
+        </p:spPr>
+        <p:txBody>
+          <a:bodyPr wrap="none" rtlCol="0">
+            <a:spAutoFit/>
+          </a:bodyPr>
+          <a:lstStyle/>
+          <a:p>
+            <a:r>
               <a:rPr kumimoji="1" lang="ja-JP" altLang="en-US" dirty="0" smtClean="0">
                 <a:latin typeface="Meiryo UI" panose="020B0604030504040204" pitchFamily="50" charset="-128"/>
                 <a:ea typeface="Meiryo UI" panose="020B0604030504040204" pitchFamily="50" charset="-128"/>
@@ -8097,7 +11409,7 @@
                 <a:latin typeface="Meiryo UI" panose="020B0604030504040204" pitchFamily="50" charset="-128"/>
                 <a:ea typeface="Meiryo UI" panose="020B0604030504040204" pitchFamily="50" charset="-128"/>
               </a:rPr>
-              <a:t>接続デバイスや可視化ツールも、自由に選択できるよう（パブサブモデル）でのインタフェース設計をして、</a:t>
+              <a:t>接続デバイスや可視化ツールも、自由に選択できるよう（パブサブモデル）でのインタフェース設計をしており、</a:t>
             </a:r>
             <a:endParaRPr kumimoji="1" lang="en-US" altLang="ja-JP" dirty="0" smtClean="0">
               <a:latin typeface="Meiryo UI" panose="020B0604030504040204" pitchFamily="50" charset="-128"/>
@@ -8125,6 +11437,257 @@
             <a:endParaRPr kumimoji="1" lang="en-US" altLang="ja-JP" dirty="0" smtClean="0">
               <a:latin typeface="Meiryo UI" panose="020B0604030504040204" pitchFamily="50" charset="-128"/>
               <a:ea typeface="Meiryo UI" panose="020B0604030504040204" pitchFamily="50" charset="-128"/>
+            </a:endParaRPr>
+          </a:p>
+        </p:txBody>
+      </p:sp>
+      <p:sp>
+        <p:nvSpPr>
+          <p:cNvPr id="2" name="正方形/長方形 1"/>
+          <p:cNvSpPr/>
+          <p:nvPr/>
+        </p:nvSpPr>
+        <p:spPr>
+          <a:xfrm>
+            <a:off x="5881111" y="2958199"/>
+            <a:ext cx="2129109" cy="369332"/>
+          </a:xfrm>
+          <a:prstGeom prst="rect">
+            <a:avLst/>
+          </a:prstGeom>
+        </p:spPr>
+        <p:txBody>
+          <a:bodyPr wrap="none">
+            <a:spAutoFit/>
+          </a:bodyPr>
+          <a:lstStyle/>
+          <a:p>
+            <a:r>
+              <a:rPr kumimoji="1" lang="ja-JP" altLang="en-US" b="1" i="1" dirty="0" smtClean="0">
+                <a:solidFill>
+                  <a:srgbClr val="C00000"/>
+                </a:solidFill>
+                <a:effectLst>
+                  <a:outerShdw blurRad="38100" dist="38100" dir="2700000" algn="tl">
+                    <a:srgbClr val="000000">
+                      <a:alpha val="43137"/>
+                    </a:srgbClr>
+                  </a:outerShdw>
+                </a:effectLst>
+                <a:latin typeface="Meiryo UI" panose="020B0604030504040204" pitchFamily="50" charset="-128"/>
+                <a:ea typeface="Meiryo UI" panose="020B0604030504040204" pitchFamily="50" charset="-128"/>
+              </a:rPr>
+              <a:t>②</a:t>
+            </a:r>
+            <a:r>
+              <a:rPr kumimoji="1" lang="ja-JP" altLang="en-US" dirty="0" smtClean="0">
+                <a:solidFill>
+                  <a:srgbClr val="C00000"/>
+                </a:solidFill>
+                <a:latin typeface="Meiryo UI" panose="020B0604030504040204" pitchFamily="50" charset="-128"/>
+                <a:ea typeface="Meiryo UI" panose="020B0604030504040204" pitchFamily="50" charset="-128"/>
+              </a:rPr>
+              <a:t>リコメンド状態解析</a:t>
+            </a:r>
+            <a:endParaRPr lang="ja-JP" altLang="en-US" dirty="0">
+              <a:solidFill>
+                <a:srgbClr val="C00000"/>
+              </a:solidFill>
+            </a:endParaRPr>
+          </a:p>
+        </p:txBody>
+      </p:sp>
+      <p:cxnSp>
+        <p:nvCxnSpPr>
+          <p:cNvPr id="35" name="直線矢印コネクタ 34"/>
+          <p:cNvCxnSpPr/>
+          <p:nvPr/>
+        </p:nvCxnSpPr>
+        <p:spPr>
+          <a:xfrm flipH="1" flipV="1">
+            <a:off x="6259655" y="4666235"/>
+            <a:ext cx="13525" cy="308980"/>
+          </a:xfrm>
+          <a:prstGeom prst="straightConnector1">
+            <a:avLst/>
+          </a:prstGeom>
+          <a:ln w="38100">
+            <a:solidFill>
+              <a:srgbClr val="0000CC"/>
+            </a:solidFill>
+            <a:tailEnd type="triangle"/>
+          </a:ln>
+        </p:spPr>
+        <p:style>
+          <a:lnRef idx="1">
+            <a:schemeClr val="accent1"/>
+          </a:lnRef>
+          <a:fillRef idx="0">
+            <a:schemeClr val="accent1"/>
+          </a:fillRef>
+          <a:effectRef idx="0">
+            <a:schemeClr val="accent1"/>
+          </a:effectRef>
+          <a:fontRef idx="minor">
+            <a:schemeClr val="tx1"/>
+          </a:fontRef>
+        </p:style>
+      </p:cxnSp>
+      <p:sp>
+        <p:nvSpPr>
+          <p:cNvPr id="6" name="U ターン矢印 5"/>
+          <p:cNvSpPr/>
+          <p:nvPr/>
+        </p:nvSpPr>
+        <p:spPr>
+          <a:xfrm rot="6601370" flipV="1">
+            <a:off x="7582063" y="3251879"/>
+            <a:ext cx="338516" cy="1109481"/>
+          </a:xfrm>
+          <a:prstGeom prst="uturnArrow">
+            <a:avLst>
+              <a:gd name="adj1" fmla="val 12283"/>
+              <a:gd name="adj2" fmla="val 25000"/>
+              <a:gd name="adj3" fmla="val 25000"/>
+              <a:gd name="adj4" fmla="val 43750"/>
+              <a:gd name="adj5" fmla="val 75000"/>
+            </a:avLst>
+          </a:prstGeom>
+        </p:spPr>
+        <p:style>
+          <a:lnRef idx="2">
+            <a:schemeClr val="accent1">
+              <a:shade val="50000"/>
+            </a:schemeClr>
+          </a:lnRef>
+          <a:fillRef idx="1">
+            <a:schemeClr val="accent1"/>
+          </a:fillRef>
+          <a:effectRef idx="0">
+            <a:schemeClr val="accent1"/>
+          </a:effectRef>
+          <a:fontRef idx="minor">
+            <a:schemeClr val="lt1"/>
+          </a:fontRef>
+        </p:style>
+        <p:txBody>
+          <a:bodyPr rtlCol="0" anchor="ctr"/>
+          <a:lstStyle/>
+          <a:p>
+            <a:pPr algn="ctr"/>
+            <a:endParaRPr kumimoji="1" lang="ja-JP" altLang="en-US">
+              <a:solidFill>
+                <a:schemeClr val="tx1"/>
+              </a:solidFill>
+            </a:endParaRPr>
+          </a:p>
+        </p:txBody>
+      </p:sp>
+      <p:sp>
+        <p:nvSpPr>
+          <p:cNvPr id="42" name="正方形/長方形 41"/>
+          <p:cNvSpPr/>
+          <p:nvPr/>
+        </p:nvSpPr>
+        <p:spPr>
+          <a:xfrm>
+            <a:off x="5882539" y="4711150"/>
+            <a:ext cx="415498" cy="369332"/>
+          </a:xfrm>
+          <a:prstGeom prst="rect">
+            <a:avLst/>
+          </a:prstGeom>
+        </p:spPr>
+        <p:txBody>
+          <a:bodyPr wrap="none">
+            <a:spAutoFit/>
+          </a:bodyPr>
+          <a:lstStyle/>
+          <a:p>
+            <a:r>
+              <a:rPr kumimoji="1" lang="ja-JP" altLang="en-US" b="1" i="1" dirty="0">
+                <a:solidFill>
+                  <a:srgbClr val="C00000"/>
+                </a:solidFill>
+                <a:effectLst>
+                  <a:outerShdw blurRad="38100" dist="38100" dir="2700000" algn="tl">
+                    <a:srgbClr val="000000">
+                      <a:alpha val="43137"/>
+                    </a:srgbClr>
+                  </a:outerShdw>
+                </a:effectLst>
+                <a:latin typeface="Meiryo UI" panose="020B0604030504040204" pitchFamily="50" charset="-128"/>
+                <a:ea typeface="Meiryo UI" panose="020B0604030504040204" pitchFamily="50" charset="-128"/>
+              </a:rPr>
+              <a:t>①</a:t>
+            </a:r>
+            <a:endParaRPr lang="ja-JP" altLang="en-US" b="1" i="1" dirty="0">
+              <a:solidFill>
+                <a:srgbClr val="C00000"/>
+              </a:solidFill>
+              <a:effectLst>
+                <a:outerShdw blurRad="38100" dist="38100" dir="2700000" algn="tl">
+                  <a:srgbClr val="000000">
+                    <a:alpha val="43137"/>
+                  </a:srgbClr>
+                </a:outerShdw>
+              </a:effectLst>
+            </a:endParaRPr>
+          </a:p>
+        </p:txBody>
+      </p:sp>
+      <p:sp>
+        <p:nvSpPr>
+          <p:cNvPr id="43" name="正方形/長方形 42"/>
+          <p:cNvSpPr/>
+          <p:nvPr/>
+        </p:nvSpPr>
+        <p:spPr>
+          <a:xfrm>
+            <a:off x="8253007" y="3293668"/>
+            <a:ext cx="2185214" cy="369332"/>
+          </a:xfrm>
+          <a:prstGeom prst="rect">
+            <a:avLst/>
+          </a:prstGeom>
+        </p:spPr>
+        <p:txBody>
+          <a:bodyPr wrap="none">
+            <a:spAutoFit/>
+          </a:bodyPr>
+          <a:lstStyle/>
+          <a:p>
+            <a:r>
+              <a:rPr kumimoji="1" lang="ja-JP" altLang="en-US" b="1" i="1" dirty="0" smtClean="0">
+                <a:solidFill>
+                  <a:srgbClr val="C00000"/>
+                </a:solidFill>
+                <a:effectLst>
+                  <a:outerShdw blurRad="38100" dist="38100" dir="2700000" algn="tl">
+                    <a:srgbClr val="000000">
+                      <a:alpha val="43137"/>
+                    </a:srgbClr>
+                  </a:outerShdw>
+                </a:effectLst>
+                <a:latin typeface="Meiryo UI" panose="020B0604030504040204" pitchFamily="50" charset="-128"/>
+                <a:ea typeface="Meiryo UI" panose="020B0604030504040204" pitchFamily="50" charset="-128"/>
+              </a:rPr>
+              <a:t>③</a:t>
+            </a:r>
+            <a:r>
+              <a:rPr kumimoji="1" lang="ja-JP" altLang="en-US" dirty="0" smtClean="0">
+                <a:solidFill>
+                  <a:srgbClr val="C00000"/>
+                </a:solidFill>
+                <a:latin typeface="Meiryo UI" panose="020B0604030504040204" pitchFamily="50" charset="-128"/>
+                <a:ea typeface="Meiryo UI" panose="020B0604030504040204" pitchFamily="50" charset="-128"/>
+              </a:rPr>
+              <a:t>可視化、行動提案</a:t>
+            </a:r>
+            <a:endParaRPr lang="ja-JP" altLang="en-US" dirty="0">
+              <a:solidFill>
+                <a:srgbClr val="C00000"/>
+              </a:solidFill>
             </a:endParaRPr>
           </a:p>
         </p:txBody>
@@ -8139,6 +11702,13 @@
   <p:clrMapOvr>
     <a:masterClrMapping/>
   </p:clrMapOvr>
+  <p:timing>
+    <p:tnLst>
+      <p:par>
+        <p:cTn id="1" dur="indefinite" restart="never" nodeType="tmRoot"/>
+      </p:par>
+    </p:tnLst>
+  </p:timing>
 </p:sld>
 </file>
 
@@ -8167,7 +11737,7 @@
         </p:nvSpPr>
         <p:spPr>
           <a:xfrm>
-            <a:off x="307730" y="386862"/>
+            <a:off x="167053" y="87923"/>
             <a:ext cx="2028119" cy="461665"/>
           </a:xfrm>
           <a:prstGeom prst="rect">
@@ -8195,6 +11765,30 @@
           </a:p>
         </p:txBody>
       </p:sp>
+      <p:pic>
+        <p:nvPicPr>
+          <p:cNvPr id="2" name="図 1"/>
+          <p:cNvPicPr>
+            <a:picLocks noChangeAspect="1"/>
+          </p:cNvPicPr>
+          <p:nvPr/>
+        </p:nvPicPr>
+        <p:blipFill>
+          <a:blip r:embed="rId2"/>
+          <a:stretch>
+            <a:fillRect/>
+          </a:stretch>
+        </p:blipFill>
+        <p:spPr>
+          <a:xfrm>
+            <a:off x="1055444" y="470457"/>
+            <a:ext cx="9195758" cy="6308412"/>
+          </a:xfrm>
+          <a:prstGeom prst="rect">
+            <a:avLst/>
+          </a:prstGeom>
+        </p:spPr>
+      </p:pic>
     </p:spTree>
     <p:extLst>
       <p:ext uri="{BB962C8B-B14F-4D97-AF65-F5344CB8AC3E}">
@@ -8205,10 +11799,481 @@
   <p:clrMapOvr>
     <a:masterClrMapping/>
   </p:clrMapOvr>
+  <p:timing>
+    <p:tnLst>
+      <p:par>
+        <p:cTn id="1" dur="indefinite" restart="never" nodeType="tmRoot"/>
+      </p:par>
+    </p:tnLst>
+  </p:timing>
 </p:sld>
 </file>
 
 <file path=ppt/slides/slide4.xml><?xml version="1.0" encoding="utf-8"?>
+<p:sld xmlns:a="http://schemas.openxmlformats.org/drawingml/2006/main" xmlns:r="http://schemas.openxmlformats.org/officeDocument/2006/relationships" xmlns:p="http://schemas.openxmlformats.org/presentationml/2006/main">
+  <p:cSld>
+    <p:spTree>
+      <p:nvGrpSpPr>
+        <p:cNvPr id="1" name=""/>
+        <p:cNvGrpSpPr/>
+        <p:nvPr/>
+      </p:nvGrpSpPr>
+      <p:grpSpPr>
+        <a:xfrm>
+          <a:off x="0" y="0"/>
+          <a:ext cx="0" cy="0"/>
+          <a:chOff x="0" y="0"/>
+          <a:chExt cx="0" cy="0"/>
+        </a:xfrm>
+      </p:grpSpPr>
+      <p:pic>
+        <p:nvPicPr>
+          <p:cNvPr id="1025" name="Picture 1" descr="page1image2977328">
+            <a:extLst>
+              <a:ext uri="{FF2B5EF4-FFF2-40B4-BE49-F238E27FC236}">
+                <a16:creationId xmlns:a16="http://schemas.microsoft.com/office/drawing/2014/main" id="{7A040458-1BB5-1B4C-A42E-8304C6655FDD}"/>
+              </a:ext>
+            </a:extLst>
+          </p:cNvPr>
+          <p:cNvPicPr>
+            <a:picLocks noChangeAspect="1" noChangeArrowheads="1"/>
+          </p:cNvPicPr>
+          <p:nvPr/>
+        </p:nvPicPr>
+        <p:blipFill>
+          <a:blip r:embed="rId2">
+            <a:extLst>
+              <a:ext uri="{28A0092B-C50C-407E-A947-70E740481C1C}">
+                <a14:useLocalDpi xmlns:a14="http://schemas.microsoft.com/office/drawing/2010/main" val="0"/>
+              </a:ext>
+            </a:extLst>
+          </a:blip>
+          <a:srcRect/>
+          <a:stretch>
+            <a:fillRect/>
+          </a:stretch>
+        </p:blipFill>
+        <p:spPr bwMode="auto">
+          <a:xfrm>
+            <a:off x="1749392" y="279479"/>
+            <a:ext cx="9177287" cy="6488058"/>
+          </a:xfrm>
+          <a:prstGeom prst="rect">
+            <a:avLst/>
+          </a:prstGeom>
+          <a:noFill/>
+          <a:extLst>
+            <a:ext uri="{909E8E84-426E-40DD-AFC4-6F175D3DCCD1}">
+              <a14:hiddenFill xmlns:a14="http://schemas.microsoft.com/office/drawing/2010/main">
+                <a:solidFill>
+                  <a:srgbClr val="FFFFFF"/>
+                </a:solidFill>
+              </a14:hiddenFill>
+            </a:ext>
+          </a:extLst>
+        </p:spPr>
+      </p:pic>
+      <p:sp>
+        <p:nvSpPr>
+          <p:cNvPr id="7" name="テキスト ボックス 6"/>
+          <p:cNvSpPr txBox="1"/>
+          <p:nvPr/>
+        </p:nvSpPr>
+        <p:spPr>
+          <a:xfrm>
+            <a:off x="2010076" y="1642283"/>
+            <a:ext cx="1357964" cy="769441"/>
+          </a:xfrm>
+          <a:prstGeom prst="rect">
+            <a:avLst/>
+          </a:prstGeom>
+          <a:noFill/>
+        </p:spPr>
+        <p:txBody>
+          <a:bodyPr wrap="square" rtlCol="0">
+            <a:spAutoFit/>
+          </a:bodyPr>
+          <a:lstStyle/>
+          <a:p>
+            <a:pPr defTabSz="914400"/>
+            <a:r>
+              <a:rPr kumimoji="1" lang="ja-JP" altLang="en-US" sz="1100" dirty="0">
+                <a:solidFill>
+                  <a:srgbClr val="4472C4"/>
+                </a:solidFill>
+                <a:latin typeface="Calibri" panose="020F0502020204030204"/>
+                <a:ea typeface="游ゴシック" panose="020B0400000000000000" pitchFamily="50" charset="-128"/>
+              </a:rPr>
+              <a:t>妻の機嫌が分からず、行動や発言をして怒られないで済むから</a:t>
+            </a:r>
+            <a:endParaRPr kumimoji="1" lang="en-US" altLang="ja-JP" sz="1100" dirty="0">
+              <a:solidFill>
+                <a:srgbClr val="4472C4"/>
+              </a:solidFill>
+              <a:latin typeface="Calibri" panose="020F0502020204030204"/>
+              <a:ea typeface="游ゴシック" panose="020B0400000000000000" pitchFamily="50" charset="-128"/>
+            </a:endParaRPr>
+          </a:p>
+        </p:txBody>
+      </p:sp>
+      <p:sp>
+        <p:nvSpPr>
+          <p:cNvPr id="8" name="テキスト ボックス 7"/>
+          <p:cNvSpPr txBox="1"/>
+          <p:nvPr/>
+        </p:nvSpPr>
+        <p:spPr>
+          <a:xfrm>
+            <a:off x="3513561" y="1510397"/>
+            <a:ext cx="1357964" cy="600164"/>
+          </a:xfrm>
+          <a:prstGeom prst="rect">
+            <a:avLst/>
+          </a:prstGeom>
+          <a:noFill/>
+        </p:spPr>
+        <p:txBody>
+          <a:bodyPr wrap="square" rtlCol="0">
+            <a:spAutoFit/>
+          </a:bodyPr>
+          <a:lstStyle/>
+          <a:p>
+            <a:pPr defTabSz="914400"/>
+            <a:r>
+              <a:rPr kumimoji="1" lang="ja-JP" altLang="en-US" sz="1100" dirty="0">
+                <a:solidFill>
+                  <a:srgbClr val="4472C4"/>
+                </a:solidFill>
+                <a:latin typeface="Calibri" panose="020F0502020204030204"/>
+                <a:ea typeface="游ゴシック" panose="020B0400000000000000" pitchFamily="50" charset="-128"/>
+              </a:rPr>
+              <a:t>妻の感情をスマホで確認できるようにする</a:t>
+            </a:r>
+            <a:endParaRPr kumimoji="1" lang="en-US" altLang="ja-JP" sz="1100" dirty="0">
+              <a:solidFill>
+                <a:srgbClr val="4472C4"/>
+              </a:solidFill>
+              <a:latin typeface="Calibri" panose="020F0502020204030204"/>
+              <a:ea typeface="游ゴシック" panose="020B0400000000000000" pitchFamily="50" charset="-128"/>
+            </a:endParaRPr>
+          </a:p>
+        </p:txBody>
+      </p:sp>
+      <p:sp>
+        <p:nvSpPr>
+          <p:cNvPr id="9" name="テキスト ボックス 8"/>
+          <p:cNvSpPr txBox="1"/>
+          <p:nvPr/>
+        </p:nvSpPr>
+        <p:spPr>
+          <a:xfrm>
+            <a:off x="5017046" y="1519596"/>
+            <a:ext cx="1357964" cy="600164"/>
+          </a:xfrm>
+          <a:prstGeom prst="rect">
+            <a:avLst/>
+          </a:prstGeom>
+          <a:noFill/>
+        </p:spPr>
+        <p:txBody>
+          <a:bodyPr wrap="square" rtlCol="0">
+            <a:spAutoFit/>
+          </a:bodyPr>
+          <a:lstStyle/>
+          <a:p>
+            <a:pPr defTabSz="914400"/>
+            <a:r>
+              <a:rPr kumimoji="1" lang="ja-JP" altLang="en-US" sz="1100" dirty="0">
+                <a:solidFill>
+                  <a:srgbClr val="4472C4"/>
+                </a:solidFill>
+                <a:latin typeface="Calibri" panose="020F0502020204030204"/>
+                <a:ea typeface="游ゴシック" panose="020B0400000000000000" pitchFamily="50" charset="-128"/>
+              </a:rPr>
+              <a:t>妻の感情をスマホで確認できるようにする</a:t>
+            </a:r>
+            <a:endParaRPr kumimoji="1" lang="en-US" altLang="ja-JP" sz="1100" dirty="0">
+              <a:solidFill>
+                <a:srgbClr val="4472C4"/>
+              </a:solidFill>
+              <a:latin typeface="Calibri" panose="020F0502020204030204"/>
+              <a:ea typeface="游ゴシック" panose="020B0400000000000000" pitchFamily="50" charset="-128"/>
+            </a:endParaRPr>
+          </a:p>
+        </p:txBody>
+      </p:sp>
+      <p:sp>
+        <p:nvSpPr>
+          <p:cNvPr id="10" name="テキスト ボックス 9"/>
+          <p:cNvSpPr txBox="1"/>
+          <p:nvPr/>
+        </p:nvSpPr>
+        <p:spPr>
+          <a:xfrm>
+            <a:off x="7971862" y="1510397"/>
+            <a:ext cx="1357964" cy="261610"/>
+          </a:xfrm>
+          <a:prstGeom prst="rect">
+            <a:avLst/>
+          </a:prstGeom>
+          <a:noFill/>
+        </p:spPr>
+        <p:txBody>
+          <a:bodyPr wrap="square" rtlCol="0">
+            <a:spAutoFit/>
+          </a:bodyPr>
+          <a:lstStyle/>
+          <a:p>
+            <a:pPr defTabSz="914400"/>
+            <a:r>
+              <a:rPr kumimoji="1" lang="ja-JP" altLang="en-US" sz="1100" dirty="0">
+                <a:solidFill>
+                  <a:srgbClr val="4472C4"/>
+                </a:solidFill>
+                <a:latin typeface="Calibri" panose="020F0502020204030204"/>
+                <a:ea typeface="游ゴシック" panose="020B0400000000000000" pitchFamily="50" charset="-128"/>
+              </a:rPr>
+              <a:t>世の中の旦那さん</a:t>
+            </a:r>
+            <a:endParaRPr kumimoji="1" lang="en-US" altLang="ja-JP" sz="1100" dirty="0">
+              <a:solidFill>
+                <a:srgbClr val="4472C4"/>
+              </a:solidFill>
+              <a:latin typeface="Calibri" panose="020F0502020204030204"/>
+              <a:ea typeface="游ゴシック" panose="020B0400000000000000" pitchFamily="50" charset="-128"/>
+            </a:endParaRPr>
+          </a:p>
+        </p:txBody>
+      </p:sp>
+      <p:sp>
+        <p:nvSpPr>
+          <p:cNvPr id="11" name="テキスト ボックス 10"/>
+          <p:cNvSpPr txBox="1"/>
+          <p:nvPr/>
+        </p:nvSpPr>
+        <p:spPr>
+          <a:xfrm>
+            <a:off x="3513561" y="3453497"/>
+            <a:ext cx="1357964" cy="261610"/>
+          </a:xfrm>
+          <a:prstGeom prst="rect">
+            <a:avLst/>
+          </a:prstGeom>
+          <a:noFill/>
+        </p:spPr>
+        <p:txBody>
+          <a:bodyPr wrap="square" rtlCol="0">
+            <a:spAutoFit/>
+          </a:bodyPr>
+          <a:lstStyle/>
+          <a:p>
+            <a:pPr defTabSz="914400"/>
+            <a:r>
+              <a:rPr kumimoji="1" lang="ja-JP" altLang="en-US" sz="1100" dirty="0">
+                <a:solidFill>
+                  <a:srgbClr val="4472C4"/>
+                </a:solidFill>
+                <a:latin typeface="Calibri" panose="020F0502020204030204"/>
+                <a:ea typeface="游ゴシック" panose="020B0400000000000000" pitchFamily="50" charset="-128"/>
+              </a:rPr>
+              <a:t>妻に怒られた回数</a:t>
+            </a:r>
+            <a:endParaRPr kumimoji="1" lang="en-US" altLang="ja-JP" sz="1100" dirty="0">
+              <a:solidFill>
+                <a:srgbClr val="4472C4"/>
+              </a:solidFill>
+              <a:latin typeface="Calibri" panose="020F0502020204030204"/>
+              <a:ea typeface="游ゴシック" panose="020B0400000000000000" pitchFamily="50" charset="-128"/>
+            </a:endParaRPr>
+          </a:p>
+        </p:txBody>
+      </p:sp>
+      <p:sp>
+        <p:nvSpPr>
+          <p:cNvPr id="12" name="テキスト ボックス 11"/>
+          <p:cNvSpPr txBox="1"/>
+          <p:nvPr/>
+        </p:nvSpPr>
+        <p:spPr>
+          <a:xfrm>
+            <a:off x="5773185" y="5388212"/>
+            <a:ext cx="3186177" cy="430887"/>
+          </a:xfrm>
+          <a:prstGeom prst="rect">
+            <a:avLst/>
+          </a:prstGeom>
+          <a:noFill/>
+        </p:spPr>
+        <p:txBody>
+          <a:bodyPr wrap="square" rtlCol="0">
+            <a:spAutoFit/>
+          </a:bodyPr>
+          <a:lstStyle/>
+          <a:p>
+            <a:pPr defTabSz="914400"/>
+            <a:r>
+              <a:rPr kumimoji="1" lang="ja-JP" altLang="en-US" sz="1100" dirty="0">
+                <a:solidFill>
+                  <a:srgbClr val="4472C4"/>
+                </a:solidFill>
+                <a:latin typeface="Calibri" panose="020F0502020204030204"/>
+                <a:ea typeface="游ゴシック" panose="020B0400000000000000" pitchFamily="50" charset="-128"/>
+              </a:rPr>
+              <a:t>家庭円満の為に、旦那はこのサービスに加入する</a:t>
+            </a:r>
+            <a:endParaRPr kumimoji="1" lang="en-US" altLang="ja-JP" sz="1100" dirty="0">
+              <a:solidFill>
+                <a:srgbClr val="4472C4"/>
+              </a:solidFill>
+              <a:latin typeface="Calibri" panose="020F0502020204030204"/>
+              <a:ea typeface="游ゴシック" panose="020B0400000000000000" pitchFamily="50" charset="-128"/>
+            </a:endParaRPr>
+          </a:p>
+        </p:txBody>
+      </p:sp>
+      <p:sp>
+        <p:nvSpPr>
+          <p:cNvPr id="13" name="テキスト ボックス 12"/>
+          <p:cNvSpPr txBox="1"/>
+          <p:nvPr/>
+        </p:nvSpPr>
+        <p:spPr>
+          <a:xfrm>
+            <a:off x="6468377" y="1519596"/>
+            <a:ext cx="1357964" cy="600164"/>
+          </a:xfrm>
+          <a:prstGeom prst="rect">
+            <a:avLst/>
+          </a:prstGeom>
+          <a:noFill/>
+        </p:spPr>
+        <p:txBody>
+          <a:bodyPr wrap="square" rtlCol="0">
+            <a:spAutoFit/>
+          </a:bodyPr>
+          <a:lstStyle/>
+          <a:p>
+            <a:pPr defTabSz="914400"/>
+            <a:r>
+              <a:rPr kumimoji="1" lang="ja-JP" altLang="en-US" sz="1100" dirty="0">
+                <a:solidFill>
+                  <a:srgbClr val="4472C4"/>
+                </a:solidFill>
+                <a:latin typeface="Calibri" panose="020F0502020204030204"/>
+                <a:ea typeface="游ゴシック" panose="020B0400000000000000" pitchFamily="50" charset="-128"/>
+              </a:rPr>
+              <a:t>人の感情の見える化には、価値がある</a:t>
+            </a:r>
+            <a:endParaRPr kumimoji="1" lang="en-US" altLang="ja-JP" sz="1100" dirty="0">
+              <a:solidFill>
+                <a:srgbClr val="4472C4"/>
+              </a:solidFill>
+              <a:latin typeface="Calibri" panose="020F0502020204030204"/>
+              <a:ea typeface="游ゴシック" panose="020B0400000000000000" pitchFamily="50" charset="-128"/>
+            </a:endParaRPr>
+          </a:p>
+        </p:txBody>
+      </p:sp>
+      <p:sp>
+        <p:nvSpPr>
+          <p:cNvPr id="14" name="テキスト ボックス 13"/>
+          <p:cNvSpPr txBox="1"/>
+          <p:nvPr/>
+        </p:nvSpPr>
+        <p:spPr>
+          <a:xfrm>
+            <a:off x="6468377" y="3415025"/>
+            <a:ext cx="1357964" cy="261610"/>
+          </a:xfrm>
+          <a:prstGeom prst="rect">
+            <a:avLst/>
+          </a:prstGeom>
+          <a:noFill/>
+        </p:spPr>
+        <p:txBody>
+          <a:bodyPr wrap="square" rtlCol="0">
+            <a:spAutoFit/>
+          </a:bodyPr>
+          <a:lstStyle/>
+          <a:p>
+            <a:pPr defTabSz="914400"/>
+            <a:r>
+              <a:rPr kumimoji="1" lang="ja-JP" altLang="en-US" sz="1100" dirty="0">
+                <a:solidFill>
+                  <a:srgbClr val="4472C4"/>
+                </a:solidFill>
+                <a:latin typeface="Calibri" panose="020F0502020204030204"/>
+                <a:ea typeface="游ゴシック" panose="020B0400000000000000" pitchFamily="50" charset="-128"/>
+              </a:rPr>
+              <a:t>男性誌広告</a:t>
+            </a:r>
+            <a:endParaRPr kumimoji="1" lang="en-US" altLang="ja-JP" sz="1100" dirty="0">
+              <a:solidFill>
+                <a:srgbClr val="4472C4"/>
+              </a:solidFill>
+              <a:latin typeface="Calibri" panose="020F0502020204030204"/>
+              <a:ea typeface="游ゴシック" panose="020B0400000000000000" pitchFamily="50" charset="-128"/>
+            </a:endParaRPr>
+          </a:p>
+        </p:txBody>
+      </p:sp>
+      <p:sp>
+        <p:nvSpPr>
+          <p:cNvPr id="15" name="テキスト ボックス 14"/>
+          <p:cNvSpPr txBox="1"/>
+          <p:nvPr/>
+        </p:nvSpPr>
+        <p:spPr>
+          <a:xfrm>
+            <a:off x="2590969" y="5380169"/>
+            <a:ext cx="1357964" cy="261610"/>
+          </a:xfrm>
+          <a:prstGeom prst="rect">
+            <a:avLst/>
+          </a:prstGeom>
+          <a:noFill/>
+        </p:spPr>
+        <p:txBody>
+          <a:bodyPr wrap="square" rtlCol="0">
+            <a:spAutoFit/>
+          </a:bodyPr>
+          <a:lstStyle/>
+          <a:p>
+            <a:pPr defTabSz="914400"/>
+            <a:r>
+              <a:rPr kumimoji="1" lang="ja-JP" altLang="en-US" sz="1100" dirty="0">
+                <a:solidFill>
+                  <a:srgbClr val="4472C4"/>
+                </a:solidFill>
+                <a:latin typeface="Calibri" panose="020F0502020204030204"/>
+                <a:ea typeface="游ゴシック" panose="020B0400000000000000" pitchFamily="50" charset="-128"/>
+              </a:rPr>
+              <a:t>？</a:t>
+            </a:r>
+            <a:endParaRPr kumimoji="1" lang="en-US" altLang="ja-JP" sz="1100" dirty="0">
+              <a:solidFill>
+                <a:srgbClr val="4472C4"/>
+              </a:solidFill>
+              <a:latin typeface="Calibri" panose="020F0502020204030204"/>
+              <a:ea typeface="游ゴシック" panose="020B0400000000000000" pitchFamily="50" charset="-128"/>
+            </a:endParaRPr>
+          </a:p>
+        </p:txBody>
+      </p:sp>
+    </p:spTree>
+    <p:extLst>
+      <p:ext uri="{BB962C8B-B14F-4D97-AF65-F5344CB8AC3E}">
+        <p14:creationId xmlns:p14="http://schemas.microsoft.com/office/powerpoint/2010/main" val="3890477472"/>
+      </p:ext>
+    </p:extLst>
+  </p:cSld>
+  <p:clrMapOvr>
+    <a:masterClrMapping/>
+  </p:clrMapOvr>
+</p:sld>
+</file>
+
+<file path=ppt/slides/slide5.xml><?xml version="1.0" encoding="utf-8"?>
 <p:sld xmlns:a="http://schemas.openxmlformats.org/drawingml/2006/main" xmlns:r="http://schemas.openxmlformats.org/officeDocument/2006/relationships" xmlns:p="http://schemas.openxmlformats.org/presentationml/2006/main">
   <p:cSld>
     <p:spTree>
@@ -9742,174 +13807,6 @@
       </p:sp>
       <p:sp>
         <p:nvSpPr>
-          <p:cNvPr id="25" name="Rectangle 21">
-            <a:extLst>
-              <a:ext uri="{FF2B5EF4-FFF2-40B4-BE49-F238E27FC236}">
-                <a16:creationId xmlns:a16="http://schemas.microsoft.com/office/drawing/2014/main" id="{22396479-3483-8D45-A8D7-B8AC50D383A4}"/>
-              </a:ext>
-            </a:extLst>
-          </p:cNvPr>
-          <p:cNvSpPr/>
-          <p:nvPr/>
-        </p:nvSpPr>
-        <p:spPr>
-          <a:xfrm>
-            <a:off x="1310053" y="5781380"/>
-            <a:ext cx="1444083" cy="914400"/>
-          </a:xfrm>
-          <a:prstGeom prst="rect">
-            <a:avLst/>
-          </a:prstGeom>
-        </p:spPr>
-        <p:style>
-          <a:lnRef idx="3">
-            <a:schemeClr val="lt1"/>
-          </a:lnRef>
-          <a:fillRef idx="1">
-            <a:schemeClr val="accent1"/>
-          </a:fillRef>
-          <a:effectRef idx="1">
-            <a:schemeClr val="accent1"/>
-          </a:effectRef>
-          <a:fontRef idx="minor">
-            <a:schemeClr val="lt1"/>
-          </a:fontRef>
-        </p:style>
-        <p:txBody>
-          <a:bodyPr rtlCol="0" anchor="ctr"/>
-          <a:lstStyle/>
-          <a:p>
-            <a:pPr marL="0" marR="0" lvl="0" indent="0" algn="ctr" defTabSz="457200" rtl="0" eaLnBrk="1" fontAlgn="auto" latinLnBrk="0" hangingPunct="1">
-              <a:lnSpc>
-                <a:spcPct val="100000"/>
-              </a:lnSpc>
-              <a:spcBef>
-                <a:spcPts val="0"/>
-              </a:spcBef>
-              <a:spcAft>
-                <a:spcPts val="0"/>
-              </a:spcAft>
-              <a:buClrTx/>
-              <a:buSzTx/>
-              <a:buFontTx/>
-              <a:buNone/>
-              <a:tabLst/>
-              <a:defRPr/>
-            </a:pPr>
-            <a:r>
-              <a:rPr kumimoji="0" lang="ja-JP" altLang="en-US" sz="1600" b="0" i="0" u="none" strike="noStrike" kern="1200" cap="none" spc="0" normalizeH="0" baseline="0" noProof="0" dirty="0" smtClean="0">
-                <a:ln>
-                  <a:noFill/>
-                </a:ln>
-                <a:solidFill>
-                  <a:prstClr val="white"/>
-                </a:solidFill>
-                <a:effectLst/>
-                <a:uLnTx/>
-                <a:uFillTx/>
-                <a:latin typeface="Meiryo UI" panose="020B0604030504040204" pitchFamily="50" charset="-128"/>
-                <a:ea typeface="Meiryo UI" panose="020B0604030504040204" pitchFamily="50" charset="-128"/>
-              </a:rPr>
-              <a:t>テストデータ</a:t>
-            </a:r>
-            <a:endParaRPr kumimoji="0" lang="en-US" altLang="ja-JP" sz="1600" b="0" i="0" u="none" strike="noStrike" kern="1200" cap="none" spc="0" normalizeH="0" baseline="0" noProof="0" dirty="0" smtClean="0">
-              <a:ln>
-                <a:noFill/>
-              </a:ln>
-              <a:solidFill>
-                <a:prstClr val="white"/>
-              </a:solidFill>
-              <a:effectLst/>
-              <a:uLnTx/>
-              <a:uFillTx/>
-              <a:latin typeface="Meiryo UI" panose="020B0604030504040204" pitchFamily="50" charset="-128"/>
-              <a:ea typeface="Meiryo UI" panose="020B0604030504040204" pitchFamily="50" charset="-128"/>
-            </a:endParaRPr>
-          </a:p>
-          <a:p>
-            <a:pPr marL="0" marR="0" lvl="0" indent="0" algn="ctr" defTabSz="457200" rtl="0" eaLnBrk="1" fontAlgn="auto" latinLnBrk="0" hangingPunct="1">
-              <a:lnSpc>
-                <a:spcPct val="100000"/>
-              </a:lnSpc>
-              <a:spcBef>
-                <a:spcPts val="0"/>
-              </a:spcBef>
-              <a:spcAft>
-                <a:spcPts val="0"/>
-              </a:spcAft>
-              <a:buClrTx/>
-              <a:buSzTx/>
-              <a:buFontTx/>
-              <a:buNone/>
-              <a:tabLst/>
-              <a:defRPr/>
-            </a:pPr>
-            <a:r>
-              <a:rPr kumimoji="0" lang="en-US" altLang="ja-JP" sz="1600" b="0" i="0" u="none" strike="noStrike" kern="1200" cap="none" spc="0" normalizeH="0" baseline="0" noProof="0" dirty="0" smtClean="0">
-                <a:ln>
-                  <a:noFill/>
-                </a:ln>
-                <a:solidFill>
-                  <a:prstClr val="white"/>
-                </a:solidFill>
-                <a:effectLst/>
-                <a:uLnTx/>
-                <a:uFillTx/>
-                <a:latin typeface="Meiryo UI" panose="020B0604030504040204" pitchFamily="50" charset="-128"/>
-                <a:ea typeface="Meiryo UI" panose="020B0604030504040204" pitchFamily="50" charset="-128"/>
-              </a:rPr>
-              <a:t>(AV</a:t>
-            </a:r>
-            <a:r>
-              <a:rPr kumimoji="0" lang="ja-JP" altLang="en-US" sz="1600" b="0" i="0" u="none" strike="noStrike" kern="1200" cap="none" spc="0" normalizeH="0" baseline="0" noProof="0" dirty="0" smtClean="0">
-                <a:ln>
-                  <a:noFill/>
-                </a:ln>
-                <a:solidFill>
-                  <a:prstClr val="white"/>
-                </a:solidFill>
-                <a:effectLst/>
-                <a:uLnTx/>
-                <a:uFillTx/>
-                <a:latin typeface="Meiryo UI" panose="020B0604030504040204" pitchFamily="50" charset="-128"/>
-                <a:ea typeface="Meiryo UI" panose="020B0604030504040204" pitchFamily="50" charset="-128"/>
-              </a:rPr>
-              <a:t>値</a:t>
-            </a:r>
-            <a:r>
-              <a:rPr kumimoji="0" lang="en-US" altLang="ja-JP" sz="1600" b="0" i="0" u="none" strike="noStrike" kern="1200" cap="none" spc="0" normalizeH="0" baseline="0" noProof="0" dirty="0" smtClean="0">
-                <a:ln>
-                  <a:noFill/>
-                </a:ln>
-                <a:solidFill>
-                  <a:prstClr val="white"/>
-                </a:solidFill>
-                <a:effectLst/>
-                <a:uLnTx/>
-                <a:uFillTx/>
-                <a:latin typeface="Meiryo UI" panose="020B0604030504040204" pitchFamily="50" charset="-128"/>
-                <a:ea typeface="Meiryo UI" panose="020B0604030504040204" pitchFamily="50" charset="-128"/>
-              </a:rPr>
-              <a:t>)</a:t>
-            </a:r>
-            <a:endParaRPr kumimoji="0" lang="en-US" altLang="ja-JP" sz="1600" b="0" i="0" u="none" strike="noStrike" kern="1200" cap="none" spc="0" normalizeH="0" baseline="0" noProof="0" dirty="0">
-              <a:ln>
-                <a:noFill/>
-              </a:ln>
-              <a:solidFill>
-                <a:prstClr val="white"/>
-              </a:solidFill>
-              <a:effectLst/>
-              <a:uLnTx/>
-              <a:uFillTx/>
-              <a:latin typeface="Meiryo UI" panose="020B0604030504040204" pitchFamily="50" charset="-128"/>
-              <a:ea typeface="Meiryo UI" panose="020B0604030504040204" pitchFamily="50" charset="-128"/>
-            </a:endParaRPr>
-          </a:p>
-        </p:txBody>
-      </p:sp>
-      <p:sp>
-        <p:nvSpPr>
           <p:cNvPr id="26" name="Rectangle 21">
             <a:extLst>
               <a:ext uri="{FF2B5EF4-FFF2-40B4-BE49-F238E27FC236}">
@@ -10316,72 +14213,13 @@
   <p:clrMapOvr>
     <a:masterClrMapping/>
   </p:clrMapOvr>
-</p:sld>
-</file>
-
-<file path=ppt/slides/slide5.xml><?xml version="1.0" encoding="utf-8"?>
-<p:sld xmlns:a="http://schemas.openxmlformats.org/drawingml/2006/main" xmlns:r="http://schemas.openxmlformats.org/officeDocument/2006/relationships" xmlns:p="http://schemas.openxmlformats.org/presentationml/2006/main">
-  <p:cSld>
-    <p:spTree>
-      <p:nvGrpSpPr>
-        <p:cNvPr id="1" name=""/>
-        <p:cNvGrpSpPr/>
-        <p:nvPr/>
-      </p:nvGrpSpPr>
-      <p:grpSpPr>
-        <a:xfrm>
-          <a:off x="0" y="0"/>
-          <a:ext cx="0" cy="0"/>
-          <a:chOff x="0" y="0"/>
-          <a:chExt cx="0" cy="0"/>
-        </a:xfrm>
-      </p:grpSpPr>
-      <p:sp>
-        <p:nvSpPr>
-          <p:cNvPr id="4" name="テキスト ボックス 3"/>
-          <p:cNvSpPr txBox="1"/>
-          <p:nvPr/>
-        </p:nvSpPr>
-        <p:spPr>
-          <a:xfrm>
-            <a:off x="307730" y="386862"/>
-            <a:ext cx="2451312" cy="461665"/>
-          </a:xfrm>
-          <a:prstGeom prst="rect">
-            <a:avLst/>
-          </a:prstGeom>
-          <a:noFill/>
-        </p:spPr>
-        <p:txBody>
-          <a:bodyPr wrap="none" rtlCol="0">
-            <a:spAutoFit/>
-          </a:bodyPr>
-          <a:lstStyle/>
-          <a:p>
-            <a:r>
-              <a:rPr kumimoji="1" lang="ja-JP" altLang="en-US" sz="2400" dirty="0" smtClean="0">
-                <a:latin typeface="Meiryo UI" panose="020B0604030504040204" pitchFamily="50" charset="-128"/>
-                <a:ea typeface="Meiryo UI" panose="020B0604030504040204" pitchFamily="50" charset="-128"/>
-              </a:rPr>
-              <a:t>本日のデモシナリオ</a:t>
-            </a:r>
-            <a:endParaRPr kumimoji="1" lang="ja-JP" altLang="en-US" sz="2400" dirty="0">
-              <a:latin typeface="Meiryo UI" panose="020B0604030504040204" pitchFamily="50" charset="-128"/>
-              <a:ea typeface="Meiryo UI" panose="020B0604030504040204" pitchFamily="50" charset="-128"/>
-            </a:endParaRPr>
-          </a:p>
-        </p:txBody>
-      </p:sp>
-    </p:spTree>
-    <p:extLst>
-      <p:ext uri="{BB962C8B-B14F-4D97-AF65-F5344CB8AC3E}">
-        <p14:creationId xmlns:p14="http://schemas.microsoft.com/office/powerpoint/2010/main" val="657855196"/>
-      </p:ext>
-    </p:extLst>
-  </p:cSld>
-  <p:clrMapOvr>
-    <a:masterClrMapping/>
-  </p:clrMapOvr>
+  <p:timing>
+    <p:tnLst>
+      <p:par>
+        <p:cTn id="1" dur="indefinite" restart="never" nodeType="tmRoot"/>
+      </p:par>
+    </p:tnLst>
+  </p:timing>
 </p:sld>
 </file>
 
@@ -10410,8 +14248,81 @@
         </p:nvSpPr>
         <p:spPr>
           <a:xfrm>
-            <a:off x="307730" y="386862"/>
-            <a:ext cx="1826141" cy="584775"/>
+            <a:off x="0" y="219808"/>
+            <a:ext cx="2451312" cy="461665"/>
+          </a:xfrm>
+          <a:prstGeom prst="rect">
+            <a:avLst/>
+          </a:prstGeom>
+          <a:noFill/>
+        </p:spPr>
+        <p:txBody>
+          <a:bodyPr wrap="none" rtlCol="0">
+            <a:spAutoFit/>
+          </a:bodyPr>
+          <a:lstStyle/>
+          <a:p>
+            <a:r>
+              <a:rPr kumimoji="1" lang="ja-JP" altLang="en-US" sz="2400" dirty="0" smtClean="0">
+                <a:latin typeface="Meiryo UI" panose="020B0604030504040204" pitchFamily="50" charset="-128"/>
+                <a:ea typeface="Meiryo UI" panose="020B0604030504040204" pitchFamily="50" charset="-128"/>
+              </a:rPr>
+              <a:t>本日のデモシナリオ</a:t>
+            </a:r>
+            <a:endParaRPr kumimoji="1" lang="ja-JP" altLang="en-US" sz="2400" dirty="0">
+              <a:latin typeface="Meiryo UI" panose="020B0604030504040204" pitchFamily="50" charset="-128"/>
+              <a:ea typeface="Meiryo UI" panose="020B0604030504040204" pitchFamily="50" charset="-128"/>
+            </a:endParaRPr>
+          </a:p>
+        </p:txBody>
+      </p:sp>
+    </p:spTree>
+    <p:extLst>
+      <p:ext uri="{BB962C8B-B14F-4D97-AF65-F5344CB8AC3E}">
+        <p14:creationId xmlns:p14="http://schemas.microsoft.com/office/powerpoint/2010/main" val="657855196"/>
+      </p:ext>
+    </p:extLst>
+  </p:cSld>
+  <p:clrMapOvr>
+    <a:masterClrMapping/>
+  </p:clrMapOvr>
+  <p:timing>
+    <p:tnLst>
+      <p:par>
+        <p:cTn id="1" dur="indefinite" restart="never" nodeType="tmRoot"/>
+      </p:par>
+    </p:tnLst>
+  </p:timing>
+</p:sld>
+</file>
+
+<file path=ppt/slides/slide7.xml><?xml version="1.0" encoding="utf-8"?>
+<p:sld xmlns:a="http://schemas.openxmlformats.org/drawingml/2006/main" xmlns:r="http://schemas.openxmlformats.org/officeDocument/2006/relationships" xmlns:p="http://schemas.openxmlformats.org/presentationml/2006/main">
+  <p:cSld>
+    <p:spTree>
+      <p:nvGrpSpPr>
+        <p:cNvPr id="1" name=""/>
+        <p:cNvGrpSpPr/>
+        <p:nvPr/>
+      </p:nvGrpSpPr>
+      <p:grpSpPr>
+        <a:xfrm>
+          <a:off x="0" y="0"/>
+          <a:ext cx="0" cy="0"/>
+          <a:chOff x="0" y="0"/>
+          <a:chExt cx="0" cy="0"/>
+        </a:xfrm>
+      </p:grpSpPr>
+      <p:sp>
+        <p:nvSpPr>
+          <p:cNvPr id="4" name="テキスト ボックス 3"/>
+          <p:cNvSpPr txBox="1"/>
+          <p:nvPr/>
+        </p:nvSpPr>
+        <p:spPr>
+          <a:xfrm>
+            <a:off x="150330" y="135350"/>
+            <a:ext cx="1415772" cy="461665"/>
           </a:xfrm>
           <a:prstGeom prst="rect">
             <a:avLst/>
@@ -10442,7 +14353,7 @@
               <a:defRPr/>
             </a:pPr>
             <a:r>
-              <a:rPr kumimoji="1" lang="ja-JP" altLang="en-US" sz="3200" b="0" i="0" u="none" strike="noStrike" kern="1200" cap="none" spc="0" normalizeH="0" baseline="0" noProof="0" dirty="0" smtClean="0">
+              <a:rPr kumimoji="1" lang="ja-JP" altLang="en-US" sz="2400" b="0" i="0" u="none" strike="noStrike" kern="1200" cap="none" spc="0" normalizeH="0" baseline="0" noProof="0" dirty="0" smtClean="0">
                 <a:ln>
                   <a:noFill/>
                 </a:ln>
@@ -10458,7 +14369,7 @@
               </a:rPr>
               <a:t>開発体制</a:t>
             </a:r>
-            <a:endParaRPr kumimoji="1" lang="ja-JP" altLang="en-US" sz="3200" b="0" i="0" u="none" strike="noStrike" kern="1200" cap="none" spc="0" normalizeH="0" baseline="0" noProof="0" dirty="0">
+            <a:endParaRPr kumimoji="1" lang="ja-JP" altLang="en-US" sz="2400" b="0" i="0" u="none" strike="noStrike" kern="1200" cap="none" spc="0" normalizeH="0" baseline="0" noProof="0" dirty="0">
               <a:ln>
                 <a:noFill/>
               </a:ln>
@@ -10596,7 +14507,7 @@
                 <a:ea typeface="Meiryo UI" panose="020B0604030504040204" pitchFamily="50" charset="-128"/>
                 <a:cs typeface="+mn-cs"/>
               </a:rPr>
-              <a:t>(AV</a:t>
+              <a:t>(AD</a:t>
             </a:r>
             <a:r>
               <a:rPr kumimoji="0" lang="ja-JP" altLang="en-US" sz="1400" b="0" i="0" u="none" strike="noStrike" kern="1200" cap="none" spc="0" normalizeH="0" baseline="0" noProof="0" dirty="0" smtClean="0">
@@ -12410,6 +16321,13 @@
   <p:clrMapOvr>
     <a:masterClrMapping/>
   </p:clrMapOvr>
+  <p:timing>
+    <p:tnLst>
+      <p:par>
+        <p:cTn id="1" dur="indefinite" restart="never" nodeType="tmRoot"/>
+      </p:par>
+    </p:tnLst>
+  </p:timing>
 </p:sld>
 </file>
 
@@ -12668,4 +16586,265 @@
     </a:ext>
   </a:extLst>
 </a:theme>
+</file>
+
+<file path=ppt/theme/theme2.xml><?xml version="1.0" encoding="utf-8"?>
+<a:theme xmlns:a="http://schemas.openxmlformats.org/drawingml/2006/main" name="Office Theme">
+  <a:themeElements>
+    <a:clrScheme name="Office Theme">
+      <a:dk1>
+        <a:sysClr val="windowText" lastClr="000000"/>
+      </a:dk1>
+      <a:lt1>
+        <a:sysClr val="window" lastClr="FFFFFF"/>
+      </a:lt1>
+      <a:dk2>
+        <a:srgbClr val="44546A"/>
+      </a:dk2>
+      <a:lt2>
+        <a:srgbClr val="E7E6E6"/>
+      </a:lt2>
+      <a:accent1>
+        <a:srgbClr val="4472C4"/>
+      </a:accent1>
+      <a:accent2>
+        <a:srgbClr val="ED7D31"/>
+      </a:accent2>
+      <a:accent3>
+        <a:srgbClr val="A5A5A5"/>
+      </a:accent3>
+      <a:accent4>
+        <a:srgbClr val="FFC000"/>
+      </a:accent4>
+      <a:accent5>
+        <a:srgbClr val="5B9BD5"/>
+      </a:accent5>
+      <a:accent6>
+        <a:srgbClr val="70AD47"/>
+      </a:accent6>
+      <a:hlink>
+        <a:srgbClr val="0563C1"/>
+      </a:hlink>
+      <a:folHlink>
+        <a:srgbClr val="954F72"/>
+      </a:folHlink>
+    </a:clrScheme>
+    <a:fontScheme name="Office Theme">
+      <a:majorFont>
+        <a:latin typeface="Calibri Light" panose="020F0302020204030204"/>
+        <a:ea typeface=""/>
+        <a:cs typeface=""/>
+        <a:font script="Jpan" typeface="游ゴシック Light"/>
+        <a:font script="Hang" typeface="맑은 고딕"/>
+        <a:font script="Hans" typeface="等线 Light"/>
+        <a:font script="Hant" typeface="新細明體"/>
+        <a:font script="Arab" typeface="Times New Roman"/>
+        <a:font script="Hebr" typeface="Times New Roman"/>
+        <a:font script="Thai" typeface="Angsana New"/>
+        <a:font script="Ethi" typeface="Nyala"/>
+        <a:font script="Beng" typeface="Vrinda"/>
+        <a:font script="Gujr" typeface="Shruti"/>
+        <a:font script="Khmr" typeface="MoolBoran"/>
+        <a:font script="Knda" typeface="Tunga"/>
+        <a:font script="Guru" typeface="Raavi"/>
+        <a:font script="Cans" typeface="Euphemia"/>
+        <a:font script="Cher" typeface="Plantagenet Cherokee"/>
+        <a:font script="Yiii" typeface="Microsoft Yi Baiti"/>
+        <a:font script="Tibt" typeface="Microsoft Himalaya"/>
+        <a:font script="Thaa" typeface="MV Boli"/>
+        <a:font script="Deva" typeface="Mangal"/>
+        <a:font script="Telu" typeface="Gautami"/>
+        <a:font script="Taml" typeface="Latha"/>
+        <a:font script="Syrc" typeface="Estrangelo Edessa"/>
+        <a:font script="Orya" typeface="Kalinga"/>
+        <a:font script="Mlym" typeface="Kartika"/>
+        <a:font script="Laoo" typeface="DokChampa"/>
+        <a:font script="Sinh" typeface="Iskoola Pota"/>
+        <a:font script="Mong" typeface="Mongolian Baiti"/>
+        <a:font script="Viet" typeface="Times New Roman"/>
+        <a:font script="Uigh" typeface="Microsoft Uighur"/>
+        <a:font script="Geor" typeface="Sylfaen"/>
+      </a:majorFont>
+      <a:minorFont>
+        <a:latin typeface="Calibri" panose="020F0502020204030204"/>
+        <a:ea typeface=""/>
+        <a:cs typeface=""/>
+        <a:font script="Jpan" typeface="游ゴシック"/>
+        <a:font script="Hang" typeface="맑은 고딕"/>
+        <a:font script="Hans" typeface="等线"/>
+        <a:font script="Hant" typeface="新細明體"/>
+        <a:font script="Arab" typeface="Arial"/>
+        <a:font script="Hebr" typeface="Arial"/>
+        <a:font script="Thai" typeface="Cordia New"/>
+        <a:font script="Ethi" typeface="Nyala"/>
+        <a:font script="Beng" typeface="Vrinda"/>
+        <a:font script="Gujr" typeface="Shruti"/>
+        <a:font script="Khmr" typeface="DaunPenh"/>
+        <a:font script="Knda" typeface="Tunga"/>
+        <a:font script="Guru" typeface="Raavi"/>
+        <a:font script="Cans" typeface="Euphemia"/>
+        <a:font script="Cher" typeface="Plantagenet Cherokee"/>
+        <a:font script="Yiii" typeface="Microsoft Yi Baiti"/>
+        <a:font script="Tibt" typeface="Microsoft Himalaya"/>
+        <a:font script="Thaa" typeface="MV Boli"/>
+        <a:font script="Deva" typeface="Mangal"/>
+        <a:font script="Telu" typeface="Gautami"/>
+        <a:font script="Taml" typeface="Latha"/>
+        <a:font script="Syrc" typeface="Estrangelo Edessa"/>
+        <a:font script="Orya" typeface="Kalinga"/>
+        <a:font script="Mlym" typeface="Kartika"/>
+        <a:font script="Laoo" typeface="DokChampa"/>
+        <a:font script="Sinh" typeface="Iskoola Pota"/>
+        <a:font script="Mong" typeface="Mongolian Baiti"/>
+        <a:font script="Viet" typeface="Arial"/>
+        <a:font script="Uigh" typeface="Microsoft Uighur"/>
+        <a:font script="Geor" typeface="Sylfaen"/>
+      </a:minorFont>
+    </a:fontScheme>
+    <a:fmtScheme name="Office Theme">
+      <a:fillStyleLst>
+        <a:solidFill>
+          <a:schemeClr val="phClr"/>
+        </a:solidFill>
+        <a:gradFill rotWithShape="1">
+          <a:gsLst>
+            <a:gs pos="0">
+              <a:schemeClr val="phClr">
+                <a:lumMod val="110000"/>
+                <a:satMod val="105000"/>
+                <a:tint val="67000"/>
+              </a:schemeClr>
+            </a:gs>
+            <a:gs pos="50000">
+              <a:schemeClr val="phClr">
+                <a:lumMod val="105000"/>
+                <a:satMod val="103000"/>
+                <a:tint val="73000"/>
+              </a:schemeClr>
+            </a:gs>
+            <a:gs pos="100000">
+              <a:schemeClr val="phClr">
+                <a:lumMod val="105000"/>
+                <a:satMod val="109000"/>
+                <a:tint val="81000"/>
+              </a:schemeClr>
+            </a:gs>
+          </a:gsLst>
+          <a:lin ang="5400000" scaled="0"/>
+        </a:gradFill>
+        <a:gradFill rotWithShape="1">
+          <a:gsLst>
+            <a:gs pos="0">
+              <a:schemeClr val="phClr">
+                <a:satMod val="103000"/>
+                <a:lumMod val="102000"/>
+                <a:tint val="94000"/>
+              </a:schemeClr>
+            </a:gs>
+            <a:gs pos="50000">
+              <a:schemeClr val="phClr">
+                <a:satMod val="110000"/>
+                <a:lumMod val="100000"/>
+                <a:shade val="100000"/>
+              </a:schemeClr>
+            </a:gs>
+            <a:gs pos="100000">
+              <a:schemeClr val="phClr">
+                <a:lumMod val="99000"/>
+                <a:satMod val="120000"/>
+                <a:shade val="78000"/>
+              </a:schemeClr>
+            </a:gs>
+          </a:gsLst>
+          <a:lin ang="5400000" scaled="0"/>
+        </a:gradFill>
+      </a:fillStyleLst>
+      <a:lnStyleLst>
+        <a:ln w="6350" cap="flat" cmpd="sng" algn="ctr">
+          <a:solidFill>
+            <a:schemeClr val="phClr"/>
+          </a:solidFill>
+          <a:prstDash val="solid"/>
+          <a:miter lim="800000"/>
+        </a:ln>
+        <a:ln w="12700" cap="flat" cmpd="sng" algn="ctr">
+          <a:solidFill>
+            <a:schemeClr val="phClr"/>
+          </a:solidFill>
+          <a:prstDash val="solid"/>
+          <a:miter lim="800000"/>
+        </a:ln>
+        <a:ln w="19050" cap="flat" cmpd="sng" algn="ctr">
+          <a:solidFill>
+            <a:schemeClr val="phClr"/>
+          </a:solidFill>
+          <a:prstDash val="solid"/>
+          <a:miter lim="800000"/>
+        </a:ln>
+      </a:lnStyleLst>
+      <a:effectStyleLst>
+        <a:effectStyle>
+          <a:effectLst/>
+        </a:effectStyle>
+        <a:effectStyle>
+          <a:effectLst/>
+        </a:effectStyle>
+        <a:effectStyle>
+          <a:effectLst>
+            <a:outerShdw blurRad="57150" dist="19050" dir="5400000" algn="ctr" rotWithShape="0">
+              <a:srgbClr val="000000">
+                <a:alpha val="63000"/>
+              </a:srgbClr>
+            </a:outerShdw>
+          </a:effectLst>
+        </a:effectStyle>
+      </a:effectStyleLst>
+      <a:bgFillStyleLst>
+        <a:solidFill>
+          <a:schemeClr val="phClr"/>
+        </a:solidFill>
+        <a:solidFill>
+          <a:schemeClr val="phClr">
+            <a:tint val="95000"/>
+            <a:satMod val="170000"/>
+          </a:schemeClr>
+        </a:solidFill>
+        <a:gradFill rotWithShape="1">
+          <a:gsLst>
+            <a:gs pos="0">
+              <a:schemeClr val="phClr">
+                <a:tint val="93000"/>
+                <a:satMod val="150000"/>
+                <a:shade val="98000"/>
+                <a:lumMod val="102000"/>
+              </a:schemeClr>
+            </a:gs>
+            <a:gs pos="50000">
+              <a:schemeClr val="phClr">
+                <a:tint val="98000"/>
+                <a:satMod val="130000"/>
+                <a:shade val="90000"/>
+                <a:lumMod val="103000"/>
+              </a:schemeClr>
+            </a:gs>
+            <a:gs pos="100000">
+              <a:schemeClr val="phClr">
+                <a:shade val="63000"/>
+                <a:satMod val="120000"/>
+              </a:schemeClr>
+            </a:gs>
+          </a:gsLst>
+          <a:lin ang="5400000" scaled="0"/>
+        </a:gradFill>
+      </a:bgFillStyleLst>
+    </a:fmtScheme>
+  </a:themeElements>
+  <a:objectDefaults/>
+  <a:extraClrSchemeLst/>
+  <a:extLst>
+    <a:ext uri="{05A4C25C-085E-4340-85A3-A5531E510DB2}">
+      <thm15:themeFamily xmlns:thm15="http://schemas.microsoft.com/office/thememl/2012/main" name="Presentation3" id="{4564A034-2165-1D4E-8846-BDD2A5834FF7}" vid="{4800BFD0-0A10-154C-8B65-46E793267157}"/>
+    </a:ext>
+  </a:extLst>
+</a:theme>
 </file>